--- a/job/teaching/teaching-demonstration2.pptx
+++ b/job/teaching/teaching-demonstration2.pptx
@@ -15,7 +15,7 @@
     <p:sldId id="337" r:id="rId9"/>
     <p:sldId id="339" r:id="rId10"/>
     <p:sldId id="344" r:id="rId11"/>
-    <p:sldId id="345" r:id="rId12"/>
+    <p:sldId id="350" r:id="rId12"/>
     <p:sldId id="331" r:id="rId13"/>
     <p:sldId id="295" r:id="rId14"/>
     <p:sldId id="285" r:id="rId15"/>
@@ -26,11 +26,14 @@
     <p:sldId id="289" r:id="rId20"/>
     <p:sldId id="328" r:id="rId21"/>
     <p:sldId id="338" r:id="rId22"/>
-    <p:sldId id="346" r:id="rId23"/>
-    <p:sldId id="329" r:id="rId24"/>
-    <p:sldId id="348" r:id="rId25"/>
-    <p:sldId id="349" r:id="rId26"/>
-    <p:sldId id="347" r:id="rId27"/>
+    <p:sldId id="351" r:id="rId23"/>
+    <p:sldId id="352" r:id="rId24"/>
+    <p:sldId id="353" r:id="rId25"/>
+    <p:sldId id="329" r:id="rId26"/>
+    <p:sldId id="348" r:id="rId27"/>
+    <p:sldId id="349" r:id="rId28"/>
+    <p:sldId id="354" r:id="rId29"/>
+    <p:sldId id="347" r:id="rId30"/>
   </p:sldIdLst>
   <p:sldSz cx="12192000" cy="6858000"/>
   <p:notesSz cx="6858000" cy="9144000"/>
@@ -129,13 +132,18 @@
       </a:defRPr>
     </a:lvl9pPr>
   </p:defaultTextStyle>
+  <p:extLst>
+    <p:ext uri="{EFAFB233-063F-42B5-8137-9DF3F51BA10A}">
+      <p15:sldGuideLst xmlns:p15="http://schemas.microsoft.com/office/powerpoint/2012/main"/>
+    </p:ext>
+  </p:extLst>
 </p:presentation>
 </file>
 
 <file path=ppt/revisionInfo.xml><?xml version="1.0" encoding="utf-8"?>
 <p1510:revInfo xmlns:a="http://schemas.openxmlformats.org/drawingml/2006/main" xmlns:r="http://schemas.openxmlformats.org/officeDocument/2006/relationships" xmlns:p1510="http://schemas.microsoft.com/office/powerpoint/2015/10/main">
   <p1510:revLst>
-    <p1510:client id="{A77833D6-49E4-4E9A-90FC-827386025560}" v="110" dt="2022-11-13T22:16:25.599"/>
+    <p1510:client id="{A77833D6-49E4-4E9A-90FC-827386025560}" v="362" dt="2022-11-18T17:55:18.556"/>
   </p1510:revLst>
 </p1510:revInfo>
 </file>
@@ -145,42 +153,73 @@
   <pc:docChgLst>
     <pc:chgData name="Alison Kleffner" userId="0bed3509-e787-48f4-9a13-47afcd2529d5" providerId="ADAL" clId="{A77833D6-49E4-4E9A-90FC-827386025560}"/>
     <pc:docChg chg="undo custSel addSld delSld modSld sldOrd">
-      <pc:chgData name="Alison Kleffner" userId="0bed3509-e787-48f4-9a13-47afcd2529d5" providerId="ADAL" clId="{A77833D6-49E4-4E9A-90FC-827386025560}" dt="2022-11-14T03:41:07.855" v="1784" actId="20577"/>
+      <pc:chgData name="Alison Kleffner" userId="0bed3509-e787-48f4-9a13-47afcd2529d5" providerId="ADAL" clId="{A77833D6-49E4-4E9A-90FC-827386025560}" dt="2022-11-18T17:55:18.556" v="2447"/>
       <pc:docMkLst>
         <pc:docMk/>
       </pc:docMkLst>
-      <pc:sldChg chg="modSp mod">
-        <pc:chgData name="Alison Kleffner" userId="0bed3509-e787-48f4-9a13-47afcd2529d5" providerId="ADAL" clId="{A77833D6-49E4-4E9A-90FC-827386025560}" dt="2022-11-14T03:39:17.439" v="1639" actId="20577"/>
+      <pc:sldChg chg="delSp mod">
+        <pc:chgData name="Alison Kleffner" userId="0bed3509-e787-48f4-9a13-47afcd2529d5" providerId="ADAL" clId="{A77833D6-49E4-4E9A-90FC-827386025560}" dt="2022-11-17T19:28:59.115" v="1785" actId="478"/>
+        <pc:sldMkLst>
+          <pc:docMk/>
+          <pc:sldMk cId="1659551543" sldId="256"/>
+        </pc:sldMkLst>
+        <pc:spChg chg="del">
+          <ac:chgData name="Alison Kleffner" userId="0bed3509-e787-48f4-9a13-47afcd2529d5" providerId="ADAL" clId="{A77833D6-49E4-4E9A-90FC-827386025560}" dt="2022-11-17T19:28:59.115" v="1785" actId="478"/>
+          <ac:spMkLst>
+            <pc:docMk/>
+            <pc:sldMk cId="1659551543" sldId="256"/>
+            <ac:spMk id="3" creationId="{1A9B5663-F249-D70E-C51B-857BFFEB808D}"/>
+          </ac:spMkLst>
+        </pc:spChg>
+      </pc:sldChg>
+      <pc:sldChg chg="delSp modSp mod">
+        <pc:chgData name="Alison Kleffner" userId="0bed3509-e787-48f4-9a13-47afcd2529d5" providerId="ADAL" clId="{A77833D6-49E4-4E9A-90FC-827386025560}" dt="2022-11-18T16:40:46.163" v="2344" actId="20577"/>
         <pc:sldMkLst>
           <pc:docMk/>
           <pc:sldMk cId="3462525563" sldId="257"/>
         </pc:sldMkLst>
         <pc:spChg chg="mod">
-          <ac:chgData name="Alison Kleffner" userId="0bed3509-e787-48f4-9a13-47afcd2529d5" providerId="ADAL" clId="{A77833D6-49E4-4E9A-90FC-827386025560}" dt="2022-11-14T03:39:17.439" v="1639" actId="20577"/>
+          <ac:chgData name="Alison Kleffner" userId="0bed3509-e787-48f4-9a13-47afcd2529d5" providerId="ADAL" clId="{A77833D6-49E4-4E9A-90FC-827386025560}" dt="2022-11-18T16:40:46.163" v="2344" actId="20577"/>
           <ac:spMkLst>
             <pc:docMk/>
             <pc:sldMk cId="3462525563" sldId="257"/>
             <ac:spMk id="4" creationId="{8A2CD323-40DE-952A-19BF-C811AD01428D}"/>
           </ac:spMkLst>
         </pc:spChg>
+        <pc:inkChg chg="del">
+          <ac:chgData name="Alison Kleffner" userId="0bed3509-e787-48f4-9a13-47afcd2529d5" providerId="ADAL" clId="{A77833D6-49E4-4E9A-90FC-827386025560}" dt="2022-11-18T16:39:29.858" v="2171" actId="478"/>
+          <ac:inkMkLst>
+            <pc:docMk/>
+            <pc:sldMk cId="3462525563" sldId="257"/>
+            <ac:inkMk id="2" creationId="{C1724A9A-BFD2-5373-EA9F-2CCAB3329E2F}"/>
+          </ac:inkMkLst>
+        </pc:inkChg>
       </pc:sldChg>
-      <pc:sldChg chg="modSp mod">
-        <pc:chgData name="Alison Kleffner" userId="0bed3509-e787-48f4-9a13-47afcd2529d5" providerId="ADAL" clId="{A77833D6-49E4-4E9A-90FC-827386025560}" dt="2022-11-13T21:50:56.136" v="612" actId="2711"/>
+      <pc:sldChg chg="delSp modSp mod">
+        <pc:chgData name="Alison Kleffner" userId="0bed3509-e787-48f4-9a13-47afcd2529d5" providerId="ADAL" clId="{A77833D6-49E4-4E9A-90FC-827386025560}" dt="2022-11-18T16:44:33.181" v="2367" actId="20577"/>
         <pc:sldMkLst>
           <pc:docMk/>
           <pc:sldMk cId="3975868520" sldId="285"/>
         </pc:sldMkLst>
         <pc:spChg chg="mod">
-          <ac:chgData name="Alison Kleffner" userId="0bed3509-e787-48f4-9a13-47afcd2529d5" providerId="ADAL" clId="{A77833D6-49E4-4E9A-90FC-827386025560}" dt="2022-11-13T21:50:56.136" v="612" actId="2711"/>
+          <ac:chgData name="Alison Kleffner" userId="0bed3509-e787-48f4-9a13-47afcd2529d5" providerId="ADAL" clId="{A77833D6-49E4-4E9A-90FC-827386025560}" dt="2022-11-18T16:44:33.181" v="2367" actId="20577"/>
           <ac:spMkLst>
             <pc:docMk/>
             <pc:sldMk cId="3975868520" sldId="285"/>
             <ac:spMk id="3" creationId="{00000000-0000-0000-0000-000000000000}"/>
           </ac:spMkLst>
         </pc:spChg>
+        <pc:inkChg chg="del">
+          <ac:chgData name="Alison Kleffner" userId="0bed3509-e787-48f4-9a13-47afcd2529d5" providerId="ADAL" clId="{A77833D6-49E4-4E9A-90FC-827386025560}" dt="2022-11-18T16:44:18.989" v="2352" actId="478"/>
+          <ac:inkMkLst>
+            <pc:docMk/>
+            <pc:sldMk cId="3975868520" sldId="285"/>
+            <ac:inkMk id="5" creationId="{56B9BA94-CE62-B1BE-89FD-5624C0AFBD99}"/>
+          </ac:inkMkLst>
+        </pc:inkChg>
       </pc:sldChg>
-      <pc:sldChg chg="modSp mod">
-        <pc:chgData name="Alison Kleffner" userId="0bed3509-e787-48f4-9a13-47afcd2529d5" providerId="ADAL" clId="{A77833D6-49E4-4E9A-90FC-827386025560}" dt="2022-11-13T21:23:55.982" v="213" actId="255"/>
+      <pc:sldChg chg="delSp modSp mod">
+        <pc:chgData name="Alison Kleffner" userId="0bed3509-e787-48f4-9a13-47afcd2529d5" providerId="ADAL" clId="{A77833D6-49E4-4E9A-90FC-827386025560}" dt="2022-11-18T16:44:38.860" v="2368" actId="478"/>
         <pc:sldMkLst>
           <pc:docMk/>
           <pc:sldMk cId="1794091297" sldId="286"/>
@@ -193,6 +232,14 @@
             <ac:spMk id="4" creationId="{00000000-0000-0000-0000-000000000000}"/>
           </ac:spMkLst>
         </pc:spChg>
+        <pc:inkChg chg="del">
+          <ac:chgData name="Alison Kleffner" userId="0bed3509-e787-48f4-9a13-47afcd2529d5" providerId="ADAL" clId="{A77833D6-49E4-4E9A-90FC-827386025560}" dt="2022-11-18T16:44:38.860" v="2368" actId="478"/>
+          <ac:inkMkLst>
+            <pc:docMk/>
+            <pc:sldMk cId="1794091297" sldId="286"/>
+            <ac:inkMk id="5" creationId="{B27CAFB5-9CF7-2FC1-A0AD-17CAC4DD6FDE}"/>
+          </ac:inkMkLst>
+        </pc:inkChg>
       </pc:sldChg>
       <pc:sldChg chg="addSp delSp modSp mod chgLayout">
         <pc:chgData name="Alison Kleffner" userId="0bed3509-e787-48f4-9a13-47afcd2529d5" providerId="ADAL" clId="{A77833D6-49E4-4E9A-90FC-827386025560}" dt="2022-11-13T21:24:05.213" v="215" actId="27636"/>
@@ -257,8 +304,8 @@
           </ac:spMkLst>
         </pc:spChg>
       </pc:sldChg>
-      <pc:sldChg chg="addSp delSp modSp mod">
-        <pc:chgData name="Alison Kleffner" userId="0bed3509-e787-48f4-9a13-47afcd2529d5" providerId="ADAL" clId="{A77833D6-49E4-4E9A-90FC-827386025560}" dt="2022-11-13T21:40:42.498" v="534" actId="20577"/>
+      <pc:sldChg chg="addSp delSp modSp mod modAnim">
+        <pc:chgData name="Alison Kleffner" userId="0bed3509-e787-48f4-9a13-47afcd2529d5" providerId="ADAL" clId="{A77833D6-49E4-4E9A-90FC-827386025560}" dt="2022-11-18T17:37:15.139" v="2441"/>
         <pc:sldMkLst>
           <pc:docMk/>
           <pc:sldMk cId="131136163" sldId="289"/>
@@ -272,7 +319,7 @@
           </ac:spMkLst>
         </pc:spChg>
         <pc:spChg chg="mod">
-          <ac:chgData name="Alison Kleffner" userId="0bed3509-e787-48f4-9a13-47afcd2529d5" providerId="ADAL" clId="{A77833D6-49E4-4E9A-90FC-827386025560}" dt="2022-11-13T21:40:42.498" v="534" actId="20577"/>
+          <ac:chgData name="Alison Kleffner" userId="0bed3509-e787-48f4-9a13-47afcd2529d5" providerId="ADAL" clId="{A77833D6-49E4-4E9A-90FC-827386025560}" dt="2022-11-17T20:23:56.864" v="1957" actId="27636"/>
           <ac:spMkLst>
             <pc:docMk/>
             <pc:sldMk cId="131136163" sldId="289"/>
@@ -295,6 +342,14 @@
             <ac:picMk id="13" creationId="{00000000-0000-0000-0000-000000000000}"/>
           </ac:picMkLst>
         </pc:picChg>
+        <pc:inkChg chg="del">
+          <ac:chgData name="Alison Kleffner" userId="0bed3509-e787-48f4-9a13-47afcd2529d5" providerId="ADAL" clId="{A77833D6-49E4-4E9A-90FC-827386025560}" dt="2022-11-18T16:47:22.459" v="2418" actId="478"/>
+          <ac:inkMkLst>
+            <pc:docMk/>
+            <pc:sldMk cId="131136163" sldId="289"/>
+            <ac:inkMk id="4" creationId="{4F1AAA8E-C538-54D3-5911-E4225396696F}"/>
+          </ac:inkMkLst>
+        </pc:inkChg>
       </pc:sldChg>
       <pc:sldChg chg="addSp delSp modSp mod">
         <pc:chgData name="Alison Kleffner" userId="0bed3509-e787-48f4-9a13-47afcd2529d5" providerId="ADAL" clId="{A77833D6-49E4-4E9A-90FC-827386025560}" dt="2022-11-13T21:29:20.593" v="257" actId="207"/>
@@ -420,8 +475,8 @@
           <pc:sldMk cId="3294186903" sldId="326"/>
         </pc:sldMkLst>
       </pc:sldChg>
-      <pc:sldChg chg="addSp delSp modSp mod">
-        <pc:chgData name="Alison Kleffner" userId="0bed3509-e787-48f4-9a13-47afcd2529d5" providerId="ADAL" clId="{A77833D6-49E4-4E9A-90FC-827386025560}" dt="2022-11-13T21:33:47.333" v="460" actId="20577"/>
+      <pc:sldChg chg="addSp delSp modSp mod modAnim">
+        <pc:chgData name="Alison Kleffner" userId="0bed3509-e787-48f4-9a13-47afcd2529d5" providerId="ADAL" clId="{A77833D6-49E4-4E9A-90FC-827386025560}" dt="2022-11-18T16:47:17.514" v="2417"/>
         <pc:sldMkLst>
           <pc:docMk/>
           <pc:sldMk cId="2947884881" sldId="327"/>
@@ -435,7 +490,7 @@
           </ac:spMkLst>
         </pc:spChg>
         <pc:spChg chg="mod">
-          <ac:chgData name="Alison Kleffner" userId="0bed3509-e787-48f4-9a13-47afcd2529d5" providerId="ADAL" clId="{A77833D6-49E4-4E9A-90FC-827386025560}" dt="2022-11-13T21:31:00.511" v="298" actId="20577"/>
+          <ac:chgData name="Alison Kleffner" userId="0bed3509-e787-48f4-9a13-47afcd2529d5" providerId="ADAL" clId="{A77833D6-49E4-4E9A-90FC-827386025560}" dt="2022-11-18T16:46:55.208" v="2412" actId="20577"/>
           <ac:spMkLst>
             <pc:docMk/>
             <pc:sldMk cId="2947884881" sldId="327"/>
@@ -443,7 +498,7 @@
           </ac:spMkLst>
         </pc:spChg>
         <pc:spChg chg="mod">
-          <ac:chgData name="Alison Kleffner" userId="0bed3509-e787-48f4-9a13-47afcd2529d5" providerId="ADAL" clId="{A77833D6-49E4-4E9A-90FC-827386025560}" dt="2022-11-13T21:33:47.333" v="460" actId="20577"/>
+          <ac:chgData name="Alison Kleffner" userId="0bed3509-e787-48f4-9a13-47afcd2529d5" providerId="ADAL" clId="{A77833D6-49E4-4E9A-90FC-827386025560}" dt="2022-11-18T16:47:02.842" v="2414" actId="1076"/>
           <ac:spMkLst>
             <pc:docMk/>
             <pc:sldMk cId="2947884881" sldId="327"/>
@@ -466,25 +521,41 @@
             <ac:spMk id="9" creationId="{8F1ED581-E298-C842-8B6A-E76B3E7C7D97}"/>
           </ac:spMkLst>
         </pc:spChg>
-        <pc:graphicFrameChg chg="modGraphic">
-          <ac:chgData name="Alison Kleffner" userId="0bed3509-e787-48f4-9a13-47afcd2529d5" providerId="ADAL" clId="{A77833D6-49E4-4E9A-90FC-827386025560}" dt="2022-11-13T21:33:19.481" v="385" actId="20577"/>
+        <pc:graphicFrameChg chg="mod modGraphic">
+          <ac:chgData name="Alison Kleffner" userId="0bed3509-e787-48f4-9a13-47afcd2529d5" providerId="ADAL" clId="{A77833D6-49E4-4E9A-90FC-827386025560}" dt="2022-11-18T16:47:06.507" v="2415" actId="14100"/>
           <ac:graphicFrameMkLst>
             <pc:docMk/>
             <pc:sldMk cId="2947884881" sldId="327"/>
             <ac:graphicFrameMk id="2" creationId="{00000000-0000-0000-0000-000000000000}"/>
           </ac:graphicFrameMkLst>
         </pc:graphicFrameChg>
-        <pc:graphicFrameChg chg="modGraphic">
-          <ac:chgData name="Alison Kleffner" userId="0bed3509-e787-48f4-9a13-47afcd2529d5" providerId="ADAL" clId="{A77833D6-49E4-4E9A-90FC-827386025560}" dt="2022-11-13T21:32:40.472" v="342" actId="20577"/>
+        <pc:graphicFrameChg chg="del modGraphic">
+          <ac:chgData name="Alison Kleffner" userId="0bed3509-e787-48f4-9a13-47afcd2529d5" providerId="ADAL" clId="{A77833D6-49E4-4E9A-90FC-827386025560}" dt="2022-11-18T16:46:51.892" v="2411" actId="478"/>
           <ac:graphicFrameMkLst>
             <pc:docMk/>
             <pc:sldMk cId="2947884881" sldId="327"/>
             <ac:graphicFrameMk id="4" creationId="{00000000-0000-0000-0000-000000000000}"/>
           </ac:graphicFrameMkLst>
         </pc:graphicFrameChg>
+        <pc:inkChg chg="del">
+          <ac:chgData name="Alison Kleffner" userId="0bed3509-e787-48f4-9a13-47afcd2529d5" providerId="ADAL" clId="{A77833D6-49E4-4E9A-90FC-827386025560}" dt="2022-11-18T16:46:06.576" v="2375" actId="478"/>
+          <ac:inkMkLst>
+            <pc:docMk/>
+            <pc:sldMk cId="2947884881" sldId="327"/>
+            <ac:inkMk id="6" creationId="{B6A0536D-111A-CD02-880B-758F24E744D9}"/>
+          </ac:inkMkLst>
+        </pc:inkChg>
+        <pc:inkChg chg="del">
+          <ac:chgData name="Alison Kleffner" userId="0bed3509-e787-48f4-9a13-47afcd2529d5" providerId="ADAL" clId="{A77833D6-49E4-4E9A-90FC-827386025560}" dt="2022-11-18T16:46:59.046" v="2413" actId="478"/>
+          <ac:inkMkLst>
+            <pc:docMk/>
+            <pc:sldMk cId="2947884881" sldId="327"/>
+            <ac:inkMk id="8" creationId="{1B13B306-8F56-866D-3DA4-8F1F18F3EC9E}"/>
+          </ac:inkMkLst>
+        </pc:inkChg>
       </pc:sldChg>
-      <pc:sldChg chg="modSp mod">
-        <pc:chgData name="Alison Kleffner" userId="0bed3509-e787-48f4-9a13-47afcd2529d5" providerId="ADAL" clId="{A77833D6-49E4-4E9A-90FC-827386025560}" dt="2022-11-13T21:44:21.715" v="548" actId="27636"/>
+      <pc:sldChg chg="delSp modSp mod">
+        <pc:chgData name="Alison Kleffner" userId="0bed3509-e787-48f4-9a13-47afcd2529d5" providerId="ADAL" clId="{A77833D6-49E4-4E9A-90FC-827386025560}" dt="2022-11-18T16:47:28.538" v="2419" actId="478"/>
         <pc:sldMkLst>
           <pc:docMk/>
           <pc:sldMk cId="1113799477" sldId="328"/>
@@ -497,13 +568,29 @@
             <ac:spMk id="3" creationId="{00000000-0000-0000-0000-000000000000}"/>
           </ac:spMkLst>
         </pc:spChg>
+        <pc:inkChg chg="del">
+          <ac:chgData name="Alison Kleffner" userId="0bed3509-e787-48f4-9a13-47afcd2529d5" providerId="ADAL" clId="{A77833D6-49E4-4E9A-90FC-827386025560}" dt="2022-11-18T16:47:28.538" v="2419" actId="478"/>
+          <ac:inkMkLst>
+            <pc:docMk/>
+            <pc:sldMk cId="1113799477" sldId="328"/>
+            <ac:inkMk id="4" creationId="{DACB0BDB-605E-29FD-BE1A-768541AF0132}"/>
+          </ac:inkMkLst>
+        </pc:inkChg>
       </pc:sldChg>
-      <pc:sldChg chg="modSp add mod ord">
-        <pc:chgData name="Alison Kleffner" userId="0bed3509-e787-48f4-9a13-47afcd2529d5" providerId="ADAL" clId="{A77833D6-49E4-4E9A-90FC-827386025560}" dt="2022-11-13T21:57:50.945" v="640"/>
+      <pc:sldChg chg="delSp modSp add mod ord">
+        <pc:chgData name="Alison Kleffner" userId="0bed3509-e787-48f4-9a13-47afcd2529d5" providerId="ADAL" clId="{A77833D6-49E4-4E9A-90FC-827386025560}" dt="2022-11-18T16:50:46.589" v="2434" actId="478"/>
         <pc:sldMkLst>
           <pc:docMk/>
           <pc:sldMk cId="3895926756" sldId="329"/>
         </pc:sldMkLst>
+        <pc:spChg chg="mod">
+          <ac:chgData name="Alison Kleffner" userId="0bed3509-e787-48f4-9a13-47afcd2529d5" providerId="ADAL" clId="{A77833D6-49E4-4E9A-90FC-827386025560}" dt="2022-11-18T16:50:44.710" v="2433" actId="20577"/>
+          <ac:spMkLst>
+            <pc:docMk/>
+            <pc:sldMk cId="3895926756" sldId="329"/>
+            <ac:spMk id="2" creationId="{F452700A-2112-3E4D-A153-6A114740DBF5}"/>
+          </ac:spMkLst>
+        </pc:spChg>
         <pc:spChg chg="mod">
           <ac:chgData name="Alison Kleffner" userId="0bed3509-e787-48f4-9a13-47afcd2529d5" providerId="ADAL" clId="{A77833D6-49E4-4E9A-90FC-827386025560}" dt="2022-11-13T21:44:10.003" v="543" actId="20577"/>
           <ac:spMkLst>
@@ -512,9 +599,17 @@
             <ac:spMk id="7" creationId="{4C67D1D6-54E2-4B49-97BD-E5179BD75933}"/>
           </ac:spMkLst>
         </pc:spChg>
+        <pc:inkChg chg="del">
+          <ac:chgData name="Alison Kleffner" userId="0bed3509-e787-48f4-9a13-47afcd2529d5" providerId="ADAL" clId="{A77833D6-49E4-4E9A-90FC-827386025560}" dt="2022-11-18T16:50:46.589" v="2434" actId="478"/>
+          <ac:inkMkLst>
+            <pc:docMk/>
+            <pc:sldMk cId="3895926756" sldId="329"/>
+            <ac:inkMk id="3" creationId="{76843E2F-8330-0A95-060D-9E0D5C95EF30}"/>
+          </ac:inkMkLst>
+        </pc:inkChg>
       </pc:sldChg>
-      <pc:sldChg chg="add">
-        <pc:chgData name="Alison Kleffner" userId="0bed3509-e787-48f4-9a13-47afcd2529d5" providerId="ADAL" clId="{A77833D6-49E4-4E9A-90FC-827386025560}" dt="2022-11-13T21:54:41.865" v="613"/>
+      <pc:sldChg chg="add del">
+        <pc:chgData name="Alison Kleffner" userId="0bed3509-e787-48f4-9a13-47afcd2529d5" providerId="ADAL" clId="{A77833D6-49E4-4E9A-90FC-827386025560}" dt="2022-11-17T19:46:54.413" v="1951"/>
         <pc:sldMkLst>
           <pc:docMk/>
           <pc:sldMk cId="3081990818" sldId="331"/>
@@ -567,7 +662,7 @@
         </pc:spChg>
       </pc:sldChg>
       <pc:sldChg chg="addSp delSp modSp new mod ord">
-        <pc:chgData name="Alison Kleffner" userId="0bed3509-e787-48f4-9a13-47afcd2529d5" providerId="ADAL" clId="{A77833D6-49E4-4E9A-90FC-827386025560}" dt="2022-11-13T22:12:23.226" v="833" actId="14100"/>
+        <pc:chgData name="Alison Kleffner" userId="0bed3509-e787-48f4-9a13-47afcd2529d5" providerId="ADAL" clId="{A77833D6-49E4-4E9A-90FC-827386025560}" dt="2022-11-18T16:49:20.825" v="2421" actId="478"/>
         <pc:sldMkLst>
           <pc:docMk/>
           <pc:sldMk cId="2547639762" sldId="338"/>
@@ -620,9 +715,25 @@
             <ac:graphicFrameMk id="6" creationId="{3DCD7410-2240-96F0-72FC-748DE01F1353}"/>
           </ac:graphicFrameMkLst>
         </pc:graphicFrameChg>
+        <pc:inkChg chg="del">
+          <ac:chgData name="Alison Kleffner" userId="0bed3509-e787-48f4-9a13-47afcd2529d5" providerId="ADAL" clId="{A77833D6-49E4-4E9A-90FC-827386025560}" dt="2022-11-18T16:49:18.926" v="2420" actId="478"/>
+          <ac:inkMkLst>
+            <pc:docMk/>
+            <pc:sldMk cId="2547639762" sldId="338"/>
+            <ac:inkMk id="3" creationId="{5B099CB7-BA18-F825-C0B4-FD4999A3E45A}"/>
+          </ac:inkMkLst>
+        </pc:inkChg>
+        <pc:inkChg chg="del">
+          <ac:chgData name="Alison Kleffner" userId="0bed3509-e787-48f4-9a13-47afcd2529d5" providerId="ADAL" clId="{A77833D6-49E4-4E9A-90FC-827386025560}" dt="2022-11-18T16:49:20.825" v="2421" actId="478"/>
+          <ac:inkMkLst>
+            <pc:docMk/>
+            <pc:sldMk cId="2547639762" sldId="338"/>
+            <ac:inkMk id="4" creationId="{1621F404-4675-D591-2C63-8C40B1A6446C}"/>
+          </ac:inkMkLst>
+        </pc:inkChg>
       </pc:sldChg>
-      <pc:sldChg chg="modSp add mod">
-        <pc:chgData name="Alison Kleffner" userId="0bed3509-e787-48f4-9a13-47afcd2529d5" providerId="ADAL" clId="{A77833D6-49E4-4E9A-90FC-827386025560}" dt="2022-11-13T21:56:54.704" v="634" actId="20577"/>
+      <pc:sldChg chg="delSp modSp add mod">
+        <pc:chgData name="Alison Kleffner" userId="0bed3509-e787-48f4-9a13-47afcd2529d5" providerId="ADAL" clId="{A77833D6-49E4-4E9A-90FC-827386025560}" dt="2022-11-18T16:42:48.305" v="2349" actId="478"/>
         <pc:sldMkLst>
           <pc:docMk/>
           <pc:sldMk cId="103601530" sldId="339"/>
@@ -635,51 +746,91 @@
             <ac:spMk id="3" creationId="{28468CEA-AF66-4C04-AAB5-029CDD80427A}"/>
           </ac:spMkLst>
         </pc:spChg>
+        <pc:inkChg chg="del">
+          <ac:chgData name="Alison Kleffner" userId="0bed3509-e787-48f4-9a13-47afcd2529d5" providerId="ADAL" clId="{A77833D6-49E4-4E9A-90FC-827386025560}" dt="2022-11-18T16:42:48.305" v="2349" actId="478"/>
+          <ac:inkMkLst>
+            <pc:docMk/>
+            <pc:sldMk cId="103601530" sldId="339"/>
+            <ac:inkMk id="4" creationId="{06A46E87-0006-BEED-8F88-0E35960C862C}"/>
+          </ac:inkMkLst>
+        </pc:inkChg>
       </pc:sldChg>
-      <pc:sldChg chg="modSp add mod">
-        <pc:chgData name="Alison Kleffner" userId="0bed3509-e787-48f4-9a13-47afcd2529d5" providerId="ADAL" clId="{A77833D6-49E4-4E9A-90FC-827386025560}" dt="2022-11-13T21:56:14.734" v="622" actId="1076"/>
+      <pc:sldChg chg="delSp modSp add mod">
+        <pc:chgData name="Alison Kleffner" userId="0bed3509-e787-48f4-9a13-47afcd2529d5" providerId="ADAL" clId="{A77833D6-49E4-4E9A-90FC-827386025560}" dt="2022-11-18T16:42:27.479" v="2347" actId="14100"/>
         <pc:sldMkLst>
           <pc:docMk/>
           <pc:sldMk cId="2157558300" sldId="341"/>
         </pc:sldMkLst>
         <pc:spChg chg="mod">
-          <ac:chgData name="Alison Kleffner" userId="0bed3509-e787-48f4-9a13-47afcd2529d5" providerId="ADAL" clId="{A77833D6-49E4-4E9A-90FC-827386025560}" dt="2022-11-13T21:56:06.660" v="621" actId="1076"/>
+          <ac:chgData name="Alison Kleffner" userId="0bed3509-e787-48f4-9a13-47afcd2529d5" providerId="ADAL" clId="{A77833D6-49E4-4E9A-90FC-827386025560}" dt="2022-11-18T16:42:24.016" v="2346" actId="14100"/>
+          <ac:spMkLst>
+            <pc:docMk/>
+            <pc:sldMk cId="2157558300" sldId="341"/>
+            <ac:spMk id="2" creationId="{9F9900D7-3799-4974-B39E-8091A5661184}"/>
+          </ac:spMkLst>
+        </pc:spChg>
+        <pc:spChg chg="mod">
+          <ac:chgData name="Alison Kleffner" userId="0bed3509-e787-48f4-9a13-47afcd2529d5" providerId="ADAL" clId="{A77833D6-49E4-4E9A-90FC-827386025560}" dt="2022-11-18T16:42:27.479" v="2347" actId="14100"/>
           <ac:spMkLst>
             <pc:docMk/>
             <pc:sldMk cId="2157558300" sldId="341"/>
             <ac:spMk id="3" creationId="{78F4485D-F8E1-45ED-8234-C466DB81B649}"/>
           </ac:spMkLst>
         </pc:spChg>
-        <pc:graphicFrameChg chg="mod">
-          <ac:chgData name="Alison Kleffner" userId="0bed3509-e787-48f4-9a13-47afcd2529d5" providerId="ADAL" clId="{A77833D6-49E4-4E9A-90FC-827386025560}" dt="2022-11-13T21:56:14.734" v="622" actId="1076"/>
+        <pc:graphicFrameChg chg="mod modGraphic">
+          <ac:chgData name="Alison Kleffner" userId="0bed3509-e787-48f4-9a13-47afcd2529d5" providerId="ADAL" clId="{A77833D6-49E4-4E9A-90FC-827386025560}" dt="2022-11-17T19:42:25.286" v="1808" actId="20577"/>
           <ac:graphicFrameMkLst>
             <pc:docMk/>
             <pc:sldMk cId="2157558300" sldId="341"/>
             <ac:graphicFrameMk id="4" creationId="{00000000-0000-0000-0000-000000000000}"/>
           </ac:graphicFrameMkLst>
         </pc:graphicFrameChg>
+        <pc:inkChg chg="del">
+          <ac:chgData name="Alison Kleffner" userId="0bed3509-e787-48f4-9a13-47afcd2529d5" providerId="ADAL" clId="{A77833D6-49E4-4E9A-90FC-827386025560}" dt="2022-11-18T16:42:19.399" v="2345" actId="478"/>
+          <ac:inkMkLst>
+            <pc:docMk/>
+            <pc:sldMk cId="2157558300" sldId="341"/>
+            <ac:inkMk id="5" creationId="{DD6C9868-1C05-CC48-3B55-BC524CB7B07B}"/>
+          </ac:inkMkLst>
+        </pc:inkChg>
       </pc:sldChg>
-      <pc:sldChg chg="modSp add mod">
-        <pc:chgData name="Alison Kleffner" userId="0bed3509-e787-48f4-9a13-47afcd2529d5" providerId="ADAL" clId="{A77833D6-49E4-4E9A-90FC-827386025560}" dt="2022-11-13T21:56:28.163" v="626" actId="5793"/>
+      <pc:sldChg chg="delSp modSp add mod">
+        <pc:chgData name="Alison Kleffner" userId="0bed3509-e787-48f4-9a13-47afcd2529d5" providerId="ADAL" clId="{A77833D6-49E4-4E9A-90FC-827386025560}" dt="2022-11-18T16:42:43.238" v="2348" actId="478"/>
         <pc:sldMkLst>
           <pc:docMk/>
           <pc:sldMk cId="3050515578" sldId="342"/>
         </pc:sldMkLst>
         <pc:spChg chg="mod">
-          <ac:chgData name="Alison Kleffner" userId="0bed3509-e787-48f4-9a13-47afcd2529d5" providerId="ADAL" clId="{A77833D6-49E4-4E9A-90FC-827386025560}" dt="2022-11-13T21:56:28.163" v="626" actId="5793"/>
+          <ac:chgData name="Alison Kleffner" userId="0bed3509-e787-48f4-9a13-47afcd2529d5" providerId="ADAL" clId="{A77833D6-49E4-4E9A-90FC-827386025560}" dt="2022-11-17T19:41:46.627" v="1796" actId="20577"/>
           <ac:spMkLst>
             <pc:docMk/>
             <pc:sldMk cId="3050515578" sldId="342"/>
             <ac:spMk id="3" creationId="{2B7DC0EE-5FAB-4DFD-95F9-814F7AC2DE35}"/>
           </ac:spMkLst>
         </pc:spChg>
+        <pc:inkChg chg="del">
+          <ac:chgData name="Alison Kleffner" userId="0bed3509-e787-48f4-9a13-47afcd2529d5" providerId="ADAL" clId="{A77833D6-49E4-4E9A-90FC-827386025560}" dt="2022-11-18T16:42:43.238" v="2348" actId="478"/>
+          <ac:inkMkLst>
+            <pc:docMk/>
+            <pc:sldMk cId="3050515578" sldId="342"/>
+            <ac:inkMk id="4" creationId="{22D9401D-1676-7197-1434-FC184B8DCBD7}"/>
+          </ac:inkMkLst>
+        </pc:inkChg>
       </pc:sldChg>
-      <pc:sldChg chg="delSp add mod">
-        <pc:chgData name="Alison Kleffner" userId="0bed3509-e787-48f4-9a13-47afcd2529d5" providerId="ADAL" clId="{A77833D6-49E4-4E9A-90FC-827386025560}" dt="2022-11-13T21:57:29.866" v="635" actId="478"/>
+      <pc:sldChg chg="delSp modSp add mod">
+        <pc:chgData name="Alison Kleffner" userId="0bed3509-e787-48f4-9a13-47afcd2529d5" providerId="ADAL" clId="{A77833D6-49E4-4E9A-90FC-827386025560}" dt="2022-11-17T19:45:57.649" v="1950" actId="20577"/>
         <pc:sldMkLst>
           <pc:docMk/>
           <pc:sldMk cId="3334939526" sldId="344"/>
         </pc:sldMkLst>
+        <pc:spChg chg="mod">
+          <ac:chgData name="Alison Kleffner" userId="0bed3509-e787-48f4-9a13-47afcd2529d5" providerId="ADAL" clId="{A77833D6-49E4-4E9A-90FC-827386025560}" dt="2022-11-17T19:45:57.649" v="1950" actId="20577"/>
+          <ac:spMkLst>
+            <pc:docMk/>
+            <pc:sldMk cId="3334939526" sldId="344"/>
+            <ac:spMk id="3" creationId="{2A3EBB14-E5F2-460D-99CF-8C627CD7D356}"/>
+          </ac:spMkLst>
+        </pc:spChg>
         <pc:inkChg chg="del">
           <ac:chgData name="Alison Kleffner" userId="0bed3509-e787-48f4-9a13-47afcd2529d5" providerId="ADAL" clId="{A77833D6-49E4-4E9A-90FC-827386025560}" dt="2022-11-13T21:57:29.866" v="635" actId="478"/>
           <ac:inkMkLst>
@@ -689,8 +840,8 @@
           </ac:inkMkLst>
         </pc:inkChg>
       </pc:sldChg>
-      <pc:sldChg chg="modSp add mod setBg">
-        <pc:chgData name="Alison Kleffner" userId="0bed3509-e787-48f4-9a13-47afcd2529d5" providerId="ADAL" clId="{A77833D6-49E4-4E9A-90FC-827386025560}" dt="2022-11-13T21:57:41.997" v="638" actId="20577"/>
+      <pc:sldChg chg="modSp add del mod setBg">
+        <pc:chgData name="Alison Kleffner" userId="0bed3509-e787-48f4-9a13-47afcd2529d5" providerId="ADAL" clId="{A77833D6-49E4-4E9A-90FC-827386025560}" dt="2022-11-17T19:42:57.405" v="1809" actId="47"/>
         <pc:sldMkLst>
           <pc:docMk/>
           <pc:sldMk cId="3486326053" sldId="345"/>
@@ -711,8 +862,8 @@
           <pc:sldMk cId="453944791" sldId="346"/>
         </pc:sldMkLst>
       </pc:sldChg>
-      <pc:sldChg chg="addSp delSp modSp mod">
-        <pc:chgData name="Alison Kleffner" userId="0bed3509-e787-48f4-9a13-47afcd2529d5" providerId="ADAL" clId="{A77833D6-49E4-4E9A-90FC-827386025560}" dt="2022-11-13T22:12:17.855" v="832" actId="14100"/>
+      <pc:sldChg chg="addSp delSp modSp del mod">
+        <pc:chgData name="Alison Kleffner" userId="0bed3509-e787-48f4-9a13-47afcd2529d5" providerId="ADAL" clId="{A77833D6-49E4-4E9A-90FC-827386025560}" dt="2022-11-17T20:24:13.122" v="1958" actId="47"/>
         <pc:sldMkLst>
           <pc:docMk/>
           <pc:sldMk cId="3623541170" sldId="346"/>
@@ -757,8 +908,8 @@
           <pc:sldMk cId="1922119515" sldId="347"/>
         </pc:sldMkLst>
       </pc:sldChg>
-      <pc:sldChg chg="modSp new mod">
-        <pc:chgData name="Alison Kleffner" userId="0bed3509-e787-48f4-9a13-47afcd2529d5" providerId="ADAL" clId="{A77833D6-49E4-4E9A-90FC-827386025560}" dt="2022-11-14T03:41:07.855" v="1784" actId="20577"/>
+      <pc:sldChg chg="addSp delSp modSp new mod">
+        <pc:chgData name="Alison Kleffner" userId="0bed3509-e787-48f4-9a13-47afcd2529d5" providerId="ADAL" clId="{A77833D6-49E4-4E9A-90FC-827386025560}" dt="2022-11-18T17:03:00.610" v="2439" actId="478"/>
         <pc:sldMkLst>
           <pc:docMk/>
           <pc:sldMk cId="3439195496" sldId="347"/>
@@ -779,9 +930,17 @@
             <ac:spMk id="3" creationId="{1977FBBA-DF73-9193-DBEE-28F80091AE58}"/>
           </ac:spMkLst>
         </pc:spChg>
+        <pc:inkChg chg="add del">
+          <ac:chgData name="Alison Kleffner" userId="0bed3509-e787-48f4-9a13-47afcd2529d5" providerId="ADAL" clId="{A77833D6-49E4-4E9A-90FC-827386025560}" dt="2022-11-18T17:03:00.610" v="2439" actId="478"/>
+          <ac:inkMkLst>
+            <pc:docMk/>
+            <pc:sldMk cId="3439195496" sldId="347"/>
+            <ac:inkMk id="4" creationId="{13DF69B1-4360-22D5-AF80-AC31B93664E4}"/>
+          </ac:inkMkLst>
+        </pc:inkChg>
       </pc:sldChg>
       <pc:sldChg chg="addSp delSp modSp new mod">
-        <pc:chgData name="Alison Kleffner" userId="0bed3509-e787-48f4-9a13-47afcd2529d5" providerId="ADAL" clId="{A77833D6-49E4-4E9A-90FC-827386025560}" dt="2022-11-14T03:34:49.430" v="1300" actId="20577"/>
+        <pc:chgData name="Alison Kleffner" userId="0bed3509-e787-48f4-9a13-47afcd2529d5" providerId="ADAL" clId="{A77833D6-49E4-4E9A-90FC-827386025560}" dt="2022-11-18T17:54:33.871" v="2445" actId="20577"/>
         <pc:sldMkLst>
           <pc:docMk/>
           <pc:sldMk cId="2405268277" sldId="348"/>
@@ -795,7 +954,7 @@
           </ac:spMkLst>
         </pc:spChg>
         <pc:spChg chg="mod">
-          <ac:chgData name="Alison Kleffner" userId="0bed3509-e787-48f4-9a13-47afcd2529d5" providerId="ADAL" clId="{A77833D6-49E4-4E9A-90FC-827386025560}" dt="2022-11-14T03:34:49.430" v="1300" actId="20577"/>
+          <ac:chgData name="Alison Kleffner" userId="0bed3509-e787-48f4-9a13-47afcd2529d5" providerId="ADAL" clId="{A77833D6-49E4-4E9A-90FC-827386025560}" dt="2022-11-18T17:54:33.871" v="2445" actId="20577"/>
           <ac:spMkLst>
             <pc:docMk/>
             <pc:sldMk cId="2405268277" sldId="348"/>
@@ -810,9 +969,17 @@
             <ac:spMk id="5" creationId="{61B42BAB-FA39-B402-6A55-A6E96A3070EE}"/>
           </ac:spMkLst>
         </pc:spChg>
+        <pc:inkChg chg="del">
+          <ac:chgData name="Alison Kleffner" userId="0bed3509-e787-48f4-9a13-47afcd2529d5" providerId="ADAL" clId="{A77833D6-49E4-4E9A-90FC-827386025560}" dt="2022-11-18T16:50:51.899" v="2435" actId="478"/>
+          <ac:inkMkLst>
+            <pc:docMk/>
+            <pc:sldMk cId="2405268277" sldId="348"/>
+            <ac:inkMk id="4" creationId="{44CEA3EE-A009-FDB9-1323-9E82162857F6}"/>
+          </ac:inkMkLst>
+        </pc:inkChg>
       </pc:sldChg>
-      <pc:sldChg chg="addSp delSp modSp new mod">
-        <pc:chgData name="Alison Kleffner" userId="0bed3509-e787-48f4-9a13-47afcd2529d5" providerId="ADAL" clId="{A77833D6-49E4-4E9A-90FC-827386025560}" dt="2022-11-14T03:36:44.329" v="1556" actId="255"/>
+      <pc:sldChg chg="addSp delSp modSp new mod modAnim">
+        <pc:chgData name="Alison Kleffner" userId="0bed3509-e787-48f4-9a13-47afcd2529d5" providerId="ADAL" clId="{A77833D6-49E4-4E9A-90FC-827386025560}" dt="2022-11-18T17:55:18.556" v="2447"/>
         <pc:sldMkLst>
           <pc:docMk/>
           <pc:sldMk cId="977737355" sldId="349"/>
@@ -841,6 +1008,151 @@
             <ac:spMk id="4" creationId="{06462D85-367D-AA71-566F-AC7FA94CED54}"/>
           </ac:spMkLst>
         </pc:spChg>
+        <pc:inkChg chg="del">
+          <ac:chgData name="Alison Kleffner" userId="0bed3509-e787-48f4-9a13-47afcd2529d5" providerId="ADAL" clId="{A77833D6-49E4-4E9A-90FC-827386025560}" dt="2022-11-18T16:51:10.767" v="2436" actId="478"/>
+          <ac:inkMkLst>
+            <pc:docMk/>
+            <pc:sldMk cId="977737355" sldId="349"/>
+            <ac:inkMk id="3" creationId="{B7469C66-8AD5-27CF-CC38-FE1FC2B71ECE}"/>
+          </ac:inkMkLst>
+        </pc:inkChg>
+      </pc:sldChg>
+      <pc:sldChg chg="modSp add mod setBg">
+        <pc:chgData name="Alison Kleffner" userId="0bed3509-e787-48f4-9a13-47afcd2529d5" providerId="ADAL" clId="{A77833D6-49E4-4E9A-90FC-827386025560}" dt="2022-11-17T19:46:59.285" v="1952" actId="1076"/>
+        <pc:sldMkLst>
+          <pc:docMk/>
+          <pc:sldMk cId="3486326053" sldId="350"/>
+        </pc:sldMkLst>
+        <pc:picChg chg="mod">
+          <ac:chgData name="Alison Kleffner" userId="0bed3509-e787-48f4-9a13-47afcd2529d5" providerId="ADAL" clId="{A77833D6-49E4-4E9A-90FC-827386025560}" dt="2022-11-17T19:46:59.285" v="1952" actId="1076"/>
+          <ac:picMkLst>
+            <pc:docMk/>
+            <pc:sldMk cId="3486326053" sldId="350"/>
+            <ac:picMk id="5" creationId="{AE7FA370-85CF-4848-993E-9E006EDCCDF4}"/>
+          </ac:picMkLst>
+        </pc:picChg>
+      </pc:sldChg>
+      <pc:sldChg chg="modSp new mod">
+        <pc:chgData name="Alison Kleffner" userId="0bed3509-e787-48f4-9a13-47afcd2529d5" providerId="ADAL" clId="{A77833D6-49E4-4E9A-90FC-827386025560}" dt="2022-11-18T13:59:55.613" v="2168" actId="20577"/>
+        <pc:sldMkLst>
+          <pc:docMk/>
+          <pc:sldMk cId="753681709" sldId="351"/>
+        </pc:sldMkLst>
+        <pc:spChg chg="mod">
+          <ac:chgData name="Alison Kleffner" userId="0bed3509-e787-48f4-9a13-47afcd2529d5" providerId="ADAL" clId="{A77833D6-49E4-4E9A-90FC-827386025560}" dt="2022-11-18T13:59:55.613" v="2168" actId="20577"/>
+          <ac:spMkLst>
+            <pc:docMk/>
+            <pc:sldMk cId="753681709" sldId="351"/>
+            <ac:spMk id="2" creationId="{75FB2FDB-DE53-0128-B287-10AE07C49384}"/>
+          </ac:spMkLst>
+        </pc:spChg>
+        <pc:spChg chg="mod">
+          <ac:chgData name="Alison Kleffner" userId="0bed3509-e787-48f4-9a13-47afcd2529d5" providerId="ADAL" clId="{A77833D6-49E4-4E9A-90FC-827386025560}" dt="2022-11-17T20:26:47.436" v="2132" actId="20577"/>
+          <ac:spMkLst>
+            <pc:docMk/>
+            <pc:sldMk cId="753681709" sldId="351"/>
+            <ac:spMk id="3" creationId="{597C3960-F56E-DD22-EEC8-337B78566063}"/>
+          </ac:spMkLst>
+        </pc:spChg>
+      </pc:sldChg>
+      <pc:sldChg chg="delSp new mod modClrScheme chgLayout">
+        <pc:chgData name="Alison Kleffner" userId="0bed3509-e787-48f4-9a13-47afcd2529d5" providerId="ADAL" clId="{A77833D6-49E4-4E9A-90FC-827386025560}" dt="2022-11-18T16:49:33.876" v="2424" actId="478"/>
+        <pc:sldMkLst>
+          <pc:docMk/>
+          <pc:sldMk cId="2545514770" sldId="352"/>
+        </pc:sldMkLst>
+        <pc:spChg chg="del">
+          <ac:chgData name="Alison Kleffner" userId="0bed3509-e787-48f4-9a13-47afcd2529d5" providerId="ADAL" clId="{A77833D6-49E4-4E9A-90FC-827386025560}" dt="2022-11-18T14:00:22.569" v="2170" actId="700"/>
+          <ac:spMkLst>
+            <pc:docMk/>
+            <pc:sldMk cId="2545514770" sldId="352"/>
+            <ac:spMk id="2" creationId="{06860266-4DFB-A4AF-8DAA-D9F4A5821E1A}"/>
+          </ac:spMkLst>
+        </pc:spChg>
+        <pc:spChg chg="del">
+          <ac:chgData name="Alison Kleffner" userId="0bed3509-e787-48f4-9a13-47afcd2529d5" providerId="ADAL" clId="{A77833D6-49E4-4E9A-90FC-827386025560}" dt="2022-11-18T14:00:22.569" v="2170" actId="700"/>
+          <ac:spMkLst>
+            <pc:docMk/>
+            <pc:sldMk cId="2545514770" sldId="352"/>
+            <ac:spMk id="3" creationId="{50B5542E-61BB-8874-F875-5567A50D2350}"/>
+          </ac:spMkLst>
+        </pc:spChg>
+        <pc:inkChg chg="del">
+          <ac:chgData name="Alison Kleffner" userId="0bed3509-e787-48f4-9a13-47afcd2529d5" providerId="ADAL" clId="{A77833D6-49E4-4E9A-90FC-827386025560}" dt="2022-11-18T16:49:33.876" v="2424" actId="478"/>
+          <ac:inkMkLst>
+            <pc:docMk/>
+            <pc:sldMk cId="2545514770" sldId="352"/>
+            <ac:inkMk id="2" creationId="{D1DCB1F9-2CA6-D7BE-3FF9-6FC3828CFACD}"/>
+          </ac:inkMkLst>
+        </pc:inkChg>
+        <pc:inkChg chg="del">
+          <ac:chgData name="Alison Kleffner" userId="0bed3509-e787-48f4-9a13-47afcd2529d5" providerId="ADAL" clId="{A77833D6-49E4-4E9A-90FC-827386025560}" dt="2022-11-18T16:49:30.069" v="2422" actId="478"/>
+          <ac:inkMkLst>
+            <pc:docMk/>
+            <pc:sldMk cId="2545514770" sldId="352"/>
+            <ac:inkMk id="3" creationId="{B2330249-2A1F-B12F-F662-C6803FE0595B}"/>
+          </ac:inkMkLst>
+        </pc:inkChg>
+        <pc:inkChg chg="del">
+          <ac:chgData name="Alison Kleffner" userId="0bed3509-e787-48f4-9a13-47afcd2529d5" providerId="ADAL" clId="{A77833D6-49E4-4E9A-90FC-827386025560}" dt="2022-11-18T16:49:32.426" v="2423" actId="478"/>
+          <ac:inkMkLst>
+            <pc:docMk/>
+            <pc:sldMk cId="2545514770" sldId="352"/>
+            <ac:inkMk id="4" creationId="{E2EA870C-67CE-42DC-4574-E0685BEDE510}"/>
+          </ac:inkMkLst>
+        </pc:inkChg>
+      </pc:sldChg>
+      <pc:sldChg chg="delSp mod">
+        <pc:chgData name="Alison Kleffner" userId="0bed3509-e787-48f4-9a13-47afcd2529d5" providerId="ADAL" clId="{A77833D6-49E4-4E9A-90FC-827386025560}" dt="2022-11-18T16:50:39.433" v="2427" actId="478"/>
+        <pc:sldMkLst>
+          <pc:docMk/>
+          <pc:sldMk cId="3362213724" sldId="353"/>
+        </pc:sldMkLst>
+        <pc:inkChg chg="del">
+          <ac:chgData name="Alison Kleffner" userId="0bed3509-e787-48f4-9a13-47afcd2529d5" providerId="ADAL" clId="{A77833D6-49E4-4E9A-90FC-827386025560}" dt="2022-11-18T16:49:37.136" v="2425" actId="478"/>
+          <ac:inkMkLst>
+            <pc:docMk/>
+            <pc:sldMk cId="3362213724" sldId="353"/>
+            <ac:inkMk id="4" creationId="{1406E98F-C352-C4A8-98B8-ABC01100C656}"/>
+          </ac:inkMkLst>
+        </pc:inkChg>
+        <pc:inkChg chg="del">
+          <ac:chgData name="Alison Kleffner" userId="0bed3509-e787-48f4-9a13-47afcd2529d5" providerId="ADAL" clId="{A77833D6-49E4-4E9A-90FC-827386025560}" dt="2022-11-18T16:50:37.873" v="2426" actId="478"/>
+          <ac:inkMkLst>
+            <pc:docMk/>
+            <pc:sldMk cId="3362213724" sldId="353"/>
+            <ac:inkMk id="5" creationId="{A8903A91-944B-6303-CB04-8E44B0DCA2D0}"/>
+          </ac:inkMkLst>
+        </pc:inkChg>
+        <pc:inkChg chg="del">
+          <ac:chgData name="Alison Kleffner" userId="0bed3509-e787-48f4-9a13-47afcd2529d5" providerId="ADAL" clId="{A77833D6-49E4-4E9A-90FC-827386025560}" dt="2022-11-18T16:50:39.433" v="2427" actId="478"/>
+          <ac:inkMkLst>
+            <pc:docMk/>
+            <pc:sldMk cId="3362213724" sldId="353"/>
+            <ac:inkMk id="6" creationId="{BEC6AA4B-FA70-F867-90DC-A778C54BB4C3}"/>
+          </ac:inkMkLst>
+        </pc:inkChg>
+      </pc:sldChg>
+      <pc:sldChg chg="add">
+        <pc:chgData name="Alison Kleffner" userId="0bed3509-e787-48f4-9a13-47afcd2529d5" providerId="ADAL" clId="{A77833D6-49E4-4E9A-90FC-827386025560}" dt="2022-11-18T17:25:41.402" v="2440"/>
+        <pc:sldMkLst>
+          <pc:docMk/>
+          <pc:sldMk cId="11048004" sldId="354"/>
+        </pc:sldMkLst>
+      </pc:sldChg>
+      <pc:sldChg chg="new del">
+        <pc:chgData name="Alison Kleffner" userId="0bed3509-e787-48f4-9a13-47afcd2529d5" providerId="ADAL" clId="{A77833D6-49E4-4E9A-90FC-827386025560}" dt="2022-11-18T16:39:42.259" v="2173" actId="680"/>
+        <pc:sldMkLst>
+          <pc:docMk/>
+          <pc:sldMk cId="19336499" sldId="354"/>
+        </pc:sldMkLst>
+      </pc:sldChg>
+      <pc:sldChg chg="add del">
+        <pc:chgData name="Alison Kleffner" userId="0bed3509-e787-48f4-9a13-47afcd2529d5" providerId="ADAL" clId="{A77833D6-49E4-4E9A-90FC-827386025560}" dt="2022-11-18T16:43:04.430" v="2351"/>
+        <pc:sldMkLst>
+          <pc:docMk/>
+          <pc:sldMk cId="1830011166" sldId="354"/>
+        </pc:sldMkLst>
       </pc:sldChg>
       <pc:sldChg chg="add del">
         <pc:chgData name="Alison Kleffner" userId="0bed3509-e787-48f4-9a13-47afcd2529d5" providerId="ADAL" clId="{A77833D6-49E4-4E9A-90FC-827386025560}" dt="2022-11-13T22:16:27.345" v="837" actId="47"/>
@@ -848,6 +1160,319 @@
           <pc:docMk/>
           <pc:sldMk cId="2008666525" sldId="452"/>
         </pc:sldMkLst>
+      </pc:sldChg>
+    </pc:docChg>
+  </pc:docChgLst>
+  <pc:docChgLst>
+    <pc:chgData name="Alison Kleffner" userId="0bed3509-e787-48f4-9a13-47afcd2529d5" providerId="ADAL" clId="{82D5EC28-8914-D347-A951-FEDD700CDB88}"/>
+    <pc:docChg chg="custSel addSld modSld sldOrd">
+      <pc:chgData name="Alison Kleffner" userId="0bed3509-e787-48f4-9a13-47afcd2529d5" providerId="ADAL" clId="{82D5EC28-8914-D347-A951-FEDD700CDB88}" dt="2022-11-18T16:34:32.212" v="12" actId="7634"/>
+      <pc:docMkLst>
+        <pc:docMk/>
+      </pc:docMkLst>
+      <pc:sldChg chg="addSp">
+        <pc:chgData name="Alison Kleffner" userId="0bed3509-e787-48f4-9a13-47afcd2529d5" providerId="ADAL" clId="{82D5EC28-8914-D347-A951-FEDD700CDB88}" dt="2022-11-18T16:34:32.212" v="12" actId="7634"/>
+        <pc:sldMkLst>
+          <pc:docMk/>
+          <pc:sldMk cId="3462525563" sldId="257"/>
+        </pc:sldMkLst>
+        <pc:inkChg chg="add">
+          <ac:chgData name="Alison Kleffner" userId="0bed3509-e787-48f4-9a13-47afcd2529d5" providerId="ADAL" clId="{82D5EC28-8914-D347-A951-FEDD700CDB88}" dt="2022-11-18T16:34:32.212" v="12" actId="7634"/>
+          <ac:inkMkLst>
+            <pc:docMk/>
+            <pc:sldMk cId="3462525563" sldId="257"/>
+            <ac:inkMk id="2" creationId="{C1724A9A-BFD2-5373-EA9F-2CCAB3329E2F}"/>
+          </ac:inkMkLst>
+        </pc:inkChg>
+      </pc:sldChg>
+      <pc:sldChg chg="addSp">
+        <pc:chgData name="Alison Kleffner" userId="0bed3509-e787-48f4-9a13-47afcd2529d5" providerId="ADAL" clId="{82D5EC28-8914-D347-A951-FEDD700CDB88}" dt="2022-11-18T16:34:32.212" v="12" actId="7634"/>
+        <pc:sldMkLst>
+          <pc:docMk/>
+          <pc:sldMk cId="3975868520" sldId="285"/>
+        </pc:sldMkLst>
+        <pc:inkChg chg="add">
+          <ac:chgData name="Alison Kleffner" userId="0bed3509-e787-48f4-9a13-47afcd2529d5" providerId="ADAL" clId="{82D5EC28-8914-D347-A951-FEDD700CDB88}" dt="2022-11-18T16:34:32.212" v="12" actId="7634"/>
+          <ac:inkMkLst>
+            <pc:docMk/>
+            <pc:sldMk cId="3975868520" sldId="285"/>
+            <ac:inkMk id="5" creationId="{56B9BA94-CE62-B1BE-89FD-5624C0AFBD99}"/>
+          </ac:inkMkLst>
+        </pc:inkChg>
+      </pc:sldChg>
+      <pc:sldChg chg="addSp">
+        <pc:chgData name="Alison Kleffner" userId="0bed3509-e787-48f4-9a13-47afcd2529d5" providerId="ADAL" clId="{82D5EC28-8914-D347-A951-FEDD700CDB88}" dt="2022-11-18T16:34:32.212" v="12" actId="7634"/>
+        <pc:sldMkLst>
+          <pc:docMk/>
+          <pc:sldMk cId="1794091297" sldId="286"/>
+        </pc:sldMkLst>
+        <pc:inkChg chg="add">
+          <ac:chgData name="Alison Kleffner" userId="0bed3509-e787-48f4-9a13-47afcd2529d5" providerId="ADAL" clId="{82D5EC28-8914-D347-A951-FEDD700CDB88}" dt="2022-11-18T16:34:32.212" v="12" actId="7634"/>
+          <ac:inkMkLst>
+            <pc:docMk/>
+            <pc:sldMk cId="1794091297" sldId="286"/>
+            <ac:inkMk id="5" creationId="{B27CAFB5-9CF7-2FC1-A0AD-17CAC4DD6FDE}"/>
+          </ac:inkMkLst>
+        </pc:inkChg>
+      </pc:sldChg>
+      <pc:sldChg chg="addSp">
+        <pc:chgData name="Alison Kleffner" userId="0bed3509-e787-48f4-9a13-47afcd2529d5" providerId="ADAL" clId="{82D5EC28-8914-D347-A951-FEDD700CDB88}" dt="2022-11-18T15:14:43.065" v="10" actId="7634"/>
+        <pc:sldMkLst>
+          <pc:docMk/>
+          <pc:sldMk cId="131136163" sldId="289"/>
+        </pc:sldMkLst>
+        <pc:inkChg chg="add">
+          <ac:chgData name="Alison Kleffner" userId="0bed3509-e787-48f4-9a13-47afcd2529d5" providerId="ADAL" clId="{82D5EC28-8914-D347-A951-FEDD700CDB88}" dt="2022-11-18T15:14:43.065" v="10" actId="7634"/>
+          <ac:inkMkLst>
+            <pc:docMk/>
+            <pc:sldMk cId="131136163" sldId="289"/>
+            <ac:inkMk id="4" creationId="{4F1AAA8E-C538-54D3-5911-E4225396696F}"/>
+          </ac:inkMkLst>
+        </pc:inkChg>
+      </pc:sldChg>
+      <pc:sldChg chg="addSp">
+        <pc:chgData name="Alison Kleffner" userId="0bed3509-e787-48f4-9a13-47afcd2529d5" providerId="ADAL" clId="{82D5EC28-8914-D347-A951-FEDD700CDB88}" dt="2022-11-18T16:34:32.212" v="12" actId="7634"/>
+        <pc:sldMkLst>
+          <pc:docMk/>
+          <pc:sldMk cId="2947884881" sldId="327"/>
+        </pc:sldMkLst>
+        <pc:inkChg chg="add">
+          <ac:chgData name="Alison Kleffner" userId="0bed3509-e787-48f4-9a13-47afcd2529d5" providerId="ADAL" clId="{82D5EC28-8914-D347-A951-FEDD700CDB88}" dt="2022-11-18T15:14:43.065" v="10" actId="7634"/>
+          <ac:inkMkLst>
+            <pc:docMk/>
+            <pc:sldMk cId="2947884881" sldId="327"/>
+            <ac:inkMk id="6" creationId="{B6A0536D-111A-CD02-880B-758F24E744D9}"/>
+          </ac:inkMkLst>
+        </pc:inkChg>
+        <pc:inkChg chg="add">
+          <ac:chgData name="Alison Kleffner" userId="0bed3509-e787-48f4-9a13-47afcd2529d5" providerId="ADAL" clId="{82D5EC28-8914-D347-A951-FEDD700CDB88}" dt="2022-11-18T16:34:32.212" v="12" actId="7634"/>
+          <ac:inkMkLst>
+            <pc:docMk/>
+            <pc:sldMk cId="2947884881" sldId="327"/>
+            <ac:inkMk id="8" creationId="{1B13B306-8F56-866D-3DA4-8F1F18F3EC9E}"/>
+          </ac:inkMkLst>
+        </pc:inkChg>
+      </pc:sldChg>
+      <pc:sldChg chg="addSp">
+        <pc:chgData name="Alison Kleffner" userId="0bed3509-e787-48f4-9a13-47afcd2529d5" providerId="ADAL" clId="{82D5EC28-8914-D347-A951-FEDD700CDB88}" dt="2022-11-18T16:34:32.212" v="12" actId="7634"/>
+        <pc:sldMkLst>
+          <pc:docMk/>
+          <pc:sldMk cId="1113799477" sldId="328"/>
+        </pc:sldMkLst>
+        <pc:inkChg chg="add">
+          <ac:chgData name="Alison Kleffner" userId="0bed3509-e787-48f4-9a13-47afcd2529d5" providerId="ADAL" clId="{82D5EC28-8914-D347-A951-FEDD700CDB88}" dt="2022-11-18T16:34:32.212" v="12" actId="7634"/>
+          <ac:inkMkLst>
+            <pc:docMk/>
+            <pc:sldMk cId="1113799477" sldId="328"/>
+            <ac:inkMk id="4" creationId="{DACB0BDB-605E-29FD-BE1A-768541AF0132}"/>
+          </ac:inkMkLst>
+        </pc:inkChg>
+      </pc:sldChg>
+      <pc:sldChg chg="addSp ord">
+        <pc:chgData name="Alison Kleffner" userId="0bed3509-e787-48f4-9a13-47afcd2529d5" providerId="ADAL" clId="{82D5EC28-8914-D347-A951-FEDD700CDB88}" dt="2022-11-18T16:34:32.212" v="12" actId="7634"/>
+        <pc:sldMkLst>
+          <pc:docMk/>
+          <pc:sldMk cId="3895926756" sldId="329"/>
+        </pc:sldMkLst>
+        <pc:inkChg chg="add">
+          <ac:chgData name="Alison Kleffner" userId="0bed3509-e787-48f4-9a13-47afcd2529d5" providerId="ADAL" clId="{82D5EC28-8914-D347-A951-FEDD700CDB88}" dt="2022-11-18T16:34:32.212" v="12" actId="7634"/>
+          <ac:inkMkLst>
+            <pc:docMk/>
+            <pc:sldMk cId="3895926756" sldId="329"/>
+            <ac:inkMk id="3" creationId="{76843E2F-8330-0A95-060D-9E0D5C95EF30}"/>
+          </ac:inkMkLst>
+        </pc:inkChg>
+      </pc:sldChg>
+      <pc:sldChg chg="addSp">
+        <pc:chgData name="Alison Kleffner" userId="0bed3509-e787-48f4-9a13-47afcd2529d5" providerId="ADAL" clId="{82D5EC28-8914-D347-A951-FEDD700CDB88}" dt="2022-11-18T16:34:32.212" v="12" actId="7634"/>
+        <pc:sldMkLst>
+          <pc:docMk/>
+          <pc:sldMk cId="2547639762" sldId="338"/>
+        </pc:sldMkLst>
+        <pc:inkChg chg="add">
+          <ac:chgData name="Alison Kleffner" userId="0bed3509-e787-48f4-9a13-47afcd2529d5" providerId="ADAL" clId="{82D5EC28-8914-D347-A951-FEDD700CDB88}" dt="2022-11-18T15:20:58.584" v="11" actId="7634"/>
+          <ac:inkMkLst>
+            <pc:docMk/>
+            <pc:sldMk cId="2547639762" sldId="338"/>
+            <ac:inkMk id="3" creationId="{5B099CB7-BA18-F825-C0B4-FD4999A3E45A}"/>
+          </ac:inkMkLst>
+        </pc:inkChg>
+        <pc:inkChg chg="add">
+          <ac:chgData name="Alison Kleffner" userId="0bed3509-e787-48f4-9a13-47afcd2529d5" providerId="ADAL" clId="{82D5EC28-8914-D347-A951-FEDD700CDB88}" dt="2022-11-18T16:34:32.212" v="12" actId="7634"/>
+          <ac:inkMkLst>
+            <pc:docMk/>
+            <pc:sldMk cId="2547639762" sldId="338"/>
+            <ac:inkMk id="4" creationId="{1621F404-4675-D591-2C63-8C40B1A6446C}"/>
+          </ac:inkMkLst>
+        </pc:inkChg>
+      </pc:sldChg>
+      <pc:sldChg chg="addSp">
+        <pc:chgData name="Alison Kleffner" userId="0bed3509-e787-48f4-9a13-47afcd2529d5" providerId="ADAL" clId="{82D5EC28-8914-D347-A951-FEDD700CDB88}" dt="2022-11-18T16:34:32.212" v="12" actId="7634"/>
+        <pc:sldMkLst>
+          <pc:docMk/>
+          <pc:sldMk cId="103601530" sldId="339"/>
+        </pc:sldMkLst>
+        <pc:inkChg chg="add">
+          <ac:chgData name="Alison Kleffner" userId="0bed3509-e787-48f4-9a13-47afcd2529d5" providerId="ADAL" clId="{82D5EC28-8914-D347-A951-FEDD700CDB88}" dt="2022-11-18T16:34:32.212" v="12" actId="7634"/>
+          <ac:inkMkLst>
+            <pc:docMk/>
+            <pc:sldMk cId="103601530" sldId="339"/>
+            <ac:inkMk id="4" creationId="{06A46E87-0006-BEED-8F88-0E35960C862C}"/>
+          </ac:inkMkLst>
+        </pc:inkChg>
+      </pc:sldChg>
+      <pc:sldChg chg="addSp">
+        <pc:chgData name="Alison Kleffner" userId="0bed3509-e787-48f4-9a13-47afcd2529d5" providerId="ADAL" clId="{82D5EC28-8914-D347-A951-FEDD700CDB88}" dt="2022-11-18T16:34:32.212" v="12" actId="7634"/>
+        <pc:sldMkLst>
+          <pc:docMk/>
+          <pc:sldMk cId="2157558300" sldId="341"/>
+        </pc:sldMkLst>
+        <pc:inkChg chg="add">
+          <ac:chgData name="Alison Kleffner" userId="0bed3509-e787-48f4-9a13-47afcd2529d5" providerId="ADAL" clId="{82D5EC28-8914-D347-A951-FEDD700CDB88}" dt="2022-11-18T16:34:32.212" v="12" actId="7634"/>
+          <ac:inkMkLst>
+            <pc:docMk/>
+            <pc:sldMk cId="2157558300" sldId="341"/>
+            <ac:inkMk id="5" creationId="{DD6C9868-1C05-CC48-3B55-BC524CB7B07B}"/>
+          </ac:inkMkLst>
+        </pc:inkChg>
+      </pc:sldChg>
+      <pc:sldChg chg="addSp">
+        <pc:chgData name="Alison Kleffner" userId="0bed3509-e787-48f4-9a13-47afcd2529d5" providerId="ADAL" clId="{82D5EC28-8914-D347-A951-FEDD700CDB88}" dt="2022-11-18T16:34:32.212" v="12" actId="7634"/>
+        <pc:sldMkLst>
+          <pc:docMk/>
+          <pc:sldMk cId="3050515578" sldId="342"/>
+        </pc:sldMkLst>
+        <pc:inkChg chg="add">
+          <ac:chgData name="Alison Kleffner" userId="0bed3509-e787-48f4-9a13-47afcd2529d5" providerId="ADAL" clId="{82D5EC28-8914-D347-A951-FEDD700CDB88}" dt="2022-11-18T16:34:32.212" v="12" actId="7634"/>
+          <ac:inkMkLst>
+            <pc:docMk/>
+            <pc:sldMk cId="3050515578" sldId="342"/>
+            <ac:inkMk id="4" creationId="{22D9401D-1676-7197-1434-FC184B8DCBD7}"/>
+          </ac:inkMkLst>
+        </pc:inkChg>
+      </pc:sldChg>
+      <pc:sldChg chg="addSp">
+        <pc:chgData name="Alison Kleffner" userId="0bed3509-e787-48f4-9a13-47afcd2529d5" providerId="ADAL" clId="{82D5EC28-8914-D347-A951-FEDD700CDB88}" dt="2022-11-18T16:34:32.212" v="12" actId="7634"/>
+        <pc:sldMkLst>
+          <pc:docMk/>
+          <pc:sldMk cId="3439195496" sldId="347"/>
+        </pc:sldMkLst>
+        <pc:inkChg chg="add">
+          <ac:chgData name="Alison Kleffner" userId="0bed3509-e787-48f4-9a13-47afcd2529d5" providerId="ADAL" clId="{82D5EC28-8914-D347-A951-FEDD700CDB88}" dt="2022-11-18T16:34:32.212" v="12" actId="7634"/>
+          <ac:inkMkLst>
+            <pc:docMk/>
+            <pc:sldMk cId="3439195496" sldId="347"/>
+            <ac:inkMk id="4" creationId="{13DF69B1-4360-22D5-AF80-AC31B93664E4}"/>
+          </ac:inkMkLst>
+        </pc:inkChg>
+      </pc:sldChg>
+      <pc:sldChg chg="addSp">
+        <pc:chgData name="Alison Kleffner" userId="0bed3509-e787-48f4-9a13-47afcd2529d5" providerId="ADAL" clId="{82D5EC28-8914-D347-A951-FEDD700CDB88}" dt="2022-11-18T16:34:32.212" v="12" actId="7634"/>
+        <pc:sldMkLst>
+          <pc:docMk/>
+          <pc:sldMk cId="2405268277" sldId="348"/>
+        </pc:sldMkLst>
+        <pc:inkChg chg="add">
+          <ac:chgData name="Alison Kleffner" userId="0bed3509-e787-48f4-9a13-47afcd2529d5" providerId="ADAL" clId="{82D5EC28-8914-D347-A951-FEDD700CDB88}" dt="2022-11-18T16:34:32.212" v="12" actId="7634"/>
+          <ac:inkMkLst>
+            <pc:docMk/>
+            <pc:sldMk cId="2405268277" sldId="348"/>
+            <ac:inkMk id="4" creationId="{44CEA3EE-A009-FDB9-1323-9E82162857F6}"/>
+          </ac:inkMkLst>
+        </pc:inkChg>
+      </pc:sldChg>
+      <pc:sldChg chg="addSp">
+        <pc:chgData name="Alison Kleffner" userId="0bed3509-e787-48f4-9a13-47afcd2529d5" providerId="ADAL" clId="{82D5EC28-8914-D347-A951-FEDD700CDB88}" dt="2022-11-18T16:34:32.212" v="12" actId="7634"/>
+        <pc:sldMkLst>
+          <pc:docMk/>
+          <pc:sldMk cId="977737355" sldId="349"/>
+        </pc:sldMkLst>
+        <pc:inkChg chg="add">
+          <ac:chgData name="Alison Kleffner" userId="0bed3509-e787-48f4-9a13-47afcd2529d5" providerId="ADAL" clId="{82D5EC28-8914-D347-A951-FEDD700CDB88}" dt="2022-11-18T16:34:32.212" v="12" actId="7634"/>
+          <ac:inkMkLst>
+            <pc:docMk/>
+            <pc:sldMk cId="977737355" sldId="349"/>
+            <ac:inkMk id="3" creationId="{B7469C66-8AD5-27CF-CC38-FE1FC2B71ECE}"/>
+          </ac:inkMkLst>
+        </pc:inkChg>
+      </pc:sldChg>
+      <pc:sldChg chg="addSp modSp">
+        <pc:chgData name="Alison Kleffner" userId="0bed3509-e787-48f4-9a13-47afcd2529d5" providerId="ADAL" clId="{82D5EC28-8914-D347-A951-FEDD700CDB88}" dt="2022-11-18T15:02:09.076" v="7"/>
+        <pc:sldMkLst>
+          <pc:docMk/>
+          <pc:sldMk cId="2545514770" sldId="352"/>
+        </pc:sldMkLst>
+        <pc:inkChg chg="add">
+          <ac:chgData name="Alison Kleffner" userId="0bed3509-e787-48f4-9a13-47afcd2529d5" providerId="ADAL" clId="{82D5EC28-8914-D347-A951-FEDD700CDB88}" dt="2022-11-18T14:32:39.385" v="0" actId="7634"/>
+          <ac:inkMkLst>
+            <pc:docMk/>
+            <pc:sldMk cId="2545514770" sldId="352"/>
+            <ac:inkMk id="2" creationId="{D1DCB1F9-2CA6-D7BE-3FF9-6FC3828CFACD}"/>
+          </ac:inkMkLst>
+        </pc:inkChg>
+        <pc:inkChg chg="add mod modStrokes">
+          <ac:chgData name="Alison Kleffner" userId="0bed3509-e787-48f4-9a13-47afcd2529d5" providerId="ADAL" clId="{82D5EC28-8914-D347-A951-FEDD700CDB88}" dt="2022-11-18T15:01:57.651" v="6"/>
+          <ac:inkMkLst>
+            <pc:docMk/>
+            <pc:sldMk cId="2545514770" sldId="352"/>
+            <ac:inkMk id="3" creationId="{B2330249-2A1F-B12F-F662-C6803FE0595B}"/>
+          </ac:inkMkLst>
+        </pc:inkChg>
+        <pc:inkChg chg="add">
+          <ac:chgData name="Alison Kleffner" userId="0bed3509-e787-48f4-9a13-47afcd2529d5" providerId="ADAL" clId="{82D5EC28-8914-D347-A951-FEDD700CDB88}" dt="2022-11-18T15:02:09.076" v="7"/>
+          <ac:inkMkLst>
+            <pc:docMk/>
+            <pc:sldMk cId="2545514770" sldId="352"/>
+            <ac:inkMk id="4" creationId="{E2EA870C-67CE-42DC-4574-E0685BEDE510}"/>
+          </ac:inkMkLst>
+        </pc:inkChg>
+      </pc:sldChg>
+      <pc:sldChg chg="addSp delSp modSp new mod ord modClrScheme chgLayout">
+        <pc:chgData name="Alison Kleffner" userId="0bed3509-e787-48f4-9a13-47afcd2529d5" providerId="ADAL" clId="{82D5EC28-8914-D347-A951-FEDD700CDB88}" dt="2022-11-18T16:34:32.212" v="12" actId="7634"/>
+        <pc:sldMkLst>
+          <pc:docMk/>
+          <pc:sldMk cId="3362213724" sldId="353"/>
+        </pc:sldMkLst>
+        <pc:spChg chg="del">
+          <ac:chgData name="Alison Kleffner" userId="0bed3509-e787-48f4-9a13-47afcd2529d5" providerId="ADAL" clId="{82D5EC28-8914-D347-A951-FEDD700CDB88}" dt="2022-11-18T14:32:51.219" v="3" actId="700"/>
+          <ac:spMkLst>
+            <pc:docMk/>
+            <pc:sldMk cId="3362213724" sldId="353"/>
+            <ac:spMk id="2" creationId="{2106DD1B-C221-E712-FE2A-9759CA260AAE}"/>
+          </ac:spMkLst>
+        </pc:spChg>
+        <pc:spChg chg="del">
+          <ac:chgData name="Alison Kleffner" userId="0bed3509-e787-48f4-9a13-47afcd2529d5" providerId="ADAL" clId="{82D5EC28-8914-D347-A951-FEDD700CDB88}" dt="2022-11-18T14:32:51.219" v="3" actId="700"/>
+          <ac:spMkLst>
+            <pc:docMk/>
+            <pc:sldMk cId="3362213724" sldId="353"/>
+            <ac:spMk id="3" creationId="{3BA14F9E-81C4-9271-5E04-C7636AFF65BD}"/>
+          </ac:spMkLst>
+        </pc:spChg>
+        <pc:inkChg chg="add mod modStrokes">
+          <ac:chgData name="Alison Kleffner" userId="0bed3509-e787-48f4-9a13-47afcd2529d5" providerId="ADAL" clId="{82D5EC28-8914-D347-A951-FEDD700CDB88}" dt="2022-11-18T15:02:16.596" v="8"/>
+          <ac:inkMkLst>
+            <pc:docMk/>
+            <pc:sldMk cId="3362213724" sldId="353"/>
+            <ac:inkMk id="4" creationId="{1406E98F-C352-C4A8-98B8-ABC01100C656}"/>
+          </ac:inkMkLst>
+        </pc:inkChg>
+        <pc:inkChg chg="add">
+          <ac:chgData name="Alison Kleffner" userId="0bed3509-e787-48f4-9a13-47afcd2529d5" providerId="ADAL" clId="{82D5EC28-8914-D347-A951-FEDD700CDB88}" dt="2022-11-18T15:02:51.830" v="9" actId="7634"/>
+          <ac:inkMkLst>
+            <pc:docMk/>
+            <pc:sldMk cId="3362213724" sldId="353"/>
+            <ac:inkMk id="5" creationId="{A8903A91-944B-6303-CB04-8E44B0DCA2D0}"/>
+          </ac:inkMkLst>
+        </pc:inkChg>
+        <pc:inkChg chg="add">
+          <ac:chgData name="Alison Kleffner" userId="0bed3509-e787-48f4-9a13-47afcd2529d5" providerId="ADAL" clId="{82D5EC28-8914-D347-A951-FEDD700CDB88}" dt="2022-11-18T16:34:32.212" v="12" actId="7634"/>
+          <ac:inkMkLst>
+            <pc:docMk/>
+            <pc:sldMk cId="3362213724" sldId="353"/>
+            <ac:inkMk id="6" creationId="{BEC6AA4B-FA70-F867-90DC-A778C54BB4C3}"/>
+          </ac:inkMkLst>
+        </pc:inkChg>
       </pc:sldChg>
     </pc:docChg>
   </pc:docChgLst>
@@ -1080,7 +1705,7 @@
           <a:p>
             <a:fld id="{B07F9D06-57BB-4FD9-9015-C449E2A2CB7A}" type="datetimeFigureOut">
               <a:rPr lang="en-US" smtClean="0"/>
-              <a:t>11/13/2022</a:t>
+              <a:t>11/18/2022</a:t>
             </a:fld>
             <a:endParaRPr lang="en-US"/>
           </a:p>
@@ -1288,7 +1913,7 @@
           <a:p>
             <a:fld id="{B07F9D06-57BB-4FD9-9015-C449E2A2CB7A}" type="datetimeFigureOut">
               <a:rPr lang="en-US" smtClean="0"/>
-              <a:t>11/13/2022</a:t>
+              <a:t>11/18/2022</a:t>
             </a:fld>
             <a:endParaRPr lang="en-US"/>
           </a:p>
@@ -1544,7 +2169,7 @@
           <a:p>
             <a:fld id="{B07F9D06-57BB-4FD9-9015-C449E2A2CB7A}" type="datetimeFigureOut">
               <a:rPr lang="en-US" smtClean="0"/>
-              <a:t>11/13/2022</a:t>
+              <a:t>11/18/2022</a:t>
             </a:fld>
             <a:endParaRPr lang="en-US"/>
           </a:p>
@@ -1718,7 +2343,7 @@
           <a:p>
             <a:fld id="{B07F9D06-57BB-4FD9-9015-C449E2A2CB7A}" type="datetimeFigureOut">
               <a:rPr lang="en-US" smtClean="0"/>
-              <a:t>11/13/2022</a:t>
+              <a:t>11/18/2022</a:t>
             </a:fld>
             <a:endParaRPr lang="en-US"/>
           </a:p>
@@ -2061,7 +2686,7 @@
           <a:p>
             <a:fld id="{B07F9D06-57BB-4FD9-9015-C449E2A2CB7A}" type="datetimeFigureOut">
               <a:rPr lang="en-US" smtClean="0"/>
-              <a:t>11/13/2022</a:t>
+              <a:t>11/18/2022</a:t>
             </a:fld>
             <a:endParaRPr lang="en-US"/>
           </a:p>
@@ -2336,7 +2961,7 @@
           <a:p>
             <a:fld id="{B07F9D06-57BB-4FD9-9015-C449E2A2CB7A}" type="datetimeFigureOut">
               <a:rPr lang="en-US" smtClean="0"/>
-              <a:t>11/13/2022</a:t>
+              <a:t>11/18/2022</a:t>
             </a:fld>
             <a:endParaRPr lang="en-US"/>
           </a:p>
@@ -2715,7 +3340,7 @@
           <a:p>
             <a:fld id="{B07F9D06-57BB-4FD9-9015-C449E2A2CB7A}" type="datetimeFigureOut">
               <a:rPr lang="en-US" smtClean="0"/>
-              <a:t>11/13/2022</a:t>
+              <a:t>11/18/2022</a:t>
             </a:fld>
             <a:endParaRPr lang="en-US"/>
           </a:p>
@@ -2833,7 +3458,7 @@
           <a:p>
             <a:fld id="{B07F9D06-57BB-4FD9-9015-C449E2A2CB7A}" type="datetimeFigureOut">
               <a:rPr lang="en-US" smtClean="0"/>
-              <a:t>11/13/2022</a:t>
+              <a:t>11/18/2022</a:t>
             </a:fld>
             <a:endParaRPr lang="en-US"/>
           </a:p>
@@ -3004,7 +3629,7 @@
           <a:p>
             <a:fld id="{B07F9D06-57BB-4FD9-9015-C449E2A2CB7A}" type="datetimeFigureOut">
               <a:rPr lang="en-US" smtClean="0"/>
-              <a:t>11/13/2022</a:t>
+              <a:t>11/18/2022</a:t>
             </a:fld>
             <a:endParaRPr lang="en-US"/>
           </a:p>
@@ -3358,7 +3983,7 @@
           <a:p>
             <a:fld id="{B07F9D06-57BB-4FD9-9015-C449E2A2CB7A}" type="datetimeFigureOut">
               <a:rPr lang="en-US" smtClean="0"/>
-              <a:t>11/13/2022</a:t>
+              <a:t>11/18/2022</a:t>
             </a:fld>
             <a:endParaRPr lang="en-US"/>
           </a:p>
@@ -3740,7 +4365,7 @@
           <a:p>
             <a:fld id="{B07F9D06-57BB-4FD9-9015-C449E2A2CB7A}" type="datetimeFigureOut">
               <a:rPr lang="en-US" smtClean="0"/>
-              <a:t>11/13/2022</a:t>
+              <a:t>11/18/2022</a:t>
             </a:fld>
             <a:endParaRPr lang="en-US"/>
           </a:p>
@@ -4027,7 +4652,7 @@
           <a:p>
             <a:fld id="{B07F9D06-57BB-4FD9-9015-C449E2A2CB7A}" type="datetimeFigureOut">
               <a:rPr lang="en-US" smtClean="0"/>
-              <a:t>11/13/2022</a:t>
+              <a:t>11/18/2022</a:t>
             </a:fld>
             <a:endParaRPr lang="en-US"/>
           </a:p>
@@ -4579,31 +5204,6 @@
           </a:p>
         </p:txBody>
       </p:sp>
-      <p:sp>
-        <p:nvSpPr>
-          <p:cNvPr id="3" name="Subtitle 2">
-            <a:extLst>
-              <a:ext uri="{FF2B5EF4-FFF2-40B4-BE49-F238E27FC236}">
-                <a16:creationId xmlns:a16="http://schemas.microsoft.com/office/drawing/2014/main" id="{1A9B5663-F249-D70E-C51B-857BFFEB808D}"/>
-              </a:ext>
-            </a:extLst>
-          </p:cNvPr>
-          <p:cNvSpPr>
-            <a:spLocks noGrp="1"/>
-          </p:cNvSpPr>
-          <p:nvPr>
-            <p:ph type="subTitle" idx="1"/>
-          </p:nvPr>
-        </p:nvSpPr>
-        <p:spPr/>
-        <p:txBody>
-          <a:bodyPr/>
-          <a:lstStyle/>
-          <a:p>
-            <a:endParaRPr lang="en-US"/>
-          </a:p>
-        </p:txBody>
-      </p:sp>
     </p:spTree>
     <p:extLst>
       <p:ext uri="{BB962C8B-B14F-4D97-AF65-F5344CB8AC3E}">
@@ -4656,7 +5256,7 @@
           <a:lstStyle/>
           <a:p>
             <a:r>
-              <a:rPr lang="en-US"/>
+              <a:rPr lang="en-US" dirty="0"/>
               <a:t>Decision</a:t>
             </a:r>
           </a:p>
@@ -4684,71 +5284,71 @@
           <a:lstStyle/>
           <a:p>
             <a:r>
-              <a:rPr lang="en-US"/>
+              <a:rPr lang="en-US" dirty="0"/>
               <a:t>Inference involves using the sample to decide one of the following two:</a:t>
             </a:r>
           </a:p>
           <a:p>
             <a:pPr lvl="1"/>
             <a:r>
-              <a:rPr lang="en-US"/>
+              <a:rPr lang="en-US" dirty="0"/>
               <a:t>The sample supports the research question – Reject H</a:t>
             </a:r>
             <a:r>
-              <a:rPr lang="en-US" baseline="-25000"/>
+              <a:rPr lang="en-US" baseline="-25000" dirty="0"/>
               <a:t>0</a:t>
             </a:r>
             <a:r>
-              <a:rPr lang="en-US"/>
+              <a:rPr lang="en-US" dirty="0"/>
               <a:t> in favor of H</a:t>
             </a:r>
             <a:r>
-              <a:rPr lang="en-US" baseline="-25000"/>
+              <a:rPr lang="en-US" baseline="-25000" dirty="0"/>
               <a:t>a</a:t>
             </a:r>
             <a:r>
-              <a:rPr lang="en-US"/>
+              <a:rPr lang="en-US" dirty="0"/>
               <a:t>.</a:t>
             </a:r>
           </a:p>
           <a:p>
             <a:pPr lvl="1"/>
             <a:r>
-              <a:rPr lang="en-US"/>
+              <a:rPr lang="en-US" dirty="0"/>
               <a:t>The sample does </a:t>
             </a:r>
             <a:r>
-              <a:rPr lang="en-US" i="1"/>
+              <a:rPr lang="en-US" i="1" dirty="0"/>
               <a:t>not</a:t>
             </a:r>
             <a:r>
-              <a:rPr lang="en-US"/>
+              <a:rPr lang="en-US" dirty="0"/>
               <a:t> support the research question – Fail to reject H</a:t>
             </a:r>
             <a:r>
-              <a:rPr lang="en-US" baseline="-25000"/>
+              <a:rPr lang="en-US" baseline="-25000" dirty="0"/>
               <a:t>0</a:t>
             </a:r>
             <a:r>
-              <a:rPr lang="en-US"/>
+              <a:rPr lang="en-US" dirty="0"/>
               <a:t> in favor of H</a:t>
             </a:r>
             <a:r>
-              <a:rPr lang="en-US" baseline="-25000"/>
+              <a:rPr lang="en-US" baseline="-25000" dirty="0"/>
               <a:t>a</a:t>
             </a:r>
             <a:r>
-              <a:rPr lang="en-US"/>
+              <a:rPr lang="en-US" dirty="0"/>
               <a:t>.</a:t>
             </a:r>
           </a:p>
           <a:p>
             <a:pPr lvl="1"/>
-            <a:endParaRPr lang="en-US"/>
-          </a:p>
-          <a:p>
-            <a:r>
-              <a:rPr lang="en-US">
+            <a:endParaRPr lang="en-US" dirty="0"/>
+          </a:p>
+          <a:p>
+            <a:r>
+              <a:rPr lang="en-US" dirty="0">
                 <a:solidFill>
                   <a:schemeClr val="accent1">
                     <a:lumMod val="50000"/>
@@ -4759,7 +5359,28 @@
             </a:r>
           </a:p>
           <a:p>
-            <a:endParaRPr lang="en-US"/>
+            <a:endParaRPr lang="en-US" dirty="0">
+              <a:solidFill>
+                <a:schemeClr val="accent1">
+                  <a:lumMod val="50000"/>
+                </a:schemeClr>
+              </a:solidFill>
+            </a:endParaRPr>
+          </a:p>
+          <a:p>
+            <a:r>
+              <a:rPr lang="en-US" dirty="0">
+                <a:solidFill>
+                  <a:schemeClr val="accent1">
+                    <a:lumMod val="50000"/>
+                  </a:schemeClr>
+                </a:solidFill>
+              </a:rPr>
+              <a:t>Decision commonly made using p-values or standardized statistics (z-test, t-test)</a:t>
+            </a:r>
+          </a:p>
+          <a:p>
+            <a:endParaRPr lang="en-US" dirty="0"/>
           </a:p>
         </p:txBody>
       </p:sp>
@@ -4828,8 +5449,8 @@
           </a:p>
         </p:txBody>
       </p:sp>
-      <mc:AlternateContent xmlns:mc="http://schemas.openxmlformats.org/markup-compatibility/2006">
-        <mc:Choice xmlns:a14="http://schemas.microsoft.com/office/drawing/2010/main" Requires="a14">
+      <mc:AlternateContent xmlns:mc="http://schemas.openxmlformats.org/markup-compatibility/2006" xmlns:a14="http://schemas.microsoft.com/office/drawing/2010/main">
+        <mc:Choice Requires="a14">
           <p:sp>
             <p:nvSpPr>
               <p:cNvPr id="3" name="Content Placeholder 2">
@@ -4854,12 +5475,12 @@
             </p:spPr>
             <p:txBody>
               <a:bodyPr>
-                <a:normAutofit/>
+                <a:normAutofit fontScale="92500" lnSpcReduction="10000"/>
               </a:bodyPr>
               <a:lstStyle/>
               <a:p>
                 <a:r>
-                  <a:rPr lang="en-US" dirty="0"/>
+                  <a:rPr lang="en-US"/>
                   <a:t>Definition (comes in three major parts):</a:t>
                 </a:r>
               </a:p>
@@ -4869,7 +5490,7 @@
                   <a:buAutoNum type="arabicPeriod"/>
                 </a:pPr>
                 <a:r>
-                  <a:rPr lang="en-US" dirty="0"/>
+                  <a:rPr lang="en-US"/>
                   <a:t>Probability of obtaining the statistic	</a:t>
                 </a:r>
               </a:p>
@@ -4879,7 +5500,7 @@
                   <a:buAutoNum type="arabicPeriod"/>
                 </a:pPr>
                 <a:r>
-                  <a:rPr lang="en-US" dirty="0"/>
+                  <a:rPr lang="en-US"/>
                   <a:t>Plus the probability of obtaining a value more extreme than the statistic</a:t>
                 </a:r>
               </a:p>
@@ -4889,7 +5510,7 @@
                   <a:buAutoNum type="arabicPeriod"/>
                 </a:pPr>
                 <a:r>
-                  <a:rPr lang="en-US" dirty="0"/>
+                  <a:rPr lang="en-US"/>
                   <a:t>If the null hypothesis is true</a:t>
                 </a:r>
               </a:p>
@@ -4898,14 +5519,14 @@
                   <a:buFont typeface="+mj-lt"/>
                   <a:buAutoNum type="arabicPeriod"/>
                 </a:pPr>
-                <a:endParaRPr lang="en-US" dirty="0"/>
+                <a:endParaRPr lang="en-US"/>
               </a:p>
               <a:p>
                 <a:pPr marL="0" indent="0">
                   <a:buNone/>
                 </a:pPr>
                 <a:r>
-                  <a:rPr lang="en-US" dirty="0"/>
+                  <a:rPr lang="en-US"/>
                   <a:t>Example: If you win 40% of the time at rock/paper/scissors, the </a:t>
                 </a:r>
                 <a14:m>
@@ -4919,7 +5540,7 @@
                   </m:oMath>
                 </a14:m>
                 <a:r>
-                  <a:rPr lang="en-US" dirty="0"/>
+                  <a:rPr lang="en-US"/>
                   <a:t>-value is the probability of winning 40% of the time or higher if the real chance of winning is </a:t>
                 </a:r>
                 <a14:m>
@@ -4951,12 +5572,34 @@
                     </m:f>
                   </m:oMath>
                 </a14:m>
-                <a:endParaRPr lang="en-US" dirty="0"/>
+                <a:endParaRPr lang="en-US"/>
+              </a:p>
+              <a:p>
+                <a:pPr marL="0" indent="0">
+                  <a:buNone/>
+                </a:pPr>
+                <a:endParaRPr lang="en-US"/>
+              </a:p>
+              <a:p>
+                <a:pPr marL="0" indent="0">
+                  <a:buNone/>
+                </a:pPr>
+                <a:r>
+                  <a:rPr lang="en-US"/>
+                  <a:t>If interested in reading about the current debate in P-values : </a:t>
+                </a:r>
+                <a:r>
+                  <a:rPr lang="en-US">
+                    <a:hlinkClick r:id="rId2"/>
+                  </a:rPr>
+                  <a:t>(PDF) Why are p-Values Controversial? (researchgate.net)</a:t>
+                </a:r>
+                <a:endParaRPr lang="en-US"/>
               </a:p>
             </p:txBody>
           </p:sp>
         </mc:Choice>
-        <mc:Fallback>
+        <mc:Fallback xmlns="">
           <p:sp>
             <p:nvSpPr>
               <p:cNvPr id="3" name="Content Placeholder 2">
@@ -4979,9 +5622,9 @@
                 <a:ext cx="5714230" cy="4424937"/>
               </a:xfrm>
               <a:blipFill>
-                <a:blip r:embed="rId2"/>
+                <a:blip r:embed="rId3"/>
                 <a:stretch>
-                  <a:fillRect l="-2668" t="-1377" r="-2134"/>
+                  <a:fillRect l="-640" t="-964"/>
                 </a:stretch>
               </a:blipFill>
             </p:spPr>
@@ -5015,7 +5658,7 @@
           <p:nvPr/>
         </p:nvPicPr>
         <p:blipFill>
-          <a:blip r:embed="rId3">
+          <a:blip r:embed="rId4">
             <a:extLst>
               <a:ext uri="{28A0092B-C50C-407E-A947-70E740481C1C}">
                 <a14:useLocalDpi xmlns:a14="http://schemas.microsoft.com/office/drawing/2010/main" val="0"/>
@@ -5028,7 +5671,7 @@
         </p:blipFill>
         <p:spPr>
           <a:xfrm>
-            <a:off x="6537513" y="1616897"/>
+            <a:off x="6848231" y="2160589"/>
             <a:ext cx="4449871" cy="3310704"/>
           </a:xfrm>
           <a:prstGeom prst="rect">
@@ -5629,7 +6272,7 @@
         <p:spPr/>
         <p:txBody>
           <a:bodyPr>
-            <a:normAutofit lnSpcReduction="10000"/>
+            <a:normAutofit/>
           </a:bodyPr>
           <a:lstStyle/>
           <a:p>
@@ -5648,17 +6291,14 @@
                 </a:solidFill>
                 <a:effectLst/>
               </a:rPr>
-              <a:t>Pew Research Center a survey of U.S. adults conducted Jan. 25-Feb. 8, 2021, which asked the question: “Have you read a book in the past year, whether in print, electronic, or audio form?” Of the 1,502 US adults surveyed, 345 (23%) answered they have not read a book in the past year. They want to know if the proportion of US adult who have not read a book in the past year is different from 25%. </a:t>
+              <a:t>Pew Research Center a survey of U.S. adults conducted from Jan. 25-Feb. 8, 2021, asked the question: “Have you read a book in the past year, whether in print, electronic, or audio form?” Of the 1,502 US adults surveyed, 345 (23%) answered they have not read a book in the past year. They want to know if the proportion of US adult who have not read a book in the past year is different from 25%. </a:t>
             </a:r>
             <a:endParaRPr lang="en-US" dirty="0"/>
           </a:p>
           <a:p>
-            <a:endParaRPr lang="en-US" dirty="0"/>
-          </a:p>
-          <a:p>
-            <a:endParaRPr lang="en-US" dirty="0"/>
-          </a:p>
-          <a:p>
+            <a:pPr marL="0" indent="0">
+              <a:buNone/>
+            </a:pPr>
             <a:endParaRPr lang="en-US" dirty="0"/>
           </a:p>
           <a:p>
@@ -6143,8 +6783,8 @@
           <a:chExt cx="0" cy="0"/>
         </a:xfrm>
       </p:grpSpPr>
-      <mc:AlternateContent xmlns:mc="http://schemas.openxmlformats.org/markup-compatibility/2006">
-        <mc:Choice xmlns:a14="http://schemas.microsoft.com/office/drawing/2010/main" Requires="a14">
+      <mc:AlternateContent xmlns:mc="http://schemas.openxmlformats.org/markup-compatibility/2006" xmlns:a14="http://schemas.microsoft.com/office/drawing/2010/main">
+        <mc:Choice Requires="a14">
           <p:sp>
             <p:nvSpPr>
               <p:cNvPr id="3" name="Content Placeholder 2"/>
@@ -6235,19 +6875,7 @@
                       <a:rPr lang="en-US" b="0" i="1" dirty="0" smtClean="0">
                         <a:latin typeface="Cambria Math" panose="02040503050406030204" pitchFamily="18" charset="0"/>
                       </a:rPr>
-                      <m:t>=0.</m:t>
-                    </m:r>
-                    <m:r>
-                      <a:rPr lang="en-US" b="0" i="1" dirty="0" smtClean="0">
-                        <a:latin typeface="Cambria Math" panose="02040503050406030204" pitchFamily="18" charset="0"/>
-                      </a:rPr>
-                      <m:t>23</m:t>
-                    </m:r>
-                    <m:r>
-                      <a:rPr lang="en-US" b="0" i="1" dirty="0" smtClean="0">
-                        <a:latin typeface="Cambria Math" panose="02040503050406030204" pitchFamily="18" charset="0"/>
-                      </a:rPr>
-                      <m:t>.</m:t>
+                      <m:t>=0.23.</m:t>
                     </m:r>
                   </m:oMath>
                 </a14:m>
@@ -6272,7 +6900,7 @@
             </p:txBody>
           </p:sp>
         </mc:Choice>
-        <mc:Fallback>
+        <mc:Fallback xmlns="">
           <p:sp>
             <p:nvSpPr>
               <p:cNvPr id="3" name="Content Placeholder 2"/>
@@ -6729,8 +7357,8 @@
           </a:p>
         </p:txBody>
       </p:sp>
-      <mc:AlternateContent xmlns:mc="http://schemas.openxmlformats.org/markup-compatibility/2006">
-        <mc:Choice xmlns:a14="http://schemas.microsoft.com/office/drawing/2010/main" Requires="a14">
+      <mc:AlternateContent xmlns:mc="http://schemas.openxmlformats.org/markup-compatibility/2006" xmlns:a14="http://schemas.microsoft.com/office/drawing/2010/main">
+        <mc:Choice Requires="a14">
           <p:sp>
             <p:nvSpPr>
               <p:cNvPr id="4" name="Text Placeholder 3"/>
@@ -6875,7 +7503,7 @@
             </p:txBody>
           </p:sp>
         </mc:Choice>
-        <mc:Fallback>
+        <mc:Fallback xmlns="">
           <p:sp>
             <p:nvSpPr>
               <p:cNvPr id="4" name="Text Placeholder 3"/>
@@ -7249,8 +7877,8 @@
           <a:chExt cx="0" cy="0"/>
         </a:xfrm>
       </p:grpSpPr>
-      <mc:AlternateContent xmlns:mc="http://schemas.openxmlformats.org/markup-compatibility/2006">
-        <mc:Choice xmlns:a14="http://schemas.microsoft.com/office/drawing/2010/main" Requires="a14">
+      <mc:AlternateContent xmlns:mc="http://schemas.openxmlformats.org/markup-compatibility/2006" xmlns:a14="http://schemas.microsoft.com/office/drawing/2010/main">
+        <mc:Choice Requires="a14">
           <p:graphicFrame>
             <p:nvGraphicFramePr>
               <p:cNvPr id="2" name="Table 1"/>
@@ -7260,14 +7888,14 @@
               <p:nvPr>
                 <p:extLst>
                   <p:ext uri="{D42A27DB-BD31-4B8C-83A1-F6EECF244321}">
-                    <p14:modId xmlns:p14="http://schemas.microsoft.com/office/powerpoint/2010/main" val="3340160806"/>
+                    <p14:modId xmlns:p14="http://schemas.microsoft.com/office/powerpoint/2010/main" val="2461471697"/>
                   </p:ext>
                 </p:extLst>
               </p:nvPr>
             </p:nvGraphicFramePr>
             <p:xfrm>
-              <a:off x="184734" y="461048"/>
-              <a:ext cx="11711700" cy="1205925"/>
+              <a:off x="120072" y="440772"/>
+              <a:ext cx="11859480" cy="1485681"/>
             </p:xfrm>
             <a:graphic>
               <a:graphicData uri="http://schemas.openxmlformats.org/drawingml/2006/table">
@@ -7276,92 +7904,92 @@
                     <a:tableStyleId>{5C22544A-7EE6-4342-B048-85BDC9FD1C3A}</a:tableStyleId>
                   </a:tblPr>
                   <a:tblGrid>
-                    <a:gridCol w="975975">
+                    <a:gridCol w="988290">
                       <a:extLst>
                         <a:ext uri="{9D8B030D-6E8A-4147-A177-3AD203B41FA5}">
                           <a16:colId xmlns:a16="http://schemas.microsoft.com/office/drawing/2014/main" val="1673219921"/>
                         </a:ext>
                       </a:extLst>
                     </a:gridCol>
-                    <a:gridCol w="975975">
-                      <a:extLst>
-                        <a:ext uri="{9D8B030D-6E8A-4147-A177-3AD203B41FA5}">
-                          <a16:colId xmlns:a16="http://schemas.microsoft.com/office/drawing/2014/main" val="1616298256"/>
-                        </a:ext>
-                      </a:extLst>
-                    </a:gridCol>
-                    <a:gridCol w="975975">
-                      <a:extLst>
-                        <a:ext uri="{9D8B030D-6E8A-4147-A177-3AD203B41FA5}">
-                          <a16:colId xmlns:a16="http://schemas.microsoft.com/office/drawing/2014/main" val="1617740889"/>
-                        </a:ext>
-                      </a:extLst>
-                    </a:gridCol>
-                    <a:gridCol w="975975">
-                      <a:extLst>
-                        <a:ext uri="{9D8B030D-6E8A-4147-A177-3AD203B41FA5}">
-                          <a16:colId xmlns:a16="http://schemas.microsoft.com/office/drawing/2014/main" val="751057124"/>
-                        </a:ext>
-                      </a:extLst>
-                    </a:gridCol>
-                    <a:gridCol w="975975">
-                      <a:extLst>
-                        <a:ext uri="{9D8B030D-6E8A-4147-A177-3AD203B41FA5}">
-                          <a16:colId xmlns:a16="http://schemas.microsoft.com/office/drawing/2014/main" val="3736488845"/>
-                        </a:ext>
-                      </a:extLst>
-                    </a:gridCol>
-                    <a:gridCol w="975975">
+                    <a:gridCol w="988290">
                       <a:extLst>
                         <a:ext uri="{9D8B030D-6E8A-4147-A177-3AD203B41FA5}">
                           <a16:colId xmlns:a16="http://schemas.microsoft.com/office/drawing/2014/main" val="2410710168"/>
                         </a:ext>
                       </a:extLst>
                     </a:gridCol>
-                    <a:gridCol w="975975">
+                    <a:gridCol w="988290">
                       <a:extLst>
                         <a:ext uri="{9D8B030D-6E8A-4147-A177-3AD203B41FA5}">
                           <a16:colId xmlns:a16="http://schemas.microsoft.com/office/drawing/2014/main" val="4108077173"/>
                         </a:ext>
                       </a:extLst>
                     </a:gridCol>
-                    <a:gridCol w="975975">
+                    <a:gridCol w="988290">
                       <a:extLst>
                         <a:ext uri="{9D8B030D-6E8A-4147-A177-3AD203B41FA5}">
                           <a16:colId xmlns:a16="http://schemas.microsoft.com/office/drawing/2014/main" val="4267239462"/>
                         </a:ext>
                       </a:extLst>
                     </a:gridCol>
-                    <a:gridCol w="975975">
+                    <a:gridCol w="988290">
                       <a:extLst>
                         <a:ext uri="{9D8B030D-6E8A-4147-A177-3AD203B41FA5}">
                           <a16:colId xmlns:a16="http://schemas.microsoft.com/office/drawing/2014/main" val="4202506015"/>
                         </a:ext>
                       </a:extLst>
                     </a:gridCol>
-                    <a:gridCol w="975975">
+                    <a:gridCol w="988290">
                       <a:extLst>
                         <a:ext uri="{9D8B030D-6E8A-4147-A177-3AD203B41FA5}">
                           <a16:colId xmlns:a16="http://schemas.microsoft.com/office/drawing/2014/main" val="59336596"/>
                         </a:ext>
                       </a:extLst>
                     </a:gridCol>
-                    <a:gridCol w="975975">
+                    <a:gridCol w="988290">
                       <a:extLst>
                         <a:ext uri="{9D8B030D-6E8A-4147-A177-3AD203B41FA5}">
                           <a16:colId xmlns:a16="http://schemas.microsoft.com/office/drawing/2014/main" val="3551039906"/>
                         </a:ext>
                       </a:extLst>
                     </a:gridCol>
-                    <a:gridCol w="975975">
+                    <a:gridCol w="988290">
                       <a:extLst>
                         <a:ext uri="{9D8B030D-6E8A-4147-A177-3AD203B41FA5}">
                           <a16:colId xmlns:a16="http://schemas.microsoft.com/office/drawing/2014/main" val="3302710503"/>
                         </a:ext>
                       </a:extLst>
                     </a:gridCol>
+                    <a:gridCol w="988290">
+                      <a:extLst>
+                        <a:ext uri="{9D8B030D-6E8A-4147-A177-3AD203B41FA5}">
+                          <a16:colId xmlns:a16="http://schemas.microsoft.com/office/drawing/2014/main" val="87648926"/>
+                        </a:ext>
+                      </a:extLst>
+                    </a:gridCol>
+                    <a:gridCol w="988290">
+                      <a:extLst>
+                        <a:ext uri="{9D8B030D-6E8A-4147-A177-3AD203B41FA5}">
+                          <a16:colId xmlns:a16="http://schemas.microsoft.com/office/drawing/2014/main" val="1914773575"/>
+                        </a:ext>
+                      </a:extLst>
+                    </a:gridCol>
+                    <a:gridCol w="988290">
+                      <a:extLst>
+                        <a:ext uri="{9D8B030D-6E8A-4147-A177-3AD203B41FA5}">
+                          <a16:colId xmlns:a16="http://schemas.microsoft.com/office/drawing/2014/main" val="1413839004"/>
+                        </a:ext>
+                      </a:extLst>
+                    </a:gridCol>
+                    <a:gridCol w="988290">
+                      <a:extLst>
+                        <a:ext uri="{9D8B030D-6E8A-4147-A177-3AD203B41FA5}">
+                          <a16:colId xmlns:a16="http://schemas.microsoft.com/office/drawing/2014/main" val="2208722817"/>
+                        </a:ext>
+                      </a:extLst>
+                    </a:gridCol>
                   </a:tblGrid>
-                  <a:tr h="401975">
+                  <a:tr h="495227">
                     <a:tc>
                       <a:txBody>
                         <a:bodyPr/>
@@ -7384,62 +8012,6 @@
                             </m:oMathPara>
                           </a14:m>
                           <a:endParaRPr lang="en-US" dirty="0"/>
-                        </a:p>
-                      </a:txBody>
-                      <a:tcPr/>
-                    </a:tc>
-                    <a:tc>
-                      <a:txBody>
-                        <a:bodyPr/>
-                        <a:lstStyle/>
-                        <a:p>
-                          <a:pPr algn="ctr"/>
-                          <a:r>
-                            <a:rPr lang="en-US" dirty="0"/>
-                            <a:t>0.14</a:t>
-                          </a:r>
-                        </a:p>
-                      </a:txBody>
-                      <a:tcPr/>
-                    </a:tc>
-                    <a:tc>
-                      <a:txBody>
-                        <a:bodyPr/>
-                        <a:lstStyle/>
-                        <a:p>
-                          <a:pPr algn="ctr"/>
-                          <a:r>
-                            <a:rPr lang="en-US" dirty="0"/>
-                            <a:t>0.15</a:t>
-                          </a:r>
-                        </a:p>
-                      </a:txBody>
-                      <a:tcPr/>
-                    </a:tc>
-                    <a:tc>
-                      <a:txBody>
-                        <a:bodyPr/>
-                        <a:lstStyle/>
-                        <a:p>
-                          <a:pPr algn="ctr"/>
-                          <a:r>
-                            <a:rPr lang="en-US" dirty="0"/>
-                            <a:t>0.16</a:t>
-                          </a:r>
-                        </a:p>
-                      </a:txBody>
-                      <a:tcPr/>
-                    </a:tc>
-                    <a:tc>
-                      <a:txBody>
-                        <a:bodyPr/>
-                        <a:lstStyle/>
-                        <a:p>
-                          <a:pPr algn="ctr"/>
-                          <a:r>
-                            <a:rPr lang="en-US" dirty="0"/>
-                            <a:t>0.17</a:t>
-                          </a:r>
                         </a:p>
                       </a:txBody>
                       <a:tcPr/>
@@ -7521,7 +8093,7 @@
                         <a:p>
                           <a:pPr algn="ctr"/>
                           <a:r>
-                            <a:rPr lang="en-US" dirty="0"/>
+                            <a:rPr lang="en-US" u="sng" dirty="0"/>
                             <a:t>0.23</a:t>
                           </a:r>
                         </a:p>
@@ -7542,13 +8114,69 @@
                       </a:txBody>
                       <a:tcPr/>
                     </a:tc>
+                    <a:tc>
+                      <a:txBody>
+                        <a:bodyPr/>
+                        <a:lstStyle/>
+                        <a:p>
+                          <a:pPr algn="ctr"/>
+                          <a:r>
+                            <a:rPr lang="en-US" dirty="0"/>
+                            <a:t>0.25</a:t>
+                          </a:r>
+                        </a:p>
+                      </a:txBody>
+                      <a:tcPr/>
+                    </a:tc>
+                    <a:tc>
+                      <a:txBody>
+                        <a:bodyPr/>
+                        <a:lstStyle/>
+                        <a:p>
+                          <a:pPr algn="ctr"/>
+                          <a:r>
+                            <a:rPr lang="en-US" dirty="0"/>
+                            <a:t>0.26</a:t>
+                          </a:r>
+                        </a:p>
+                      </a:txBody>
+                      <a:tcPr/>
+                    </a:tc>
+                    <a:tc>
+                      <a:txBody>
+                        <a:bodyPr/>
+                        <a:lstStyle/>
+                        <a:p>
+                          <a:pPr algn="ctr"/>
+                          <a:r>
+                            <a:rPr lang="en-US" dirty="0"/>
+                            <a:t>0.27</a:t>
+                          </a:r>
+                        </a:p>
+                      </a:txBody>
+                      <a:tcPr/>
+                    </a:tc>
+                    <a:tc>
+                      <a:txBody>
+                        <a:bodyPr/>
+                        <a:lstStyle/>
+                        <a:p>
+                          <a:pPr algn="ctr"/>
+                          <a:r>
+                            <a:rPr lang="en-US" dirty="0"/>
+                            <a:t>0.28</a:t>
+                          </a:r>
+                        </a:p>
+                      </a:txBody>
+                      <a:tcPr/>
+                    </a:tc>
                     <a:extLst>
                       <a:ext uri="{0D108BD9-81ED-4DB2-BD59-A6C34878D82A}">
                         <a16:rowId xmlns:a16="http://schemas.microsoft.com/office/drawing/2014/main" val="480012530"/>
                       </a:ext>
                     </a:extLst>
                   </a:tr>
-                  <a:tr h="401975">
+                  <a:tr h="495227">
                     <a:tc>
                       <a:txBody>
                         <a:bodyPr/>
@@ -7678,7 +8306,7 @@
                       </a:ext>
                     </a:extLst>
                   </a:tr>
-                  <a:tr h="401975">
+                  <a:tr h="495227">
                     <a:tc>
                       <a:txBody>
                         <a:bodyPr/>
@@ -7813,7 +8441,7 @@
             </a:graphic>
           </p:graphicFrame>
         </mc:Choice>
-        <mc:Fallback>
+        <mc:Fallback xmlns="">
           <p:graphicFrame>
             <p:nvGraphicFramePr>
               <p:cNvPr id="2" name="Table 1"/>
@@ -7823,14 +8451,14 @@
               <p:nvPr>
                 <p:extLst>
                   <p:ext uri="{D42A27DB-BD31-4B8C-83A1-F6EECF244321}">
-                    <p14:modId xmlns:p14="http://schemas.microsoft.com/office/powerpoint/2010/main" val="3340160806"/>
+                    <p14:modId xmlns:p14="http://schemas.microsoft.com/office/powerpoint/2010/main" val="2461471697"/>
                   </p:ext>
                 </p:extLst>
               </p:nvPr>
             </p:nvGraphicFramePr>
             <p:xfrm>
-              <a:off x="184734" y="461048"/>
-              <a:ext cx="11711700" cy="1205925"/>
+              <a:off x="120072" y="440772"/>
+              <a:ext cx="11859480" cy="1485681"/>
             </p:xfrm>
             <a:graphic>
               <a:graphicData uri="http://schemas.openxmlformats.org/drawingml/2006/table">
@@ -7839,92 +8467,92 @@
                     <a:tableStyleId>{5C22544A-7EE6-4342-B048-85BDC9FD1C3A}</a:tableStyleId>
                   </a:tblPr>
                   <a:tblGrid>
-                    <a:gridCol w="975975">
+                    <a:gridCol w="988290">
                       <a:extLst>
                         <a:ext uri="{9D8B030D-6E8A-4147-A177-3AD203B41FA5}">
                           <a16:colId xmlns:a16="http://schemas.microsoft.com/office/drawing/2014/main" val="1673219921"/>
                         </a:ext>
                       </a:extLst>
                     </a:gridCol>
-                    <a:gridCol w="975975">
-                      <a:extLst>
-                        <a:ext uri="{9D8B030D-6E8A-4147-A177-3AD203B41FA5}">
-                          <a16:colId xmlns:a16="http://schemas.microsoft.com/office/drawing/2014/main" val="1616298256"/>
-                        </a:ext>
-                      </a:extLst>
-                    </a:gridCol>
-                    <a:gridCol w="975975">
-                      <a:extLst>
-                        <a:ext uri="{9D8B030D-6E8A-4147-A177-3AD203B41FA5}">
-                          <a16:colId xmlns:a16="http://schemas.microsoft.com/office/drawing/2014/main" val="1617740889"/>
-                        </a:ext>
-                      </a:extLst>
-                    </a:gridCol>
-                    <a:gridCol w="975975">
-                      <a:extLst>
-                        <a:ext uri="{9D8B030D-6E8A-4147-A177-3AD203B41FA5}">
-                          <a16:colId xmlns:a16="http://schemas.microsoft.com/office/drawing/2014/main" val="751057124"/>
-                        </a:ext>
-                      </a:extLst>
-                    </a:gridCol>
-                    <a:gridCol w="975975">
-                      <a:extLst>
-                        <a:ext uri="{9D8B030D-6E8A-4147-A177-3AD203B41FA5}">
-                          <a16:colId xmlns:a16="http://schemas.microsoft.com/office/drawing/2014/main" val="3736488845"/>
-                        </a:ext>
-                      </a:extLst>
-                    </a:gridCol>
-                    <a:gridCol w="975975">
+                    <a:gridCol w="988290">
                       <a:extLst>
                         <a:ext uri="{9D8B030D-6E8A-4147-A177-3AD203B41FA5}">
                           <a16:colId xmlns:a16="http://schemas.microsoft.com/office/drawing/2014/main" val="2410710168"/>
                         </a:ext>
                       </a:extLst>
                     </a:gridCol>
-                    <a:gridCol w="975975">
+                    <a:gridCol w="988290">
                       <a:extLst>
                         <a:ext uri="{9D8B030D-6E8A-4147-A177-3AD203B41FA5}">
                           <a16:colId xmlns:a16="http://schemas.microsoft.com/office/drawing/2014/main" val="4108077173"/>
                         </a:ext>
                       </a:extLst>
                     </a:gridCol>
-                    <a:gridCol w="975975">
+                    <a:gridCol w="988290">
                       <a:extLst>
                         <a:ext uri="{9D8B030D-6E8A-4147-A177-3AD203B41FA5}">
                           <a16:colId xmlns:a16="http://schemas.microsoft.com/office/drawing/2014/main" val="4267239462"/>
                         </a:ext>
                       </a:extLst>
                     </a:gridCol>
-                    <a:gridCol w="975975">
+                    <a:gridCol w="988290">
                       <a:extLst>
                         <a:ext uri="{9D8B030D-6E8A-4147-A177-3AD203B41FA5}">
                           <a16:colId xmlns:a16="http://schemas.microsoft.com/office/drawing/2014/main" val="4202506015"/>
                         </a:ext>
                       </a:extLst>
                     </a:gridCol>
-                    <a:gridCol w="975975">
+                    <a:gridCol w="988290">
                       <a:extLst>
                         <a:ext uri="{9D8B030D-6E8A-4147-A177-3AD203B41FA5}">
                           <a16:colId xmlns:a16="http://schemas.microsoft.com/office/drawing/2014/main" val="59336596"/>
                         </a:ext>
                       </a:extLst>
                     </a:gridCol>
-                    <a:gridCol w="975975">
+                    <a:gridCol w="988290">
                       <a:extLst>
                         <a:ext uri="{9D8B030D-6E8A-4147-A177-3AD203B41FA5}">
                           <a16:colId xmlns:a16="http://schemas.microsoft.com/office/drawing/2014/main" val="3551039906"/>
                         </a:ext>
                       </a:extLst>
                     </a:gridCol>
-                    <a:gridCol w="975975">
+                    <a:gridCol w="988290">
                       <a:extLst>
                         <a:ext uri="{9D8B030D-6E8A-4147-A177-3AD203B41FA5}">
                           <a16:colId xmlns:a16="http://schemas.microsoft.com/office/drawing/2014/main" val="3302710503"/>
                         </a:ext>
                       </a:extLst>
                     </a:gridCol>
+                    <a:gridCol w="988290">
+                      <a:extLst>
+                        <a:ext uri="{9D8B030D-6E8A-4147-A177-3AD203B41FA5}">
+                          <a16:colId xmlns:a16="http://schemas.microsoft.com/office/drawing/2014/main" val="87648926"/>
+                        </a:ext>
+                      </a:extLst>
+                    </a:gridCol>
+                    <a:gridCol w="988290">
+                      <a:extLst>
+                        <a:ext uri="{9D8B030D-6E8A-4147-A177-3AD203B41FA5}">
+                          <a16:colId xmlns:a16="http://schemas.microsoft.com/office/drawing/2014/main" val="1914773575"/>
+                        </a:ext>
+                      </a:extLst>
+                    </a:gridCol>
+                    <a:gridCol w="988290">
+                      <a:extLst>
+                        <a:ext uri="{9D8B030D-6E8A-4147-A177-3AD203B41FA5}">
+                          <a16:colId xmlns:a16="http://schemas.microsoft.com/office/drawing/2014/main" val="1413839004"/>
+                        </a:ext>
+                      </a:extLst>
+                    </a:gridCol>
+                    <a:gridCol w="988290">
+                      <a:extLst>
+                        <a:ext uri="{9D8B030D-6E8A-4147-A177-3AD203B41FA5}">
+                          <a16:colId xmlns:a16="http://schemas.microsoft.com/office/drawing/2014/main" val="2208722817"/>
+                        </a:ext>
+                      </a:extLst>
+                    </a:gridCol>
                   </a:tblGrid>
-                  <a:tr h="401975">
+                  <a:tr h="495227">
                     <a:tc>
                       <a:txBody>
                         <a:bodyPr/>
@@ -7937,66 +8565,10 @@
                         <a:blipFill>
                           <a:blip r:embed="rId2"/>
                           <a:stretch>
-                            <a:fillRect l="-625" t="-7576" r="-1103750" b="-204545"/>
+                            <a:fillRect l="-617" t="-6098" r="-1104321" b="-201220"/>
                           </a:stretch>
                         </a:blipFill>
                       </a:tcPr>
-                    </a:tc>
-                    <a:tc>
-                      <a:txBody>
-                        <a:bodyPr/>
-                        <a:lstStyle/>
-                        <a:p>
-                          <a:pPr algn="ctr"/>
-                          <a:r>
-                            <a:rPr lang="en-US" dirty="0"/>
-                            <a:t>0.14</a:t>
-                          </a:r>
-                        </a:p>
-                      </a:txBody>
-                      <a:tcPr/>
-                    </a:tc>
-                    <a:tc>
-                      <a:txBody>
-                        <a:bodyPr/>
-                        <a:lstStyle/>
-                        <a:p>
-                          <a:pPr algn="ctr"/>
-                          <a:r>
-                            <a:rPr lang="en-US" dirty="0"/>
-                            <a:t>0.15</a:t>
-                          </a:r>
-                        </a:p>
-                      </a:txBody>
-                      <a:tcPr/>
-                    </a:tc>
-                    <a:tc>
-                      <a:txBody>
-                        <a:bodyPr/>
-                        <a:lstStyle/>
-                        <a:p>
-                          <a:pPr algn="ctr"/>
-                          <a:r>
-                            <a:rPr lang="en-US" dirty="0"/>
-                            <a:t>0.16</a:t>
-                          </a:r>
-                        </a:p>
-                      </a:txBody>
-                      <a:tcPr/>
-                    </a:tc>
-                    <a:tc>
-                      <a:txBody>
-                        <a:bodyPr/>
-                        <a:lstStyle/>
-                        <a:p>
-                          <a:pPr algn="ctr"/>
-                          <a:r>
-                            <a:rPr lang="en-US" dirty="0"/>
-                            <a:t>0.17</a:t>
-                          </a:r>
-                        </a:p>
-                      </a:txBody>
-                      <a:tcPr/>
                     </a:tc>
                     <a:tc>
                       <a:txBody>
@@ -8075,7 +8647,7 @@
                         <a:p>
                           <a:pPr algn="ctr"/>
                           <a:r>
-                            <a:rPr lang="en-US" dirty="0"/>
+                            <a:rPr lang="en-US" u="sng" dirty="0"/>
                             <a:t>0.23</a:t>
                           </a:r>
                         </a:p>
@@ -8096,13 +8668,69 @@
                       </a:txBody>
                       <a:tcPr/>
                     </a:tc>
+                    <a:tc>
+                      <a:txBody>
+                        <a:bodyPr/>
+                        <a:lstStyle/>
+                        <a:p>
+                          <a:pPr algn="ctr"/>
+                          <a:r>
+                            <a:rPr lang="en-US" dirty="0"/>
+                            <a:t>0.25</a:t>
+                          </a:r>
+                        </a:p>
+                      </a:txBody>
+                      <a:tcPr/>
+                    </a:tc>
+                    <a:tc>
+                      <a:txBody>
+                        <a:bodyPr/>
+                        <a:lstStyle/>
+                        <a:p>
+                          <a:pPr algn="ctr"/>
+                          <a:r>
+                            <a:rPr lang="en-US" dirty="0"/>
+                            <a:t>0.26</a:t>
+                          </a:r>
+                        </a:p>
+                      </a:txBody>
+                      <a:tcPr/>
+                    </a:tc>
+                    <a:tc>
+                      <a:txBody>
+                        <a:bodyPr/>
+                        <a:lstStyle/>
+                        <a:p>
+                          <a:pPr algn="ctr"/>
+                          <a:r>
+                            <a:rPr lang="en-US" dirty="0"/>
+                            <a:t>0.27</a:t>
+                          </a:r>
+                        </a:p>
+                      </a:txBody>
+                      <a:tcPr/>
+                    </a:tc>
+                    <a:tc>
+                      <a:txBody>
+                        <a:bodyPr/>
+                        <a:lstStyle/>
+                        <a:p>
+                          <a:pPr algn="ctr"/>
+                          <a:r>
+                            <a:rPr lang="en-US" dirty="0"/>
+                            <a:t>0.28</a:t>
+                          </a:r>
+                        </a:p>
+                      </a:txBody>
+                      <a:tcPr/>
+                    </a:tc>
                     <a:extLst>
                       <a:ext uri="{0D108BD9-81ED-4DB2-BD59-A6C34878D82A}">
                         <a16:rowId xmlns:a16="http://schemas.microsoft.com/office/drawing/2014/main" val="480012530"/>
                       </a:ext>
                     </a:extLst>
                   </a:tr>
-                  <a:tr h="401975">
+                  <a:tr h="495227">
                     <a:tc>
                       <a:txBody>
                         <a:bodyPr/>
@@ -8232,7 +8860,7 @@
                       </a:ext>
                     </a:extLst>
                   </a:tr>
-                  <a:tr h="401975">
+                  <a:tr h="495227">
                     <a:tc>
                       <a:txBody>
                         <a:bodyPr/>
@@ -8397,1227 +9025,6 @@
           </a:p>
         </p:txBody>
       </p:sp>
-      <mc:AlternateContent xmlns:mc="http://schemas.openxmlformats.org/markup-compatibility/2006">
-        <mc:Choice xmlns:a14="http://schemas.microsoft.com/office/drawing/2010/main" Requires="a14">
-          <p:graphicFrame>
-            <p:nvGraphicFramePr>
-              <p:cNvPr id="4" name="Table 3"/>
-              <p:cNvGraphicFramePr>
-                <a:graphicFrameLocks noGrp="1"/>
-              </p:cNvGraphicFramePr>
-              <p:nvPr>
-                <p:extLst>
-                  <p:ext uri="{D42A27DB-BD31-4B8C-83A1-F6EECF244321}">
-                    <p14:modId xmlns:p14="http://schemas.microsoft.com/office/powerpoint/2010/main" val="1183029843"/>
-                  </p:ext>
-                </p:extLst>
-              </p:nvPr>
-            </p:nvGraphicFramePr>
-            <p:xfrm>
-              <a:off x="212442" y="1971653"/>
-              <a:ext cx="11683992" cy="1205925"/>
-            </p:xfrm>
-            <a:graphic>
-              <a:graphicData uri="http://schemas.openxmlformats.org/drawingml/2006/table">
-                <a:tbl>
-                  <a:tblPr firstRow="1" bandRow="1">
-                    <a:tableStyleId>{5C22544A-7EE6-4342-B048-85BDC9FD1C3A}</a:tableStyleId>
-                  </a:tblPr>
-                  <a:tblGrid>
-                    <a:gridCol w="973666">
-                      <a:extLst>
-                        <a:ext uri="{9D8B030D-6E8A-4147-A177-3AD203B41FA5}">
-                          <a16:colId xmlns:a16="http://schemas.microsoft.com/office/drawing/2014/main" val="1673219921"/>
-                        </a:ext>
-                      </a:extLst>
-                    </a:gridCol>
-                    <a:gridCol w="973666">
-                      <a:extLst>
-                        <a:ext uri="{9D8B030D-6E8A-4147-A177-3AD203B41FA5}">
-                          <a16:colId xmlns:a16="http://schemas.microsoft.com/office/drawing/2014/main" val="1616298256"/>
-                        </a:ext>
-                      </a:extLst>
-                    </a:gridCol>
-                    <a:gridCol w="973666">
-                      <a:extLst>
-                        <a:ext uri="{9D8B030D-6E8A-4147-A177-3AD203B41FA5}">
-                          <a16:colId xmlns:a16="http://schemas.microsoft.com/office/drawing/2014/main" val="1617740889"/>
-                        </a:ext>
-                      </a:extLst>
-                    </a:gridCol>
-                    <a:gridCol w="973666">
-                      <a:extLst>
-                        <a:ext uri="{9D8B030D-6E8A-4147-A177-3AD203B41FA5}">
-                          <a16:colId xmlns:a16="http://schemas.microsoft.com/office/drawing/2014/main" val="751057124"/>
-                        </a:ext>
-                      </a:extLst>
-                    </a:gridCol>
-                    <a:gridCol w="973666">
-                      <a:extLst>
-                        <a:ext uri="{9D8B030D-6E8A-4147-A177-3AD203B41FA5}">
-                          <a16:colId xmlns:a16="http://schemas.microsoft.com/office/drawing/2014/main" val="3736488845"/>
-                        </a:ext>
-                      </a:extLst>
-                    </a:gridCol>
-                    <a:gridCol w="973666">
-                      <a:extLst>
-                        <a:ext uri="{9D8B030D-6E8A-4147-A177-3AD203B41FA5}">
-                          <a16:colId xmlns:a16="http://schemas.microsoft.com/office/drawing/2014/main" val="2410710168"/>
-                        </a:ext>
-                      </a:extLst>
-                    </a:gridCol>
-                    <a:gridCol w="973666">
-                      <a:extLst>
-                        <a:ext uri="{9D8B030D-6E8A-4147-A177-3AD203B41FA5}">
-                          <a16:colId xmlns:a16="http://schemas.microsoft.com/office/drawing/2014/main" val="4108077173"/>
-                        </a:ext>
-                      </a:extLst>
-                    </a:gridCol>
-                    <a:gridCol w="973666">
-                      <a:extLst>
-                        <a:ext uri="{9D8B030D-6E8A-4147-A177-3AD203B41FA5}">
-                          <a16:colId xmlns:a16="http://schemas.microsoft.com/office/drawing/2014/main" val="4267239462"/>
-                        </a:ext>
-                      </a:extLst>
-                    </a:gridCol>
-                    <a:gridCol w="973666">
-                      <a:extLst>
-                        <a:ext uri="{9D8B030D-6E8A-4147-A177-3AD203B41FA5}">
-                          <a16:colId xmlns:a16="http://schemas.microsoft.com/office/drawing/2014/main" val="4202506015"/>
-                        </a:ext>
-                      </a:extLst>
-                    </a:gridCol>
-                    <a:gridCol w="973666">
-                      <a:extLst>
-                        <a:ext uri="{9D8B030D-6E8A-4147-A177-3AD203B41FA5}">
-                          <a16:colId xmlns:a16="http://schemas.microsoft.com/office/drawing/2014/main" val="59336596"/>
-                        </a:ext>
-                      </a:extLst>
-                    </a:gridCol>
-                    <a:gridCol w="973666">
-                      <a:extLst>
-                        <a:ext uri="{9D8B030D-6E8A-4147-A177-3AD203B41FA5}">
-                          <a16:colId xmlns:a16="http://schemas.microsoft.com/office/drawing/2014/main" val="3551039906"/>
-                        </a:ext>
-                      </a:extLst>
-                    </a:gridCol>
-                    <a:gridCol w="973666">
-                      <a:extLst>
-                        <a:ext uri="{9D8B030D-6E8A-4147-A177-3AD203B41FA5}">
-                          <a16:colId xmlns:a16="http://schemas.microsoft.com/office/drawing/2014/main" val="3302710503"/>
-                        </a:ext>
-                      </a:extLst>
-                    </a:gridCol>
-                  </a:tblGrid>
-                  <a:tr h="401975">
-                    <a:tc>
-                      <a:txBody>
-                        <a:bodyPr/>
-                        <a:lstStyle/>
-                        <a:p>
-                          <a:pPr/>
-                          <a14:m>
-                            <m:oMathPara xmlns:m="http://schemas.openxmlformats.org/officeDocument/2006/math">
-                              <m:oMathParaPr>
-                                <m:jc m:val="centerGroup"/>
-                              </m:oMathParaPr>
-                              <m:oMath xmlns:m="http://schemas.openxmlformats.org/officeDocument/2006/math">
-                                <m:r>
-                                  <a:rPr lang="en-US" b="1" i="1" smtClean="0">
-                                    <a:latin typeface="Cambria Math" panose="02040503050406030204" pitchFamily="18" charset="0"/>
-                                  </a:rPr>
-                                  <m:t>𝝅</m:t>
-                                </m:r>
-                              </m:oMath>
-                            </m:oMathPara>
-                          </a14:m>
-                          <a:endParaRPr lang="en-US" dirty="0"/>
-                        </a:p>
-                      </a:txBody>
-                      <a:tcPr/>
-                    </a:tc>
-                    <a:tc>
-                      <a:txBody>
-                        <a:bodyPr/>
-                        <a:lstStyle/>
-                        <a:p>
-                          <a:pPr algn="ctr"/>
-                          <a:r>
-                            <a:rPr lang="en-US" b="1" u="sng" dirty="0"/>
-                            <a:t>0.25</a:t>
-                          </a:r>
-                        </a:p>
-                      </a:txBody>
-                      <a:tcPr/>
-                    </a:tc>
-                    <a:tc>
-                      <a:txBody>
-                        <a:bodyPr/>
-                        <a:lstStyle/>
-                        <a:p>
-                          <a:pPr algn="ctr"/>
-                          <a:r>
-                            <a:rPr lang="en-US" dirty="0"/>
-                            <a:t>0.26</a:t>
-                          </a:r>
-                        </a:p>
-                      </a:txBody>
-                      <a:tcPr/>
-                    </a:tc>
-                    <a:tc>
-                      <a:txBody>
-                        <a:bodyPr/>
-                        <a:lstStyle/>
-                        <a:p>
-                          <a:pPr algn="ctr"/>
-                          <a:r>
-                            <a:rPr lang="en-US" dirty="0"/>
-                            <a:t>0.27</a:t>
-                          </a:r>
-                        </a:p>
-                      </a:txBody>
-                      <a:tcPr/>
-                    </a:tc>
-                    <a:tc>
-                      <a:txBody>
-                        <a:bodyPr/>
-                        <a:lstStyle/>
-                        <a:p>
-                          <a:pPr algn="ctr"/>
-                          <a:r>
-                            <a:rPr lang="en-US" dirty="0"/>
-                            <a:t>0.28</a:t>
-                          </a:r>
-                        </a:p>
-                      </a:txBody>
-                      <a:tcPr/>
-                    </a:tc>
-                    <a:tc>
-                      <a:txBody>
-                        <a:bodyPr/>
-                        <a:lstStyle/>
-                        <a:p>
-                          <a:pPr algn="ctr"/>
-                          <a:r>
-                            <a:rPr lang="en-US" dirty="0"/>
-                            <a:t>0.29</a:t>
-                          </a:r>
-                        </a:p>
-                      </a:txBody>
-                      <a:tcPr/>
-                    </a:tc>
-                    <a:tc>
-                      <a:txBody>
-                        <a:bodyPr/>
-                        <a:lstStyle/>
-                        <a:p>
-                          <a:pPr algn="ctr"/>
-                          <a:r>
-                            <a:rPr lang="en-US" dirty="0"/>
-                            <a:t>0.3</a:t>
-                          </a:r>
-                        </a:p>
-                      </a:txBody>
-                      <a:tcPr/>
-                    </a:tc>
-                    <a:tc>
-                      <a:txBody>
-                        <a:bodyPr/>
-                        <a:lstStyle/>
-                        <a:p>
-                          <a:pPr algn="ctr"/>
-                          <a:r>
-                            <a:rPr lang="en-US" dirty="0"/>
-                            <a:t>0.31</a:t>
-                          </a:r>
-                        </a:p>
-                      </a:txBody>
-                      <a:tcPr/>
-                    </a:tc>
-                    <a:tc>
-                      <a:txBody>
-                        <a:bodyPr/>
-                        <a:lstStyle/>
-                        <a:p>
-                          <a:pPr algn="ctr"/>
-                          <a:r>
-                            <a:rPr lang="en-US" dirty="0"/>
-                            <a:t>0.32</a:t>
-                          </a:r>
-                        </a:p>
-                      </a:txBody>
-                      <a:tcPr/>
-                    </a:tc>
-                    <a:tc>
-                      <a:txBody>
-                        <a:bodyPr/>
-                        <a:lstStyle/>
-                        <a:p>
-                          <a:pPr algn="ctr"/>
-                          <a:r>
-                            <a:rPr lang="en-US" dirty="0"/>
-                            <a:t>0.33</a:t>
-                          </a:r>
-                        </a:p>
-                      </a:txBody>
-                      <a:tcPr/>
-                    </a:tc>
-                    <a:tc>
-                      <a:txBody>
-                        <a:bodyPr/>
-                        <a:lstStyle/>
-                        <a:p>
-                          <a:pPr algn="ctr"/>
-                          <a:r>
-                            <a:rPr lang="en-US" dirty="0"/>
-                            <a:t>0.34</a:t>
-                          </a:r>
-                        </a:p>
-                      </a:txBody>
-                      <a:tcPr/>
-                    </a:tc>
-                    <a:tc>
-                      <a:txBody>
-                        <a:bodyPr/>
-                        <a:lstStyle/>
-                        <a:p>
-                          <a:pPr algn="ctr"/>
-                          <a:r>
-                            <a:rPr lang="en-US" dirty="0"/>
-                            <a:t>0.35</a:t>
-                          </a:r>
-                        </a:p>
-                      </a:txBody>
-                      <a:tcPr/>
-                    </a:tc>
-                    <a:extLst>
-                      <a:ext uri="{0D108BD9-81ED-4DB2-BD59-A6C34878D82A}">
-                        <a16:rowId xmlns:a16="http://schemas.microsoft.com/office/drawing/2014/main" val="480012530"/>
-                      </a:ext>
-                    </a:extLst>
-                  </a:tr>
-                  <a:tr h="401975">
-                    <a:tc>
-                      <a:txBody>
-                        <a:bodyPr/>
-                        <a:lstStyle/>
-                        <a:p>
-                          <a:r>
-                            <a:rPr lang="en-US" sz="1400" dirty="0"/>
-                            <a:t>P-value</a:t>
-                          </a:r>
-                        </a:p>
-                      </a:txBody>
-                      <a:tcPr/>
-                    </a:tc>
-                    <a:tc>
-                      <a:txBody>
-                        <a:bodyPr/>
-                        <a:lstStyle/>
-                        <a:p>
-                          <a:endParaRPr lang="en-US" dirty="0"/>
-                        </a:p>
-                      </a:txBody>
-                      <a:tcPr/>
-                    </a:tc>
-                    <a:tc>
-                      <a:txBody>
-                        <a:bodyPr/>
-                        <a:lstStyle/>
-                        <a:p>
-                          <a:endParaRPr lang="en-US" dirty="0"/>
-                        </a:p>
-                      </a:txBody>
-                      <a:tcPr/>
-                    </a:tc>
-                    <a:tc>
-                      <a:txBody>
-                        <a:bodyPr/>
-                        <a:lstStyle/>
-                        <a:p>
-                          <a:endParaRPr lang="en-US" dirty="0"/>
-                        </a:p>
-                      </a:txBody>
-                      <a:tcPr/>
-                    </a:tc>
-                    <a:tc>
-                      <a:txBody>
-                        <a:bodyPr/>
-                        <a:lstStyle/>
-                        <a:p>
-                          <a:endParaRPr lang="en-US" dirty="0"/>
-                        </a:p>
-                      </a:txBody>
-                      <a:tcPr/>
-                    </a:tc>
-                    <a:tc>
-                      <a:txBody>
-                        <a:bodyPr/>
-                        <a:lstStyle/>
-                        <a:p>
-                          <a:endParaRPr lang="en-US" dirty="0"/>
-                        </a:p>
-                      </a:txBody>
-                      <a:tcPr/>
-                    </a:tc>
-                    <a:tc>
-                      <a:txBody>
-                        <a:bodyPr/>
-                        <a:lstStyle/>
-                        <a:p>
-                          <a:endParaRPr lang="en-US" dirty="0"/>
-                        </a:p>
-                      </a:txBody>
-                      <a:tcPr/>
-                    </a:tc>
-                    <a:tc>
-                      <a:txBody>
-                        <a:bodyPr/>
-                        <a:lstStyle/>
-                        <a:p>
-                          <a:endParaRPr lang="en-US" dirty="0"/>
-                        </a:p>
-                      </a:txBody>
-                      <a:tcPr/>
-                    </a:tc>
-                    <a:tc>
-                      <a:txBody>
-                        <a:bodyPr/>
-                        <a:lstStyle/>
-                        <a:p>
-                          <a:endParaRPr lang="en-US" dirty="0"/>
-                        </a:p>
-                      </a:txBody>
-                      <a:tcPr/>
-                    </a:tc>
-                    <a:tc>
-                      <a:txBody>
-                        <a:bodyPr/>
-                        <a:lstStyle/>
-                        <a:p>
-                          <a:pPr marL="0" marR="0" lvl="0" indent="0" algn="l" defTabSz="914400" rtl="0" eaLnBrk="1" fontAlgn="auto" latinLnBrk="0" hangingPunct="1">
-                            <a:lnSpc>
-                              <a:spcPct val="100000"/>
-                            </a:lnSpc>
-                            <a:spcBef>
-                              <a:spcPts val="0"/>
-                            </a:spcBef>
-                            <a:spcAft>
-                              <a:spcPts val="0"/>
-                            </a:spcAft>
-                            <a:buClrTx/>
-                            <a:buSzTx/>
-                            <a:buFontTx/>
-                            <a:buNone/>
-                            <a:tabLst/>
-                            <a:defRPr/>
-                          </a:pPr>
-                          <a:endParaRPr lang="en-US" dirty="0"/>
-                        </a:p>
-                      </a:txBody>
-                      <a:tcPr/>
-                    </a:tc>
-                    <a:tc>
-                      <a:txBody>
-                        <a:bodyPr/>
-                        <a:lstStyle/>
-                        <a:p>
-                          <a:pPr marL="0" marR="0" lvl="0" indent="0" algn="l" defTabSz="914400" rtl="0" eaLnBrk="1" fontAlgn="auto" latinLnBrk="0" hangingPunct="1">
-                            <a:lnSpc>
-                              <a:spcPct val="100000"/>
-                            </a:lnSpc>
-                            <a:spcBef>
-                              <a:spcPts val="0"/>
-                            </a:spcBef>
-                            <a:spcAft>
-                              <a:spcPts val="0"/>
-                            </a:spcAft>
-                            <a:buClrTx/>
-                            <a:buSzTx/>
-                            <a:buFontTx/>
-                            <a:buNone/>
-                            <a:tabLst/>
-                            <a:defRPr/>
-                          </a:pPr>
-                          <a:endParaRPr lang="en-US" dirty="0"/>
-                        </a:p>
-                      </a:txBody>
-                      <a:tcPr/>
-                    </a:tc>
-                    <a:tc>
-                      <a:txBody>
-                        <a:bodyPr/>
-                        <a:lstStyle/>
-                        <a:p>
-                          <a:pPr marL="0" marR="0" lvl="0" indent="0" algn="l" defTabSz="914400" rtl="0" eaLnBrk="1" fontAlgn="auto" latinLnBrk="0" hangingPunct="1">
-                            <a:lnSpc>
-                              <a:spcPct val="100000"/>
-                            </a:lnSpc>
-                            <a:spcBef>
-                              <a:spcPts val="0"/>
-                            </a:spcBef>
-                            <a:spcAft>
-                              <a:spcPts val="0"/>
-                            </a:spcAft>
-                            <a:buClrTx/>
-                            <a:buSzTx/>
-                            <a:buFontTx/>
-                            <a:buNone/>
-                            <a:tabLst/>
-                            <a:defRPr/>
-                          </a:pPr>
-                          <a:endParaRPr lang="en-US" dirty="0"/>
-                        </a:p>
-                      </a:txBody>
-                      <a:tcPr/>
-                    </a:tc>
-                    <a:extLst>
-                      <a:ext uri="{0D108BD9-81ED-4DB2-BD59-A6C34878D82A}">
-                        <a16:rowId xmlns:a16="http://schemas.microsoft.com/office/drawing/2014/main" val="2034536345"/>
-                      </a:ext>
-                    </a:extLst>
-                  </a:tr>
-                  <a:tr h="401975">
-                    <a:tc>
-                      <a:txBody>
-                        <a:bodyPr/>
-                        <a:lstStyle/>
-                        <a:p>
-                          <a:r>
-                            <a:rPr lang="en-US" sz="1600" dirty="0"/>
-                            <a:t>R/FTR</a:t>
-                          </a:r>
-                        </a:p>
-                      </a:txBody>
-                      <a:tcPr/>
-                    </a:tc>
-                    <a:tc>
-                      <a:txBody>
-                        <a:bodyPr/>
-                        <a:lstStyle/>
-                        <a:p>
-                          <a:endParaRPr lang="en-US" dirty="0"/>
-                        </a:p>
-                      </a:txBody>
-                      <a:tcPr/>
-                    </a:tc>
-                    <a:tc>
-                      <a:txBody>
-                        <a:bodyPr/>
-                        <a:lstStyle/>
-                        <a:p>
-                          <a:endParaRPr lang="en-US" dirty="0"/>
-                        </a:p>
-                      </a:txBody>
-                      <a:tcPr/>
-                    </a:tc>
-                    <a:tc>
-                      <a:txBody>
-                        <a:bodyPr/>
-                        <a:lstStyle/>
-                        <a:p>
-                          <a:endParaRPr lang="en-US" dirty="0"/>
-                        </a:p>
-                      </a:txBody>
-                      <a:tcPr/>
-                    </a:tc>
-                    <a:tc>
-                      <a:txBody>
-                        <a:bodyPr/>
-                        <a:lstStyle/>
-                        <a:p>
-                          <a:endParaRPr lang="en-US" dirty="0"/>
-                        </a:p>
-                      </a:txBody>
-                      <a:tcPr/>
-                    </a:tc>
-                    <a:tc>
-                      <a:txBody>
-                        <a:bodyPr/>
-                        <a:lstStyle/>
-                        <a:p>
-                          <a:endParaRPr lang="en-US" dirty="0"/>
-                        </a:p>
-                      </a:txBody>
-                      <a:tcPr/>
-                    </a:tc>
-                    <a:tc>
-                      <a:txBody>
-                        <a:bodyPr/>
-                        <a:lstStyle/>
-                        <a:p>
-                          <a:endParaRPr lang="en-US" dirty="0"/>
-                        </a:p>
-                      </a:txBody>
-                      <a:tcPr/>
-                    </a:tc>
-                    <a:tc>
-                      <a:txBody>
-                        <a:bodyPr/>
-                        <a:lstStyle/>
-                        <a:p>
-                          <a:endParaRPr lang="en-US" dirty="0"/>
-                        </a:p>
-                      </a:txBody>
-                      <a:tcPr/>
-                    </a:tc>
-                    <a:tc>
-                      <a:txBody>
-                        <a:bodyPr/>
-                        <a:lstStyle/>
-                        <a:p>
-                          <a:endParaRPr lang="en-US" dirty="0"/>
-                        </a:p>
-                      </a:txBody>
-                      <a:tcPr/>
-                    </a:tc>
-                    <a:tc>
-                      <a:txBody>
-                        <a:bodyPr/>
-                        <a:lstStyle/>
-                        <a:p>
-                          <a:endParaRPr lang="en-US" dirty="0"/>
-                        </a:p>
-                      </a:txBody>
-                      <a:tcPr/>
-                    </a:tc>
-                    <a:tc>
-                      <a:txBody>
-                        <a:bodyPr/>
-                        <a:lstStyle/>
-                        <a:p>
-                          <a:endParaRPr lang="en-US" dirty="0"/>
-                        </a:p>
-                      </a:txBody>
-                      <a:tcPr/>
-                    </a:tc>
-                    <a:tc>
-                      <a:txBody>
-                        <a:bodyPr/>
-                        <a:lstStyle/>
-                        <a:p>
-                          <a:endParaRPr lang="en-US" dirty="0"/>
-                        </a:p>
-                      </a:txBody>
-                      <a:tcPr/>
-                    </a:tc>
-                    <a:extLst>
-                      <a:ext uri="{0D108BD9-81ED-4DB2-BD59-A6C34878D82A}">
-                        <a16:rowId xmlns:a16="http://schemas.microsoft.com/office/drawing/2014/main" val="4113654874"/>
-                      </a:ext>
-                    </a:extLst>
-                  </a:tr>
-                </a:tbl>
-              </a:graphicData>
-            </a:graphic>
-          </p:graphicFrame>
-        </mc:Choice>
-        <mc:Fallback>
-          <p:graphicFrame>
-            <p:nvGraphicFramePr>
-              <p:cNvPr id="4" name="Table 3"/>
-              <p:cNvGraphicFramePr>
-                <a:graphicFrameLocks noGrp="1"/>
-              </p:cNvGraphicFramePr>
-              <p:nvPr>
-                <p:extLst>
-                  <p:ext uri="{D42A27DB-BD31-4B8C-83A1-F6EECF244321}">
-                    <p14:modId xmlns:p14="http://schemas.microsoft.com/office/powerpoint/2010/main" val="1183029843"/>
-                  </p:ext>
-                </p:extLst>
-              </p:nvPr>
-            </p:nvGraphicFramePr>
-            <p:xfrm>
-              <a:off x="212442" y="1971653"/>
-              <a:ext cx="11683992" cy="1205925"/>
-            </p:xfrm>
-            <a:graphic>
-              <a:graphicData uri="http://schemas.openxmlformats.org/drawingml/2006/table">
-                <a:tbl>
-                  <a:tblPr firstRow="1" bandRow="1">
-                    <a:tableStyleId>{5C22544A-7EE6-4342-B048-85BDC9FD1C3A}</a:tableStyleId>
-                  </a:tblPr>
-                  <a:tblGrid>
-                    <a:gridCol w="973666">
-                      <a:extLst>
-                        <a:ext uri="{9D8B030D-6E8A-4147-A177-3AD203B41FA5}">
-                          <a16:colId xmlns:a16="http://schemas.microsoft.com/office/drawing/2014/main" val="1673219921"/>
-                        </a:ext>
-                      </a:extLst>
-                    </a:gridCol>
-                    <a:gridCol w="973666">
-                      <a:extLst>
-                        <a:ext uri="{9D8B030D-6E8A-4147-A177-3AD203B41FA5}">
-                          <a16:colId xmlns:a16="http://schemas.microsoft.com/office/drawing/2014/main" val="1616298256"/>
-                        </a:ext>
-                      </a:extLst>
-                    </a:gridCol>
-                    <a:gridCol w="973666">
-                      <a:extLst>
-                        <a:ext uri="{9D8B030D-6E8A-4147-A177-3AD203B41FA5}">
-                          <a16:colId xmlns:a16="http://schemas.microsoft.com/office/drawing/2014/main" val="1617740889"/>
-                        </a:ext>
-                      </a:extLst>
-                    </a:gridCol>
-                    <a:gridCol w="973666">
-                      <a:extLst>
-                        <a:ext uri="{9D8B030D-6E8A-4147-A177-3AD203B41FA5}">
-                          <a16:colId xmlns:a16="http://schemas.microsoft.com/office/drawing/2014/main" val="751057124"/>
-                        </a:ext>
-                      </a:extLst>
-                    </a:gridCol>
-                    <a:gridCol w="973666">
-                      <a:extLst>
-                        <a:ext uri="{9D8B030D-6E8A-4147-A177-3AD203B41FA5}">
-                          <a16:colId xmlns:a16="http://schemas.microsoft.com/office/drawing/2014/main" val="3736488845"/>
-                        </a:ext>
-                      </a:extLst>
-                    </a:gridCol>
-                    <a:gridCol w="973666">
-                      <a:extLst>
-                        <a:ext uri="{9D8B030D-6E8A-4147-A177-3AD203B41FA5}">
-                          <a16:colId xmlns:a16="http://schemas.microsoft.com/office/drawing/2014/main" val="2410710168"/>
-                        </a:ext>
-                      </a:extLst>
-                    </a:gridCol>
-                    <a:gridCol w="973666">
-                      <a:extLst>
-                        <a:ext uri="{9D8B030D-6E8A-4147-A177-3AD203B41FA5}">
-                          <a16:colId xmlns:a16="http://schemas.microsoft.com/office/drawing/2014/main" val="4108077173"/>
-                        </a:ext>
-                      </a:extLst>
-                    </a:gridCol>
-                    <a:gridCol w="973666">
-                      <a:extLst>
-                        <a:ext uri="{9D8B030D-6E8A-4147-A177-3AD203B41FA5}">
-                          <a16:colId xmlns:a16="http://schemas.microsoft.com/office/drawing/2014/main" val="4267239462"/>
-                        </a:ext>
-                      </a:extLst>
-                    </a:gridCol>
-                    <a:gridCol w="973666">
-                      <a:extLst>
-                        <a:ext uri="{9D8B030D-6E8A-4147-A177-3AD203B41FA5}">
-                          <a16:colId xmlns:a16="http://schemas.microsoft.com/office/drawing/2014/main" val="4202506015"/>
-                        </a:ext>
-                      </a:extLst>
-                    </a:gridCol>
-                    <a:gridCol w="973666">
-                      <a:extLst>
-                        <a:ext uri="{9D8B030D-6E8A-4147-A177-3AD203B41FA5}">
-                          <a16:colId xmlns:a16="http://schemas.microsoft.com/office/drawing/2014/main" val="59336596"/>
-                        </a:ext>
-                      </a:extLst>
-                    </a:gridCol>
-                    <a:gridCol w="973666">
-                      <a:extLst>
-                        <a:ext uri="{9D8B030D-6E8A-4147-A177-3AD203B41FA5}">
-                          <a16:colId xmlns:a16="http://schemas.microsoft.com/office/drawing/2014/main" val="3551039906"/>
-                        </a:ext>
-                      </a:extLst>
-                    </a:gridCol>
-                    <a:gridCol w="973666">
-                      <a:extLst>
-                        <a:ext uri="{9D8B030D-6E8A-4147-A177-3AD203B41FA5}">
-                          <a16:colId xmlns:a16="http://schemas.microsoft.com/office/drawing/2014/main" val="3302710503"/>
-                        </a:ext>
-                      </a:extLst>
-                    </a:gridCol>
-                  </a:tblGrid>
-                  <a:tr h="401975">
-                    <a:tc>
-                      <a:txBody>
-                        <a:bodyPr/>
-                        <a:lstStyle/>
-                        <a:p>
-                          <a:endParaRPr lang="en-US"/>
-                        </a:p>
-                      </a:txBody>
-                      <a:tcPr>
-                        <a:blipFill>
-                          <a:blip r:embed="rId3"/>
-                          <a:stretch>
-                            <a:fillRect l="-625" t="-7576" r="-1101250" b="-204545"/>
-                          </a:stretch>
-                        </a:blipFill>
-                      </a:tcPr>
-                    </a:tc>
-                    <a:tc>
-                      <a:txBody>
-                        <a:bodyPr/>
-                        <a:lstStyle/>
-                        <a:p>
-                          <a:pPr algn="ctr"/>
-                          <a:r>
-                            <a:rPr lang="en-US" b="1" u="sng" dirty="0"/>
-                            <a:t>0.25</a:t>
-                          </a:r>
-                        </a:p>
-                      </a:txBody>
-                      <a:tcPr/>
-                    </a:tc>
-                    <a:tc>
-                      <a:txBody>
-                        <a:bodyPr/>
-                        <a:lstStyle/>
-                        <a:p>
-                          <a:pPr algn="ctr"/>
-                          <a:r>
-                            <a:rPr lang="en-US" dirty="0"/>
-                            <a:t>0.26</a:t>
-                          </a:r>
-                        </a:p>
-                      </a:txBody>
-                      <a:tcPr/>
-                    </a:tc>
-                    <a:tc>
-                      <a:txBody>
-                        <a:bodyPr/>
-                        <a:lstStyle/>
-                        <a:p>
-                          <a:pPr algn="ctr"/>
-                          <a:r>
-                            <a:rPr lang="en-US" dirty="0"/>
-                            <a:t>0.27</a:t>
-                          </a:r>
-                        </a:p>
-                      </a:txBody>
-                      <a:tcPr/>
-                    </a:tc>
-                    <a:tc>
-                      <a:txBody>
-                        <a:bodyPr/>
-                        <a:lstStyle/>
-                        <a:p>
-                          <a:pPr algn="ctr"/>
-                          <a:r>
-                            <a:rPr lang="en-US" dirty="0"/>
-                            <a:t>0.28</a:t>
-                          </a:r>
-                        </a:p>
-                      </a:txBody>
-                      <a:tcPr/>
-                    </a:tc>
-                    <a:tc>
-                      <a:txBody>
-                        <a:bodyPr/>
-                        <a:lstStyle/>
-                        <a:p>
-                          <a:pPr algn="ctr"/>
-                          <a:r>
-                            <a:rPr lang="en-US" dirty="0"/>
-                            <a:t>0.29</a:t>
-                          </a:r>
-                        </a:p>
-                      </a:txBody>
-                      <a:tcPr/>
-                    </a:tc>
-                    <a:tc>
-                      <a:txBody>
-                        <a:bodyPr/>
-                        <a:lstStyle/>
-                        <a:p>
-                          <a:pPr algn="ctr"/>
-                          <a:r>
-                            <a:rPr lang="en-US" dirty="0"/>
-                            <a:t>0.3</a:t>
-                          </a:r>
-                        </a:p>
-                      </a:txBody>
-                      <a:tcPr/>
-                    </a:tc>
-                    <a:tc>
-                      <a:txBody>
-                        <a:bodyPr/>
-                        <a:lstStyle/>
-                        <a:p>
-                          <a:pPr algn="ctr"/>
-                          <a:r>
-                            <a:rPr lang="en-US" dirty="0"/>
-                            <a:t>0.31</a:t>
-                          </a:r>
-                        </a:p>
-                      </a:txBody>
-                      <a:tcPr/>
-                    </a:tc>
-                    <a:tc>
-                      <a:txBody>
-                        <a:bodyPr/>
-                        <a:lstStyle/>
-                        <a:p>
-                          <a:pPr algn="ctr"/>
-                          <a:r>
-                            <a:rPr lang="en-US" dirty="0"/>
-                            <a:t>0.32</a:t>
-                          </a:r>
-                        </a:p>
-                      </a:txBody>
-                      <a:tcPr/>
-                    </a:tc>
-                    <a:tc>
-                      <a:txBody>
-                        <a:bodyPr/>
-                        <a:lstStyle/>
-                        <a:p>
-                          <a:pPr algn="ctr"/>
-                          <a:r>
-                            <a:rPr lang="en-US" dirty="0"/>
-                            <a:t>0.33</a:t>
-                          </a:r>
-                        </a:p>
-                      </a:txBody>
-                      <a:tcPr/>
-                    </a:tc>
-                    <a:tc>
-                      <a:txBody>
-                        <a:bodyPr/>
-                        <a:lstStyle/>
-                        <a:p>
-                          <a:pPr algn="ctr"/>
-                          <a:r>
-                            <a:rPr lang="en-US" dirty="0"/>
-                            <a:t>0.34</a:t>
-                          </a:r>
-                        </a:p>
-                      </a:txBody>
-                      <a:tcPr/>
-                    </a:tc>
-                    <a:tc>
-                      <a:txBody>
-                        <a:bodyPr/>
-                        <a:lstStyle/>
-                        <a:p>
-                          <a:pPr algn="ctr"/>
-                          <a:r>
-                            <a:rPr lang="en-US" dirty="0"/>
-                            <a:t>0.35</a:t>
-                          </a:r>
-                        </a:p>
-                      </a:txBody>
-                      <a:tcPr/>
-                    </a:tc>
-                    <a:extLst>
-                      <a:ext uri="{0D108BD9-81ED-4DB2-BD59-A6C34878D82A}">
-                        <a16:rowId xmlns:a16="http://schemas.microsoft.com/office/drawing/2014/main" val="480012530"/>
-                      </a:ext>
-                    </a:extLst>
-                  </a:tr>
-                  <a:tr h="401975">
-                    <a:tc>
-                      <a:txBody>
-                        <a:bodyPr/>
-                        <a:lstStyle/>
-                        <a:p>
-                          <a:r>
-                            <a:rPr lang="en-US" sz="1400" dirty="0"/>
-                            <a:t>P-value</a:t>
-                          </a:r>
-                        </a:p>
-                      </a:txBody>
-                      <a:tcPr/>
-                    </a:tc>
-                    <a:tc>
-                      <a:txBody>
-                        <a:bodyPr/>
-                        <a:lstStyle/>
-                        <a:p>
-                          <a:endParaRPr lang="en-US" dirty="0"/>
-                        </a:p>
-                      </a:txBody>
-                      <a:tcPr/>
-                    </a:tc>
-                    <a:tc>
-                      <a:txBody>
-                        <a:bodyPr/>
-                        <a:lstStyle/>
-                        <a:p>
-                          <a:endParaRPr lang="en-US" dirty="0"/>
-                        </a:p>
-                      </a:txBody>
-                      <a:tcPr/>
-                    </a:tc>
-                    <a:tc>
-                      <a:txBody>
-                        <a:bodyPr/>
-                        <a:lstStyle/>
-                        <a:p>
-                          <a:endParaRPr lang="en-US" dirty="0"/>
-                        </a:p>
-                      </a:txBody>
-                      <a:tcPr/>
-                    </a:tc>
-                    <a:tc>
-                      <a:txBody>
-                        <a:bodyPr/>
-                        <a:lstStyle/>
-                        <a:p>
-                          <a:endParaRPr lang="en-US" dirty="0"/>
-                        </a:p>
-                      </a:txBody>
-                      <a:tcPr/>
-                    </a:tc>
-                    <a:tc>
-                      <a:txBody>
-                        <a:bodyPr/>
-                        <a:lstStyle/>
-                        <a:p>
-                          <a:endParaRPr lang="en-US" dirty="0"/>
-                        </a:p>
-                      </a:txBody>
-                      <a:tcPr/>
-                    </a:tc>
-                    <a:tc>
-                      <a:txBody>
-                        <a:bodyPr/>
-                        <a:lstStyle/>
-                        <a:p>
-                          <a:endParaRPr lang="en-US" dirty="0"/>
-                        </a:p>
-                      </a:txBody>
-                      <a:tcPr/>
-                    </a:tc>
-                    <a:tc>
-                      <a:txBody>
-                        <a:bodyPr/>
-                        <a:lstStyle/>
-                        <a:p>
-                          <a:endParaRPr lang="en-US" dirty="0"/>
-                        </a:p>
-                      </a:txBody>
-                      <a:tcPr/>
-                    </a:tc>
-                    <a:tc>
-                      <a:txBody>
-                        <a:bodyPr/>
-                        <a:lstStyle/>
-                        <a:p>
-                          <a:endParaRPr lang="en-US" dirty="0"/>
-                        </a:p>
-                      </a:txBody>
-                      <a:tcPr/>
-                    </a:tc>
-                    <a:tc>
-                      <a:txBody>
-                        <a:bodyPr/>
-                        <a:lstStyle/>
-                        <a:p>
-                          <a:pPr marL="0" marR="0" lvl="0" indent="0" algn="l" defTabSz="914400" rtl="0" eaLnBrk="1" fontAlgn="auto" latinLnBrk="0" hangingPunct="1">
-                            <a:lnSpc>
-                              <a:spcPct val="100000"/>
-                            </a:lnSpc>
-                            <a:spcBef>
-                              <a:spcPts val="0"/>
-                            </a:spcBef>
-                            <a:spcAft>
-                              <a:spcPts val="0"/>
-                            </a:spcAft>
-                            <a:buClrTx/>
-                            <a:buSzTx/>
-                            <a:buFontTx/>
-                            <a:buNone/>
-                            <a:tabLst/>
-                            <a:defRPr/>
-                          </a:pPr>
-                          <a:endParaRPr lang="en-US" dirty="0"/>
-                        </a:p>
-                      </a:txBody>
-                      <a:tcPr/>
-                    </a:tc>
-                    <a:tc>
-                      <a:txBody>
-                        <a:bodyPr/>
-                        <a:lstStyle/>
-                        <a:p>
-                          <a:pPr marL="0" marR="0" lvl="0" indent="0" algn="l" defTabSz="914400" rtl="0" eaLnBrk="1" fontAlgn="auto" latinLnBrk="0" hangingPunct="1">
-                            <a:lnSpc>
-                              <a:spcPct val="100000"/>
-                            </a:lnSpc>
-                            <a:spcBef>
-                              <a:spcPts val="0"/>
-                            </a:spcBef>
-                            <a:spcAft>
-                              <a:spcPts val="0"/>
-                            </a:spcAft>
-                            <a:buClrTx/>
-                            <a:buSzTx/>
-                            <a:buFontTx/>
-                            <a:buNone/>
-                            <a:tabLst/>
-                            <a:defRPr/>
-                          </a:pPr>
-                          <a:endParaRPr lang="en-US" dirty="0"/>
-                        </a:p>
-                      </a:txBody>
-                      <a:tcPr/>
-                    </a:tc>
-                    <a:tc>
-                      <a:txBody>
-                        <a:bodyPr/>
-                        <a:lstStyle/>
-                        <a:p>
-                          <a:pPr marL="0" marR="0" lvl="0" indent="0" algn="l" defTabSz="914400" rtl="0" eaLnBrk="1" fontAlgn="auto" latinLnBrk="0" hangingPunct="1">
-                            <a:lnSpc>
-                              <a:spcPct val="100000"/>
-                            </a:lnSpc>
-                            <a:spcBef>
-                              <a:spcPts val="0"/>
-                            </a:spcBef>
-                            <a:spcAft>
-                              <a:spcPts val="0"/>
-                            </a:spcAft>
-                            <a:buClrTx/>
-                            <a:buSzTx/>
-                            <a:buFontTx/>
-                            <a:buNone/>
-                            <a:tabLst/>
-                            <a:defRPr/>
-                          </a:pPr>
-                          <a:endParaRPr lang="en-US" dirty="0"/>
-                        </a:p>
-                      </a:txBody>
-                      <a:tcPr/>
-                    </a:tc>
-                    <a:extLst>
-                      <a:ext uri="{0D108BD9-81ED-4DB2-BD59-A6C34878D82A}">
-                        <a16:rowId xmlns:a16="http://schemas.microsoft.com/office/drawing/2014/main" val="2034536345"/>
-                      </a:ext>
-                    </a:extLst>
-                  </a:tr>
-                  <a:tr h="401975">
-                    <a:tc>
-                      <a:txBody>
-                        <a:bodyPr/>
-                        <a:lstStyle/>
-                        <a:p>
-                          <a:r>
-                            <a:rPr lang="en-US" sz="1600" dirty="0"/>
-                            <a:t>R/FTR</a:t>
-                          </a:r>
-                        </a:p>
-                      </a:txBody>
-                      <a:tcPr/>
-                    </a:tc>
-                    <a:tc>
-                      <a:txBody>
-                        <a:bodyPr/>
-                        <a:lstStyle/>
-                        <a:p>
-                          <a:endParaRPr lang="en-US" dirty="0"/>
-                        </a:p>
-                      </a:txBody>
-                      <a:tcPr/>
-                    </a:tc>
-                    <a:tc>
-                      <a:txBody>
-                        <a:bodyPr/>
-                        <a:lstStyle/>
-                        <a:p>
-                          <a:endParaRPr lang="en-US" dirty="0"/>
-                        </a:p>
-                      </a:txBody>
-                      <a:tcPr/>
-                    </a:tc>
-                    <a:tc>
-                      <a:txBody>
-                        <a:bodyPr/>
-                        <a:lstStyle/>
-                        <a:p>
-                          <a:endParaRPr lang="en-US" dirty="0"/>
-                        </a:p>
-                      </a:txBody>
-                      <a:tcPr/>
-                    </a:tc>
-                    <a:tc>
-                      <a:txBody>
-                        <a:bodyPr/>
-                        <a:lstStyle/>
-                        <a:p>
-                          <a:endParaRPr lang="en-US" dirty="0"/>
-                        </a:p>
-                      </a:txBody>
-                      <a:tcPr/>
-                    </a:tc>
-                    <a:tc>
-                      <a:txBody>
-                        <a:bodyPr/>
-                        <a:lstStyle/>
-                        <a:p>
-                          <a:endParaRPr lang="en-US" dirty="0"/>
-                        </a:p>
-                      </a:txBody>
-                      <a:tcPr/>
-                    </a:tc>
-                    <a:tc>
-                      <a:txBody>
-                        <a:bodyPr/>
-                        <a:lstStyle/>
-                        <a:p>
-                          <a:endParaRPr lang="en-US" dirty="0"/>
-                        </a:p>
-                      </a:txBody>
-                      <a:tcPr/>
-                    </a:tc>
-                    <a:tc>
-                      <a:txBody>
-                        <a:bodyPr/>
-                        <a:lstStyle/>
-                        <a:p>
-                          <a:endParaRPr lang="en-US" dirty="0"/>
-                        </a:p>
-                      </a:txBody>
-                      <a:tcPr/>
-                    </a:tc>
-                    <a:tc>
-                      <a:txBody>
-                        <a:bodyPr/>
-                        <a:lstStyle/>
-                        <a:p>
-                          <a:endParaRPr lang="en-US" dirty="0"/>
-                        </a:p>
-                      </a:txBody>
-                      <a:tcPr/>
-                    </a:tc>
-                    <a:tc>
-                      <a:txBody>
-                        <a:bodyPr/>
-                        <a:lstStyle/>
-                        <a:p>
-                          <a:endParaRPr lang="en-US" dirty="0"/>
-                        </a:p>
-                      </a:txBody>
-                      <a:tcPr/>
-                    </a:tc>
-                    <a:tc>
-                      <a:txBody>
-                        <a:bodyPr/>
-                        <a:lstStyle/>
-                        <a:p>
-                          <a:endParaRPr lang="en-US" dirty="0"/>
-                        </a:p>
-                      </a:txBody>
-                      <a:tcPr/>
-                    </a:tc>
-                    <a:tc>
-                      <a:txBody>
-                        <a:bodyPr/>
-                        <a:lstStyle/>
-                        <a:p>
-                          <a:endParaRPr lang="en-US" dirty="0"/>
-                        </a:p>
-                      </a:txBody>
-                      <a:tcPr/>
-                    </a:tc>
-                    <a:extLst>
-                      <a:ext uri="{0D108BD9-81ED-4DB2-BD59-A6C34878D82A}">
-                        <a16:rowId xmlns:a16="http://schemas.microsoft.com/office/drawing/2014/main" val="4113654874"/>
-                      </a:ext>
-                    </a:extLst>
-                  </a:tr>
-                </a:tbl>
-              </a:graphicData>
-            </a:graphic>
-          </p:graphicFrame>
-        </mc:Fallback>
-      </mc:AlternateContent>
       <p:sp>
         <p:nvSpPr>
           <p:cNvPr id="5" name="TextBox 4"/>
@@ -9642,7 +9049,7 @@
           <a:p>
             <a:r>
               <a:rPr lang="en-US" i="1" dirty="0"/>
-              <a:t>		      12	       13		14	         15	          16		  17	           18	            20	      		21	      22		23</a:t>
+              <a:t>		</a:t>
             </a:r>
           </a:p>
         </p:txBody>
@@ -9657,7 +9064,7 @@
         </p:nvSpPr>
         <p:spPr>
           <a:xfrm>
-            <a:off x="212442" y="3482258"/>
+            <a:off x="254004" y="2337039"/>
             <a:ext cx="11683992" cy="2983197"/>
           </a:xfrm>
           <a:prstGeom prst="rect">
@@ -10215,13 +9622,13 @@
         </p:nvSpPr>
         <p:spPr>
           <a:xfrm>
-            <a:off x="1069848" y="1784412"/>
-            <a:ext cx="10058400" cy="4819588"/>
+            <a:off x="692458" y="1784412"/>
+            <a:ext cx="10435790" cy="4819588"/>
           </a:xfrm>
         </p:spPr>
         <p:txBody>
           <a:bodyPr>
-            <a:normAutofit lnSpcReduction="10000"/>
+            <a:normAutofit/>
           </a:bodyPr>
           <a:lstStyle/>
           <a:p>
@@ -10271,16 +9678,17 @@
             </a:endParaRPr>
           </a:p>
           <a:p>
+            <a:pPr marL="0" indent="0">
+              <a:buNone/>
+            </a:pPr>
             <a:endParaRPr lang="en-US" dirty="0">
               <a:cs typeface="Calibri" panose="020F0502020204030204" pitchFamily="34" charset="0"/>
             </a:endParaRPr>
           </a:p>
           <a:p>
-            <a:endParaRPr lang="en-US" dirty="0">
-              <a:cs typeface="Calibri" panose="020F0502020204030204" pitchFamily="34" charset="0"/>
-            </a:endParaRPr>
-          </a:p>
-          <a:p>
+            <a:pPr marL="0" indent="0">
+              <a:buNone/>
+            </a:pPr>
             <a:r>
               <a:rPr lang="en-US" dirty="0"/>
               <a:t>Note that the confidence interval can be expressed as:</a:t>
@@ -10351,6 +9759,147 @@
   <p:clrMapOvr>
     <a:masterClrMapping/>
   </p:clrMapOvr>
+  <p:timing>
+    <p:tnLst>
+      <p:par>
+        <p:cTn id="1" dur="indefinite" restart="never" nodeType="tmRoot">
+          <p:childTnLst>
+            <p:seq concurrent="1" nextAc="seek">
+              <p:cTn id="2" dur="indefinite" nodeType="mainSeq">
+                <p:childTnLst>
+                  <p:par>
+                    <p:cTn id="3" fill="hold">
+                      <p:stCondLst>
+                        <p:cond delay="indefinite"/>
+                      </p:stCondLst>
+                      <p:childTnLst>
+                        <p:par>
+                          <p:cTn id="4" fill="hold">
+                            <p:stCondLst>
+                              <p:cond delay="0"/>
+                            </p:stCondLst>
+                            <p:childTnLst>
+                              <p:par>
+                                <p:cTn id="5" presetID="1" presetClass="entr" presetSubtype="0" fill="hold" nodeType="clickEffect">
+                                  <p:stCondLst>
+                                    <p:cond delay="0"/>
+                                  </p:stCondLst>
+                                  <p:childTnLst>
+                                    <p:set>
+                                      <p:cBhvr>
+                                        <p:cTn id="6" dur="1" fill="hold">
+                                          <p:stCondLst>
+                                            <p:cond delay="0"/>
+                                          </p:stCondLst>
+                                        </p:cTn>
+                                        <p:tgtEl>
+                                          <p:spTgt spid="3">
+                                            <p:txEl>
+                                              <p:pRg st="7" end="7"/>
+                                            </p:txEl>
+                                          </p:spTgt>
+                                        </p:tgtEl>
+                                        <p:attrNameLst>
+                                          <p:attrName>style.visibility</p:attrName>
+                                        </p:attrNameLst>
+                                      </p:cBhvr>
+                                      <p:to>
+                                        <p:strVal val="visible"/>
+                                      </p:to>
+                                    </p:set>
+                                  </p:childTnLst>
+                                </p:cTn>
+                              </p:par>
+                              <p:par>
+                                <p:cTn id="7" presetID="1" presetClass="entr" presetSubtype="0" fill="hold" nodeType="withEffect">
+                                  <p:stCondLst>
+                                    <p:cond delay="0"/>
+                                  </p:stCondLst>
+                                  <p:childTnLst>
+                                    <p:set>
+                                      <p:cBhvr>
+                                        <p:cTn id="8" dur="1" fill="hold">
+                                          <p:stCondLst>
+                                            <p:cond delay="0"/>
+                                          </p:stCondLst>
+                                        </p:cTn>
+                                        <p:tgtEl>
+                                          <p:spTgt spid="3">
+                                            <p:txEl>
+                                              <p:pRg st="8" end="8"/>
+                                            </p:txEl>
+                                          </p:spTgt>
+                                        </p:tgtEl>
+                                        <p:attrNameLst>
+                                          <p:attrName>style.visibility</p:attrName>
+                                        </p:attrNameLst>
+                                      </p:cBhvr>
+                                      <p:to>
+                                        <p:strVal val="visible"/>
+                                      </p:to>
+                                    </p:set>
+                                  </p:childTnLst>
+                                </p:cTn>
+                              </p:par>
+                              <p:par>
+                                <p:cTn id="9" presetID="1" presetClass="entr" presetSubtype="0" fill="hold" nodeType="withEffect">
+                                  <p:stCondLst>
+                                    <p:cond delay="0"/>
+                                  </p:stCondLst>
+                                  <p:childTnLst>
+                                    <p:set>
+                                      <p:cBhvr>
+                                        <p:cTn id="10" dur="1" fill="hold">
+                                          <p:stCondLst>
+                                            <p:cond delay="0"/>
+                                          </p:stCondLst>
+                                        </p:cTn>
+                                        <p:tgtEl>
+                                          <p:spTgt spid="3">
+                                            <p:txEl>
+                                              <p:pRg st="9" end="9"/>
+                                            </p:txEl>
+                                          </p:spTgt>
+                                        </p:tgtEl>
+                                        <p:attrNameLst>
+                                          <p:attrName>style.visibility</p:attrName>
+                                        </p:attrNameLst>
+                                      </p:cBhvr>
+                                      <p:to>
+                                        <p:strVal val="visible"/>
+                                      </p:to>
+                                    </p:set>
+                                  </p:childTnLst>
+                                </p:cTn>
+                              </p:par>
+                            </p:childTnLst>
+                          </p:cTn>
+                        </p:par>
+                      </p:childTnLst>
+                    </p:cTn>
+                  </p:par>
+                </p:childTnLst>
+              </p:cTn>
+              <p:prevCondLst>
+                <p:cond evt="onPrev" delay="0">
+                  <p:tgtEl>
+                    <p:sldTgt/>
+                  </p:tgtEl>
+                </p:cond>
+              </p:prevCondLst>
+              <p:nextCondLst>
+                <p:cond evt="onNext" delay="0">
+                  <p:tgtEl>
+                    <p:sldTgt/>
+                  </p:tgtEl>
+                </p:cond>
+              </p:nextCondLst>
+            </p:seq>
+          </p:childTnLst>
+        </p:cTn>
+      </p:par>
+    </p:tnLst>
+  </p:timing>
 </p:sld>
 </file>
 
@@ -10768,8 +10317,8 @@
         </p:nvSpPr>
         <p:spPr>
           <a:xfrm>
-            <a:off x="766916" y="698090"/>
-            <a:ext cx="10196052" cy="1815882"/>
+            <a:off x="482830" y="615634"/>
+            <a:ext cx="10196052" cy="2677656"/>
           </a:xfrm>
           <a:prstGeom prst="rect">
             <a:avLst/>
@@ -10798,7 +10347,7 @@
             </a:pPr>
             <a:r>
               <a:rPr lang="en-US" sz="2800" dirty="0"/>
-              <a:t>What does a confidence interval mean?</a:t>
+              <a:t>What is a Confidence Interval?</a:t>
             </a:r>
           </a:p>
           <a:p>
@@ -10808,7 +10357,27 @@
             </a:pPr>
             <a:r>
               <a:rPr lang="en-US" sz="2800" dirty="0"/>
-              <a:t>Significance Level</a:t>
+              <a:t>How to calculate a Confidence Interval?</a:t>
+            </a:r>
+          </a:p>
+          <a:p>
+            <a:pPr marL="742950" lvl="1" indent="-285750">
+              <a:buFont typeface="Arial" panose="020B0604020202020204" pitchFamily="34" charset="0"/>
+              <a:buChar char="•"/>
+            </a:pPr>
+            <a:r>
+              <a:rPr lang="en-US" sz="2800" dirty="0"/>
+              <a:t>Simulation</a:t>
+            </a:r>
+          </a:p>
+          <a:p>
+            <a:pPr marL="742950" lvl="1" indent="-285750">
+              <a:buFont typeface="Arial" panose="020B0604020202020204" pitchFamily="34" charset="0"/>
+              <a:buChar char="•"/>
+            </a:pPr>
+            <a:r>
+              <a:rPr lang="en-US" sz="2800" dirty="0"/>
+              <a:t>Theory</a:t>
             </a:r>
           </a:p>
           <a:p>
@@ -10818,7 +10387,7 @@
             </a:pPr>
             <a:r>
               <a:rPr lang="en-US" sz="2800" dirty="0"/>
-              <a:t>How to make a conclusion</a:t>
+              <a:t>Drawing Conclusions</a:t>
             </a:r>
           </a:p>
         </p:txBody>
@@ -10927,7 +10496,7 @@
               <a:blipFill>
                 <a:blip r:embed="rId2"/>
                 <a:stretch>
-                  <a:fillRect b="-2941"/>
+                  <a:fillRect l="-2424" t="-39216" b="-47059"/>
                 </a:stretch>
               </a:blipFill>
             </p:spPr>
@@ -10946,8 +10515,8 @@
           </p:sp>
         </mc:Fallback>
       </mc:AlternateContent>
-      <mc:AlternateContent xmlns:mc="http://schemas.openxmlformats.org/markup-compatibility/2006">
-        <mc:Choice xmlns:a14="http://schemas.microsoft.com/office/drawing/2010/main" Requires="a14">
+      <mc:AlternateContent xmlns:mc="http://schemas.openxmlformats.org/markup-compatibility/2006" xmlns:a14="http://schemas.microsoft.com/office/drawing/2010/main">
+        <mc:Choice Requires="a14">
           <p:sp>
             <p:nvSpPr>
               <p:cNvPr id="3" name="Content Placeholder 2"/>
@@ -11282,7 +10851,7 @@
             </p:txBody>
           </p:sp>
         </mc:Choice>
-        <mc:Fallback>
+        <mc:Fallback xmlns="">
           <p:sp>
             <p:nvSpPr>
               <p:cNvPr id="3" name="Content Placeholder 2"/>
@@ -11378,8 +10947,8 @@
           </a:p>
         </p:txBody>
       </p:sp>
-      <mc:AlternateContent xmlns:mc="http://schemas.openxmlformats.org/markup-compatibility/2006">
-        <mc:Choice xmlns:a14="http://schemas.microsoft.com/office/drawing/2010/main" Requires="a14">
+      <mc:AlternateContent xmlns:mc="http://schemas.openxmlformats.org/markup-compatibility/2006" xmlns:a14="http://schemas.microsoft.com/office/drawing/2010/main">
+        <mc:Choice Requires="a14">
           <p:graphicFrame>
             <p:nvGraphicFramePr>
               <p:cNvPr id="6" name="Content Placeholder 3">
@@ -11508,6 +11077,7 @@
                                 <m:r>
                                   <a:rPr lang="en-US" sz="1800">
                                     <a:effectLst/>
+                                    <a:latin typeface="Cambria Math" panose="02040503050406030204" pitchFamily="18" charset="0"/>
                                   </a:rPr>
                                   <m:t>𝜋</m:t>
                                 </m:r>
@@ -12396,7 +11966,7 @@
             </a:graphic>
           </p:graphicFrame>
         </mc:Choice>
-        <mc:Fallback>
+        <mc:Fallback xmlns="">
           <p:graphicFrame>
             <p:nvGraphicFramePr>
               <p:cNvPr id="6" name="Content Placeholder 3">
@@ -13425,7 +12995,7 @@
           <p:cNvPr id="2" name="Title 1">
             <a:extLst>
               <a:ext uri="{FF2B5EF4-FFF2-40B4-BE49-F238E27FC236}">
-                <a16:creationId xmlns:a16="http://schemas.microsoft.com/office/drawing/2014/main" id="{7EF49446-098E-4A15-E317-75FA9BC0DD29}"/>
+                <a16:creationId xmlns:a16="http://schemas.microsoft.com/office/drawing/2014/main" id="{75FB2FDB-DE53-0128-B287-10AE07C49384}"/>
               </a:ext>
             </a:extLst>
           </p:cNvPr>
@@ -13443,2029 +13013,52 @@
           <a:p>
             <a:r>
               <a:rPr lang="en-US" dirty="0"/>
-              <a:t>What if α=0.01?</a:t>
+              <a:t>Faster Ways to Calculate</a:t>
             </a:r>
           </a:p>
         </p:txBody>
       </p:sp>
-      <mc:AlternateContent xmlns:mc="http://schemas.openxmlformats.org/markup-compatibility/2006">
-        <mc:Choice xmlns:a14="http://schemas.microsoft.com/office/drawing/2010/main" Requires="a14">
-          <p:graphicFrame>
-            <p:nvGraphicFramePr>
-              <p:cNvPr id="6" name="Content Placeholder 3">
-                <a:extLst>
-                  <a:ext uri="{FF2B5EF4-FFF2-40B4-BE49-F238E27FC236}">
-                    <a16:creationId xmlns:a16="http://schemas.microsoft.com/office/drawing/2014/main" id="{24D32742-B8C0-E20A-47F0-9F25548CBCE4}"/>
-                  </a:ext>
-                </a:extLst>
-              </p:cNvPr>
-              <p:cNvGraphicFramePr>
-                <a:graphicFrameLocks noGrp="1"/>
-              </p:cNvGraphicFramePr>
-              <p:nvPr>
-                <p:ph idx="1"/>
-                <p:extLst>
-                  <p:ext uri="{D42A27DB-BD31-4B8C-83A1-F6EECF244321}">
-                    <p14:modId xmlns:p14="http://schemas.microsoft.com/office/powerpoint/2010/main" val="1620522736"/>
-                  </p:ext>
-                </p:extLst>
-              </p:nvPr>
-            </p:nvGraphicFramePr>
-            <p:xfrm>
-              <a:off x="1305016" y="1957848"/>
-              <a:ext cx="8868791" cy="1859551"/>
-            </p:xfrm>
-            <a:graphic>
-              <a:graphicData uri="http://schemas.openxmlformats.org/drawingml/2006/table">
-                <a:tbl>
-                  <a:tblPr firstRow="1" firstCol="1" bandRow="1">
-                    <a:tableStyleId>{5C22544A-7EE6-4342-B048-85BDC9FD1C3A}</a:tableStyleId>
-                  </a:tblPr>
-                  <a:tblGrid>
-                    <a:gridCol w="907747">
-                      <a:extLst>
-                        <a:ext uri="{9D8B030D-6E8A-4147-A177-3AD203B41FA5}">
-                          <a16:colId xmlns:a16="http://schemas.microsoft.com/office/drawing/2014/main" val="1167737235"/>
-                        </a:ext>
-                      </a:extLst>
-                    </a:gridCol>
-                    <a:gridCol w="799614">
-                      <a:extLst>
-                        <a:ext uri="{9D8B030D-6E8A-4147-A177-3AD203B41FA5}">
-                          <a16:colId xmlns:a16="http://schemas.microsoft.com/office/drawing/2014/main" val="3307479994"/>
-                        </a:ext>
-                      </a:extLst>
-                    </a:gridCol>
-                    <a:gridCol w="877394">
-                      <a:extLst>
-                        <a:ext uri="{9D8B030D-6E8A-4147-A177-3AD203B41FA5}">
-                          <a16:colId xmlns:a16="http://schemas.microsoft.com/office/drawing/2014/main" val="2945792111"/>
-                        </a:ext>
-                      </a:extLst>
-                    </a:gridCol>
-                    <a:gridCol w="917232">
-                      <a:extLst>
-                        <a:ext uri="{9D8B030D-6E8A-4147-A177-3AD203B41FA5}">
-                          <a16:colId xmlns:a16="http://schemas.microsoft.com/office/drawing/2014/main" val="3534323663"/>
-                        </a:ext>
-                      </a:extLst>
-                    </a:gridCol>
-                    <a:gridCol w="917232">
-                      <a:extLst>
-                        <a:ext uri="{9D8B030D-6E8A-4147-A177-3AD203B41FA5}">
-                          <a16:colId xmlns:a16="http://schemas.microsoft.com/office/drawing/2014/main" val="3972662826"/>
-                        </a:ext>
-                      </a:extLst>
-                    </a:gridCol>
-                    <a:gridCol w="820482">
-                      <a:extLst>
-                        <a:ext uri="{9D8B030D-6E8A-4147-A177-3AD203B41FA5}">
-                          <a16:colId xmlns:a16="http://schemas.microsoft.com/office/drawing/2014/main" val="22290335"/>
-                        </a:ext>
-                      </a:extLst>
-                    </a:gridCol>
-                    <a:gridCol w="877394">
-                      <a:extLst>
-                        <a:ext uri="{9D8B030D-6E8A-4147-A177-3AD203B41FA5}">
-                          <a16:colId xmlns:a16="http://schemas.microsoft.com/office/drawing/2014/main" val="3913032131"/>
-                        </a:ext>
-                      </a:extLst>
-                    </a:gridCol>
-                    <a:gridCol w="917232">
-                      <a:extLst>
-                        <a:ext uri="{9D8B030D-6E8A-4147-A177-3AD203B41FA5}">
-                          <a16:colId xmlns:a16="http://schemas.microsoft.com/office/drawing/2014/main" val="2944905898"/>
-                        </a:ext>
-                      </a:extLst>
-                    </a:gridCol>
-                    <a:gridCol w="917232">
-                      <a:extLst>
-                        <a:ext uri="{9D8B030D-6E8A-4147-A177-3AD203B41FA5}">
-                          <a16:colId xmlns:a16="http://schemas.microsoft.com/office/drawing/2014/main" val="4220010043"/>
-                        </a:ext>
-                      </a:extLst>
-                    </a:gridCol>
-                    <a:gridCol w="917232">
-                      <a:extLst>
-                        <a:ext uri="{9D8B030D-6E8A-4147-A177-3AD203B41FA5}">
-                          <a16:colId xmlns:a16="http://schemas.microsoft.com/office/drawing/2014/main" val="800590967"/>
-                        </a:ext>
-                      </a:extLst>
-                    </a:gridCol>
-                  </a:tblGrid>
-                  <a:tr h="638755">
-                    <a:tc>
-                      <a:txBody>
-                        <a:bodyPr/>
-                        <a:lstStyle/>
-                        <a:p>
-                          <a:pPr marL="0" marR="0" algn="ctr">
-                            <a:lnSpc>
-                              <a:spcPct val="107000"/>
-                            </a:lnSpc>
-                            <a:spcBef>
-                              <a:spcPts val="0"/>
-                            </a:spcBef>
-                            <a:spcAft>
-                              <a:spcPts val="0"/>
-                            </a:spcAft>
-                          </a:pPr>
-                          <a14:m>
-                            <m:oMathPara xmlns:m="http://schemas.openxmlformats.org/officeDocument/2006/math">
-                              <m:oMathParaPr>
-                                <m:jc m:val="centerGroup"/>
-                              </m:oMathParaPr>
-                              <m:oMath xmlns:m="http://schemas.openxmlformats.org/officeDocument/2006/math">
-                                <m:r>
-                                  <a:rPr lang="en-US" sz="1800">
-                                    <a:effectLst/>
-                                  </a:rPr>
-                                  <m:t>𝜋</m:t>
-                                </m:r>
-                              </m:oMath>
-                            </m:oMathPara>
-                          </a14:m>
-                          <a:endParaRPr lang="en-US" sz="1800" dirty="0">
-                            <a:effectLst/>
-                            <a:latin typeface="Calibri" panose="020F0502020204030204" pitchFamily="34" charset="0"/>
-                            <a:ea typeface="Calibri" panose="020F0502020204030204" pitchFamily="34" charset="0"/>
-                            <a:cs typeface="Times New Roman" panose="02020603050405020304" pitchFamily="18" charset="0"/>
-                          </a:endParaRPr>
-                        </a:p>
-                      </a:txBody>
-                      <a:tcPr marL="68580" marR="68580" marT="0" marB="0"/>
-                    </a:tc>
-                    <a:tc>
-                      <a:txBody>
-                        <a:bodyPr/>
-                        <a:lstStyle/>
-                        <a:p>
-                          <a:pPr marL="0" marR="0" algn="ctr">
-                            <a:lnSpc>
-                              <a:spcPct val="107000"/>
-                            </a:lnSpc>
-                            <a:spcBef>
-                              <a:spcPts val="0"/>
-                            </a:spcBef>
-                            <a:spcAft>
-                              <a:spcPts val="0"/>
-                            </a:spcAft>
-                          </a:pPr>
-                          <a:r>
-                            <a:rPr lang="en-US" sz="1800" dirty="0">
-                              <a:effectLst/>
-                            </a:rPr>
-                            <a:t>0.19</a:t>
-                          </a:r>
-                          <a:endParaRPr lang="en-US" sz="1800" dirty="0">
-                            <a:effectLst/>
-                            <a:latin typeface="Calibri" panose="020F0502020204030204" pitchFamily="34" charset="0"/>
-                            <a:ea typeface="Calibri" panose="020F0502020204030204" pitchFamily="34" charset="0"/>
-                            <a:cs typeface="Times New Roman" panose="02020603050405020304" pitchFamily="18" charset="0"/>
-                          </a:endParaRPr>
-                        </a:p>
-                      </a:txBody>
-                      <a:tcPr marL="68580" marR="68580" marT="0" marB="0"/>
-                    </a:tc>
-                    <a:tc>
-                      <a:txBody>
-                        <a:bodyPr/>
-                        <a:lstStyle/>
-                        <a:p>
-                          <a:pPr marL="0" marR="0" algn="ctr">
-                            <a:lnSpc>
-                              <a:spcPct val="107000"/>
-                            </a:lnSpc>
-                            <a:spcBef>
-                              <a:spcPts val="0"/>
-                            </a:spcBef>
-                            <a:spcAft>
-                              <a:spcPts val="0"/>
-                            </a:spcAft>
-                          </a:pPr>
-                          <a:r>
-                            <a:rPr lang="en-US" sz="1800" dirty="0">
-                              <a:effectLst/>
-                            </a:rPr>
-                            <a:t>0.20</a:t>
-                          </a:r>
-                          <a:endParaRPr lang="en-US" sz="1800" dirty="0">
-                            <a:effectLst/>
-                            <a:latin typeface="Calibri" panose="020F0502020204030204" pitchFamily="34" charset="0"/>
-                            <a:ea typeface="Calibri" panose="020F0502020204030204" pitchFamily="34" charset="0"/>
-                            <a:cs typeface="Times New Roman" panose="02020603050405020304" pitchFamily="18" charset="0"/>
-                          </a:endParaRPr>
-                        </a:p>
-                      </a:txBody>
-                      <a:tcPr marL="68580" marR="68580" marT="0" marB="0"/>
-                    </a:tc>
-                    <a:tc>
-                      <a:txBody>
-                        <a:bodyPr/>
-                        <a:lstStyle/>
-                        <a:p>
-                          <a:pPr marL="0" marR="0" algn="ctr">
-                            <a:lnSpc>
-                              <a:spcPct val="107000"/>
-                            </a:lnSpc>
-                            <a:spcBef>
-                              <a:spcPts val="0"/>
-                            </a:spcBef>
-                            <a:spcAft>
-                              <a:spcPts val="0"/>
-                            </a:spcAft>
-                          </a:pPr>
-                          <a:r>
-                            <a:rPr lang="en-US" sz="1800" dirty="0">
-                              <a:effectLst/>
-                            </a:rPr>
-                            <a:t>0.21</a:t>
-                          </a:r>
-                          <a:endParaRPr lang="en-US" sz="1800" dirty="0">
-                            <a:effectLst/>
-                            <a:latin typeface="Calibri" panose="020F0502020204030204" pitchFamily="34" charset="0"/>
-                            <a:ea typeface="Calibri" panose="020F0502020204030204" pitchFamily="34" charset="0"/>
-                            <a:cs typeface="Times New Roman" panose="02020603050405020304" pitchFamily="18" charset="0"/>
-                          </a:endParaRPr>
-                        </a:p>
-                      </a:txBody>
-                      <a:tcPr marL="68580" marR="68580" marT="0" marB="0"/>
-                    </a:tc>
-                    <a:tc>
-                      <a:txBody>
-                        <a:bodyPr/>
-                        <a:lstStyle/>
-                        <a:p>
-                          <a:pPr marL="0" marR="0" algn="ctr">
-                            <a:lnSpc>
-                              <a:spcPct val="107000"/>
-                            </a:lnSpc>
-                            <a:spcBef>
-                              <a:spcPts val="0"/>
-                            </a:spcBef>
-                            <a:spcAft>
-                              <a:spcPts val="0"/>
-                            </a:spcAft>
-                          </a:pPr>
-                          <a:r>
-                            <a:rPr lang="en-US" sz="1800" dirty="0">
-                              <a:effectLst/>
-                            </a:rPr>
-                            <a:t>0.22</a:t>
-                          </a:r>
-                          <a:endParaRPr lang="en-US" sz="1800" dirty="0">
-                            <a:effectLst/>
-                            <a:latin typeface="Calibri" panose="020F0502020204030204" pitchFamily="34" charset="0"/>
-                            <a:ea typeface="Calibri" panose="020F0502020204030204" pitchFamily="34" charset="0"/>
-                            <a:cs typeface="Times New Roman" panose="02020603050405020304" pitchFamily="18" charset="0"/>
-                          </a:endParaRPr>
-                        </a:p>
-                      </a:txBody>
-                      <a:tcPr marL="68580" marR="68580" marT="0" marB="0"/>
-                    </a:tc>
-                    <a:tc>
-                      <a:txBody>
-                        <a:bodyPr/>
-                        <a:lstStyle/>
-                        <a:p>
-                          <a:pPr marL="0" marR="0" algn="ctr">
-                            <a:lnSpc>
-                              <a:spcPct val="107000"/>
-                            </a:lnSpc>
-                            <a:spcBef>
-                              <a:spcPts val="0"/>
-                            </a:spcBef>
-                            <a:spcAft>
-                              <a:spcPts val="0"/>
-                            </a:spcAft>
-                          </a:pPr>
-                          <a:r>
-                            <a:rPr lang="en-US" sz="1800" dirty="0">
-                              <a:effectLst/>
-                            </a:rPr>
-                            <a:t>0.23</a:t>
-                          </a:r>
-                          <a:endParaRPr lang="en-US" sz="1800" dirty="0">
-                            <a:effectLst/>
-                            <a:latin typeface="Calibri" panose="020F0502020204030204" pitchFamily="34" charset="0"/>
-                            <a:ea typeface="Calibri" panose="020F0502020204030204" pitchFamily="34" charset="0"/>
-                            <a:cs typeface="Times New Roman" panose="02020603050405020304" pitchFamily="18" charset="0"/>
-                          </a:endParaRPr>
-                        </a:p>
-                      </a:txBody>
-                      <a:tcPr marL="68580" marR="68580" marT="0" marB="0"/>
-                    </a:tc>
-                    <a:tc>
-                      <a:txBody>
-                        <a:bodyPr/>
-                        <a:lstStyle/>
-                        <a:p>
-                          <a:pPr marL="0" marR="0" algn="ctr">
-                            <a:lnSpc>
-                              <a:spcPct val="107000"/>
-                            </a:lnSpc>
-                            <a:spcBef>
-                              <a:spcPts val="0"/>
-                            </a:spcBef>
-                            <a:spcAft>
-                              <a:spcPts val="0"/>
-                            </a:spcAft>
-                          </a:pPr>
-                          <a:r>
-                            <a:rPr lang="en-US" sz="1800" dirty="0">
-                              <a:effectLst/>
-                            </a:rPr>
-                            <a:t>0.24</a:t>
-                          </a:r>
-                          <a:endParaRPr lang="en-US" sz="1800" dirty="0">
-                            <a:effectLst/>
-                            <a:latin typeface="Calibri" panose="020F0502020204030204" pitchFamily="34" charset="0"/>
-                            <a:ea typeface="Calibri" panose="020F0502020204030204" pitchFamily="34" charset="0"/>
-                            <a:cs typeface="Times New Roman" panose="02020603050405020304" pitchFamily="18" charset="0"/>
-                          </a:endParaRPr>
-                        </a:p>
-                      </a:txBody>
-                      <a:tcPr marL="68580" marR="68580" marT="0" marB="0"/>
-                    </a:tc>
-                    <a:tc>
-                      <a:txBody>
-                        <a:bodyPr/>
-                        <a:lstStyle/>
-                        <a:p>
-                          <a:pPr marL="0" marR="0" algn="ctr">
-                            <a:lnSpc>
-                              <a:spcPct val="107000"/>
-                            </a:lnSpc>
-                            <a:spcBef>
-                              <a:spcPts val="0"/>
-                            </a:spcBef>
-                            <a:spcAft>
-                              <a:spcPts val="0"/>
-                            </a:spcAft>
-                          </a:pPr>
-                          <a:r>
-                            <a:rPr lang="en-US" sz="1800" dirty="0">
-                              <a:effectLst/>
-                            </a:rPr>
-                            <a:t>0.25</a:t>
-                          </a:r>
-                          <a:endParaRPr lang="en-US" sz="1800" dirty="0">
-                            <a:effectLst/>
-                            <a:latin typeface="Calibri" panose="020F0502020204030204" pitchFamily="34" charset="0"/>
-                            <a:ea typeface="Calibri" panose="020F0502020204030204" pitchFamily="34" charset="0"/>
-                            <a:cs typeface="Times New Roman" panose="02020603050405020304" pitchFamily="18" charset="0"/>
-                          </a:endParaRPr>
-                        </a:p>
-                      </a:txBody>
-                      <a:tcPr marL="68580" marR="68580" marT="0" marB="0"/>
-                    </a:tc>
-                    <a:tc>
-                      <a:txBody>
-                        <a:bodyPr/>
-                        <a:lstStyle/>
-                        <a:p>
-                          <a:pPr marL="0" marR="0" algn="ctr">
-                            <a:lnSpc>
-                              <a:spcPct val="107000"/>
-                            </a:lnSpc>
-                            <a:spcBef>
-                              <a:spcPts val="0"/>
-                            </a:spcBef>
-                            <a:spcAft>
-                              <a:spcPts val="0"/>
-                            </a:spcAft>
-                          </a:pPr>
-                          <a:r>
-                            <a:rPr lang="en-US" sz="1800" dirty="0">
-                              <a:effectLst/>
-                            </a:rPr>
-                            <a:t>0.26</a:t>
-                          </a:r>
-                          <a:endParaRPr lang="en-US" sz="1800" dirty="0">
-                            <a:effectLst/>
-                            <a:latin typeface="Calibri" panose="020F0502020204030204" pitchFamily="34" charset="0"/>
-                            <a:ea typeface="Calibri" panose="020F0502020204030204" pitchFamily="34" charset="0"/>
-                            <a:cs typeface="Times New Roman" panose="02020603050405020304" pitchFamily="18" charset="0"/>
-                          </a:endParaRPr>
-                        </a:p>
-                      </a:txBody>
-                      <a:tcPr marL="68580" marR="68580" marT="0" marB="0"/>
-                    </a:tc>
-                    <a:tc>
-                      <a:txBody>
-                        <a:bodyPr/>
-                        <a:lstStyle/>
-                        <a:p>
-                          <a:pPr marL="0" marR="0" algn="ctr">
-                            <a:lnSpc>
-                              <a:spcPct val="107000"/>
-                            </a:lnSpc>
-                            <a:spcBef>
-                              <a:spcPts val="0"/>
-                            </a:spcBef>
-                            <a:spcAft>
-                              <a:spcPts val="0"/>
-                            </a:spcAft>
-                          </a:pPr>
-                          <a:r>
-                            <a:rPr lang="en-US" sz="1800" dirty="0">
-                              <a:effectLst/>
-                            </a:rPr>
-                            <a:t>0.27</a:t>
-                          </a:r>
-                          <a:endParaRPr lang="en-US" sz="1800" dirty="0">
-                            <a:effectLst/>
-                            <a:latin typeface="Calibri" panose="020F0502020204030204" pitchFamily="34" charset="0"/>
-                            <a:ea typeface="Calibri" panose="020F0502020204030204" pitchFamily="34" charset="0"/>
-                            <a:cs typeface="Times New Roman" panose="02020603050405020304" pitchFamily="18" charset="0"/>
-                          </a:endParaRPr>
-                        </a:p>
-                      </a:txBody>
-                      <a:tcPr marL="68580" marR="68580" marT="0" marB="0"/>
-                    </a:tc>
-                    <a:extLst>
-                      <a:ext uri="{0D108BD9-81ED-4DB2-BD59-A6C34878D82A}">
-                        <a16:rowId xmlns:a16="http://schemas.microsoft.com/office/drawing/2014/main" val="447996481"/>
-                      </a:ext>
-                    </a:extLst>
-                  </a:tr>
-                  <a:tr h="610398">
-                    <a:tc>
-                      <a:txBody>
-                        <a:bodyPr/>
-                        <a:lstStyle/>
-                        <a:p>
-                          <a:pPr marL="0" marR="0" algn="ctr">
-                            <a:lnSpc>
-                              <a:spcPct val="107000"/>
-                            </a:lnSpc>
-                            <a:spcBef>
-                              <a:spcPts val="0"/>
-                            </a:spcBef>
-                            <a:spcAft>
-                              <a:spcPts val="0"/>
-                            </a:spcAft>
-                          </a:pPr>
-                          <a:r>
-                            <a:rPr lang="en-US" sz="1800">
-                              <a:effectLst/>
-                            </a:rPr>
-                            <a:t>p-value</a:t>
-                          </a:r>
-                          <a:endParaRPr lang="en-US" sz="1800">
-                            <a:effectLst/>
-                            <a:latin typeface="Calibri" panose="020F0502020204030204" pitchFamily="34" charset="0"/>
-                            <a:ea typeface="Calibri" panose="020F0502020204030204" pitchFamily="34" charset="0"/>
-                            <a:cs typeface="Times New Roman" panose="02020603050405020304" pitchFamily="18" charset="0"/>
-                          </a:endParaRPr>
-                        </a:p>
-                      </a:txBody>
-                      <a:tcPr marL="68580" marR="68580" marT="0" marB="0"/>
-                    </a:tc>
-                    <a:tc>
-                      <a:txBody>
-                        <a:bodyPr/>
-                        <a:lstStyle/>
-                        <a:p>
-                          <a:pPr marL="0" marR="0" algn="ctr">
-                            <a:lnSpc>
-                              <a:spcPct val="107000"/>
-                            </a:lnSpc>
-                            <a:spcBef>
-                              <a:spcPts val="0"/>
-                            </a:spcBef>
-                            <a:spcAft>
-                              <a:spcPts val="0"/>
-                            </a:spcAft>
-                          </a:pPr>
-                          <a:r>
-                            <a:rPr lang="en-US" sz="1800" dirty="0">
-                              <a:effectLst/>
-                              <a:latin typeface="Calibri" panose="020F0502020204030204" pitchFamily="34" charset="0"/>
-                              <a:ea typeface="Calibri" panose="020F0502020204030204" pitchFamily="34" charset="0"/>
-                              <a:cs typeface="Times New Roman" panose="02020603050405020304" pitchFamily="18" charset="0"/>
-                            </a:rPr>
-                            <a:t>0.0001</a:t>
-                          </a:r>
-                        </a:p>
-                      </a:txBody>
-                      <a:tcPr marL="68580" marR="68580" marT="0" marB="0"/>
-                    </a:tc>
-                    <a:tc>
-                      <a:txBody>
-                        <a:bodyPr/>
-                        <a:lstStyle/>
-                        <a:p>
-                          <a:pPr marL="0" marR="0" algn="ctr">
-                            <a:lnSpc>
-                              <a:spcPct val="107000"/>
-                            </a:lnSpc>
-                            <a:spcBef>
-                              <a:spcPts val="0"/>
-                            </a:spcBef>
-                            <a:spcAft>
-                              <a:spcPts val="0"/>
-                            </a:spcAft>
-                          </a:pPr>
-                          <a:r>
-                            <a:rPr lang="en-US" sz="1800" dirty="0">
-                              <a:effectLst/>
-                              <a:latin typeface="Calibri" panose="020F0502020204030204" pitchFamily="34" charset="0"/>
-                              <a:ea typeface="Calibri" panose="020F0502020204030204" pitchFamily="34" charset="0"/>
-                              <a:cs typeface="Times New Roman" panose="02020603050405020304" pitchFamily="18" charset="0"/>
-                            </a:rPr>
-                            <a:t>0.004</a:t>
-                          </a:r>
-                        </a:p>
-                      </a:txBody>
-                      <a:tcPr marL="68580" marR="68580" marT="0" marB="0"/>
-                    </a:tc>
-                    <a:tc>
-                      <a:txBody>
-                        <a:bodyPr/>
-                        <a:lstStyle/>
-                        <a:p>
-                          <a:pPr marL="0" marR="0" algn="ctr">
-                            <a:lnSpc>
-                              <a:spcPct val="107000"/>
-                            </a:lnSpc>
-                            <a:spcBef>
-                              <a:spcPts val="0"/>
-                            </a:spcBef>
-                            <a:spcAft>
-                              <a:spcPts val="0"/>
-                            </a:spcAft>
-                          </a:pPr>
-                          <a:r>
-                            <a:rPr lang="en-US" sz="1800" dirty="0">
-                              <a:effectLst/>
-                              <a:latin typeface="Calibri" panose="020F0502020204030204" pitchFamily="34" charset="0"/>
-                              <a:ea typeface="Calibri" panose="020F0502020204030204" pitchFamily="34" charset="0"/>
-                              <a:cs typeface="Times New Roman" panose="02020603050405020304" pitchFamily="18" charset="0"/>
-                            </a:rPr>
-                            <a:t>0.0609</a:t>
-                          </a:r>
-                        </a:p>
-                      </a:txBody>
-                      <a:tcPr marL="68580" marR="68580" marT="0" marB="0"/>
-                    </a:tc>
-                    <a:tc>
-                      <a:txBody>
-                        <a:bodyPr/>
-                        <a:lstStyle/>
-                        <a:p>
-                          <a:pPr marL="0" marR="0" algn="ctr">
-                            <a:lnSpc>
-                              <a:spcPct val="107000"/>
-                            </a:lnSpc>
-                            <a:spcBef>
-                              <a:spcPts val="0"/>
-                            </a:spcBef>
-                            <a:spcAft>
-                              <a:spcPts val="0"/>
-                            </a:spcAft>
-                          </a:pPr>
-                          <a:r>
-                            <a:rPr lang="en-US" sz="1800" dirty="0">
-                              <a:effectLst/>
-                              <a:latin typeface="Calibri" panose="020F0502020204030204" pitchFamily="34" charset="0"/>
-                              <a:ea typeface="Calibri" panose="020F0502020204030204" pitchFamily="34" charset="0"/>
-                              <a:cs typeface="Times New Roman" panose="02020603050405020304" pitchFamily="18" charset="0"/>
-                            </a:rPr>
-                            <a:t>0.3645</a:t>
-                          </a:r>
-                        </a:p>
-                      </a:txBody>
-                      <a:tcPr marL="68580" marR="68580" marT="0" marB="0"/>
-                    </a:tc>
-                    <a:tc>
-                      <a:txBody>
-                        <a:bodyPr/>
-                        <a:lstStyle/>
-                        <a:p>
-                          <a:pPr marL="0" marR="0" algn="ctr">
-                            <a:lnSpc>
-                              <a:spcPct val="107000"/>
-                            </a:lnSpc>
-                            <a:spcBef>
-                              <a:spcPts val="0"/>
-                            </a:spcBef>
-                            <a:spcAft>
-                              <a:spcPts val="0"/>
-                            </a:spcAft>
-                          </a:pPr>
-                          <a:r>
-                            <a:rPr lang="en-US" sz="1800" dirty="0">
-                              <a:effectLst/>
-                              <a:latin typeface="Calibri" panose="020F0502020204030204" pitchFamily="34" charset="0"/>
-                              <a:ea typeface="Calibri" panose="020F0502020204030204" pitchFamily="34" charset="0"/>
-                              <a:cs typeface="Times New Roman" panose="02020603050405020304" pitchFamily="18" charset="0"/>
-                            </a:rPr>
-                            <a:t>0.9775</a:t>
-                          </a:r>
-                        </a:p>
-                      </a:txBody>
-                      <a:tcPr marL="68580" marR="68580" marT="0" marB="0"/>
-                    </a:tc>
-                    <a:tc>
-                      <a:txBody>
-                        <a:bodyPr/>
-                        <a:lstStyle/>
-                        <a:p>
-                          <a:pPr marL="0" marR="0" algn="ctr">
-                            <a:lnSpc>
-                              <a:spcPct val="107000"/>
-                            </a:lnSpc>
-                            <a:spcBef>
-                              <a:spcPts val="0"/>
-                            </a:spcBef>
-                            <a:spcAft>
-                              <a:spcPts val="0"/>
-                            </a:spcAft>
-                          </a:pPr>
-                          <a:r>
-                            <a:rPr lang="en-US" sz="1800" dirty="0">
-                              <a:effectLst/>
-                              <a:latin typeface="Calibri" panose="020F0502020204030204" pitchFamily="34" charset="0"/>
-                              <a:ea typeface="Calibri" panose="020F0502020204030204" pitchFamily="34" charset="0"/>
-                              <a:cs typeface="Times New Roman" panose="02020603050405020304" pitchFamily="18" charset="0"/>
-                            </a:rPr>
-                            <a:t>0.3497</a:t>
-                          </a:r>
-                        </a:p>
-                      </a:txBody>
-                      <a:tcPr marL="68580" marR="68580" marT="0" marB="0"/>
-                    </a:tc>
-                    <a:tc>
-                      <a:txBody>
-                        <a:bodyPr/>
-                        <a:lstStyle/>
-                        <a:p>
-                          <a:pPr marL="0" marR="0" algn="ctr">
-                            <a:lnSpc>
-                              <a:spcPct val="107000"/>
-                            </a:lnSpc>
-                            <a:spcBef>
-                              <a:spcPts val="0"/>
-                            </a:spcBef>
-                            <a:spcAft>
-                              <a:spcPts val="0"/>
-                            </a:spcAft>
-                          </a:pPr>
-                          <a:r>
-                            <a:rPr lang="en-US" sz="1800" dirty="0">
-                              <a:effectLst/>
-                              <a:latin typeface="Calibri" panose="020F0502020204030204" pitchFamily="34" charset="0"/>
-                              <a:ea typeface="Calibri" panose="020F0502020204030204" pitchFamily="34" charset="0"/>
-                              <a:cs typeface="Times New Roman" panose="02020603050405020304" pitchFamily="18" charset="0"/>
-                            </a:rPr>
-                            <a:t>0.0691</a:t>
-                          </a:r>
-                        </a:p>
-                      </a:txBody>
-                      <a:tcPr marL="68580" marR="68580" marT="0" marB="0"/>
-                    </a:tc>
-                    <a:tc>
-                      <a:txBody>
-                        <a:bodyPr/>
-                        <a:lstStyle/>
-                        <a:p>
-                          <a:pPr marL="0" marR="0" algn="ctr">
-                            <a:lnSpc>
-                              <a:spcPct val="107000"/>
-                            </a:lnSpc>
-                            <a:spcBef>
-                              <a:spcPts val="0"/>
-                            </a:spcBef>
-                            <a:spcAft>
-                              <a:spcPts val="0"/>
-                            </a:spcAft>
-                          </a:pPr>
-                          <a:r>
-                            <a:rPr lang="en-US" sz="1800" dirty="0">
-                              <a:effectLst/>
-                              <a:latin typeface="Calibri" panose="020F0502020204030204" pitchFamily="34" charset="0"/>
-                              <a:ea typeface="Calibri" panose="020F0502020204030204" pitchFamily="34" charset="0"/>
-                              <a:cs typeface="Times New Roman" panose="02020603050405020304" pitchFamily="18" charset="0"/>
-                            </a:rPr>
-                            <a:t>0.0074</a:t>
-                          </a:r>
-                        </a:p>
-                      </a:txBody>
-                      <a:tcPr marL="68580" marR="68580" marT="0" marB="0"/>
-                    </a:tc>
-                    <a:tc>
-                      <a:txBody>
-                        <a:bodyPr/>
-                        <a:lstStyle/>
-                        <a:p>
-                          <a:pPr marL="0" marR="0" algn="ctr">
-                            <a:lnSpc>
-                              <a:spcPct val="107000"/>
-                            </a:lnSpc>
-                            <a:spcBef>
-                              <a:spcPts val="0"/>
-                            </a:spcBef>
-                            <a:spcAft>
-                              <a:spcPts val="0"/>
-                            </a:spcAft>
-                          </a:pPr>
-                          <a:r>
-                            <a:rPr lang="en-US" sz="1800" dirty="0">
-                              <a:effectLst/>
-                              <a:latin typeface="Calibri" panose="020F0502020204030204" pitchFamily="34" charset="0"/>
-                              <a:ea typeface="Calibri" panose="020F0502020204030204" pitchFamily="34" charset="0"/>
-                              <a:cs typeface="Times New Roman" panose="02020603050405020304" pitchFamily="18" charset="0"/>
-                            </a:rPr>
-                            <a:t>0.0004</a:t>
-                          </a:r>
-                        </a:p>
-                      </a:txBody>
-                      <a:tcPr marL="68580" marR="68580" marT="0" marB="0"/>
-                    </a:tc>
-                    <a:extLst>
-                      <a:ext uri="{0D108BD9-81ED-4DB2-BD59-A6C34878D82A}">
-                        <a16:rowId xmlns:a16="http://schemas.microsoft.com/office/drawing/2014/main" val="2848298390"/>
-                      </a:ext>
-                    </a:extLst>
-                  </a:tr>
-                  <a:tr h="610398">
-                    <a:tc>
-                      <a:txBody>
-                        <a:bodyPr/>
-                        <a:lstStyle/>
-                        <a:p>
-                          <a:pPr marL="0" marR="0" algn="ctr">
-                            <a:lnSpc>
-                              <a:spcPct val="107000"/>
-                            </a:lnSpc>
-                            <a:spcBef>
-                              <a:spcPts val="0"/>
-                            </a:spcBef>
-                            <a:spcAft>
-                              <a:spcPts val="0"/>
-                            </a:spcAft>
-                          </a:pPr>
-                          <a:r>
-                            <a:rPr lang="en-US" sz="1800">
-                              <a:effectLst/>
-                            </a:rPr>
-                            <a:t>R or FTR</a:t>
-                          </a:r>
-                          <a:endParaRPr lang="en-US" sz="1800">
-                            <a:effectLst/>
-                            <a:latin typeface="Calibri" panose="020F0502020204030204" pitchFamily="34" charset="0"/>
-                            <a:ea typeface="Calibri" panose="020F0502020204030204" pitchFamily="34" charset="0"/>
-                            <a:cs typeface="Times New Roman" panose="02020603050405020304" pitchFamily="18" charset="0"/>
-                          </a:endParaRPr>
-                        </a:p>
-                      </a:txBody>
-                      <a:tcPr marL="68580" marR="68580" marT="0" marB="0"/>
-                    </a:tc>
-                    <a:tc>
-                      <a:txBody>
-                        <a:bodyPr/>
-                        <a:lstStyle/>
-                        <a:p>
-                          <a:pPr marL="0" marR="0" algn="ctr">
-                            <a:lnSpc>
-                              <a:spcPct val="107000"/>
-                            </a:lnSpc>
-                            <a:spcBef>
-                              <a:spcPts val="0"/>
-                            </a:spcBef>
-                            <a:spcAft>
-                              <a:spcPts val="0"/>
-                            </a:spcAft>
-                          </a:pPr>
-                          <a:endParaRPr lang="en-US" sz="1800" dirty="0">
-                            <a:effectLst/>
-                            <a:latin typeface="Calibri" panose="020F0502020204030204" pitchFamily="34" charset="0"/>
-                            <a:ea typeface="Calibri" panose="020F0502020204030204" pitchFamily="34" charset="0"/>
-                            <a:cs typeface="Times New Roman" panose="02020603050405020304" pitchFamily="18" charset="0"/>
-                          </a:endParaRPr>
-                        </a:p>
-                      </a:txBody>
-                      <a:tcPr marL="68580" marR="68580" marT="0" marB="0"/>
-                    </a:tc>
-                    <a:tc>
-                      <a:txBody>
-                        <a:bodyPr/>
-                        <a:lstStyle/>
-                        <a:p>
-                          <a:pPr marL="0" marR="0" algn="ctr">
-                            <a:lnSpc>
-                              <a:spcPct val="107000"/>
-                            </a:lnSpc>
-                            <a:spcBef>
-                              <a:spcPts val="0"/>
-                            </a:spcBef>
-                            <a:spcAft>
-                              <a:spcPts val="0"/>
-                            </a:spcAft>
-                          </a:pPr>
-                          <a:endParaRPr lang="en-US" sz="1800" dirty="0">
-                            <a:effectLst/>
-                            <a:latin typeface="Calibri" panose="020F0502020204030204" pitchFamily="34" charset="0"/>
-                            <a:ea typeface="Calibri" panose="020F0502020204030204" pitchFamily="34" charset="0"/>
-                            <a:cs typeface="Times New Roman" panose="02020603050405020304" pitchFamily="18" charset="0"/>
-                          </a:endParaRPr>
-                        </a:p>
-                      </a:txBody>
-                      <a:tcPr marL="68580" marR="68580" marT="0" marB="0"/>
-                    </a:tc>
-                    <a:tc>
-                      <a:txBody>
-                        <a:bodyPr/>
-                        <a:lstStyle/>
-                        <a:p>
-                          <a:pPr marL="0" marR="0" algn="ctr">
-                            <a:lnSpc>
-                              <a:spcPct val="107000"/>
-                            </a:lnSpc>
-                            <a:spcBef>
-                              <a:spcPts val="0"/>
-                            </a:spcBef>
-                            <a:spcAft>
-                              <a:spcPts val="0"/>
-                            </a:spcAft>
-                          </a:pPr>
-                          <a:endParaRPr lang="en-US" sz="1800" dirty="0">
-                            <a:effectLst/>
-                            <a:latin typeface="Calibri" panose="020F0502020204030204" pitchFamily="34" charset="0"/>
-                            <a:ea typeface="Calibri" panose="020F0502020204030204" pitchFamily="34" charset="0"/>
-                            <a:cs typeface="Times New Roman" panose="02020603050405020304" pitchFamily="18" charset="0"/>
-                          </a:endParaRPr>
-                        </a:p>
-                      </a:txBody>
-                      <a:tcPr marL="68580" marR="68580" marT="0" marB="0"/>
-                    </a:tc>
-                    <a:tc>
-                      <a:txBody>
-                        <a:bodyPr/>
-                        <a:lstStyle/>
-                        <a:p>
-                          <a:pPr marL="0" marR="0" algn="ctr">
-                            <a:lnSpc>
-                              <a:spcPct val="107000"/>
-                            </a:lnSpc>
-                            <a:spcBef>
-                              <a:spcPts val="0"/>
-                            </a:spcBef>
-                            <a:spcAft>
-                              <a:spcPts val="0"/>
-                            </a:spcAft>
-                          </a:pPr>
-                          <a:endParaRPr lang="en-US" sz="1800">
-                            <a:effectLst/>
-                            <a:latin typeface="Calibri" panose="020F0502020204030204" pitchFamily="34" charset="0"/>
-                            <a:ea typeface="Calibri" panose="020F0502020204030204" pitchFamily="34" charset="0"/>
-                            <a:cs typeface="Times New Roman" panose="02020603050405020304" pitchFamily="18" charset="0"/>
-                          </a:endParaRPr>
-                        </a:p>
-                      </a:txBody>
-                      <a:tcPr marL="68580" marR="68580" marT="0" marB="0"/>
-                    </a:tc>
-                    <a:tc>
-                      <a:txBody>
-                        <a:bodyPr/>
-                        <a:lstStyle/>
-                        <a:p>
-                          <a:pPr marL="0" marR="0" algn="ctr">
-                            <a:lnSpc>
-                              <a:spcPct val="107000"/>
-                            </a:lnSpc>
-                            <a:spcBef>
-                              <a:spcPts val="0"/>
-                            </a:spcBef>
-                            <a:spcAft>
-                              <a:spcPts val="0"/>
-                            </a:spcAft>
-                          </a:pPr>
-                          <a:endParaRPr lang="en-US" sz="1800" dirty="0">
-                            <a:effectLst/>
-                            <a:latin typeface="Calibri" panose="020F0502020204030204" pitchFamily="34" charset="0"/>
-                            <a:ea typeface="Calibri" panose="020F0502020204030204" pitchFamily="34" charset="0"/>
-                            <a:cs typeface="Times New Roman" panose="02020603050405020304" pitchFamily="18" charset="0"/>
-                          </a:endParaRPr>
-                        </a:p>
-                      </a:txBody>
-                      <a:tcPr marL="68580" marR="68580" marT="0" marB="0"/>
-                    </a:tc>
-                    <a:tc>
-                      <a:txBody>
-                        <a:bodyPr/>
-                        <a:lstStyle/>
-                        <a:p>
-                          <a:pPr marL="0" marR="0" algn="ctr">
-                            <a:lnSpc>
-                              <a:spcPct val="107000"/>
-                            </a:lnSpc>
-                            <a:spcBef>
-                              <a:spcPts val="0"/>
-                            </a:spcBef>
-                            <a:spcAft>
-                              <a:spcPts val="0"/>
-                            </a:spcAft>
-                          </a:pPr>
-                          <a:endParaRPr lang="en-US" sz="1800" dirty="0">
-                            <a:effectLst/>
-                            <a:latin typeface="Calibri" panose="020F0502020204030204" pitchFamily="34" charset="0"/>
-                            <a:ea typeface="Calibri" panose="020F0502020204030204" pitchFamily="34" charset="0"/>
-                            <a:cs typeface="Times New Roman" panose="02020603050405020304" pitchFamily="18" charset="0"/>
-                          </a:endParaRPr>
-                        </a:p>
-                      </a:txBody>
-                      <a:tcPr marL="68580" marR="68580" marT="0" marB="0"/>
-                    </a:tc>
-                    <a:tc>
-                      <a:txBody>
-                        <a:bodyPr/>
-                        <a:lstStyle/>
-                        <a:p>
-                          <a:pPr marL="0" marR="0" algn="ctr">
-                            <a:lnSpc>
-                              <a:spcPct val="107000"/>
-                            </a:lnSpc>
-                            <a:spcBef>
-                              <a:spcPts val="0"/>
-                            </a:spcBef>
-                            <a:spcAft>
-                              <a:spcPts val="0"/>
-                            </a:spcAft>
-                          </a:pPr>
-                          <a:endParaRPr lang="en-US" sz="1800" dirty="0">
-                            <a:effectLst/>
-                            <a:latin typeface="Calibri" panose="020F0502020204030204" pitchFamily="34" charset="0"/>
-                            <a:ea typeface="Calibri" panose="020F0502020204030204" pitchFamily="34" charset="0"/>
-                            <a:cs typeface="Times New Roman" panose="02020603050405020304" pitchFamily="18" charset="0"/>
-                          </a:endParaRPr>
-                        </a:p>
-                      </a:txBody>
-                      <a:tcPr marL="68580" marR="68580" marT="0" marB="0"/>
-                    </a:tc>
-                    <a:tc>
-                      <a:txBody>
-                        <a:bodyPr/>
-                        <a:lstStyle/>
-                        <a:p>
-                          <a:pPr marL="0" marR="0" algn="ctr">
-                            <a:lnSpc>
-                              <a:spcPct val="107000"/>
-                            </a:lnSpc>
-                            <a:spcBef>
-                              <a:spcPts val="0"/>
-                            </a:spcBef>
-                            <a:spcAft>
-                              <a:spcPts val="0"/>
-                            </a:spcAft>
-                          </a:pPr>
-                          <a:endParaRPr lang="en-US" sz="1800" dirty="0">
-                            <a:effectLst/>
-                            <a:latin typeface="Calibri" panose="020F0502020204030204" pitchFamily="34" charset="0"/>
-                            <a:ea typeface="Calibri" panose="020F0502020204030204" pitchFamily="34" charset="0"/>
-                            <a:cs typeface="Times New Roman" panose="02020603050405020304" pitchFamily="18" charset="0"/>
-                          </a:endParaRPr>
-                        </a:p>
-                      </a:txBody>
-                      <a:tcPr marL="68580" marR="68580" marT="0" marB="0"/>
-                    </a:tc>
-                    <a:tc>
-                      <a:txBody>
-                        <a:bodyPr/>
-                        <a:lstStyle/>
-                        <a:p>
-                          <a:pPr marL="0" marR="0" algn="ctr">
-                            <a:lnSpc>
-                              <a:spcPct val="107000"/>
-                            </a:lnSpc>
-                            <a:spcBef>
-                              <a:spcPts val="0"/>
-                            </a:spcBef>
-                            <a:spcAft>
-                              <a:spcPts val="0"/>
-                            </a:spcAft>
-                          </a:pPr>
-                          <a:endParaRPr lang="en-US" sz="1800" dirty="0">
-                            <a:effectLst/>
-                            <a:latin typeface="Calibri" panose="020F0502020204030204" pitchFamily="34" charset="0"/>
-                            <a:ea typeface="Calibri" panose="020F0502020204030204" pitchFamily="34" charset="0"/>
-                            <a:cs typeface="Times New Roman" panose="02020603050405020304" pitchFamily="18" charset="0"/>
-                          </a:endParaRPr>
-                        </a:p>
-                      </a:txBody>
-                      <a:tcPr marL="68580" marR="68580" marT="0" marB="0"/>
-                    </a:tc>
-                    <a:extLst>
-                      <a:ext uri="{0D108BD9-81ED-4DB2-BD59-A6C34878D82A}">
-                        <a16:rowId xmlns:a16="http://schemas.microsoft.com/office/drawing/2014/main" val="944806799"/>
-                      </a:ext>
-                    </a:extLst>
-                  </a:tr>
-                </a:tbl>
-              </a:graphicData>
-            </a:graphic>
-          </p:graphicFrame>
-        </mc:Choice>
-        <mc:Fallback>
-          <p:graphicFrame>
-            <p:nvGraphicFramePr>
-              <p:cNvPr id="6" name="Content Placeholder 3">
-                <a:extLst>
-                  <a:ext uri="{FF2B5EF4-FFF2-40B4-BE49-F238E27FC236}">
-                    <a16:creationId xmlns:a16="http://schemas.microsoft.com/office/drawing/2014/main" id="{24D32742-B8C0-E20A-47F0-9F25548CBCE4}"/>
-                  </a:ext>
-                </a:extLst>
-              </p:cNvPr>
-              <p:cNvGraphicFramePr>
-                <a:graphicFrameLocks noGrp="1"/>
-              </p:cNvGraphicFramePr>
-              <p:nvPr>
-                <p:ph idx="1"/>
-                <p:extLst>
-                  <p:ext uri="{D42A27DB-BD31-4B8C-83A1-F6EECF244321}">
-                    <p14:modId xmlns:p14="http://schemas.microsoft.com/office/powerpoint/2010/main" val="1620522736"/>
-                  </p:ext>
-                </p:extLst>
-              </p:nvPr>
-            </p:nvGraphicFramePr>
-            <p:xfrm>
-              <a:off x="1305016" y="1957848"/>
-              <a:ext cx="8868791" cy="1859551"/>
-            </p:xfrm>
-            <a:graphic>
-              <a:graphicData uri="http://schemas.openxmlformats.org/drawingml/2006/table">
-                <a:tbl>
-                  <a:tblPr firstRow="1" firstCol="1" bandRow="1">
-                    <a:tableStyleId>{5C22544A-7EE6-4342-B048-85BDC9FD1C3A}</a:tableStyleId>
-                  </a:tblPr>
-                  <a:tblGrid>
-                    <a:gridCol w="907747">
-                      <a:extLst>
-                        <a:ext uri="{9D8B030D-6E8A-4147-A177-3AD203B41FA5}">
-                          <a16:colId xmlns:a16="http://schemas.microsoft.com/office/drawing/2014/main" val="1167737235"/>
-                        </a:ext>
-                      </a:extLst>
-                    </a:gridCol>
-                    <a:gridCol w="799614">
-                      <a:extLst>
-                        <a:ext uri="{9D8B030D-6E8A-4147-A177-3AD203B41FA5}">
-                          <a16:colId xmlns:a16="http://schemas.microsoft.com/office/drawing/2014/main" val="3307479994"/>
-                        </a:ext>
-                      </a:extLst>
-                    </a:gridCol>
-                    <a:gridCol w="877394">
-                      <a:extLst>
-                        <a:ext uri="{9D8B030D-6E8A-4147-A177-3AD203B41FA5}">
-                          <a16:colId xmlns:a16="http://schemas.microsoft.com/office/drawing/2014/main" val="2945792111"/>
-                        </a:ext>
-                      </a:extLst>
-                    </a:gridCol>
-                    <a:gridCol w="917232">
-                      <a:extLst>
-                        <a:ext uri="{9D8B030D-6E8A-4147-A177-3AD203B41FA5}">
-                          <a16:colId xmlns:a16="http://schemas.microsoft.com/office/drawing/2014/main" val="3534323663"/>
-                        </a:ext>
-                      </a:extLst>
-                    </a:gridCol>
-                    <a:gridCol w="917232">
-                      <a:extLst>
-                        <a:ext uri="{9D8B030D-6E8A-4147-A177-3AD203B41FA5}">
-                          <a16:colId xmlns:a16="http://schemas.microsoft.com/office/drawing/2014/main" val="3972662826"/>
-                        </a:ext>
-                      </a:extLst>
-                    </a:gridCol>
-                    <a:gridCol w="820482">
-                      <a:extLst>
-                        <a:ext uri="{9D8B030D-6E8A-4147-A177-3AD203B41FA5}">
-                          <a16:colId xmlns:a16="http://schemas.microsoft.com/office/drawing/2014/main" val="22290335"/>
-                        </a:ext>
-                      </a:extLst>
-                    </a:gridCol>
-                    <a:gridCol w="877394">
-                      <a:extLst>
-                        <a:ext uri="{9D8B030D-6E8A-4147-A177-3AD203B41FA5}">
-                          <a16:colId xmlns:a16="http://schemas.microsoft.com/office/drawing/2014/main" val="3913032131"/>
-                        </a:ext>
-                      </a:extLst>
-                    </a:gridCol>
-                    <a:gridCol w="917232">
-                      <a:extLst>
-                        <a:ext uri="{9D8B030D-6E8A-4147-A177-3AD203B41FA5}">
-                          <a16:colId xmlns:a16="http://schemas.microsoft.com/office/drawing/2014/main" val="2944905898"/>
-                        </a:ext>
-                      </a:extLst>
-                    </a:gridCol>
-                    <a:gridCol w="917232">
-                      <a:extLst>
-                        <a:ext uri="{9D8B030D-6E8A-4147-A177-3AD203B41FA5}">
-                          <a16:colId xmlns:a16="http://schemas.microsoft.com/office/drawing/2014/main" val="4220010043"/>
-                        </a:ext>
-                      </a:extLst>
-                    </a:gridCol>
-                    <a:gridCol w="917232">
-                      <a:extLst>
-                        <a:ext uri="{9D8B030D-6E8A-4147-A177-3AD203B41FA5}">
-                          <a16:colId xmlns:a16="http://schemas.microsoft.com/office/drawing/2014/main" val="800590967"/>
-                        </a:ext>
-                      </a:extLst>
-                    </a:gridCol>
-                  </a:tblGrid>
-                  <a:tr h="638755">
-                    <a:tc>
-                      <a:txBody>
-                        <a:bodyPr/>
-                        <a:lstStyle/>
-                        <a:p>
-                          <a:endParaRPr lang="en-US"/>
-                        </a:p>
-                      </a:txBody>
-                      <a:tcPr marL="68580" marR="68580" marT="0" marB="0">
-                        <a:blipFill>
-                          <a:blip r:embed="rId2"/>
-                          <a:stretch>
-                            <a:fillRect l="-671" t="-11429" r="-879866" b="-207619"/>
-                          </a:stretch>
-                        </a:blipFill>
-                      </a:tcPr>
-                    </a:tc>
-                    <a:tc>
-                      <a:txBody>
-                        <a:bodyPr/>
-                        <a:lstStyle/>
-                        <a:p>
-                          <a:pPr marL="0" marR="0" algn="ctr">
-                            <a:lnSpc>
-                              <a:spcPct val="107000"/>
-                            </a:lnSpc>
-                            <a:spcBef>
-                              <a:spcPts val="0"/>
-                            </a:spcBef>
-                            <a:spcAft>
-                              <a:spcPts val="0"/>
-                            </a:spcAft>
-                          </a:pPr>
-                          <a:r>
-                            <a:rPr lang="en-US" sz="1800" dirty="0">
-                              <a:effectLst/>
-                            </a:rPr>
-                            <a:t>0.19</a:t>
-                          </a:r>
-                          <a:endParaRPr lang="en-US" sz="1800" dirty="0">
-                            <a:effectLst/>
-                            <a:latin typeface="Calibri" panose="020F0502020204030204" pitchFamily="34" charset="0"/>
-                            <a:ea typeface="Calibri" panose="020F0502020204030204" pitchFamily="34" charset="0"/>
-                            <a:cs typeface="Times New Roman" panose="02020603050405020304" pitchFamily="18" charset="0"/>
-                          </a:endParaRPr>
-                        </a:p>
-                      </a:txBody>
-                      <a:tcPr marL="68580" marR="68580" marT="0" marB="0"/>
-                    </a:tc>
-                    <a:tc>
-                      <a:txBody>
-                        <a:bodyPr/>
-                        <a:lstStyle/>
-                        <a:p>
-                          <a:pPr marL="0" marR="0" algn="ctr">
-                            <a:lnSpc>
-                              <a:spcPct val="107000"/>
-                            </a:lnSpc>
-                            <a:spcBef>
-                              <a:spcPts val="0"/>
-                            </a:spcBef>
-                            <a:spcAft>
-                              <a:spcPts val="0"/>
-                            </a:spcAft>
-                          </a:pPr>
-                          <a:r>
-                            <a:rPr lang="en-US" sz="1800" dirty="0">
-                              <a:effectLst/>
-                            </a:rPr>
-                            <a:t>0.20</a:t>
-                          </a:r>
-                          <a:endParaRPr lang="en-US" sz="1800" dirty="0">
-                            <a:effectLst/>
-                            <a:latin typeface="Calibri" panose="020F0502020204030204" pitchFamily="34" charset="0"/>
-                            <a:ea typeface="Calibri" panose="020F0502020204030204" pitchFamily="34" charset="0"/>
-                            <a:cs typeface="Times New Roman" panose="02020603050405020304" pitchFamily="18" charset="0"/>
-                          </a:endParaRPr>
-                        </a:p>
-                      </a:txBody>
-                      <a:tcPr marL="68580" marR="68580" marT="0" marB="0"/>
-                    </a:tc>
-                    <a:tc>
-                      <a:txBody>
-                        <a:bodyPr/>
-                        <a:lstStyle/>
-                        <a:p>
-                          <a:pPr marL="0" marR="0" algn="ctr">
-                            <a:lnSpc>
-                              <a:spcPct val="107000"/>
-                            </a:lnSpc>
-                            <a:spcBef>
-                              <a:spcPts val="0"/>
-                            </a:spcBef>
-                            <a:spcAft>
-                              <a:spcPts val="0"/>
-                            </a:spcAft>
-                          </a:pPr>
-                          <a:r>
-                            <a:rPr lang="en-US" sz="1800" dirty="0">
-                              <a:effectLst/>
-                            </a:rPr>
-                            <a:t>0.21</a:t>
-                          </a:r>
-                          <a:endParaRPr lang="en-US" sz="1800" dirty="0">
-                            <a:effectLst/>
-                            <a:latin typeface="Calibri" panose="020F0502020204030204" pitchFamily="34" charset="0"/>
-                            <a:ea typeface="Calibri" panose="020F0502020204030204" pitchFamily="34" charset="0"/>
-                            <a:cs typeface="Times New Roman" panose="02020603050405020304" pitchFamily="18" charset="0"/>
-                          </a:endParaRPr>
-                        </a:p>
-                      </a:txBody>
-                      <a:tcPr marL="68580" marR="68580" marT="0" marB="0"/>
-                    </a:tc>
-                    <a:tc>
-                      <a:txBody>
-                        <a:bodyPr/>
-                        <a:lstStyle/>
-                        <a:p>
-                          <a:pPr marL="0" marR="0" algn="ctr">
-                            <a:lnSpc>
-                              <a:spcPct val="107000"/>
-                            </a:lnSpc>
-                            <a:spcBef>
-                              <a:spcPts val="0"/>
-                            </a:spcBef>
-                            <a:spcAft>
-                              <a:spcPts val="0"/>
-                            </a:spcAft>
-                          </a:pPr>
-                          <a:r>
-                            <a:rPr lang="en-US" sz="1800" dirty="0">
-                              <a:effectLst/>
-                            </a:rPr>
-                            <a:t>0.22</a:t>
-                          </a:r>
-                          <a:endParaRPr lang="en-US" sz="1800" dirty="0">
-                            <a:effectLst/>
-                            <a:latin typeface="Calibri" panose="020F0502020204030204" pitchFamily="34" charset="0"/>
-                            <a:ea typeface="Calibri" panose="020F0502020204030204" pitchFamily="34" charset="0"/>
-                            <a:cs typeface="Times New Roman" panose="02020603050405020304" pitchFamily="18" charset="0"/>
-                          </a:endParaRPr>
-                        </a:p>
-                      </a:txBody>
-                      <a:tcPr marL="68580" marR="68580" marT="0" marB="0"/>
-                    </a:tc>
-                    <a:tc>
-                      <a:txBody>
-                        <a:bodyPr/>
-                        <a:lstStyle/>
-                        <a:p>
-                          <a:pPr marL="0" marR="0" algn="ctr">
-                            <a:lnSpc>
-                              <a:spcPct val="107000"/>
-                            </a:lnSpc>
-                            <a:spcBef>
-                              <a:spcPts val="0"/>
-                            </a:spcBef>
-                            <a:spcAft>
-                              <a:spcPts val="0"/>
-                            </a:spcAft>
-                          </a:pPr>
-                          <a:r>
-                            <a:rPr lang="en-US" sz="1800" dirty="0">
-                              <a:effectLst/>
-                            </a:rPr>
-                            <a:t>0.23</a:t>
-                          </a:r>
-                          <a:endParaRPr lang="en-US" sz="1800" dirty="0">
-                            <a:effectLst/>
-                            <a:latin typeface="Calibri" panose="020F0502020204030204" pitchFamily="34" charset="0"/>
-                            <a:ea typeface="Calibri" panose="020F0502020204030204" pitchFamily="34" charset="0"/>
-                            <a:cs typeface="Times New Roman" panose="02020603050405020304" pitchFamily="18" charset="0"/>
-                          </a:endParaRPr>
-                        </a:p>
-                      </a:txBody>
-                      <a:tcPr marL="68580" marR="68580" marT="0" marB="0"/>
-                    </a:tc>
-                    <a:tc>
-                      <a:txBody>
-                        <a:bodyPr/>
-                        <a:lstStyle/>
-                        <a:p>
-                          <a:pPr marL="0" marR="0" algn="ctr">
-                            <a:lnSpc>
-                              <a:spcPct val="107000"/>
-                            </a:lnSpc>
-                            <a:spcBef>
-                              <a:spcPts val="0"/>
-                            </a:spcBef>
-                            <a:spcAft>
-                              <a:spcPts val="0"/>
-                            </a:spcAft>
-                          </a:pPr>
-                          <a:r>
-                            <a:rPr lang="en-US" sz="1800" dirty="0">
-                              <a:effectLst/>
-                            </a:rPr>
-                            <a:t>0.24</a:t>
-                          </a:r>
-                          <a:endParaRPr lang="en-US" sz="1800" dirty="0">
-                            <a:effectLst/>
-                            <a:latin typeface="Calibri" panose="020F0502020204030204" pitchFamily="34" charset="0"/>
-                            <a:ea typeface="Calibri" panose="020F0502020204030204" pitchFamily="34" charset="0"/>
-                            <a:cs typeface="Times New Roman" panose="02020603050405020304" pitchFamily="18" charset="0"/>
-                          </a:endParaRPr>
-                        </a:p>
-                      </a:txBody>
-                      <a:tcPr marL="68580" marR="68580" marT="0" marB="0"/>
-                    </a:tc>
-                    <a:tc>
-                      <a:txBody>
-                        <a:bodyPr/>
-                        <a:lstStyle/>
-                        <a:p>
-                          <a:pPr marL="0" marR="0" algn="ctr">
-                            <a:lnSpc>
-                              <a:spcPct val="107000"/>
-                            </a:lnSpc>
-                            <a:spcBef>
-                              <a:spcPts val="0"/>
-                            </a:spcBef>
-                            <a:spcAft>
-                              <a:spcPts val="0"/>
-                            </a:spcAft>
-                          </a:pPr>
-                          <a:r>
-                            <a:rPr lang="en-US" sz="1800" dirty="0">
-                              <a:effectLst/>
-                            </a:rPr>
-                            <a:t>0.25</a:t>
-                          </a:r>
-                          <a:endParaRPr lang="en-US" sz="1800" dirty="0">
-                            <a:effectLst/>
-                            <a:latin typeface="Calibri" panose="020F0502020204030204" pitchFamily="34" charset="0"/>
-                            <a:ea typeface="Calibri" panose="020F0502020204030204" pitchFamily="34" charset="0"/>
-                            <a:cs typeface="Times New Roman" panose="02020603050405020304" pitchFamily="18" charset="0"/>
-                          </a:endParaRPr>
-                        </a:p>
-                      </a:txBody>
-                      <a:tcPr marL="68580" marR="68580" marT="0" marB="0"/>
-                    </a:tc>
-                    <a:tc>
-                      <a:txBody>
-                        <a:bodyPr/>
-                        <a:lstStyle/>
-                        <a:p>
-                          <a:pPr marL="0" marR="0" algn="ctr">
-                            <a:lnSpc>
-                              <a:spcPct val="107000"/>
-                            </a:lnSpc>
-                            <a:spcBef>
-                              <a:spcPts val="0"/>
-                            </a:spcBef>
-                            <a:spcAft>
-                              <a:spcPts val="0"/>
-                            </a:spcAft>
-                          </a:pPr>
-                          <a:r>
-                            <a:rPr lang="en-US" sz="1800" dirty="0">
-                              <a:effectLst/>
-                            </a:rPr>
-                            <a:t>0.26</a:t>
-                          </a:r>
-                          <a:endParaRPr lang="en-US" sz="1800" dirty="0">
-                            <a:effectLst/>
-                            <a:latin typeface="Calibri" panose="020F0502020204030204" pitchFamily="34" charset="0"/>
-                            <a:ea typeface="Calibri" panose="020F0502020204030204" pitchFamily="34" charset="0"/>
-                            <a:cs typeface="Times New Roman" panose="02020603050405020304" pitchFamily="18" charset="0"/>
-                          </a:endParaRPr>
-                        </a:p>
-                      </a:txBody>
-                      <a:tcPr marL="68580" marR="68580" marT="0" marB="0"/>
-                    </a:tc>
-                    <a:tc>
-                      <a:txBody>
-                        <a:bodyPr/>
-                        <a:lstStyle/>
-                        <a:p>
-                          <a:pPr marL="0" marR="0" algn="ctr">
-                            <a:lnSpc>
-                              <a:spcPct val="107000"/>
-                            </a:lnSpc>
-                            <a:spcBef>
-                              <a:spcPts val="0"/>
-                            </a:spcBef>
-                            <a:spcAft>
-                              <a:spcPts val="0"/>
-                            </a:spcAft>
-                          </a:pPr>
-                          <a:r>
-                            <a:rPr lang="en-US" sz="1800" dirty="0">
-                              <a:effectLst/>
-                            </a:rPr>
-                            <a:t>0.27</a:t>
-                          </a:r>
-                          <a:endParaRPr lang="en-US" sz="1800" dirty="0">
-                            <a:effectLst/>
-                            <a:latin typeface="Calibri" panose="020F0502020204030204" pitchFamily="34" charset="0"/>
-                            <a:ea typeface="Calibri" panose="020F0502020204030204" pitchFamily="34" charset="0"/>
-                            <a:cs typeface="Times New Roman" panose="02020603050405020304" pitchFamily="18" charset="0"/>
-                          </a:endParaRPr>
-                        </a:p>
-                      </a:txBody>
-                      <a:tcPr marL="68580" marR="68580" marT="0" marB="0"/>
-                    </a:tc>
-                    <a:extLst>
-                      <a:ext uri="{0D108BD9-81ED-4DB2-BD59-A6C34878D82A}">
-                        <a16:rowId xmlns:a16="http://schemas.microsoft.com/office/drawing/2014/main" val="447996481"/>
-                      </a:ext>
-                    </a:extLst>
-                  </a:tr>
-                  <a:tr h="610398">
-                    <a:tc>
-                      <a:txBody>
-                        <a:bodyPr/>
-                        <a:lstStyle/>
-                        <a:p>
-                          <a:pPr marL="0" marR="0" algn="ctr">
-                            <a:lnSpc>
-                              <a:spcPct val="107000"/>
-                            </a:lnSpc>
-                            <a:spcBef>
-                              <a:spcPts val="0"/>
-                            </a:spcBef>
-                            <a:spcAft>
-                              <a:spcPts val="0"/>
-                            </a:spcAft>
-                          </a:pPr>
-                          <a:r>
-                            <a:rPr lang="en-US" sz="1800">
-                              <a:effectLst/>
-                            </a:rPr>
-                            <a:t>p-value</a:t>
-                          </a:r>
-                          <a:endParaRPr lang="en-US" sz="1800">
-                            <a:effectLst/>
-                            <a:latin typeface="Calibri" panose="020F0502020204030204" pitchFamily="34" charset="0"/>
-                            <a:ea typeface="Calibri" panose="020F0502020204030204" pitchFamily="34" charset="0"/>
-                            <a:cs typeface="Times New Roman" panose="02020603050405020304" pitchFamily="18" charset="0"/>
-                          </a:endParaRPr>
-                        </a:p>
-                      </a:txBody>
-                      <a:tcPr marL="68580" marR="68580" marT="0" marB="0"/>
-                    </a:tc>
-                    <a:tc>
-                      <a:txBody>
-                        <a:bodyPr/>
-                        <a:lstStyle/>
-                        <a:p>
-                          <a:pPr marL="0" marR="0" algn="ctr">
-                            <a:lnSpc>
-                              <a:spcPct val="107000"/>
-                            </a:lnSpc>
-                            <a:spcBef>
-                              <a:spcPts val="0"/>
-                            </a:spcBef>
-                            <a:spcAft>
-                              <a:spcPts val="0"/>
-                            </a:spcAft>
-                          </a:pPr>
-                          <a:r>
-                            <a:rPr lang="en-US" sz="1800" dirty="0">
-                              <a:effectLst/>
-                              <a:latin typeface="Calibri" panose="020F0502020204030204" pitchFamily="34" charset="0"/>
-                              <a:ea typeface="Calibri" panose="020F0502020204030204" pitchFamily="34" charset="0"/>
-                              <a:cs typeface="Times New Roman" panose="02020603050405020304" pitchFamily="18" charset="0"/>
-                            </a:rPr>
-                            <a:t>0.0001</a:t>
-                          </a:r>
-                        </a:p>
-                      </a:txBody>
-                      <a:tcPr marL="68580" marR="68580" marT="0" marB="0"/>
-                    </a:tc>
-                    <a:tc>
-                      <a:txBody>
-                        <a:bodyPr/>
-                        <a:lstStyle/>
-                        <a:p>
-                          <a:pPr marL="0" marR="0" algn="ctr">
-                            <a:lnSpc>
-                              <a:spcPct val="107000"/>
-                            </a:lnSpc>
-                            <a:spcBef>
-                              <a:spcPts val="0"/>
-                            </a:spcBef>
-                            <a:spcAft>
-                              <a:spcPts val="0"/>
-                            </a:spcAft>
-                          </a:pPr>
-                          <a:r>
-                            <a:rPr lang="en-US" sz="1800" dirty="0">
-                              <a:effectLst/>
-                              <a:latin typeface="Calibri" panose="020F0502020204030204" pitchFamily="34" charset="0"/>
-                              <a:ea typeface="Calibri" panose="020F0502020204030204" pitchFamily="34" charset="0"/>
-                              <a:cs typeface="Times New Roman" panose="02020603050405020304" pitchFamily="18" charset="0"/>
-                            </a:rPr>
-                            <a:t>0.004</a:t>
-                          </a:r>
-                        </a:p>
-                      </a:txBody>
-                      <a:tcPr marL="68580" marR="68580" marT="0" marB="0"/>
-                    </a:tc>
-                    <a:tc>
-                      <a:txBody>
-                        <a:bodyPr/>
-                        <a:lstStyle/>
-                        <a:p>
-                          <a:pPr marL="0" marR="0" algn="ctr">
-                            <a:lnSpc>
-                              <a:spcPct val="107000"/>
-                            </a:lnSpc>
-                            <a:spcBef>
-                              <a:spcPts val="0"/>
-                            </a:spcBef>
-                            <a:spcAft>
-                              <a:spcPts val="0"/>
-                            </a:spcAft>
-                          </a:pPr>
-                          <a:r>
-                            <a:rPr lang="en-US" sz="1800" dirty="0">
-                              <a:effectLst/>
-                              <a:latin typeface="Calibri" panose="020F0502020204030204" pitchFamily="34" charset="0"/>
-                              <a:ea typeface="Calibri" panose="020F0502020204030204" pitchFamily="34" charset="0"/>
-                              <a:cs typeface="Times New Roman" panose="02020603050405020304" pitchFamily="18" charset="0"/>
-                            </a:rPr>
-                            <a:t>0.0609</a:t>
-                          </a:r>
-                        </a:p>
-                      </a:txBody>
-                      <a:tcPr marL="68580" marR="68580" marT="0" marB="0"/>
-                    </a:tc>
-                    <a:tc>
-                      <a:txBody>
-                        <a:bodyPr/>
-                        <a:lstStyle/>
-                        <a:p>
-                          <a:pPr marL="0" marR="0" algn="ctr">
-                            <a:lnSpc>
-                              <a:spcPct val="107000"/>
-                            </a:lnSpc>
-                            <a:spcBef>
-                              <a:spcPts val="0"/>
-                            </a:spcBef>
-                            <a:spcAft>
-                              <a:spcPts val="0"/>
-                            </a:spcAft>
-                          </a:pPr>
-                          <a:r>
-                            <a:rPr lang="en-US" sz="1800" dirty="0">
-                              <a:effectLst/>
-                              <a:latin typeface="Calibri" panose="020F0502020204030204" pitchFamily="34" charset="0"/>
-                              <a:ea typeface="Calibri" panose="020F0502020204030204" pitchFamily="34" charset="0"/>
-                              <a:cs typeface="Times New Roman" panose="02020603050405020304" pitchFamily="18" charset="0"/>
-                            </a:rPr>
-                            <a:t>0.3645</a:t>
-                          </a:r>
-                        </a:p>
-                      </a:txBody>
-                      <a:tcPr marL="68580" marR="68580" marT="0" marB="0"/>
-                    </a:tc>
-                    <a:tc>
-                      <a:txBody>
-                        <a:bodyPr/>
-                        <a:lstStyle/>
-                        <a:p>
-                          <a:pPr marL="0" marR="0" algn="ctr">
-                            <a:lnSpc>
-                              <a:spcPct val="107000"/>
-                            </a:lnSpc>
-                            <a:spcBef>
-                              <a:spcPts val="0"/>
-                            </a:spcBef>
-                            <a:spcAft>
-                              <a:spcPts val="0"/>
-                            </a:spcAft>
-                          </a:pPr>
-                          <a:r>
-                            <a:rPr lang="en-US" sz="1800" dirty="0">
-                              <a:effectLst/>
-                              <a:latin typeface="Calibri" panose="020F0502020204030204" pitchFamily="34" charset="0"/>
-                              <a:ea typeface="Calibri" panose="020F0502020204030204" pitchFamily="34" charset="0"/>
-                              <a:cs typeface="Times New Roman" panose="02020603050405020304" pitchFamily="18" charset="0"/>
-                            </a:rPr>
-                            <a:t>0.9775</a:t>
-                          </a:r>
-                        </a:p>
-                      </a:txBody>
-                      <a:tcPr marL="68580" marR="68580" marT="0" marB="0"/>
-                    </a:tc>
-                    <a:tc>
-                      <a:txBody>
-                        <a:bodyPr/>
-                        <a:lstStyle/>
-                        <a:p>
-                          <a:pPr marL="0" marR="0" algn="ctr">
-                            <a:lnSpc>
-                              <a:spcPct val="107000"/>
-                            </a:lnSpc>
-                            <a:spcBef>
-                              <a:spcPts val="0"/>
-                            </a:spcBef>
-                            <a:spcAft>
-                              <a:spcPts val="0"/>
-                            </a:spcAft>
-                          </a:pPr>
-                          <a:r>
-                            <a:rPr lang="en-US" sz="1800" dirty="0">
-                              <a:effectLst/>
-                              <a:latin typeface="Calibri" panose="020F0502020204030204" pitchFamily="34" charset="0"/>
-                              <a:ea typeface="Calibri" panose="020F0502020204030204" pitchFamily="34" charset="0"/>
-                              <a:cs typeface="Times New Roman" panose="02020603050405020304" pitchFamily="18" charset="0"/>
-                            </a:rPr>
-                            <a:t>0.3497</a:t>
-                          </a:r>
-                        </a:p>
-                      </a:txBody>
-                      <a:tcPr marL="68580" marR="68580" marT="0" marB="0"/>
-                    </a:tc>
-                    <a:tc>
-                      <a:txBody>
-                        <a:bodyPr/>
-                        <a:lstStyle/>
-                        <a:p>
-                          <a:pPr marL="0" marR="0" algn="ctr">
-                            <a:lnSpc>
-                              <a:spcPct val="107000"/>
-                            </a:lnSpc>
-                            <a:spcBef>
-                              <a:spcPts val="0"/>
-                            </a:spcBef>
-                            <a:spcAft>
-                              <a:spcPts val="0"/>
-                            </a:spcAft>
-                          </a:pPr>
-                          <a:r>
-                            <a:rPr lang="en-US" sz="1800" dirty="0">
-                              <a:effectLst/>
-                              <a:latin typeface="Calibri" panose="020F0502020204030204" pitchFamily="34" charset="0"/>
-                              <a:ea typeface="Calibri" panose="020F0502020204030204" pitchFamily="34" charset="0"/>
-                              <a:cs typeface="Times New Roman" panose="02020603050405020304" pitchFamily="18" charset="0"/>
-                            </a:rPr>
-                            <a:t>0.0691</a:t>
-                          </a:r>
-                        </a:p>
-                      </a:txBody>
-                      <a:tcPr marL="68580" marR="68580" marT="0" marB="0"/>
-                    </a:tc>
-                    <a:tc>
-                      <a:txBody>
-                        <a:bodyPr/>
-                        <a:lstStyle/>
-                        <a:p>
-                          <a:pPr marL="0" marR="0" algn="ctr">
-                            <a:lnSpc>
-                              <a:spcPct val="107000"/>
-                            </a:lnSpc>
-                            <a:spcBef>
-                              <a:spcPts val="0"/>
-                            </a:spcBef>
-                            <a:spcAft>
-                              <a:spcPts val="0"/>
-                            </a:spcAft>
-                          </a:pPr>
-                          <a:r>
-                            <a:rPr lang="en-US" sz="1800" dirty="0">
-                              <a:effectLst/>
-                              <a:latin typeface="Calibri" panose="020F0502020204030204" pitchFamily="34" charset="0"/>
-                              <a:ea typeface="Calibri" panose="020F0502020204030204" pitchFamily="34" charset="0"/>
-                              <a:cs typeface="Times New Roman" panose="02020603050405020304" pitchFamily="18" charset="0"/>
-                            </a:rPr>
-                            <a:t>0.0074</a:t>
-                          </a:r>
-                        </a:p>
-                      </a:txBody>
-                      <a:tcPr marL="68580" marR="68580" marT="0" marB="0"/>
-                    </a:tc>
-                    <a:tc>
-                      <a:txBody>
-                        <a:bodyPr/>
-                        <a:lstStyle/>
-                        <a:p>
-                          <a:pPr marL="0" marR="0" algn="ctr">
-                            <a:lnSpc>
-                              <a:spcPct val="107000"/>
-                            </a:lnSpc>
-                            <a:spcBef>
-                              <a:spcPts val="0"/>
-                            </a:spcBef>
-                            <a:spcAft>
-                              <a:spcPts val="0"/>
-                            </a:spcAft>
-                          </a:pPr>
-                          <a:r>
-                            <a:rPr lang="en-US" sz="1800" dirty="0">
-                              <a:effectLst/>
-                              <a:latin typeface="Calibri" panose="020F0502020204030204" pitchFamily="34" charset="0"/>
-                              <a:ea typeface="Calibri" panose="020F0502020204030204" pitchFamily="34" charset="0"/>
-                              <a:cs typeface="Times New Roman" panose="02020603050405020304" pitchFamily="18" charset="0"/>
-                            </a:rPr>
-                            <a:t>0.0004</a:t>
-                          </a:r>
-                        </a:p>
-                      </a:txBody>
-                      <a:tcPr marL="68580" marR="68580" marT="0" marB="0"/>
-                    </a:tc>
-                    <a:extLst>
-                      <a:ext uri="{0D108BD9-81ED-4DB2-BD59-A6C34878D82A}">
-                        <a16:rowId xmlns:a16="http://schemas.microsoft.com/office/drawing/2014/main" val="2848298390"/>
-                      </a:ext>
-                    </a:extLst>
-                  </a:tr>
-                  <a:tr h="610398">
-                    <a:tc>
-                      <a:txBody>
-                        <a:bodyPr/>
-                        <a:lstStyle/>
-                        <a:p>
-                          <a:pPr marL="0" marR="0" algn="ctr">
-                            <a:lnSpc>
-                              <a:spcPct val="107000"/>
-                            </a:lnSpc>
-                            <a:spcBef>
-                              <a:spcPts val="0"/>
-                            </a:spcBef>
-                            <a:spcAft>
-                              <a:spcPts val="0"/>
-                            </a:spcAft>
-                          </a:pPr>
-                          <a:r>
-                            <a:rPr lang="en-US" sz="1800">
-                              <a:effectLst/>
-                            </a:rPr>
-                            <a:t>R or FTR</a:t>
-                          </a:r>
-                          <a:endParaRPr lang="en-US" sz="1800">
-                            <a:effectLst/>
-                            <a:latin typeface="Calibri" panose="020F0502020204030204" pitchFamily="34" charset="0"/>
-                            <a:ea typeface="Calibri" panose="020F0502020204030204" pitchFamily="34" charset="0"/>
-                            <a:cs typeface="Times New Roman" panose="02020603050405020304" pitchFamily="18" charset="0"/>
-                          </a:endParaRPr>
-                        </a:p>
-                      </a:txBody>
-                      <a:tcPr marL="68580" marR="68580" marT="0" marB="0"/>
-                    </a:tc>
-                    <a:tc>
-                      <a:txBody>
-                        <a:bodyPr/>
-                        <a:lstStyle/>
-                        <a:p>
-                          <a:pPr marL="0" marR="0" algn="ctr">
-                            <a:lnSpc>
-                              <a:spcPct val="107000"/>
-                            </a:lnSpc>
-                            <a:spcBef>
-                              <a:spcPts val="0"/>
-                            </a:spcBef>
-                            <a:spcAft>
-                              <a:spcPts val="0"/>
-                            </a:spcAft>
-                          </a:pPr>
-                          <a:endParaRPr lang="en-US" sz="1800" dirty="0">
-                            <a:effectLst/>
-                            <a:latin typeface="Calibri" panose="020F0502020204030204" pitchFamily="34" charset="0"/>
-                            <a:ea typeface="Calibri" panose="020F0502020204030204" pitchFamily="34" charset="0"/>
-                            <a:cs typeface="Times New Roman" panose="02020603050405020304" pitchFamily="18" charset="0"/>
-                          </a:endParaRPr>
-                        </a:p>
-                      </a:txBody>
-                      <a:tcPr marL="68580" marR="68580" marT="0" marB="0"/>
-                    </a:tc>
-                    <a:tc>
-                      <a:txBody>
-                        <a:bodyPr/>
-                        <a:lstStyle/>
-                        <a:p>
-                          <a:pPr marL="0" marR="0" algn="ctr">
-                            <a:lnSpc>
-                              <a:spcPct val="107000"/>
-                            </a:lnSpc>
-                            <a:spcBef>
-                              <a:spcPts val="0"/>
-                            </a:spcBef>
-                            <a:spcAft>
-                              <a:spcPts val="0"/>
-                            </a:spcAft>
-                          </a:pPr>
-                          <a:endParaRPr lang="en-US" sz="1800" dirty="0">
-                            <a:effectLst/>
-                            <a:latin typeface="Calibri" panose="020F0502020204030204" pitchFamily="34" charset="0"/>
-                            <a:ea typeface="Calibri" panose="020F0502020204030204" pitchFamily="34" charset="0"/>
-                            <a:cs typeface="Times New Roman" panose="02020603050405020304" pitchFamily="18" charset="0"/>
-                          </a:endParaRPr>
-                        </a:p>
-                      </a:txBody>
-                      <a:tcPr marL="68580" marR="68580" marT="0" marB="0"/>
-                    </a:tc>
-                    <a:tc>
-                      <a:txBody>
-                        <a:bodyPr/>
-                        <a:lstStyle/>
-                        <a:p>
-                          <a:pPr marL="0" marR="0" algn="ctr">
-                            <a:lnSpc>
-                              <a:spcPct val="107000"/>
-                            </a:lnSpc>
-                            <a:spcBef>
-                              <a:spcPts val="0"/>
-                            </a:spcBef>
-                            <a:spcAft>
-                              <a:spcPts val="0"/>
-                            </a:spcAft>
-                          </a:pPr>
-                          <a:endParaRPr lang="en-US" sz="1800" dirty="0">
-                            <a:effectLst/>
-                            <a:latin typeface="Calibri" panose="020F0502020204030204" pitchFamily="34" charset="0"/>
-                            <a:ea typeface="Calibri" panose="020F0502020204030204" pitchFamily="34" charset="0"/>
-                            <a:cs typeface="Times New Roman" panose="02020603050405020304" pitchFamily="18" charset="0"/>
-                          </a:endParaRPr>
-                        </a:p>
-                      </a:txBody>
-                      <a:tcPr marL="68580" marR="68580" marT="0" marB="0"/>
-                    </a:tc>
-                    <a:tc>
-                      <a:txBody>
-                        <a:bodyPr/>
-                        <a:lstStyle/>
-                        <a:p>
-                          <a:pPr marL="0" marR="0" algn="ctr">
-                            <a:lnSpc>
-                              <a:spcPct val="107000"/>
-                            </a:lnSpc>
-                            <a:spcBef>
-                              <a:spcPts val="0"/>
-                            </a:spcBef>
-                            <a:spcAft>
-                              <a:spcPts val="0"/>
-                            </a:spcAft>
-                          </a:pPr>
-                          <a:endParaRPr lang="en-US" sz="1800">
-                            <a:effectLst/>
-                            <a:latin typeface="Calibri" panose="020F0502020204030204" pitchFamily="34" charset="0"/>
-                            <a:ea typeface="Calibri" panose="020F0502020204030204" pitchFamily="34" charset="0"/>
-                            <a:cs typeface="Times New Roman" panose="02020603050405020304" pitchFamily="18" charset="0"/>
-                          </a:endParaRPr>
-                        </a:p>
-                      </a:txBody>
-                      <a:tcPr marL="68580" marR="68580" marT="0" marB="0"/>
-                    </a:tc>
-                    <a:tc>
-                      <a:txBody>
-                        <a:bodyPr/>
-                        <a:lstStyle/>
-                        <a:p>
-                          <a:pPr marL="0" marR="0" algn="ctr">
-                            <a:lnSpc>
-                              <a:spcPct val="107000"/>
-                            </a:lnSpc>
-                            <a:spcBef>
-                              <a:spcPts val="0"/>
-                            </a:spcBef>
-                            <a:spcAft>
-                              <a:spcPts val="0"/>
-                            </a:spcAft>
-                          </a:pPr>
-                          <a:endParaRPr lang="en-US" sz="1800" dirty="0">
-                            <a:effectLst/>
-                            <a:latin typeface="Calibri" panose="020F0502020204030204" pitchFamily="34" charset="0"/>
-                            <a:ea typeface="Calibri" panose="020F0502020204030204" pitchFamily="34" charset="0"/>
-                            <a:cs typeface="Times New Roman" panose="02020603050405020304" pitchFamily="18" charset="0"/>
-                          </a:endParaRPr>
-                        </a:p>
-                      </a:txBody>
-                      <a:tcPr marL="68580" marR="68580" marT="0" marB="0"/>
-                    </a:tc>
-                    <a:tc>
-                      <a:txBody>
-                        <a:bodyPr/>
-                        <a:lstStyle/>
-                        <a:p>
-                          <a:pPr marL="0" marR="0" algn="ctr">
-                            <a:lnSpc>
-                              <a:spcPct val="107000"/>
-                            </a:lnSpc>
-                            <a:spcBef>
-                              <a:spcPts val="0"/>
-                            </a:spcBef>
-                            <a:spcAft>
-                              <a:spcPts val="0"/>
-                            </a:spcAft>
-                          </a:pPr>
-                          <a:endParaRPr lang="en-US" sz="1800" dirty="0">
-                            <a:effectLst/>
-                            <a:latin typeface="Calibri" panose="020F0502020204030204" pitchFamily="34" charset="0"/>
-                            <a:ea typeface="Calibri" panose="020F0502020204030204" pitchFamily="34" charset="0"/>
-                            <a:cs typeface="Times New Roman" panose="02020603050405020304" pitchFamily="18" charset="0"/>
-                          </a:endParaRPr>
-                        </a:p>
-                      </a:txBody>
-                      <a:tcPr marL="68580" marR="68580" marT="0" marB="0"/>
-                    </a:tc>
-                    <a:tc>
-                      <a:txBody>
-                        <a:bodyPr/>
-                        <a:lstStyle/>
-                        <a:p>
-                          <a:pPr marL="0" marR="0" algn="ctr">
-                            <a:lnSpc>
-                              <a:spcPct val="107000"/>
-                            </a:lnSpc>
-                            <a:spcBef>
-                              <a:spcPts val="0"/>
-                            </a:spcBef>
-                            <a:spcAft>
-                              <a:spcPts val="0"/>
-                            </a:spcAft>
-                          </a:pPr>
-                          <a:endParaRPr lang="en-US" sz="1800" dirty="0">
-                            <a:effectLst/>
-                            <a:latin typeface="Calibri" panose="020F0502020204030204" pitchFamily="34" charset="0"/>
-                            <a:ea typeface="Calibri" panose="020F0502020204030204" pitchFamily="34" charset="0"/>
-                            <a:cs typeface="Times New Roman" panose="02020603050405020304" pitchFamily="18" charset="0"/>
-                          </a:endParaRPr>
-                        </a:p>
-                      </a:txBody>
-                      <a:tcPr marL="68580" marR="68580" marT="0" marB="0"/>
-                    </a:tc>
-                    <a:tc>
-                      <a:txBody>
-                        <a:bodyPr/>
-                        <a:lstStyle/>
-                        <a:p>
-                          <a:pPr marL="0" marR="0" algn="ctr">
-                            <a:lnSpc>
-                              <a:spcPct val="107000"/>
-                            </a:lnSpc>
-                            <a:spcBef>
-                              <a:spcPts val="0"/>
-                            </a:spcBef>
-                            <a:spcAft>
-                              <a:spcPts val="0"/>
-                            </a:spcAft>
-                          </a:pPr>
-                          <a:endParaRPr lang="en-US" sz="1800" dirty="0">
-                            <a:effectLst/>
-                            <a:latin typeface="Calibri" panose="020F0502020204030204" pitchFamily="34" charset="0"/>
-                            <a:ea typeface="Calibri" panose="020F0502020204030204" pitchFamily="34" charset="0"/>
-                            <a:cs typeface="Times New Roman" panose="02020603050405020304" pitchFamily="18" charset="0"/>
-                          </a:endParaRPr>
-                        </a:p>
-                      </a:txBody>
-                      <a:tcPr marL="68580" marR="68580" marT="0" marB="0"/>
-                    </a:tc>
-                    <a:tc>
-                      <a:txBody>
-                        <a:bodyPr/>
-                        <a:lstStyle/>
-                        <a:p>
-                          <a:pPr marL="0" marR="0" algn="ctr">
-                            <a:lnSpc>
-                              <a:spcPct val="107000"/>
-                            </a:lnSpc>
-                            <a:spcBef>
-                              <a:spcPts val="0"/>
-                            </a:spcBef>
-                            <a:spcAft>
-                              <a:spcPts val="0"/>
-                            </a:spcAft>
-                          </a:pPr>
-                          <a:endParaRPr lang="en-US" sz="1800" dirty="0">
-                            <a:effectLst/>
-                            <a:latin typeface="Calibri" panose="020F0502020204030204" pitchFamily="34" charset="0"/>
-                            <a:ea typeface="Calibri" panose="020F0502020204030204" pitchFamily="34" charset="0"/>
-                            <a:cs typeface="Times New Roman" panose="02020603050405020304" pitchFamily="18" charset="0"/>
-                          </a:endParaRPr>
-                        </a:p>
-                      </a:txBody>
-                      <a:tcPr marL="68580" marR="68580" marT="0" marB="0"/>
-                    </a:tc>
-                    <a:extLst>
-                      <a:ext uri="{0D108BD9-81ED-4DB2-BD59-A6C34878D82A}">
-                        <a16:rowId xmlns:a16="http://schemas.microsoft.com/office/drawing/2014/main" val="944806799"/>
-                      </a:ext>
-                    </a:extLst>
-                  </a:tr>
-                </a:tbl>
-              </a:graphicData>
-            </a:graphic>
-          </p:graphicFrame>
-        </mc:Fallback>
-      </mc:AlternateContent>
+      <p:sp>
+        <p:nvSpPr>
+          <p:cNvPr id="3" name="Content Placeholder 2">
+            <a:extLst>
+              <a:ext uri="{FF2B5EF4-FFF2-40B4-BE49-F238E27FC236}">
+                <a16:creationId xmlns:a16="http://schemas.microsoft.com/office/drawing/2014/main" id="{597C3960-F56E-DD22-EEC8-337B78566063}"/>
+              </a:ext>
+            </a:extLst>
+          </p:cNvPr>
+          <p:cNvSpPr>
+            <a:spLocks noGrp="1"/>
+          </p:cNvSpPr>
+          <p:nvPr>
+            <p:ph idx="1"/>
+          </p:nvPr>
+        </p:nvSpPr>
+        <p:spPr/>
+        <p:txBody>
+          <a:bodyPr/>
+          <a:lstStyle/>
+          <a:p>
+            <a:r>
+              <a:rPr lang="en-US" dirty="0"/>
+              <a:t>Testing multiple parameter values can be very tedious</a:t>
+            </a:r>
+          </a:p>
+          <a:p>
+            <a:endParaRPr lang="en-US" dirty="0"/>
+          </a:p>
+          <a:p>
+            <a:r>
+              <a:rPr lang="en-US" dirty="0"/>
+              <a:t>So, let’s use what we know about sampling distributions to help calculate this interval</a:t>
+            </a:r>
+          </a:p>
+        </p:txBody>
+      </p:sp>
     </p:spTree>
     <p:extLst>
       <p:ext uri="{BB962C8B-B14F-4D97-AF65-F5344CB8AC3E}">
-        <p14:creationId xmlns:p14="http://schemas.microsoft.com/office/powerpoint/2010/main" val="3623541170"/>
+        <p14:creationId xmlns:p14="http://schemas.microsoft.com/office/powerpoint/2010/main" val="753681709"/>
       </p:ext>
     </p:extLst>
   </p:cSld>
@@ -15476,6 +13069,66 @@
 </file>
 
 <file path=ppt/slides/slide23.xml><?xml version="1.0" encoding="utf-8"?>
+<p:sld xmlns:a="http://schemas.openxmlformats.org/drawingml/2006/main" xmlns:r="http://schemas.openxmlformats.org/officeDocument/2006/relationships" xmlns:p="http://schemas.openxmlformats.org/presentationml/2006/main">
+  <p:cSld>
+    <p:spTree>
+      <p:nvGrpSpPr>
+        <p:cNvPr id="1" name=""/>
+        <p:cNvGrpSpPr/>
+        <p:nvPr/>
+      </p:nvGrpSpPr>
+      <p:grpSpPr>
+        <a:xfrm>
+          <a:off x="0" y="0"/>
+          <a:ext cx="0" cy="0"/>
+          <a:chOff x="0" y="0"/>
+          <a:chExt cx="0" cy="0"/>
+        </a:xfrm>
+      </p:grpSpPr>
+    </p:spTree>
+    <p:extLst>
+      <p:ext uri="{BB962C8B-B14F-4D97-AF65-F5344CB8AC3E}">
+        <p14:creationId xmlns:p14="http://schemas.microsoft.com/office/powerpoint/2010/main" val="2545514770"/>
+      </p:ext>
+    </p:extLst>
+  </p:cSld>
+  <p:clrMapOvr>
+    <a:masterClrMapping/>
+  </p:clrMapOvr>
+</p:sld>
+</file>
+
+<file path=ppt/slides/slide24.xml><?xml version="1.0" encoding="utf-8"?>
+<p:sld xmlns:a="http://schemas.openxmlformats.org/drawingml/2006/main" xmlns:r="http://schemas.openxmlformats.org/officeDocument/2006/relationships" xmlns:p="http://schemas.openxmlformats.org/presentationml/2006/main">
+  <p:cSld>
+    <p:spTree>
+      <p:nvGrpSpPr>
+        <p:cNvPr id="1" name=""/>
+        <p:cNvGrpSpPr/>
+        <p:nvPr/>
+      </p:nvGrpSpPr>
+      <p:grpSpPr>
+        <a:xfrm>
+          <a:off x="0" y="0"/>
+          <a:ext cx="0" cy="0"/>
+          <a:chOff x="0" y="0"/>
+          <a:chExt cx="0" cy="0"/>
+        </a:xfrm>
+      </p:grpSpPr>
+    </p:spTree>
+    <p:extLst>
+      <p:ext uri="{BB962C8B-B14F-4D97-AF65-F5344CB8AC3E}">
+        <p14:creationId xmlns:p14="http://schemas.microsoft.com/office/powerpoint/2010/main" val="3362213724"/>
+      </p:ext>
+    </p:extLst>
+  </p:cSld>
+  <p:clrMapOvr>
+    <a:masterClrMapping/>
+  </p:clrMapOvr>
+</p:sld>
+</file>
+
+<file path=ppt/slides/slide25.xml><?xml version="1.0" encoding="utf-8"?>
 <p:sld xmlns:a="http://schemas.openxmlformats.org/drawingml/2006/main" xmlns:r="http://schemas.openxmlformats.org/officeDocument/2006/relationships" xmlns:p="http://schemas.openxmlformats.org/presentationml/2006/main">
   <p:cSld>
     <p:spTree>
@@ -15515,7 +13168,7 @@
           <a:p>
             <a:r>
               <a:rPr lang="en-US" dirty="0"/>
-              <a:t>What does confidence level mean?</a:t>
+              <a:t>What does confidence mean?</a:t>
             </a:r>
           </a:p>
         </p:txBody>
@@ -15644,7 +13297,7 @@
 </p:sld>
 </file>
 
-<file path=ppt/slides/slide24.xml><?xml version="1.0" encoding="utf-8"?>
+<file path=ppt/slides/slide26.xml><?xml version="1.0" encoding="utf-8"?>
 <p:sld xmlns:a="http://schemas.openxmlformats.org/drawingml/2006/main" xmlns:r="http://schemas.openxmlformats.org/officeDocument/2006/relationships" xmlns:p="http://schemas.openxmlformats.org/presentationml/2006/main">
   <p:cSld>
     <p:spTree>
@@ -15750,7 +13403,7 @@
             </a:r>
             <a:r>
               <a:rPr lang="en-US" sz="2000" dirty="0"/>
-              <a:t>20.1% and 25.9%</a:t>
+              <a:t>20.8% and 25.2%</a:t>
             </a:r>
             <a:endParaRPr lang="en-US" b="1" dirty="0"/>
           </a:p>
@@ -15772,7 +13425,7 @@
 </p:sld>
 </file>
 
-<file path=ppt/slides/slide25.xml><?xml version="1.0" encoding="utf-8"?>
+<file path=ppt/slides/slide27.xml><?xml version="1.0" encoding="utf-8"?>
 <p:sld xmlns:a="http://schemas.openxmlformats.org/drawingml/2006/main" xmlns:r="http://schemas.openxmlformats.org/officeDocument/2006/relationships" xmlns:p="http://schemas.openxmlformats.org/presentationml/2006/main">
   <p:cSld>
     <p:spTree>
@@ -15926,10 +13579,497 @@
   <p:clrMapOvr>
     <a:masterClrMapping/>
   </p:clrMapOvr>
+  <p:timing>
+    <p:tnLst>
+      <p:par>
+        <p:cTn id="1" dur="indefinite" restart="never" nodeType="tmRoot">
+          <p:childTnLst>
+            <p:seq concurrent="1" nextAc="seek">
+              <p:cTn id="2" dur="indefinite" nodeType="mainSeq">
+                <p:childTnLst>
+                  <p:par>
+                    <p:cTn id="3" fill="hold">
+                      <p:stCondLst>
+                        <p:cond delay="indefinite"/>
+                      </p:stCondLst>
+                      <p:childTnLst>
+                        <p:par>
+                          <p:cTn id="4" fill="hold">
+                            <p:stCondLst>
+                              <p:cond delay="0"/>
+                            </p:stCondLst>
+                            <p:childTnLst>
+                              <p:par>
+                                <p:cTn id="5" presetID="1" presetClass="entr" presetSubtype="0" fill="hold" nodeType="clickEffect">
+                                  <p:stCondLst>
+                                    <p:cond delay="0"/>
+                                  </p:stCondLst>
+                                  <p:childTnLst>
+                                    <p:set>
+                                      <p:cBhvr>
+                                        <p:cTn id="6" dur="1" fill="hold">
+                                          <p:stCondLst>
+                                            <p:cond delay="0"/>
+                                          </p:stCondLst>
+                                        </p:cTn>
+                                        <p:tgtEl>
+                                          <p:spTgt spid="4">
+                                            <p:txEl>
+                                              <p:pRg st="7" end="7"/>
+                                            </p:txEl>
+                                          </p:spTgt>
+                                        </p:tgtEl>
+                                        <p:attrNameLst>
+                                          <p:attrName>style.visibility</p:attrName>
+                                        </p:attrNameLst>
+                                      </p:cBhvr>
+                                      <p:to>
+                                        <p:strVal val="visible"/>
+                                      </p:to>
+                                    </p:set>
+                                  </p:childTnLst>
+                                </p:cTn>
+                              </p:par>
+                              <p:par>
+                                <p:cTn id="7" presetID="1" presetClass="entr" presetSubtype="0" fill="hold" nodeType="withEffect">
+                                  <p:stCondLst>
+                                    <p:cond delay="0"/>
+                                  </p:stCondLst>
+                                  <p:childTnLst>
+                                    <p:set>
+                                      <p:cBhvr>
+                                        <p:cTn id="8" dur="1" fill="hold">
+                                          <p:stCondLst>
+                                            <p:cond delay="0"/>
+                                          </p:stCondLst>
+                                        </p:cTn>
+                                        <p:tgtEl>
+                                          <p:spTgt spid="4">
+                                            <p:txEl>
+                                              <p:pRg st="8" end="8"/>
+                                            </p:txEl>
+                                          </p:spTgt>
+                                        </p:tgtEl>
+                                        <p:attrNameLst>
+                                          <p:attrName>style.visibility</p:attrName>
+                                        </p:attrNameLst>
+                                      </p:cBhvr>
+                                      <p:to>
+                                        <p:strVal val="visible"/>
+                                      </p:to>
+                                    </p:set>
+                                  </p:childTnLst>
+                                </p:cTn>
+                              </p:par>
+                            </p:childTnLst>
+                          </p:cTn>
+                        </p:par>
+                      </p:childTnLst>
+                    </p:cTn>
+                  </p:par>
+                  <p:par>
+                    <p:cTn id="9" fill="hold">
+                      <p:stCondLst>
+                        <p:cond delay="indefinite"/>
+                      </p:stCondLst>
+                      <p:childTnLst>
+                        <p:par>
+                          <p:cTn id="10" fill="hold">
+                            <p:stCondLst>
+                              <p:cond delay="0"/>
+                            </p:stCondLst>
+                            <p:childTnLst>
+                              <p:par>
+                                <p:cTn id="11" presetID="1" presetClass="entr" presetSubtype="0" fill="hold" nodeType="clickEffect">
+                                  <p:stCondLst>
+                                    <p:cond delay="0"/>
+                                  </p:stCondLst>
+                                  <p:childTnLst>
+                                    <p:set>
+                                      <p:cBhvr>
+                                        <p:cTn id="12" dur="1" fill="hold">
+                                          <p:stCondLst>
+                                            <p:cond delay="0"/>
+                                          </p:stCondLst>
+                                        </p:cTn>
+                                        <p:tgtEl>
+                                          <p:spTgt spid="4">
+                                            <p:txEl>
+                                              <p:pRg st="9" end="9"/>
+                                            </p:txEl>
+                                          </p:spTgt>
+                                        </p:tgtEl>
+                                        <p:attrNameLst>
+                                          <p:attrName>style.visibility</p:attrName>
+                                        </p:attrNameLst>
+                                      </p:cBhvr>
+                                      <p:to>
+                                        <p:strVal val="visible"/>
+                                      </p:to>
+                                    </p:set>
+                                  </p:childTnLst>
+                                </p:cTn>
+                              </p:par>
+                            </p:childTnLst>
+                          </p:cTn>
+                        </p:par>
+                      </p:childTnLst>
+                    </p:cTn>
+                  </p:par>
+                </p:childTnLst>
+              </p:cTn>
+              <p:prevCondLst>
+                <p:cond evt="onPrev" delay="0">
+                  <p:tgtEl>
+                    <p:sldTgt/>
+                  </p:tgtEl>
+                </p:cond>
+              </p:prevCondLst>
+              <p:nextCondLst>
+                <p:cond evt="onNext" delay="0">
+                  <p:tgtEl>
+                    <p:sldTgt/>
+                  </p:tgtEl>
+                </p:cond>
+              </p:nextCondLst>
+            </p:seq>
+          </p:childTnLst>
+        </p:cTn>
+      </p:par>
+    </p:tnLst>
+  </p:timing>
 </p:sld>
 </file>
 
-<file path=ppt/slides/slide26.xml><?xml version="1.0" encoding="utf-8"?>
+<file path=ppt/slides/slide28.xml><?xml version="1.0" encoding="utf-8"?>
+<p:sld xmlns:a="http://schemas.openxmlformats.org/drawingml/2006/main" xmlns:r="http://schemas.openxmlformats.org/officeDocument/2006/relationships" xmlns:p="http://schemas.openxmlformats.org/presentationml/2006/main">
+  <p:cSld>
+    <p:spTree>
+      <p:nvGrpSpPr>
+        <p:cNvPr id="1" name=""/>
+        <p:cNvGrpSpPr/>
+        <p:nvPr/>
+      </p:nvGrpSpPr>
+      <p:grpSpPr>
+        <a:xfrm>
+          <a:off x="0" y="0"/>
+          <a:ext cx="0" cy="0"/>
+          <a:chOff x="0" y="0"/>
+          <a:chExt cx="0" cy="0"/>
+        </a:xfrm>
+      </p:grpSpPr>
+      <p:sp>
+        <p:nvSpPr>
+          <p:cNvPr id="2" name="Title 1">
+            <a:extLst>
+              <a:ext uri="{FF2B5EF4-FFF2-40B4-BE49-F238E27FC236}">
+                <a16:creationId xmlns:a16="http://schemas.microsoft.com/office/drawing/2014/main" id="{21B895F0-DC43-5770-A04E-5D2DB1A7CE11}"/>
+              </a:ext>
+            </a:extLst>
+          </p:cNvPr>
+          <p:cNvSpPr>
+            <a:spLocks noGrp="1"/>
+          </p:cNvSpPr>
+          <p:nvPr>
+            <p:ph type="title"/>
+          </p:nvPr>
+        </p:nvSpPr>
+        <p:spPr>
+          <a:xfrm>
+            <a:off x="457200" y="8433"/>
+            <a:ext cx="3200400" cy="1127909"/>
+          </a:xfrm>
+        </p:spPr>
+        <p:txBody>
+          <a:bodyPr>
+            <a:normAutofit/>
+          </a:bodyPr>
+          <a:lstStyle/>
+          <a:p>
+            <a:r>
+              <a:rPr lang="en-US" sz="3200" dirty="0"/>
+              <a:t>Your Turn: Tire Story Falls Flat </a:t>
+            </a:r>
+          </a:p>
+        </p:txBody>
+      </p:sp>
+      <p:sp>
+        <p:nvSpPr>
+          <p:cNvPr id="4" name="Content Placeholder 3">
+            <a:extLst>
+              <a:ext uri="{FF2B5EF4-FFF2-40B4-BE49-F238E27FC236}">
+                <a16:creationId xmlns:a16="http://schemas.microsoft.com/office/drawing/2014/main" id="{AC16D43D-7441-3108-0672-CFD54BF5178F}"/>
+              </a:ext>
+            </a:extLst>
+          </p:cNvPr>
+          <p:cNvSpPr>
+            <a:spLocks noGrp="1"/>
+          </p:cNvSpPr>
+          <p:nvPr>
+            <p:ph idx="1"/>
+          </p:nvPr>
+        </p:nvSpPr>
+        <p:spPr>
+          <a:xfrm>
+            <a:off x="4800600" y="731519"/>
+            <a:ext cx="6492240" cy="5713223"/>
+          </a:xfrm>
+        </p:spPr>
+        <p:txBody>
+          <a:bodyPr>
+            <a:normAutofit/>
+          </a:bodyPr>
+          <a:lstStyle/>
+          <a:p>
+            <a:r>
+              <a:rPr lang="en-US" sz="2600" dirty="0"/>
+              <a:t>Calculate the Confidence Interval using the formulas </a:t>
+            </a:r>
+          </a:p>
+          <a:p>
+            <a:endParaRPr lang="en-US" sz="2600" dirty="0"/>
+          </a:p>
+          <a:p>
+            <a:pPr marL="0" indent="0">
+              <a:buNone/>
+            </a:pPr>
+            <a:endParaRPr lang="en-US" sz="2600" dirty="0"/>
+          </a:p>
+          <a:p>
+            <a:r>
+              <a:rPr lang="en-US" sz="2600" dirty="0"/>
+              <a:t>Interpret the Confidence Interval</a:t>
+            </a:r>
+          </a:p>
+          <a:p>
+            <a:endParaRPr lang="en-US" sz="2600" dirty="0"/>
+          </a:p>
+          <a:p>
+            <a:endParaRPr lang="en-US" sz="2600" dirty="0"/>
+          </a:p>
+          <a:p>
+            <a:endParaRPr lang="en-US" sz="2600" dirty="0"/>
+          </a:p>
+          <a:p>
+            <a:r>
+              <a:rPr lang="en-US" sz="2600" dirty="0"/>
+              <a:t>What decision can you make (R/FTR)? Why?</a:t>
+            </a:r>
+          </a:p>
+          <a:p>
+            <a:endParaRPr lang="en-US" dirty="0"/>
+          </a:p>
+          <a:p>
+            <a:endParaRPr lang="en-US" dirty="0"/>
+          </a:p>
+          <a:p>
+            <a:endParaRPr lang="en-US" dirty="0"/>
+          </a:p>
+          <a:p>
+            <a:pPr marL="0" indent="0">
+              <a:buNone/>
+            </a:pPr>
+            <a:endParaRPr lang="en-US" dirty="0"/>
+          </a:p>
+          <a:p>
+            <a:pPr marL="0" indent="0">
+              <a:buNone/>
+            </a:pPr>
+            <a:endParaRPr lang="en-US" dirty="0"/>
+          </a:p>
+        </p:txBody>
+      </p:sp>
+      <mc:AlternateContent xmlns:mc="http://schemas.openxmlformats.org/markup-compatibility/2006">
+        <mc:Choice xmlns:a14="http://schemas.microsoft.com/office/drawing/2010/main" Requires="a14">
+          <p:sp>
+            <p:nvSpPr>
+              <p:cNvPr id="5" name="Text Placeholder 4">
+                <a:extLst>
+                  <a:ext uri="{FF2B5EF4-FFF2-40B4-BE49-F238E27FC236}">
+                    <a16:creationId xmlns:a16="http://schemas.microsoft.com/office/drawing/2014/main" id="{36217991-92B0-7217-B071-B08C0EA2D9B8}"/>
+                  </a:ext>
+                </a:extLst>
+              </p:cNvPr>
+              <p:cNvSpPr>
+                <a:spLocks noGrp="1"/>
+              </p:cNvSpPr>
+              <p:nvPr>
+                <p:ph type="body" sz="half" idx="2"/>
+              </p:nvPr>
+            </p:nvSpPr>
+            <p:spPr>
+              <a:xfrm>
+                <a:off x="457200" y="1136343"/>
+                <a:ext cx="3200400" cy="5713224"/>
+              </a:xfrm>
+            </p:spPr>
+            <p:txBody>
+              <a:bodyPr>
+                <a:normAutofit fontScale="92500" lnSpcReduction="10000"/>
+              </a:bodyPr>
+              <a:lstStyle/>
+              <a:p>
+                <a:r>
+                  <a:rPr lang="en-US" sz="2000" dirty="0"/>
+                  <a:t>A legendary story on college campuses concerns two students who miss a chemistry exam because of excessive partying but blame their absence on a flat tire. The professor allows them to take a make-up exam, and sends them to separate rooms to take it. The first question, worth 5 points is quite easy. The second question, worth 95 points, asks: Which tire was it?</a:t>
+                </a:r>
+              </a:p>
+              <a:p>
+                <a:pPr marL="171450" indent="-171450">
+                  <a:buFont typeface="Arial" panose="020B0604020202020204" pitchFamily="34" charset="0"/>
+                  <a:buChar char="•"/>
+                </a:pPr>
+                <a:r>
+                  <a:rPr lang="en-US" sz="2000" dirty="0"/>
+                  <a:t>It has been conjectured that students select the front right more than would be expected with random chance.</a:t>
+                </a:r>
+              </a:p>
+              <a:p>
+                <a:pPr marL="171450" indent="-171450">
+                  <a:buFont typeface="Arial" panose="020B0604020202020204" pitchFamily="34" charset="0"/>
+                  <a:buChar char="•"/>
+                </a:pPr>
+                <a:r>
+                  <a:rPr lang="en-US" sz="2000" dirty="0"/>
+                  <a:t>Remember </a:t>
+                </a:r>
+                <a14:m>
+                  <m:oMath xmlns:m="http://schemas.openxmlformats.org/officeDocument/2006/math">
+                    <m:acc>
+                      <m:accPr>
+                        <m:chr m:val="̂"/>
+                        <m:ctrlPr>
+                          <a:rPr lang="en-US" sz="2000" i="1" smtClean="0">
+                            <a:latin typeface="Cambria Math" panose="02040503050406030204" pitchFamily="18" charset="0"/>
+                          </a:rPr>
+                        </m:ctrlPr>
+                      </m:accPr>
+                      <m:e>
+                        <m:r>
+                          <a:rPr lang="en-US" sz="2000" b="0" i="1" smtClean="0">
+                            <a:latin typeface="Cambria Math" panose="02040503050406030204" pitchFamily="18" charset="0"/>
+                          </a:rPr>
+                          <m:t>𝑝</m:t>
+                        </m:r>
+                      </m:e>
+                    </m:acc>
+                    <m:r>
+                      <a:rPr lang="en-US" sz="2000" b="0" i="1" smtClean="0">
+                        <a:latin typeface="Cambria Math" panose="02040503050406030204" pitchFamily="18" charset="0"/>
+                      </a:rPr>
+                      <m:t>=</m:t>
+                    </m:r>
+                    <m:f>
+                      <m:fPr>
+                        <m:ctrlPr>
+                          <a:rPr lang="en-US" sz="2000" b="0" i="1" smtClean="0">
+                            <a:latin typeface="Cambria Math" panose="02040503050406030204" pitchFamily="18" charset="0"/>
+                          </a:rPr>
+                        </m:ctrlPr>
+                      </m:fPr>
+                      <m:num>
+                        <m:r>
+                          <a:rPr lang="en-US" sz="2000" b="0" i="1" smtClean="0">
+                            <a:latin typeface="Cambria Math" panose="02040503050406030204" pitchFamily="18" charset="0"/>
+                          </a:rPr>
+                          <m:t>15</m:t>
+                        </m:r>
+                      </m:num>
+                      <m:den>
+                        <m:r>
+                          <a:rPr lang="en-US" sz="2000" b="0" i="1" smtClean="0">
+                            <a:latin typeface="Cambria Math" panose="02040503050406030204" pitchFamily="18" charset="0"/>
+                          </a:rPr>
+                          <m:t>32</m:t>
+                        </m:r>
+                      </m:den>
+                    </m:f>
+                    <m:r>
+                      <a:rPr lang="en-US" sz="2000" b="0" i="1" smtClean="0">
+                        <a:latin typeface="Cambria Math" panose="02040503050406030204" pitchFamily="18" charset="0"/>
+                      </a:rPr>
+                      <m:t>, </m:t>
+                    </m:r>
+                    <m:r>
+                      <a:rPr lang="en-US" sz="2000" b="0" i="1" smtClean="0">
+                        <a:latin typeface="Cambria Math" panose="02040503050406030204" pitchFamily="18" charset="0"/>
+                      </a:rPr>
+                      <m:t>𝑛</m:t>
+                    </m:r>
+                    <m:r>
+                      <a:rPr lang="en-US" sz="2000" b="0" i="1" smtClean="0">
+                        <a:latin typeface="Cambria Math" panose="02040503050406030204" pitchFamily="18" charset="0"/>
+                      </a:rPr>
+                      <m:t>=32</m:t>
+                    </m:r>
+                  </m:oMath>
+                </a14:m>
+                <a:endParaRPr lang="en-US" sz="2000" dirty="0"/>
+              </a:p>
+              <a:p>
+                <a:endParaRPr lang="en-US" dirty="0"/>
+              </a:p>
+            </p:txBody>
+          </p:sp>
+        </mc:Choice>
+        <mc:Fallback>
+          <p:sp>
+            <p:nvSpPr>
+              <p:cNvPr id="5" name="Text Placeholder 4">
+                <a:extLst>
+                  <a:ext uri="{FF2B5EF4-FFF2-40B4-BE49-F238E27FC236}">
+                    <a16:creationId xmlns:a16="http://schemas.microsoft.com/office/drawing/2014/main" id="{36217991-92B0-7217-B071-B08C0EA2D9B8}"/>
+                  </a:ext>
+                </a:extLst>
+              </p:cNvPr>
+              <p:cNvSpPr>
+                <a:spLocks noGrp="1" noRot="1" noChangeAspect="1" noMove="1" noResize="1" noEditPoints="1" noAdjustHandles="1" noChangeArrowheads="1" noChangeShapeType="1" noTextEdit="1"/>
+              </p:cNvSpPr>
+              <p:nvPr>
+                <p:ph type="body" sz="half" idx="2"/>
+              </p:nvPr>
+            </p:nvSpPr>
+            <p:spPr>
+              <a:xfrm>
+                <a:off x="457200" y="1136343"/>
+                <a:ext cx="3200400" cy="5713224"/>
+              </a:xfrm>
+              <a:blipFill>
+                <a:blip r:embed="rId2"/>
+                <a:stretch>
+                  <a:fillRect l="-1714" t="-1386" r="-3048"/>
+                </a:stretch>
+              </a:blipFill>
+            </p:spPr>
+            <p:txBody>
+              <a:bodyPr/>
+              <a:lstStyle/>
+              <a:p>
+                <a:r>
+                  <a:rPr lang="en-US">
+                    <a:noFill/>
+                  </a:rPr>
+                  <a:t> </a:t>
+                </a:r>
+              </a:p>
+            </p:txBody>
+          </p:sp>
+        </mc:Fallback>
+      </mc:AlternateContent>
+    </p:spTree>
+    <p:extLst>
+      <p:ext uri="{BB962C8B-B14F-4D97-AF65-F5344CB8AC3E}">
+        <p14:creationId xmlns:p14="http://schemas.microsoft.com/office/powerpoint/2010/main" val="11048004"/>
+      </p:ext>
+    </p:extLst>
+  </p:cSld>
+  <p:clrMapOvr>
+    <a:masterClrMapping/>
+  </p:clrMapOvr>
+</p:sld>
+</file>
+
+<file path=ppt/slides/slide29.xml><?xml version="1.0" encoding="utf-8"?>
 <p:sld xmlns:a="http://schemas.openxmlformats.org/drawingml/2006/main" xmlns:r="http://schemas.openxmlformats.org/officeDocument/2006/relationships" xmlns:p="http://schemas.openxmlformats.org/presentationml/2006/main">
   <p:cSld>
     <p:spTree>
@@ -16037,15 +14177,7 @@
           <a:p>
             <a:r>
               <a:rPr lang="en-US" dirty="0"/>
-              <a:t>A 95% confidence </a:t>
-            </a:r>
-            <a:r>
-              <a:rPr lang="en-US"/>
-              <a:t>interval means we </a:t>
-            </a:r>
-            <a:r>
-              <a:rPr lang="en-US" dirty="0"/>
-              <a:t>expect 95% of all similarly constructed intervals to contain the true parameter value</a:t>
+              <a:t>A 95% confidence interval means we expect 95% of all similarly constructed intervals to contain the true parameter value</a:t>
             </a:r>
             <a:endParaRPr lang="en-US" sz="1800" dirty="0"/>
           </a:p>
@@ -18100,7 +16232,7 @@
         <p:spPr>
           <a:xfrm>
             <a:off x="677333" y="339634"/>
-            <a:ext cx="8596668" cy="1320800"/>
+            <a:ext cx="8596668" cy="1107426"/>
           </a:xfrm>
         </p:spPr>
         <p:txBody>
@@ -18108,7 +16240,7 @@
           <a:lstStyle/>
           <a:p>
             <a:r>
-              <a:rPr lang="en-US"/>
+              <a:rPr lang="en-US" dirty="0"/>
               <a:t>Example: Tire Story Falls Flat</a:t>
             </a:r>
           </a:p>
@@ -18132,8 +16264,8 @@
         </p:nvSpPr>
         <p:spPr>
           <a:xfrm>
-            <a:off x="900788" y="1836135"/>
-            <a:ext cx="9710056" cy="5109099"/>
+            <a:off x="900788" y="1836136"/>
+            <a:ext cx="9710056" cy="4902016"/>
           </a:xfrm>
         </p:spPr>
         <p:txBody>
@@ -18170,7 +16302,7 @@
             <a:pPr lvl="1"/>
             <a:r>
               <a:rPr lang="en-US" dirty="0"/>
-              <a:t>To test this conjecture 28 students were asked, if they were in this situation, which tire would they say had gone flat. The results are as follows:</a:t>
+              <a:t>To test this conjecture 32 students were asked, if they were in this situation, which tire would they say had gone flat. The results are as follows:</a:t>
             </a:r>
           </a:p>
           <a:p>
@@ -18229,7 +16361,7 @@
           <p:nvPr>
             <p:extLst>
               <p:ext uri="{D42A27DB-BD31-4B8C-83A1-F6EECF244321}">
-                <p14:modId xmlns:p14="http://schemas.microsoft.com/office/powerpoint/2010/main" val="2906744433"/>
+                <p14:modId xmlns:p14="http://schemas.microsoft.com/office/powerpoint/2010/main" val="3297301826"/>
               </p:ext>
             </p:extLst>
           </p:nvPr>
@@ -18312,7 +16444,7 @@
                     <a:lstStyle/>
                     <a:p>
                       <a:r>
-                        <a:rPr lang="en-US" sz="1700"/>
+                        <a:rPr lang="en-US" sz="1700" dirty="0"/>
                         <a:t>Right Front</a:t>
                       </a:r>
                     </a:p>
@@ -18351,36 +16483,8 @@
                     <a:p>
                       <a:pPr algn="ctr"/>
                       <a:r>
-                        <a:rPr lang="en-US" sz="1700"/>
-                        <a:t>6</a:t>
-                      </a:r>
-                    </a:p>
-                  </a:txBody>
-                  <a:tcPr/>
-                </a:tc>
-                <a:tc>
-                  <a:txBody>
-                    <a:bodyPr/>
-                    <a:lstStyle/>
-                    <a:p>
-                      <a:pPr algn="ctr"/>
-                      <a:r>
-                        <a:rPr lang="en-US" sz="1700"/>
-                        <a:t>4</a:t>
-                      </a:r>
-                    </a:p>
-                  </a:txBody>
-                  <a:tcPr/>
-                </a:tc>
-                <a:tc>
-                  <a:txBody>
-                    <a:bodyPr/>
-                    <a:lstStyle/>
-                    <a:p>
-                      <a:pPr algn="ctr"/>
-                      <a:r>
-                        <a:rPr lang="en-US" sz="1700"/>
-                        <a:t>14</a:t>
+                        <a:rPr lang="en-US" sz="1700" dirty="0"/>
+                        <a:t>7</a:t>
                       </a:r>
                     </a:p>
                   </a:txBody>
@@ -18394,7 +16498,35 @@
                       <a:pPr algn="ctr"/>
                       <a:r>
                         <a:rPr lang="en-US" sz="1700" dirty="0"/>
-                        <a:t>4</a:t>
+                        <a:t>5</a:t>
+                      </a:r>
+                    </a:p>
+                  </a:txBody>
+                  <a:tcPr/>
+                </a:tc>
+                <a:tc>
+                  <a:txBody>
+                    <a:bodyPr/>
+                    <a:lstStyle/>
+                    <a:p>
+                      <a:pPr algn="ctr"/>
+                      <a:r>
+                        <a:rPr lang="en-US" sz="1700" dirty="0"/>
+                        <a:t>15</a:t>
+                      </a:r>
+                    </a:p>
+                  </a:txBody>
+                  <a:tcPr/>
+                </a:tc>
+                <a:tc>
+                  <a:txBody>
+                    <a:bodyPr/>
+                    <a:lstStyle/>
+                    <a:p>
+                      <a:pPr algn="ctr"/>
+                      <a:r>
+                        <a:rPr lang="en-US" sz="1700" dirty="0"/>
+                        <a:t>5</a:t>
                       </a:r>
                     </a:p>
                   </a:txBody>
@@ -18496,7 +16628,9 @@
           </a:bodyPr>
           <a:lstStyle/>
           <a:p>
-            <a:pPr lvl="0"/>
+            <a:pPr marL="0" lvl="0" indent="0">
+              <a:buNone/>
+            </a:pPr>
             <a:r>
               <a:rPr lang="en-US" dirty="0"/>
               <a:t>What is the variable of interest? </a:t>
@@ -18527,10 +16661,12 @@
             <a:endParaRPr lang="en-US" dirty="0"/>
           </a:p>
           <a:p>
-            <a:pPr lvl="0"/>
+            <a:pPr marL="0" lvl="0" indent="0">
+              <a:buNone/>
+            </a:pPr>
             <a:r>
               <a:rPr lang="en-US" dirty="0"/>
-              <a:t>Calculate the statistic. </a:t>
+              <a:t>Calculate the observed statistic. </a:t>
             </a:r>
             <a:br>
               <a:rPr lang="en-US" dirty="0"/>
@@ -18614,8 +16750,8 @@
           </a:p>
         </p:txBody>
       </p:sp>
-      <mc:AlternateContent xmlns:mc="http://schemas.openxmlformats.org/markup-compatibility/2006">
-        <mc:Choice xmlns:a14="http://schemas.microsoft.com/office/drawing/2010/main" Requires="a14">
+      <mc:AlternateContent xmlns:mc="http://schemas.openxmlformats.org/markup-compatibility/2006" xmlns:a14="http://schemas.microsoft.com/office/drawing/2010/main">
+        <mc:Choice Requires="a14">
           <p:sp>
             <p:nvSpPr>
               <p:cNvPr id="4" name="Content Placeholder 2">
@@ -18793,7 +16929,7 @@
             </p:txBody>
           </p:sp>
         </mc:Choice>
-        <mc:Fallback>
+        <mc:Fallback xmlns="">
           <p:sp>
             <p:nvSpPr>
               <p:cNvPr id="4" name="Content Placeholder 2">

--- a/job/teaching/teaching-demonstration2.pptx
+++ b/job/teaching/teaching-demonstration2.pptx
@@ -143,7 +143,7 @@
 <file path=ppt/revisionInfo.xml><?xml version="1.0" encoding="utf-8"?>
 <p1510:revInfo xmlns:a="http://schemas.openxmlformats.org/drawingml/2006/main" xmlns:r="http://schemas.openxmlformats.org/officeDocument/2006/relationships" xmlns:p1510="http://schemas.microsoft.com/office/powerpoint/2015/10/main">
   <p1510:revLst>
-    <p1510:client id="{A77833D6-49E4-4E9A-90FC-827386025560}" v="362" dt="2022-11-18T17:55:18.556"/>
+    <p1510:client id="{A77833D6-49E4-4E9A-90FC-827386025560}" v="364" dt="2022-11-18T18:29:31.793"/>
   </p1510:revLst>
 </p1510:revInfo>
 </file>
@@ -153,16 +153,32 @@
   <pc:docChgLst>
     <pc:chgData name="Alison Kleffner" userId="0bed3509-e787-48f4-9a13-47afcd2529d5" providerId="ADAL" clId="{A77833D6-49E4-4E9A-90FC-827386025560}"/>
     <pc:docChg chg="undo custSel addSld delSld modSld sldOrd">
-      <pc:chgData name="Alison Kleffner" userId="0bed3509-e787-48f4-9a13-47afcd2529d5" providerId="ADAL" clId="{A77833D6-49E4-4E9A-90FC-827386025560}" dt="2022-11-18T17:55:18.556" v="2447"/>
+      <pc:chgData name="Alison Kleffner" userId="0bed3509-e787-48f4-9a13-47afcd2529d5" providerId="ADAL" clId="{A77833D6-49E4-4E9A-90FC-827386025560}" dt="2022-11-18T18:29:33.608" v="2476" actId="1076"/>
       <pc:docMkLst>
         <pc:docMk/>
       </pc:docMkLst>
-      <pc:sldChg chg="delSp mod">
-        <pc:chgData name="Alison Kleffner" userId="0bed3509-e787-48f4-9a13-47afcd2529d5" providerId="ADAL" clId="{A77833D6-49E4-4E9A-90FC-827386025560}" dt="2022-11-17T19:28:59.115" v="1785" actId="478"/>
+      <pc:sldChg chg="addSp delSp modSp mod">
+        <pc:chgData name="Alison Kleffner" userId="0bed3509-e787-48f4-9a13-47afcd2529d5" providerId="ADAL" clId="{A77833D6-49E4-4E9A-90FC-827386025560}" dt="2022-11-18T18:29:33.608" v="2476" actId="1076"/>
         <pc:sldMkLst>
           <pc:docMk/>
           <pc:sldMk cId="1659551543" sldId="256"/>
         </pc:sldMkLst>
+        <pc:spChg chg="mod">
+          <ac:chgData name="Alison Kleffner" userId="0bed3509-e787-48f4-9a13-47afcd2529d5" providerId="ADAL" clId="{A77833D6-49E4-4E9A-90FC-827386025560}" dt="2022-11-18T18:26:01.360" v="2448" actId="14100"/>
+          <ac:spMkLst>
+            <pc:docMk/>
+            <pc:sldMk cId="1659551543" sldId="256"/>
+            <ac:spMk id="2" creationId="{E04B76E4-144C-0147-27CA-B9EAD72ADF55}"/>
+          </ac:spMkLst>
+        </pc:spChg>
+        <pc:spChg chg="add mod">
+          <ac:chgData name="Alison Kleffner" userId="0bed3509-e787-48f4-9a13-47afcd2529d5" providerId="ADAL" clId="{A77833D6-49E4-4E9A-90FC-827386025560}" dt="2022-11-18T18:26:19.903" v="2472" actId="255"/>
+          <ac:spMkLst>
+            <pc:docMk/>
+            <pc:sldMk cId="1659551543" sldId="256"/>
+            <ac:spMk id="3" creationId="{1702C28D-7741-3BDC-D3A0-7983590D2FFB}"/>
+          </ac:spMkLst>
+        </pc:spChg>
         <pc:spChg chg="del">
           <ac:chgData name="Alison Kleffner" userId="0bed3509-e787-48f4-9a13-47afcd2529d5" providerId="ADAL" clId="{A77833D6-49E4-4E9A-90FC-827386025560}" dt="2022-11-17T19:28:59.115" v="1785" actId="478"/>
           <ac:spMkLst>
@@ -171,6 +187,14 @@
             <ac:spMk id="3" creationId="{1A9B5663-F249-D70E-C51B-857BFFEB808D}"/>
           </ac:spMkLst>
         </pc:spChg>
+        <pc:picChg chg="add mod">
+          <ac:chgData name="Alison Kleffner" userId="0bed3509-e787-48f4-9a13-47afcd2529d5" providerId="ADAL" clId="{A77833D6-49E4-4E9A-90FC-827386025560}" dt="2022-11-18T18:29:33.608" v="2476" actId="1076"/>
+          <ac:picMkLst>
+            <pc:docMk/>
+            <pc:sldMk cId="1659551543" sldId="256"/>
+            <ac:picMk id="5" creationId="{472EF002-1C01-8294-795E-26C64F0F5127}"/>
+          </ac:picMkLst>
+        </pc:picChg>
       </pc:sldChg>
       <pc:sldChg chg="delSp modSp mod">
         <pc:chgData name="Alison Kleffner" userId="0bed3509-e787-48f4-9a13-47afcd2529d5" providerId="ADAL" clId="{A77833D6-49E4-4E9A-90FC-827386025560}" dt="2022-11-18T16:40:46.163" v="2344" actId="20577"/>
@@ -5192,7 +5216,12 @@
             <p:ph type="ctrTitle"/>
           </p:nvPr>
         </p:nvSpPr>
-        <p:spPr/>
+        <p:spPr>
+          <a:xfrm>
+            <a:off x="1097280" y="758952"/>
+            <a:ext cx="10058400" cy="3298143"/>
+          </a:xfrm>
+        </p:spPr>
         <p:txBody>
           <a:bodyPr/>
           <a:lstStyle/>
@@ -5204,6 +5233,77 @@
           </a:p>
         </p:txBody>
       </p:sp>
+      <p:sp>
+        <p:nvSpPr>
+          <p:cNvPr id="3" name="TextBox 2">
+            <a:extLst>
+              <a:ext uri="{FF2B5EF4-FFF2-40B4-BE49-F238E27FC236}">
+                <a16:creationId xmlns:a16="http://schemas.microsoft.com/office/drawing/2014/main" id="{1702C28D-7741-3BDC-D3A0-7983590D2FFB}"/>
+              </a:ext>
+            </a:extLst>
+          </p:cNvPr>
+          <p:cNvSpPr txBox="1"/>
+          <p:nvPr/>
+        </p:nvSpPr>
+        <p:spPr>
+          <a:xfrm>
+            <a:off x="1097280" y="4572000"/>
+            <a:ext cx="6729274" cy="461665"/>
+          </a:xfrm>
+          <a:prstGeom prst="rect">
+            <a:avLst/>
+          </a:prstGeom>
+          <a:noFill/>
+        </p:spPr>
+        <p:txBody>
+          <a:bodyPr wrap="square" rtlCol="0">
+            <a:spAutoFit/>
+          </a:bodyPr>
+          <a:lstStyle/>
+          <a:p>
+            <a:r>
+              <a:rPr lang="en-US" sz="2400" dirty="0"/>
+              <a:t>Alison Kleffner</a:t>
+            </a:r>
+          </a:p>
+        </p:txBody>
+      </p:sp>
+      <p:pic>
+        <p:nvPicPr>
+          <p:cNvPr id="5" name="Picture 4" descr="Qr code&#10;&#10;Description automatically generated">
+            <a:extLst>
+              <a:ext uri="{FF2B5EF4-FFF2-40B4-BE49-F238E27FC236}">
+                <a16:creationId xmlns:a16="http://schemas.microsoft.com/office/drawing/2014/main" id="{472EF002-1C01-8294-795E-26C64F0F5127}"/>
+              </a:ext>
+            </a:extLst>
+          </p:cNvPr>
+          <p:cNvPicPr>
+            <a:picLocks noChangeAspect="1"/>
+          </p:cNvPicPr>
+          <p:nvPr/>
+        </p:nvPicPr>
+        <p:blipFill>
+          <a:blip r:embed="rId2">
+            <a:extLst>
+              <a:ext uri="{28A0092B-C50C-407E-A947-70E740481C1C}">
+                <a14:useLocalDpi xmlns:a14="http://schemas.microsoft.com/office/drawing/2010/main" val="0"/>
+              </a:ext>
+            </a:extLst>
+          </a:blip>
+          <a:stretch>
+            <a:fillRect/>
+          </a:stretch>
+        </p:blipFill>
+        <p:spPr>
+          <a:xfrm>
+            <a:off x="8894350" y="359426"/>
+            <a:ext cx="2606266" cy="2636748"/>
+          </a:xfrm>
+          <a:prstGeom prst="rect">
+            <a:avLst/>
+          </a:prstGeom>
+        </p:spPr>
+      </p:pic>
     </p:spTree>
     <p:extLst>
       <p:ext uri="{BB962C8B-B14F-4D97-AF65-F5344CB8AC3E}">
@@ -13879,8 +13979,8 @@
           </a:p>
         </p:txBody>
       </p:sp>
-      <mc:AlternateContent xmlns:mc="http://schemas.openxmlformats.org/markup-compatibility/2006">
-        <mc:Choice xmlns:a14="http://schemas.microsoft.com/office/drawing/2010/main" Requires="a14">
+      <mc:AlternateContent xmlns:mc="http://schemas.openxmlformats.org/markup-compatibility/2006" xmlns:a14="http://schemas.microsoft.com/office/drawing/2010/main">
+        <mc:Choice Requires="a14">
           <p:sp>
             <p:nvSpPr>
               <p:cNvPr id="5" name="Text Placeholder 4">
@@ -14012,7 +14112,7 @@
             </p:txBody>
           </p:sp>
         </mc:Choice>
-        <mc:Fallback>
+        <mc:Fallback xmlns="">
           <p:sp>
             <p:nvSpPr>
               <p:cNvPr id="5" name="Text Placeholder 4">

--- a/job/teaching/teaching-demonstration2.pptx
+++ b/job/teaching/teaching-demonstration2.pptx
@@ -15,25 +15,24 @@
     <p:sldId id="337" r:id="rId9"/>
     <p:sldId id="339" r:id="rId10"/>
     <p:sldId id="344" r:id="rId11"/>
-    <p:sldId id="350" r:id="rId12"/>
-    <p:sldId id="331" r:id="rId13"/>
-    <p:sldId id="295" r:id="rId14"/>
-    <p:sldId id="285" r:id="rId15"/>
-    <p:sldId id="286" r:id="rId16"/>
-    <p:sldId id="287" r:id="rId17"/>
-    <p:sldId id="290" r:id="rId18"/>
-    <p:sldId id="327" r:id="rId19"/>
-    <p:sldId id="289" r:id="rId20"/>
-    <p:sldId id="328" r:id="rId21"/>
-    <p:sldId id="338" r:id="rId22"/>
-    <p:sldId id="351" r:id="rId23"/>
-    <p:sldId id="352" r:id="rId24"/>
-    <p:sldId id="353" r:id="rId25"/>
-    <p:sldId id="329" r:id="rId26"/>
-    <p:sldId id="348" r:id="rId27"/>
-    <p:sldId id="349" r:id="rId28"/>
-    <p:sldId id="354" r:id="rId29"/>
-    <p:sldId id="347" r:id="rId30"/>
+    <p:sldId id="331" r:id="rId12"/>
+    <p:sldId id="295" r:id="rId13"/>
+    <p:sldId id="285" r:id="rId14"/>
+    <p:sldId id="286" r:id="rId15"/>
+    <p:sldId id="287" r:id="rId16"/>
+    <p:sldId id="290" r:id="rId17"/>
+    <p:sldId id="327" r:id="rId18"/>
+    <p:sldId id="289" r:id="rId19"/>
+    <p:sldId id="328" r:id="rId20"/>
+    <p:sldId id="338" r:id="rId21"/>
+    <p:sldId id="351" r:id="rId22"/>
+    <p:sldId id="352" r:id="rId23"/>
+    <p:sldId id="353" r:id="rId24"/>
+    <p:sldId id="329" r:id="rId25"/>
+    <p:sldId id="348" r:id="rId26"/>
+    <p:sldId id="349" r:id="rId27"/>
+    <p:sldId id="354" r:id="rId28"/>
+    <p:sldId id="347" r:id="rId29"/>
   </p:sldIdLst>
   <p:sldSz cx="12192000" cy="6858000"/>
   <p:notesSz cx="6858000" cy="9144000"/>
@@ -143,7 +142,7 @@
 <file path=ppt/revisionInfo.xml><?xml version="1.0" encoding="utf-8"?>
 <p1510:revInfo xmlns:a="http://schemas.openxmlformats.org/drawingml/2006/main" xmlns:r="http://schemas.openxmlformats.org/officeDocument/2006/relationships" xmlns:p1510="http://schemas.microsoft.com/office/powerpoint/2015/10/main">
   <p1510:revLst>
-    <p1510:client id="{A77833D6-49E4-4E9A-90FC-827386025560}" v="364" dt="2022-11-18T18:29:31.793"/>
+    <p1510:client id="{A77833D6-49E4-4E9A-90FC-827386025560}" v="365" dt="2022-11-20T02:46:59.238"/>
   </p1510:revLst>
 </p1510:revInfo>
 </file>
@@ -153,12 +152,12 @@
   <pc:docChgLst>
     <pc:chgData name="Alison Kleffner" userId="0bed3509-e787-48f4-9a13-47afcd2529d5" providerId="ADAL" clId="{A77833D6-49E4-4E9A-90FC-827386025560}"/>
     <pc:docChg chg="undo custSel addSld delSld modSld sldOrd">
-      <pc:chgData name="Alison Kleffner" userId="0bed3509-e787-48f4-9a13-47afcd2529d5" providerId="ADAL" clId="{A77833D6-49E4-4E9A-90FC-827386025560}" dt="2022-11-18T18:29:33.608" v="2476" actId="1076"/>
+      <pc:chgData name="Alison Kleffner" userId="0bed3509-e787-48f4-9a13-47afcd2529d5" providerId="ADAL" clId="{A77833D6-49E4-4E9A-90FC-827386025560}" dt="2022-11-20T02:48:24.086" v="2485" actId="1076"/>
       <pc:docMkLst>
         <pc:docMk/>
       </pc:docMkLst>
       <pc:sldChg chg="addSp delSp modSp mod">
-        <pc:chgData name="Alison Kleffner" userId="0bed3509-e787-48f4-9a13-47afcd2529d5" providerId="ADAL" clId="{A77833D6-49E4-4E9A-90FC-827386025560}" dt="2022-11-18T18:29:33.608" v="2476" actId="1076"/>
+        <pc:chgData name="Alison Kleffner" userId="0bed3509-e787-48f4-9a13-47afcd2529d5" providerId="ADAL" clId="{A77833D6-49E4-4E9A-90FC-827386025560}" dt="2022-11-20T02:48:24.086" v="2485" actId="1076"/>
         <pc:sldMkLst>
           <pc:docMk/>
           <pc:sldMk cId="1659551543" sldId="256"/>
@@ -188,7 +187,7 @@
           </ac:spMkLst>
         </pc:spChg>
         <pc:picChg chg="add mod">
-          <ac:chgData name="Alison Kleffner" userId="0bed3509-e787-48f4-9a13-47afcd2529d5" providerId="ADAL" clId="{A77833D6-49E4-4E9A-90FC-827386025560}" dt="2022-11-18T18:29:33.608" v="2476" actId="1076"/>
+          <ac:chgData name="Alison Kleffner" userId="0bed3509-e787-48f4-9a13-47afcd2529d5" providerId="ADAL" clId="{A77833D6-49E4-4E9A-90FC-827386025560}" dt="2022-11-20T02:48:24.086" v="2485" actId="1076"/>
           <ac:picMkLst>
             <pc:docMk/>
             <pc:sldMk cId="1659551543" sldId="256"/>
@@ -632,12 +631,36 @@
           </ac:inkMkLst>
         </pc:inkChg>
       </pc:sldChg>
-      <pc:sldChg chg="add del">
-        <pc:chgData name="Alison Kleffner" userId="0bed3509-e787-48f4-9a13-47afcd2529d5" providerId="ADAL" clId="{A77833D6-49E4-4E9A-90FC-827386025560}" dt="2022-11-17T19:46:54.413" v="1951"/>
+      <pc:sldChg chg="addSp modSp add del mod setBg">
+        <pc:chgData name="Alison Kleffner" userId="0bed3509-e787-48f4-9a13-47afcd2529d5" providerId="ADAL" clId="{A77833D6-49E4-4E9A-90FC-827386025560}" dt="2022-11-20T02:47:16.301" v="2483" actId="14100"/>
         <pc:sldMkLst>
           <pc:docMk/>
           <pc:sldMk cId="3081990818" sldId="331"/>
         </pc:sldMkLst>
+        <pc:spChg chg="mod">
+          <ac:chgData name="Alison Kleffner" userId="0bed3509-e787-48f4-9a13-47afcd2529d5" providerId="ADAL" clId="{A77833D6-49E4-4E9A-90FC-827386025560}" dt="2022-11-20T02:47:04.332" v="2478" actId="26606"/>
+          <ac:spMkLst>
+            <pc:docMk/>
+            <pc:sldMk cId="3081990818" sldId="331"/>
+            <ac:spMk id="2" creationId="{3B5A18B0-F760-45A7-AEA7-AE125F33B901}"/>
+          </ac:spMkLst>
+        </pc:spChg>
+        <pc:spChg chg="mod">
+          <ac:chgData name="Alison Kleffner" userId="0bed3509-e787-48f4-9a13-47afcd2529d5" providerId="ADAL" clId="{A77833D6-49E4-4E9A-90FC-827386025560}" dt="2022-11-20T02:47:04.332" v="2478" actId="26606"/>
+          <ac:spMkLst>
+            <pc:docMk/>
+            <pc:sldMk cId="3081990818" sldId="331"/>
+            <ac:spMk id="3" creationId="{1E3A9EF7-92C4-4F4B-A05E-D22D9B88D2C5}"/>
+          </ac:spMkLst>
+        </pc:spChg>
+        <pc:picChg chg="add mod">
+          <ac:chgData name="Alison Kleffner" userId="0bed3509-e787-48f4-9a13-47afcd2529d5" providerId="ADAL" clId="{A77833D6-49E4-4E9A-90FC-827386025560}" dt="2022-11-20T02:47:16.301" v="2483" actId="14100"/>
+          <ac:picMkLst>
+            <pc:docMk/>
+            <pc:sldMk cId="3081990818" sldId="331"/>
+            <ac:picMk id="4" creationId="{82F0A0FF-834E-4E81-2D3C-0AFCFB7FF918}"/>
+          </ac:picMkLst>
+        </pc:picChg>
       </pc:sldChg>
       <pc:sldChg chg="modSp del mod">
         <pc:chgData name="Alison Kleffner" userId="0bed3509-e787-48f4-9a13-47afcd2529d5" providerId="ADAL" clId="{A77833D6-49E4-4E9A-90FC-827386025560}" dt="2022-11-13T22:02:46.750" v="702" actId="47"/>
@@ -1041,8 +1064,8 @@
           </ac:inkMkLst>
         </pc:inkChg>
       </pc:sldChg>
-      <pc:sldChg chg="modSp add mod setBg">
-        <pc:chgData name="Alison Kleffner" userId="0bed3509-e787-48f4-9a13-47afcd2529d5" providerId="ADAL" clId="{A77833D6-49E4-4E9A-90FC-827386025560}" dt="2022-11-17T19:46:59.285" v="1952" actId="1076"/>
+      <pc:sldChg chg="modSp add del mod setBg">
+        <pc:chgData name="Alison Kleffner" userId="0bed3509-e787-48f4-9a13-47afcd2529d5" providerId="ADAL" clId="{A77833D6-49E4-4E9A-90FC-827386025560}" dt="2022-11-20T02:47:11.808" v="2481" actId="47"/>
         <pc:sldMkLst>
           <pc:docMk/>
           <pc:sldMk cId="3486326053" sldId="350"/>
@@ -1729,7 +1752,7 @@
           <a:p>
             <a:fld id="{B07F9D06-57BB-4FD9-9015-C449E2A2CB7A}" type="datetimeFigureOut">
               <a:rPr lang="en-US" smtClean="0"/>
-              <a:t>11/18/2022</a:t>
+              <a:t>11/19/2022</a:t>
             </a:fld>
             <a:endParaRPr lang="en-US"/>
           </a:p>
@@ -1937,7 +1960,7 @@
           <a:p>
             <a:fld id="{B07F9D06-57BB-4FD9-9015-C449E2A2CB7A}" type="datetimeFigureOut">
               <a:rPr lang="en-US" smtClean="0"/>
-              <a:t>11/18/2022</a:t>
+              <a:t>11/19/2022</a:t>
             </a:fld>
             <a:endParaRPr lang="en-US"/>
           </a:p>
@@ -2193,7 +2216,7 @@
           <a:p>
             <a:fld id="{B07F9D06-57BB-4FD9-9015-C449E2A2CB7A}" type="datetimeFigureOut">
               <a:rPr lang="en-US" smtClean="0"/>
-              <a:t>11/18/2022</a:t>
+              <a:t>11/19/2022</a:t>
             </a:fld>
             <a:endParaRPr lang="en-US"/>
           </a:p>
@@ -2367,7 +2390,7 @@
           <a:p>
             <a:fld id="{B07F9D06-57BB-4FD9-9015-C449E2A2CB7A}" type="datetimeFigureOut">
               <a:rPr lang="en-US" smtClean="0"/>
-              <a:t>11/18/2022</a:t>
+              <a:t>11/19/2022</a:t>
             </a:fld>
             <a:endParaRPr lang="en-US"/>
           </a:p>
@@ -2710,7 +2733,7 @@
           <a:p>
             <a:fld id="{B07F9D06-57BB-4FD9-9015-C449E2A2CB7A}" type="datetimeFigureOut">
               <a:rPr lang="en-US" smtClean="0"/>
-              <a:t>11/18/2022</a:t>
+              <a:t>11/19/2022</a:t>
             </a:fld>
             <a:endParaRPr lang="en-US"/>
           </a:p>
@@ -2985,7 +3008,7 @@
           <a:p>
             <a:fld id="{B07F9D06-57BB-4FD9-9015-C449E2A2CB7A}" type="datetimeFigureOut">
               <a:rPr lang="en-US" smtClean="0"/>
-              <a:t>11/18/2022</a:t>
+              <a:t>11/19/2022</a:t>
             </a:fld>
             <a:endParaRPr lang="en-US"/>
           </a:p>
@@ -3364,7 +3387,7 @@
           <a:p>
             <a:fld id="{B07F9D06-57BB-4FD9-9015-C449E2A2CB7A}" type="datetimeFigureOut">
               <a:rPr lang="en-US" smtClean="0"/>
-              <a:t>11/18/2022</a:t>
+              <a:t>11/19/2022</a:t>
             </a:fld>
             <a:endParaRPr lang="en-US"/>
           </a:p>
@@ -3482,7 +3505,7 @@
           <a:p>
             <a:fld id="{B07F9D06-57BB-4FD9-9015-C449E2A2CB7A}" type="datetimeFigureOut">
               <a:rPr lang="en-US" smtClean="0"/>
-              <a:t>11/18/2022</a:t>
+              <a:t>11/19/2022</a:t>
             </a:fld>
             <a:endParaRPr lang="en-US"/>
           </a:p>
@@ -3653,7 +3676,7 @@
           <a:p>
             <a:fld id="{B07F9D06-57BB-4FD9-9015-C449E2A2CB7A}" type="datetimeFigureOut">
               <a:rPr lang="en-US" smtClean="0"/>
-              <a:t>11/18/2022</a:t>
+              <a:t>11/19/2022</a:t>
             </a:fld>
             <a:endParaRPr lang="en-US"/>
           </a:p>
@@ -4007,7 +4030,7 @@
           <a:p>
             <a:fld id="{B07F9D06-57BB-4FD9-9015-C449E2A2CB7A}" type="datetimeFigureOut">
               <a:rPr lang="en-US" smtClean="0"/>
-              <a:t>11/18/2022</a:t>
+              <a:t>11/19/2022</a:t>
             </a:fld>
             <a:endParaRPr lang="en-US"/>
           </a:p>
@@ -4389,7 +4412,7 @@
           <a:p>
             <a:fld id="{B07F9D06-57BB-4FD9-9015-C449E2A2CB7A}" type="datetimeFigureOut">
               <a:rPr lang="en-US" smtClean="0"/>
-              <a:t>11/18/2022</a:t>
+              <a:t>11/19/2022</a:t>
             </a:fld>
             <a:endParaRPr lang="en-US"/>
           </a:p>
@@ -4676,7 +4699,7 @@
           <a:p>
             <a:fld id="{B07F9D06-57BB-4FD9-9015-C449E2A2CB7A}" type="datetimeFigureOut">
               <a:rPr lang="en-US" smtClean="0"/>
-              <a:t>11/18/2022</a:t>
+              <a:t>11/19/2022</a:t>
             </a:fld>
             <a:endParaRPr lang="en-US"/>
           </a:p>
@@ -5296,7 +5319,7 @@
         </p:blipFill>
         <p:spPr>
           <a:xfrm>
-            <a:off x="8894350" y="359426"/>
+            <a:off x="8635640" y="359426"/>
             <a:ext cx="2606266" cy="2636748"/>
           </a:xfrm>
           <a:prstGeom prst="rect">
@@ -5500,306 +5523,14 @@
 <file path=ppt/slides/slide11.xml><?xml version="1.0" encoding="utf-8"?>
 <p:sld xmlns:a="http://schemas.openxmlformats.org/drawingml/2006/main" xmlns:r="http://schemas.openxmlformats.org/officeDocument/2006/relationships" xmlns:p="http://schemas.openxmlformats.org/presentationml/2006/main">
   <p:cSld>
-    <p:spTree>
-      <p:nvGrpSpPr>
-        <p:cNvPr id="1" name=""/>
-        <p:cNvGrpSpPr/>
-        <p:nvPr/>
-      </p:nvGrpSpPr>
-      <p:grpSpPr>
-        <a:xfrm>
-          <a:off x="0" y="0"/>
-          <a:ext cx="0" cy="0"/>
-          <a:chOff x="0" y="0"/>
-          <a:chExt cx="0" cy="0"/>
-        </a:xfrm>
-      </p:grpSpPr>
-      <p:sp>
-        <p:nvSpPr>
-          <p:cNvPr id="2" name="Title 1">
-            <a:extLst>
-              <a:ext uri="{FF2B5EF4-FFF2-40B4-BE49-F238E27FC236}">
-                <a16:creationId xmlns:a16="http://schemas.microsoft.com/office/drawing/2014/main" id="{887B5CEE-5A3D-4C21-95E0-5B30ED8BFE26}"/>
-              </a:ext>
-            </a:extLst>
-          </p:cNvPr>
-          <p:cNvSpPr>
-            <a:spLocks noGrp="1"/>
-          </p:cNvSpPr>
-          <p:nvPr>
-            <p:ph type="title"/>
-          </p:nvPr>
-        </p:nvSpPr>
-        <p:spPr>
-          <a:xfrm>
-            <a:off x="677334" y="609600"/>
-            <a:ext cx="8596668" cy="1320800"/>
-          </a:xfrm>
-        </p:spPr>
-        <p:txBody>
-          <a:bodyPr anchor="t">
-            <a:normAutofit/>
-          </a:bodyPr>
-          <a:lstStyle/>
-          <a:p>
-            <a:r>
-              <a:rPr lang="en-US"/>
-              <a:t>P-Values</a:t>
-            </a:r>
-          </a:p>
-        </p:txBody>
-      </p:sp>
-      <mc:AlternateContent xmlns:mc="http://schemas.openxmlformats.org/markup-compatibility/2006" xmlns:a14="http://schemas.microsoft.com/office/drawing/2010/main">
-        <mc:Choice Requires="a14">
-          <p:sp>
-            <p:nvSpPr>
-              <p:cNvPr id="3" name="Content Placeholder 2">
-                <a:extLst>
-                  <a:ext uri="{FF2B5EF4-FFF2-40B4-BE49-F238E27FC236}">
-                    <a16:creationId xmlns:a16="http://schemas.microsoft.com/office/drawing/2014/main" id="{86338600-C550-4F58-AC95-EC8AE238DA89}"/>
-                  </a:ext>
-                </a:extLst>
-              </p:cNvPr>
-              <p:cNvSpPr>
-                <a:spLocks noGrp="1"/>
-              </p:cNvSpPr>
-              <p:nvPr>
-                <p:ph idx="1"/>
-              </p:nvPr>
-            </p:nvSpPr>
-            <p:spPr>
-              <a:xfrm>
-                <a:off x="677334" y="2160589"/>
-                <a:ext cx="5714230" cy="4424937"/>
-              </a:xfrm>
-            </p:spPr>
-            <p:txBody>
-              <a:bodyPr>
-                <a:normAutofit fontScale="92500" lnSpcReduction="10000"/>
-              </a:bodyPr>
-              <a:lstStyle/>
-              <a:p>
-                <a:r>
-                  <a:rPr lang="en-US"/>
-                  <a:t>Definition (comes in three major parts):</a:t>
-                </a:r>
-              </a:p>
-              <a:p>
-                <a:pPr marL="666900" lvl="1" indent="-342900">
-                  <a:buFont typeface="+mj-lt"/>
-                  <a:buAutoNum type="arabicPeriod"/>
-                </a:pPr>
-                <a:r>
-                  <a:rPr lang="en-US"/>
-                  <a:t>Probability of obtaining the statistic	</a:t>
-                </a:r>
-              </a:p>
-              <a:p>
-                <a:pPr marL="666900" lvl="1" indent="-342900">
-                  <a:buFont typeface="+mj-lt"/>
-                  <a:buAutoNum type="arabicPeriod"/>
-                </a:pPr>
-                <a:r>
-                  <a:rPr lang="en-US"/>
-                  <a:t>Plus the probability of obtaining a value more extreme than the statistic</a:t>
-                </a:r>
-              </a:p>
-              <a:p>
-                <a:pPr marL="666900" lvl="1" indent="-342900">
-                  <a:buFont typeface="+mj-lt"/>
-                  <a:buAutoNum type="arabicPeriod"/>
-                </a:pPr>
-                <a:r>
-                  <a:rPr lang="en-US"/>
-                  <a:t>If the null hypothesis is true</a:t>
-                </a:r>
-              </a:p>
-              <a:p>
-                <a:pPr marL="666900" lvl="1" indent="-342900">
-                  <a:buFont typeface="+mj-lt"/>
-                  <a:buAutoNum type="arabicPeriod"/>
-                </a:pPr>
-                <a:endParaRPr lang="en-US"/>
-              </a:p>
-              <a:p>
-                <a:pPr marL="0" indent="0">
-                  <a:buNone/>
-                </a:pPr>
-                <a:r>
-                  <a:rPr lang="en-US"/>
-                  <a:t>Example: If you win 40% of the time at rock/paper/scissors, the </a:t>
-                </a:r>
-                <a14:m>
-                  <m:oMath xmlns:m="http://schemas.openxmlformats.org/officeDocument/2006/math">
-                    <m:r>
-                      <a:rPr lang="en-US" i="1">
-                        <a:latin typeface="Cambria Math" panose="02040503050406030204" pitchFamily="18" charset="0"/>
-                      </a:rPr>
-                      <m:t>𝑝</m:t>
-                    </m:r>
-                  </m:oMath>
-                </a14:m>
-                <a:r>
-                  <a:rPr lang="en-US"/>
-                  <a:t>-value is the probability of winning 40% of the time or higher if the real chance of winning is </a:t>
-                </a:r>
-                <a14:m>
-                  <m:oMath xmlns:m="http://schemas.openxmlformats.org/officeDocument/2006/math">
-                    <m:f>
-                      <m:fPr>
-                        <m:ctrlPr>
-                          <a:rPr lang="en-US" i="1">
-                            <a:latin typeface="Cambria Math" panose="02040503050406030204" pitchFamily="18" charset="0"/>
-                          </a:rPr>
-                        </m:ctrlPr>
-                      </m:fPr>
-                      <m:num>
-                        <m:r>
-                          <a:rPr lang="en-US" i="1">
-                            <a:latin typeface="Cambria Math" panose="02040503050406030204" pitchFamily="18" charset="0"/>
-                          </a:rPr>
-                          <m:t>1</m:t>
-                        </m:r>
-                      </m:num>
-                      <m:den>
-                        <m:r>
-                          <a:rPr lang="en-US" i="1">
-                            <a:latin typeface="Cambria Math" panose="02040503050406030204" pitchFamily="18" charset="0"/>
-                          </a:rPr>
-                          <m:t>3</m:t>
-                        </m:r>
-                      </m:den>
-                    </m:f>
-                  </m:oMath>
-                </a14:m>
-                <a:endParaRPr lang="en-US"/>
-              </a:p>
-              <a:p>
-                <a:pPr marL="0" indent="0">
-                  <a:buNone/>
-                </a:pPr>
-                <a:endParaRPr lang="en-US"/>
-              </a:p>
-              <a:p>
-                <a:pPr marL="0" indent="0">
-                  <a:buNone/>
-                </a:pPr>
-                <a:r>
-                  <a:rPr lang="en-US"/>
-                  <a:t>If interested in reading about the current debate in P-values : </a:t>
-                </a:r>
-                <a:r>
-                  <a:rPr lang="en-US">
-                    <a:hlinkClick r:id="rId2"/>
-                  </a:rPr>
-                  <a:t>(PDF) Why are p-Values Controversial? (researchgate.net)</a:t>
-                </a:r>
-                <a:endParaRPr lang="en-US"/>
-              </a:p>
-            </p:txBody>
-          </p:sp>
-        </mc:Choice>
-        <mc:Fallback xmlns="">
-          <p:sp>
-            <p:nvSpPr>
-              <p:cNvPr id="3" name="Content Placeholder 2">
-                <a:extLst>
-                  <a:ext uri="{FF2B5EF4-FFF2-40B4-BE49-F238E27FC236}">
-                    <a16:creationId xmlns:a16="http://schemas.microsoft.com/office/drawing/2014/main" id="{86338600-C550-4F58-AC95-EC8AE238DA89}"/>
-                  </a:ext>
-                </a:extLst>
-              </p:cNvPr>
-              <p:cNvSpPr>
-                <a:spLocks noGrp="1" noRot="1" noChangeAspect="1" noMove="1" noResize="1" noEditPoints="1" noAdjustHandles="1" noChangeArrowheads="1" noChangeShapeType="1" noTextEdit="1"/>
-              </p:cNvSpPr>
-              <p:nvPr>
-                <p:ph idx="1"/>
-              </p:nvPr>
-            </p:nvSpPr>
-            <p:spPr>
-              <a:xfrm>
-                <a:off x="677334" y="2160589"/>
-                <a:ext cx="5714230" cy="4424937"/>
-              </a:xfrm>
-              <a:blipFill>
-                <a:blip r:embed="rId3"/>
-                <a:stretch>
-                  <a:fillRect l="-640" t="-964"/>
-                </a:stretch>
-              </a:blipFill>
-            </p:spPr>
-            <p:txBody>
-              <a:bodyPr/>
-              <a:lstStyle/>
-              <a:p>
-                <a:r>
-                  <a:rPr lang="en-US">
-                    <a:noFill/>
-                  </a:rPr>
-                  <a:t> </a:t>
-                </a:r>
-              </a:p>
-            </p:txBody>
-          </p:sp>
-        </mc:Fallback>
-      </mc:AlternateContent>
-      <p:pic>
-        <p:nvPicPr>
-          <p:cNvPr id="5" name="Picture 4">
-            <a:extLst>
-              <a:ext uri="{FF2B5EF4-FFF2-40B4-BE49-F238E27FC236}">
-                <a16:creationId xmlns:a16="http://schemas.microsoft.com/office/drawing/2014/main" id="{AE7FA370-85CF-4848-993E-9E006EDCCDF4}"/>
-              </a:ext>
-            </a:extLst>
-          </p:cNvPr>
-          <p:cNvPicPr>
-            <a:picLocks noChangeAspect="1"/>
-          </p:cNvPicPr>
-          <p:nvPr/>
-        </p:nvPicPr>
-        <p:blipFill>
-          <a:blip r:embed="rId4">
-            <a:extLst>
-              <a:ext uri="{28A0092B-C50C-407E-A947-70E740481C1C}">
-                <a14:useLocalDpi xmlns:a14="http://schemas.microsoft.com/office/drawing/2010/main" val="0"/>
-              </a:ext>
-            </a:extLst>
-          </a:blip>
-          <a:stretch>
-            <a:fillRect/>
-          </a:stretch>
-        </p:blipFill>
-        <p:spPr>
-          <a:xfrm>
-            <a:off x="6848231" y="2160589"/>
-            <a:ext cx="4449871" cy="3310704"/>
-          </a:xfrm>
-          <a:prstGeom prst="rect">
-            <a:avLst/>
-          </a:prstGeom>
-          <a:ln>
-            <a:solidFill>
-              <a:schemeClr val="tx1"/>
-            </a:solidFill>
-          </a:ln>
-        </p:spPr>
-      </p:pic>
-    </p:spTree>
-    <p:extLst>
-      <p:ext uri="{BB962C8B-B14F-4D97-AF65-F5344CB8AC3E}">
-        <p14:creationId xmlns:p14="http://schemas.microsoft.com/office/powerpoint/2010/main" val="3486326053"/>
-      </p:ext>
-    </p:extLst>
-  </p:cSld>
-  <p:clrMapOvr>
-    <a:masterClrMapping/>
-  </p:clrMapOvr>
-</p:sld>
-</file>
-
-<file path=ppt/slides/slide12.xml><?xml version="1.0" encoding="utf-8"?>
-<p:sld xmlns:a="http://schemas.openxmlformats.org/drawingml/2006/main" xmlns:r="http://schemas.openxmlformats.org/officeDocument/2006/relationships" xmlns:p="http://schemas.openxmlformats.org/presentationml/2006/main">
-  <p:cSld>
+    <p:bg>
+      <p:bgPr>
+        <a:solidFill>
+          <a:schemeClr val="bg1"/>
+        </a:solidFill>
+        <a:effectLst/>
+      </p:bgPr>
+    </p:bg>
     <p:spTree>
       <p:nvGrpSpPr>
         <p:cNvPr id="1" name=""/>
@@ -5830,9 +5561,16 @@
             <p:ph type="title"/>
           </p:nvPr>
         </p:nvSpPr>
-        <p:spPr/>
+        <p:spPr>
+          <a:xfrm>
+            <a:off x="1097280" y="286603"/>
+            <a:ext cx="10058400" cy="1450757"/>
+          </a:xfrm>
+        </p:spPr>
         <p:txBody>
-          <a:bodyPr/>
+          <a:bodyPr>
+            <a:normAutofit/>
+          </a:bodyPr>
           <a:lstStyle/>
           <a:p>
             <a:r>
@@ -5860,7 +5598,12 @@
                 <p:ph idx="1"/>
               </p:nvPr>
             </p:nvSpPr>
-            <p:spPr/>
+            <p:spPr>
+              <a:xfrm>
+                <a:off x="1097279" y="1845734"/>
+                <a:ext cx="6454987" cy="4023360"/>
+              </a:xfrm>
+            </p:spPr>
             <p:txBody>
               <a:bodyPr>
                 <a:normAutofit/>
@@ -5903,7 +5646,7 @@
                   </m:oMath>
                 </a14:m>
                 <a:r>
-                  <a:rPr lang="en-US"/>
+                  <a:rPr lang="en-US" dirty="0"/>
                   <a:t> (</a:t>
                 </a:r>
                 <a14:m>
@@ -5917,15 +5660,14 @@
                   </m:oMath>
                 </a14:m>
                 <a:r>
-                  <a:rPr lang="en-US"/>
+                  <a:rPr lang="en-US" dirty="0"/>
                   <a:t>-value is always between 0 and 1)</a:t>
                 </a:r>
-                <a:endParaRPr lang="en-US" sz="1100"/>
               </a:p>
               <a:p>
                 <a:pPr lvl="0"/>
                 <a:r>
-                  <a:rPr lang="en-US"/>
+                  <a:rPr lang="en-US" dirty="0"/>
                   <a:t>Compare </a:t>
                 </a:r>
                 <a14:m>
@@ -5939,7 +5681,7 @@
                   </m:oMath>
                 </a14:m>
                 <a:r>
-                  <a:rPr lang="en-US"/>
+                  <a:rPr lang="en-US" dirty="0"/>
                   <a:t>-value to significance level (denoted as </a:t>
                 </a:r>
                 <a14:m>
@@ -5953,10 +5695,9 @@
                   </m:oMath>
                 </a14:m>
                 <a:r>
-                  <a:rPr lang="en-US"/>
+                  <a:rPr lang="en-US" dirty="0"/>
                   <a:t>)</a:t>
                 </a:r>
-                <a:endParaRPr lang="en-US" sz="1100"/>
               </a:p>
               <a:p>
                 <a:pPr lvl="1"/>
@@ -5971,15 +5712,14 @@
                   </m:oMath>
                 </a14:m>
                 <a:r>
-                  <a:rPr lang="en-US"/>
+                  <a:rPr lang="en-US" dirty="0"/>
                   <a:t> is probability of Type I error (incorrectly rejecting the null hypothesis)</a:t>
                 </a:r>
-                <a:endParaRPr lang="en-US" sz="1050"/>
               </a:p>
               <a:p>
                 <a:pPr lvl="0"/>
                 <a:r>
-                  <a:rPr lang="en-US"/>
+                  <a:rPr lang="en-US" dirty="0"/>
                   <a:t>Smaller </a:t>
                 </a:r>
                 <a14:m>
@@ -5993,7 +5733,7 @@
                   </m:oMath>
                 </a14:m>
                 <a:r>
-                  <a:rPr lang="en-US"/>
+                  <a:rPr lang="en-US" dirty="0"/>
                   <a:t>-value (</a:t>
                 </a:r>
                 <a14:m>
@@ -6007,7 +5747,7 @@
                   </m:oMath>
                 </a14:m>
                 <a:r>
-                  <a:rPr lang="en-US"/>
+                  <a:rPr lang="en-US" dirty="0"/>
                   <a:t>-value &lt; </a:t>
                 </a:r>
                 <a14:m>
@@ -6021,37 +5761,36 @@
                   </m:oMath>
                 </a14:m>
                 <a:r>
-                  <a:rPr lang="en-US"/>
+                  <a:rPr lang="en-US" dirty="0"/>
                   <a:t>) </a:t>
                 </a:r>
               </a:p>
               <a:p>
                 <a:pPr lvl="1"/>
                 <a:r>
-                  <a:rPr lang="en-US"/>
+                  <a:rPr lang="en-US" dirty="0"/>
                   <a:t>Stronger evidence </a:t>
                 </a:r>
                 <a:r>
-                  <a:rPr lang="en-US" b="1"/>
+                  <a:rPr lang="en-US" b="1" dirty="0"/>
                   <a:t>against </a:t>
                 </a:r>
                 <a:r>
-                  <a:rPr lang="en-US"/>
+                  <a:rPr lang="en-US" dirty="0"/>
                   <a:t>the null hypothesis (reject)</a:t>
                 </a:r>
-                <a:endParaRPr lang="en-US" sz="1050"/>
               </a:p>
               <a:p>
                 <a:pPr lvl="1"/>
                 <a:r>
-                  <a:rPr lang="en-US"/>
+                  <a:rPr lang="en-US" dirty="0"/>
                   <a:t>Support the alternative hypothesis </a:t>
                 </a:r>
               </a:p>
               <a:p>
                 <a:pPr lvl="0"/>
                 <a:r>
-                  <a:rPr lang="en-US"/>
+                  <a:rPr lang="en-US" dirty="0"/>
                   <a:t>Larger </a:t>
                 </a:r>
                 <a14:m>
@@ -6065,7 +5804,7 @@
                   </m:oMath>
                 </a14:m>
                 <a:r>
-                  <a:rPr lang="en-US"/>
+                  <a:rPr lang="en-US" dirty="0"/>
                   <a:t>-value (</a:t>
                 </a:r>
                 <a14:m>
@@ -6079,7 +5818,7 @@
                   </m:oMath>
                 </a14:m>
                 <a:r>
-                  <a:rPr lang="en-US"/>
+                  <a:rPr lang="en-US" dirty="0"/>
                   <a:t>-value &gt; </a:t>
                 </a:r>
                 <a14:m>
@@ -6093,28 +5832,28 @@
                   </m:oMath>
                 </a14:m>
                 <a:r>
-                  <a:rPr lang="en-US"/>
+                  <a:rPr lang="en-US" dirty="0"/>
                   <a:t>)</a:t>
                 </a:r>
               </a:p>
               <a:p>
                 <a:pPr lvl="1"/>
                 <a:r>
-                  <a:rPr lang="en-US"/>
+                  <a:rPr lang="en-US" dirty="0"/>
                   <a:t>Insufficient evidence against the null hypothesis (fail to reject)</a:t>
                 </a:r>
               </a:p>
               <a:p>
                 <a:pPr lvl="2"/>
                 <a:r>
-                  <a:rPr lang="en-US" sz="1600"/>
+                  <a:rPr lang="en-US" dirty="0"/>
                   <a:t>We never Accept the Null Hypothesis!</a:t>
                 </a:r>
               </a:p>
               <a:p>
                 <a:pPr lvl="1"/>
                 <a:r>
-                  <a:rPr lang="en-US"/>
+                  <a:rPr lang="en-US" dirty="0"/>
                   <a:t>Cannot support the alternative hypothesis </a:t>
                 </a:r>
               </a:p>
@@ -6139,10 +5878,14 @@
               </p:nvPr>
             </p:nvSpPr>
             <p:spPr>
+              <a:xfrm>
+                <a:off x="1097279" y="1845734"/>
+                <a:ext cx="6454987" cy="4023360"/>
+              </a:xfrm>
               <a:blipFill>
                 <a:blip r:embed="rId2"/>
                 <a:stretch>
-                  <a:fillRect l="-284" t="-942"/>
+                  <a:fillRect l="-2361" t="-1970"/>
                 </a:stretch>
               </a:blipFill>
             </p:spPr>
@@ -6161,6 +5904,42 @@
           </p:sp>
         </mc:Fallback>
       </mc:AlternateContent>
+      <p:pic>
+        <p:nvPicPr>
+          <p:cNvPr id="4" name="Picture 3">
+            <a:extLst>
+              <a:ext uri="{FF2B5EF4-FFF2-40B4-BE49-F238E27FC236}">
+                <a16:creationId xmlns:a16="http://schemas.microsoft.com/office/drawing/2014/main" id="{82F0A0FF-834E-4E81-2D3C-0AFCFB7FF918}"/>
+              </a:ext>
+            </a:extLst>
+          </p:cNvPr>
+          <p:cNvPicPr>
+            <a:picLocks noChangeAspect="1"/>
+          </p:cNvPicPr>
+          <p:nvPr/>
+        </p:nvPicPr>
+        <p:blipFill>
+          <a:blip r:embed="rId3">
+            <a:extLst>
+              <a:ext uri="{28A0092B-C50C-407E-A947-70E740481C1C}">
+                <a14:useLocalDpi xmlns:a14="http://schemas.microsoft.com/office/drawing/2010/main" val="0"/>
+              </a:ext>
+            </a:extLst>
+          </a:blip>
+          <a:stretch>
+            <a:fillRect/>
+          </a:stretch>
+        </p:blipFill>
+        <p:spPr>
+          <a:xfrm>
+            <a:off x="7637112" y="2058233"/>
+            <a:ext cx="3991837" cy="3241354"/>
+          </a:xfrm>
+          <a:prstGeom prst="rect">
+            <a:avLst/>
+          </a:prstGeom>
+        </p:spPr>
+      </p:pic>
     </p:spTree>
     <p:extLst>
       <p:ext uri="{BB962C8B-B14F-4D97-AF65-F5344CB8AC3E}">
@@ -6174,7 +5953,7 @@
 </p:sld>
 </file>
 
-<file path=ppt/slides/slide13.xml><?xml version="1.0" encoding="utf-8"?>
+<file path=ppt/slides/slide12.xml><?xml version="1.0" encoding="utf-8"?>
 <p:sld xmlns:a="http://schemas.openxmlformats.org/drawingml/2006/main" xmlns:r="http://schemas.openxmlformats.org/officeDocument/2006/relationships" xmlns:p="http://schemas.openxmlformats.org/presentationml/2006/main">
   <p:cSld>
     <p:spTree>
@@ -6313,7 +6092,7 @@
 </p:sld>
 </file>
 
-<file path=ppt/slides/slide14.xml><?xml version="1.0" encoding="utf-8"?>
+<file path=ppt/slides/slide13.xml><?xml version="1.0" encoding="utf-8"?>
 <p:sld xmlns:a="http://schemas.openxmlformats.org/drawingml/2006/main" xmlns:r="http://schemas.openxmlformats.org/officeDocument/2006/relationships" xmlns:p="http://schemas.openxmlformats.org/presentationml/2006/main">
   <p:cSld>
     <p:spTree>
@@ -6453,7 +6232,7 @@
 </p:sld>
 </file>
 
-<file path=ppt/slides/slide15.xml><?xml version="1.0" encoding="utf-8"?>
+<file path=ppt/slides/slide14.xml><?xml version="1.0" encoding="utf-8"?>
 <p:sld xmlns:a="http://schemas.openxmlformats.org/drawingml/2006/main" xmlns:r="http://schemas.openxmlformats.org/officeDocument/2006/relationships" xmlns:p="http://schemas.openxmlformats.org/presentationml/2006/main">
   <p:cSld>
     <p:spTree>
@@ -6866,7 +6645,7 @@
 </p:sld>
 </file>
 
-<file path=ppt/slides/slide16.xml><?xml version="1.0" encoding="utf-8"?>
+<file path=ppt/slides/slide15.xml><?xml version="1.0" encoding="utf-8"?>
 <p:sld xmlns:a="http://schemas.openxmlformats.org/drawingml/2006/main" xmlns:r="http://schemas.openxmlformats.org/officeDocument/2006/relationships" xmlns:p="http://schemas.openxmlformats.org/presentationml/2006/main">
   <p:cSld>
     <p:spTree>
@@ -7377,7 +7156,7 @@
 </p:sld>
 </file>
 
-<file path=ppt/slides/slide17.xml><?xml version="1.0" encoding="utf-8"?>
+<file path=ppt/slides/slide16.xml><?xml version="1.0" encoding="utf-8"?>
 <p:sld xmlns:a="http://schemas.openxmlformats.org/drawingml/2006/main" xmlns:r="http://schemas.openxmlformats.org/officeDocument/2006/relationships" xmlns:p="http://schemas.openxmlformats.org/presentationml/2006/main">
   <p:cSld>
     <p:spTree>
@@ -7960,7 +7739,7 @@
 </p:sld>
 </file>
 
-<file path=ppt/slides/slide18.xml><?xml version="1.0" encoding="utf-8"?>
+<file path=ppt/slides/slide17.xml><?xml version="1.0" encoding="utf-8"?>
 <p:sld xmlns:a="http://schemas.openxmlformats.org/drawingml/2006/main" xmlns:r="http://schemas.openxmlformats.org/officeDocument/2006/relationships" xmlns:p="http://schemas.openxmlformats.org/presentationml/2006/main">
   <p:cSld>
     <p:spTree>
@@ -9663,7 +9442,7 @@
 </p:sld>
 </file>
 
-<file path=ppt/slides/slide19.xml><?xml version="1.0" encoding="utf-8"?>
+<file path=ppt/slides/slide18.xml><?xml version="1.0" encoding="utf-8"?>
 <p:sld xmlns:a="http://schemas.openxmlformats.org/drawingml/2006/main" xmlns:r="http://schemas.openxmlformats.org/officeDocument/2006/relationships" xmlns:p="http://schemas.openxmlformats.org/presentationml/2006/main">
   <p:cSld>
     <p:spTree>
@@ -10003,509 +9782,7 @@
 </p:sld>
 </file>
 
-<file path=ppt/slides/slide2.xml><?xml version="1.0" encoding="utf-8"?>
-<p:sld xmlns:a="http://schemas.openxmlformats.org/drawingml/2006/main" xmlns:r="http://schemas.openxmlformats.org/officeDocument/2006/relationships" xmlns:p="http://schemas.openxmlformats.org/presentationml/2006/main">
-  <p:cSld>
-    <p:bg>
-      <p:bgPr>
-        <a:solidFill>
-          <a:schemeClr val="bg1"/>
-        </a:solidFill>
-        <a:effectLst/>
-      </p:bgPr>
-    </p:bg>
-    <p:spTree>
-      <p:nvGrpSpPr>
-        <p:cNvPr id="1" name=""/>
-        <p:cNvGrpSpPr/>
-        <p:nvPr/>
-      </p:nvGrpSpPr>
-      <p:grpSpPr>
-        <a:xfrm>
-          <a:off x="0" y="0"/>
-          <a:ext cx="0" cy="0"/>
-          <a:chOff x="0" y="0"/>
-          <a:chExt cx="0" cy="0"/>
-        </a:xfrm>
-      </p:grpSpPr>
-      <p:sp>
-        <p:nvSpPr>
-          <p:cNvPr id="8" name="Rectangle 7">
-            <a:extLst>
-              <a:ext uri="{FF2B5EF4-FFF2-40B4-BE49-F238E27FC236}">
-                <a16:creationId xmlns:a16="http://schemas.microsoft.com/office/drawing/2014/main" id="{52C0B2E1-0268-42EC-ABD3-94F81A05BCBD}"/>
-              </a:ext>
-              <a:ext uri="{C183D7F6-B498-43B3-948B-1728B52AA6E4}">
-                <adec:decorative xmlns:adec="http://schemas.microsoft.com/office/drawing/2017/decorative" val="1"/>
-              </a:ext>
-            </a:extLst>
-          </p:cNvPr>
-          <p:cNvSpPr>
-            <a:spLocks noGrp="1" noRot="1" noChangeAspect="1" noMove="1" noResize="1" noEditPoints="1" noAdjustHandles="1" noChangeArrowheads="1" noChangeShapeType="1" noTextEdit="1"/>
-          </p:cNvSpPr>
-          <p:nvPr>
-            <p:extLst>
-              <p:ext uri="{386F3935-93C4-4BCD-93E2-E3B085C9AB24}">
-                <p16:designElem xmlns:p16="http://schemas.microsoft.com/office/powerpoint/2015/main" val="1"/>
-              </p:ext>
-            </p:extLst>
-          </p:nvPr>
-        </p:nvSpPr>
-        <p:spPr>
-          <a:xfrm>
-            <a:off x="3175" y="6400800"/>
-            <a:ext cx="12188825" cy="457200"/>
-          </a:xfrm>
-          <a:prstGeom prst="rect">
-            <a:avLst/>
-          </a:prstGeom>
-          <a:solidFill>
-            <a:schemeClr val="accent2"/>
-          </a:solidFill>
-          <a:ln>
-            <a:noFill/>
-          </a:ln>
-        </p:spPr>
-        <p:style>
-          <a:lnRef idx="2">
-            <a:schemeClr val="accent1">
-              <a:shade val="50000"/>
-            </a:schemeClr>
-          </a:lnRef>
-          <a:fillRef idx="1">
-            <a:schemeClr val="accent1"/>
-          </a:fillRef>
-          <a:effectRef idx="0">
-            <a:schemeClr val="accent1"/>
-          </a:effectRef>
-          <a:fontRef idx="minor">
-            <a:schemeClr val="lt1"/>
-          </a:fontRef>
-        </p:style>
-      </p:sp>
-      <p:sp>
-        <p:nvSpPr>
-          <p:cNvPr id="10" name="Rectangle 9">
-            <a:extLst>
-              <a:ext uri="{FF2B5EF4-FFF2-40B4-BE49-F238E27FC236}">
-                <a16:creationId xmlns:a16="http://schemas.microsoft.com/office/drawing/2014/main" id="{7D2256B4-48EA-40FC-BBC0-AA1EE6E0080C}"/>
-              </a:ext>
-              <a:ext uri="{C183D7F6-B498-43B3-948B-1728B52AA6E4}">
-                <adec:decorative xmlns:adec="http://schemas.microsoft.com/office/drawing/2017/decorative" val="1"/>
-              </a:ext>
-            </a:extLst>
-          </p:cNvPr>
-          <p:cNvSpPr>
-            <a:spLocks noGrp="1" noRot="1" noChangeAspect="1" noMove="1" noResize="1" noEditPoints="1" noAdjustHandles="1" noChangeArrowheads="1" noChangeShapeType="1" noTextEdit="1"/>
-          </p:cNvSpPr>
-          <p:nvPr>
-            <p:extLst>
-              <p:ext uri="{386F3935-93C4-4BCD-93E2-E3B085C9AB24}">
-                <p16:designElem xmlns:p16="http://schemas.microsoft.com/office/powerpoint/2015/main" val="1"/>
-              </p:ext>
-            </p:extLst>
-          </p:nvPr>
-        </p:nvSpPr>
-        <p:spPr>
-          <a:xfrm>
-            <a:off x="15" y="6334316"/>
-            <a:ext cx="12188825" cy="64008"/>
-          </a:xfrm>
-          <a:prstGeom prst="rect">
-            <a:avLst/>
-          </a:prstGeom>
-          <a:solidFill>
-            <a:schemeClr val="accent1"/>
-          </a:solidFill>
-          <a:ln>
-            <a:noFill/>
-          </a:ln>
-        </p:spPr>
-        <p:style>
-          <a:lnRef idx="2">
-            <a:schemeClr val="accent1">
-              <a:shade val="50000"/>
-            </a:schemeClr>
-          </a:lnRef>
-          <a:fillRef idx="1">
-            <a:schemeClr val="accent1"/>
-          </a:fillRef>
-          <a:effectRef idx="0">
-            <a:schemeClr val="accent1"/>
-          </a:effectRef>
-          <a:fontRef idx="minor">
-            <a:schemeClr val="lt1"/>
-          </a:fontRef>
-        </p:style>
-      </p:sp>
-      <p:cxnSp>
-        <p:nvCxnSpPr>
-          <p:cNvPr id="12" name="Straight Connector 11">
-            <a:extLst>
-              <a:ext uri="{FF2B5EF4-FFF2-40B4-BE49-F238E27FC236}">
-                <a16:creationId xmlns:a16="http://schemas.microsoft.com/office/drawing/2014/main" id="{3D44BCCA-102D-4A9D-B1E4-2450CAF0B05E}"/>
-              </a:ext>
-              <a:ext uri="{C183D7F6-B498-43B3-948B-1728B52AA6E4}">
-                <adec:decorative xmlns:adec="http://schemas.microsoft.com/office/drawing/2017/decorative" val="1"/>
-              </a:ext>
-            </a:extLst>
-          </p:cNvPr>
-          <p:cNvCxnSpPr>
-            <a:cxnSpLocks noGrp="1" noRot="1" noChangeAspect="1" noMove="1" noResize="1" noEditPoints="1" noAdjustHandles="1" noChangeArrowheads="1" noChangeShapeType="1"/>
-          </p:cNvCxnSpPr>
-          <p:nvPr>
-            <p:extLst>
-              <p:ext uri="{386F3935-93C4-4BCD-93E2-E3B085C9AB24}">
-                <p16:designElem xmlns:p16="http://schemas.microsoft.com/office/powerpoint/2015/main" val="1"/>
-              </p:ext>
-            </p:extLst>
-          </p:nvPr>
-        </p:nvCxnSpPr>
-        <p:spPr>
-          <a:xfrm>
-            <a:off x="1207658" y="4343400"/>
-            <a:ext cx="9875520" cy="0"/>
-          </a:xfrm>
-          <a:prstGeom prst="line">
-            <a:avLst/>
-          </a:prstGeom>
-          <a:ln w="6350">
-            <a:solidFill>
-              <a:schemeClr val="tx1">
-                <a:lumMod val="50000"/>
-                <a:lumOff val="50000"/>
-              </a:schemeClr>
-            </a:solidFill>
-          </a:ln>
-        </p:spPr>
-        <p:style>
-          <a:lnRef idx="1">
-            <a:schemeClr val="accent1"/>
-          </a:lnRef>
-          <a:fillRef idx="0">
-            <a:schemeClr val="accent1"/>
-          </a:fillRef>
-          <a:effectRef idx="0">
-            <a:schemeClr val="accent1"/>
-          </a:effectRef>
-          <a:fontRef idx="minor">
-            <a:schemeClr val="tx1"/>
-          </a:fontRef>
-        </p:style>
-      </p:cxnSp>
-      <p:sp useBgFill="1">
-        <p:nvSpPr>
-          <p:cNvPr id="14" name="Rectangle 13">
-            <a:extLst>
-              <a:ext uri="{FF2B5EF4-FFF2-40B4-BE49-F238E27FC236}">
-                <a16:creationId xmlns:a16="http://schemas.microsoft.com/office/drawing/2014/main" id="{FBDCECDC-EEE3-4128-AA5E-82A8C08796E8}"/>
-              </a:ext>
-              <a:ext uri="{C183D7F6-B498-43B3-948B-1728B52AA6E4}">
-                <adec:decorative xmlns:adec="http://schemas.microsoft.com/office/drawing/2017/decorative" val="1"/>
-              </a:ext>
-            </a:extLst>
-          </p:cNvPr>
-          <p:cNvSpPr>
-            <a:spLocks noGrp="1" noRot="1" noChangeAspect="1" noMove="1" noResize="1" noEditPoints="1" noAdjustHandles="1" noChangeArrowheads="1" noChangeShapeType="1" noTextEdit="1"/>
-          </p:cNvSpPr>
-          <p:nvPr>
-            <p:extLst>
-              <p:ext uri="{386F3935-93C4-4BCD-93E2-E3B085C9AB24}">
-                <p16:designElem xmlns:p16="http://schemas.microsoft.com/office/powerpoint/2015/main" val="1"/>
-              </p:ext>
-            </p:extLst>
-          </p:nvPr>
-        </p:nvSpPr>
-        <p:spPr>
-          <a:xfrm>
-            <a:off x="1507" y="0"/>
-            <a:ext cx="12192000" cy="6858000"/>
-          </a:xfrm>
-          <a:prstGeom prst="rect">
-            <a:avLst/>
-          </a:prstGeom>
-          <a:ln>
-            <a:noFill/>
-          </a:ln>
-        </p:spPr>
-        <p:style>
-          <a:lnRef idx="2">
-            <a:schemeClr val="accent1">
-              <a:shade val="50000"/>
-            </a:schemeClr>
-          </a:lnRef>
-          <a:fillRef idx="1">
-            <a:schemeClr val="accent1"/>
-          </a:fillRef>
-          <a:effectRef idx="0">
-            <a:schemeClr val="accent1"/>
-          </a:effectRef>
-          <a:fontRef idx="minor">
-            <a:schemeClr val="lt1"/>
-          </a:fontRef>
-        </p:style>
-        <p:txBody>
-          <a:bodyPr rtlCol="0" anchor="ctr"/>
-          <a:lstStyle/>
-          <a:p>
-            <a:pPr algn="ctr"/>
-            <a:endParaRPr lang="en-US"/>
-          </a:p>
-        </p:txBody>
-      </p:sp>
-      <p:sp>
-        <p:nvSpPr>
-          <p:cNvPr id="16" name="Rectangle 15">
-            <a:extLst>
-              <a:ext uri="{FF2B5EF4-FFF2-40B4-BE49-F238E27FC236}">
-                <a16:creationId xmlns:a16="http://schemas.microsoft.com/office/drawing/2014/main" id="{4260EDE0-989C-4E16-AF94-F652294D828E}"/>
-              </a:ext>
-              <a:ext uri="{C183D7F6-B498-43B3-948B-1728B52AA6E4}">
-                <adec:decorative xmlns:adec="http://schemas.microsoft.com/office/drawing/2017/decorative" val="1"/>
-              </a:ext>
-            </a:extLst>
-          </p:cNvPr>
-          <p:cNvSpPr>
-            <a:spLocks noGrp="1" noRot="1" noChangeAspect="1" noMove="1" noResize="1" noEditPoints="1" noAdjustHandles="1" noChangeArrowheads="1" noChangeShapeType="1" noTextEdit="1"/>
-          </p:cNvSpPr>
-          <p:nvPr>
-            <p:extLst>
-              <p:ext uri="{386F3935-93C4-4BCD-93E2-E3B085C9AB24}">
-                <p16:designElem xmlns:p16="http://schemas.microsoft.com/office/powerpoint/2015/main" val="1"/>
-              </p:ext>
-            </p:extLst>
-          </p:nvPr>
-        </p:nvSpPr>
-        <p:spPr bwMode="white">
-          <a:xfrm>
-            <a:off x="1507" y="4953000"/>
-            <a:ext cx="12188952" cy="1905000"/>
-          </a:xfrm>
-          <a:prstGeom prst="rect">
-            <a:avLst/>
-          </a:prstGeom>
-          <a:solidFill>
-            <a:schemeClr val="accent2"/>
-          </a:solidFill>
-          <a:ln>
-            <a:noFill/>
-          </a:ln>
-        </p:spPr>
-        <p:style>
-          <a:lnRef idx="2">
-            <a:schemeClr val="accent1">
-              <a:shade val="50000"/>
-            </a:schemeClr>
-          </a:lnRef>
-          <a:fillRef idx="1">
-            <a:schemeClr val="accent1"/>
-          </a:fillRef>
-          <a:effectRef idx="0">
-            <a:schemeClr val="accent1"/>
-          </a:effectRef>
-          <a:fontRef idx="minor">
-            <a:schemeClr val="lt1"/>
-          </a:fontRef>
-        </p:style>
-      </p:sp>
-      <p:sp>
-        <p:nvSpPr>
-          <p:cNvPr id="3" name="Text Placeholder 2">
-            <a:extLst>
-              <a:ext uri="{FF2B5EF4-FFF2-40B4-BE49-F238E27FC236}">
-                <a16:creationId xmlns:a16="http://schemas.microsoft.com/office/drawing/2014/main" id="{673510CF-65EA-2602-4D4C-5AD07F9BACF4}"/>
-              </a:ext>
-            </a:extLst>
-          </p:cNvPr>
-          <p:cNvSpPr>
-            <a:spLocks noGrp="1"/>
-          </p:cNvSpPr>
-          <p:nvPr>
-            <p:ph type="body" idx="1"/>
-          </p:nvPr>
-        </p:nvSpPr>
-        <p:spPr>
-          <a:xfrm>
-            <a:off x="1100051" y="5225240"/>
-            <a:ext cx="10058400" cy="1143000"/>
-          </a:xfrm>
-        </p:spPr>
-        <p:txBody>
-          <a:bodyPr vert="horz" lIns="91440" tIns="45720" rIns="91440" bIns="45720" rtlCol="0">
-            <a:normAutofit/>
-          </a:bodyPr>
-          <a:lstStyle/>
-          <a:p>
-            <a:pPr algn="ctr"/>
-            <a:r>
-              <a:rPr lang="en-US" sz="3600" dirty="0">
-                <a:solidFill>
-                  <a:srgbClr val="FFFFFF"/>
-                </a:solidFill>
-              </a:rPr>
-              <a:t>Schedule</a:t>
-            </a:r>
-          </a:p>
-        </p:txBody>
-      </p:sp>
-      <p:sp>
-        <p:nvSpPr>
-          <p:cNvPr id="18" name="Rectangle 17">
-            <a:extLst>
-              <a:ext uri="{FF2B5EF4-FFF2-40B4-BE49-F238E27FC236}">
-                <a16:creationId xmlns:a16="http://schemas.microsoft.com/office/drawing/2014/main" id="{1F3985C0-E548-44D2-B30E-F3E42DADE133}"/>
-              </a:ext>
-              <a:ext uri="{C183D7F6-B498-43B3-948B-1728B52AA6E4}">
-                <adec:decorative xmlns:adec="http://schemas.microsoft.com/office/drawing/2017/decorative" val="1"/>
-              </a:ext>
-            </a:extLst>
-          </p:cNvPr>
-          <p:cNvSpPr>
-            <a:spLocks noGrp="1" noRot="1" noChangeAspect="1" noMove="1" noResize="1" noEditPoints="1" noAdjustHandles="1" noChangeArrowheads="1" noChangeShapeType="1" noTextEdit="1"/>
-          </p:cNvSpPr>
-          <p:nvPr>
-            <p:extLst>
-              <p:ext uri="{386F3935-93C4-4BCD-93E2-E3B085C9AB24}">
-                <p16:designElem xmlns:p16="http://schemas.microsoft.com/office/powerpoint/2015/main" val="1"/>
-              </p:ext>
-            </p:extLst>
-          </p:nvPr>
-        </p:nvSpPr>
-        <p:spPr>
-          <a:xfrm>
-            <a:off x="1507" y="4906176"/>
-            <a:ext cx="12188952" cy="64008"/>
-          </a:xfrm>
-          <a:prstGeom prst="rect">
-            <a:avLst/>
-          </a:prstGeom>
-          <a:solidFill>
-            <a:schemeClr val="accent1"/>
-          </a:solidFill>
-          <a:ln>
-            <a:noFill/>
-          </a:ln>
-        </p:spPr>
-        <p:style>
-          <a:lnRef idx="2">
-            <a:schemeClr val="accent1">
-              <a:shade val="50000"/>
-            </a:schemeClr>
-          </a:lnRef>
-          <a:fillRef idx="1">
-            <a:schemeClr val="accent1"/>
-          </a:fillRef>
-          <a:effectRef idx="0">
-            <a:schemeClr val="accent1"/>
-          </a:effectRef>
-          <a:fontRef idx="minor">
-            <a:schemeClr val="lt1"/>
-          </a:fontRef>
-        </p:style>
-      </p:sp>
-      <p:sp>
-        <p:nvSpPr>
-          <p:cNvPr id="4" name="TextBox 3">
-            <a:extLst>
-              <a:ext uri="{FF2B5EF4-FFF2-40B4-BE49-F238E27FC236}">
-                <a16:creationId xmlns:a16="http://schemas.microsoft.com/office/drawing/2014/main" id="{8A2CD323-40DE-952A-19BF-C811AD01428D}"/>
-              </a:ext>
-            </a:extLst>
-          </p:cNvPr>
-          <p:cNvSpPr txBox="1"/>
-          <p:nvPr/>
-        </p:nvSpPr>
-        <p:spPr>
-          <a:xfrm>
-            <a:off x="482830" y="615634"/>
-            <a:ext cx="10196052" cy="2677656"/>
-          </a:xfrm>
-          <a:prstGeom prst="rect">
-            <a:avLst/>
-          </a:prstGeom>
-          <a:noFill/>
-        </p:spPr>
-        <p:txBody>
-          <a:bodyPr wrap="square" rtlCol="0">
-            <a:spAutoFit/>
-          </a:bodyPr>
-          <a:lstStyle/>
-          <a:p>
-            <a:pPr marL="285750" indent="-285750">
-              <a:buFont typeface="Arial" panose="020B0604020202020204" pitchFamily="34" charset="0"/>
-              <a:buChar char="•"/>
-            </a:pPr>
-            <a:r>
-              <a:rPr lang="en-US" sz="2800" dirty="0"/>
-              <a:t>Background information on Inference</a:t>
-            </a:r>
-          </a:p>
-          <a:p>
-            <a:pPr marL="285750" indent="-285750">
-              <a:buFont typeface="Arial" panose="020B0604020202020204" pitchFamily="34" charset="0"/>
-              <a:buChar char="•"/>
-            </a:pPr>
-            <a:r>
-              <a:rPr lang="en-US" sz="2800" dirty="0"/>
-              <a:t>What is a Confidence Interval?</a:t>
-            </a:r>
-          </a:p>
-          <a:p>
-            <a:pPr marL="285750" indent="-285750">
-              <a:buFont typeface="Arial" panose="020B0604020202020204" pitchFamily="34" charset="0"/>
-              <a:buChar char="•"/>
-            </a:pPr>
-            <a:r>
-              <a:rPr lang="en-US" sz="2800" dirty="0"/>
-              <a:t>How to calculate a Confidence Interval?</a:t>
-            </a:r>
-          </a:p>
-          <a:p>
-            <a:pPr marL="742950" lvl="1" indent="-285750">
-              <a:buFont typeface="Arial" panose="020B0604020202020204" pitchFamily="34" charset="0"/>
-              <a:buChar char="•"/>
-            </a:pPr>
-            <a:r>
-              <a:rPr lang="en-US" sz="2800" dirty="0"/>
-              <a:t>Simulation</a:t>
-            </a:r>
-          </a:p>
-          <a:p>
-            <a:pPr marL="742950" lvl="1" indent="-285750">
-              <a:buFont typeface="Arial" panose="020B0604020202020204" pitchFamily="34" charset="0"/>
-              <a:buChar char="•"/>
-            </a:pPr>
-            <a:r>
-              <a:rPr lang="en-US" sz="2800" dirty="0"/>
-              <a:t>Theory</a:t>
-            </a:r>
-          </a:p>
-          <a:p>
-            <a:pPr marL="285750" indent="-285750">
-              <a:buFont typeface="Arial" panose="020B0604020202020204" pitchFamily="34" charset="0"/>
-              <a:buChar char="•"/>
-            </a:pPr>
-            <a:r>
-              <a:rPr lang="en-US" sz="2800" dirty="0"/>
-              <a:t>Drawing Conclusions</a:t>
-            </a:r>
-          </a:p>
-        </p:txBody>
-      </p:sp>
-    </p:spTree>
-    <p:extLst>
-      <p:ext uri="{BB962C8B-B14F-4D97-AF65-F5344CB8AC3E}">
-        <p14:creationId xmlns:p14="http://schemas.microsoft.com/office/powerpoint/2010/main" val="3462525563"/>
-      </p:ext>
-    </p:extLst>
-  </p:cSld>
-  <p:clrMapOvr>
-    <a:masterClrMapping/>
-  </p:clrMapOvr>
-</p:sld>
-</file>
-
-<file path=ppt/slides/slide20.xml><?xml version="1.0" encoding="utf-8"?>
+<file path=ppt/slides/slide19.xml><?xml version="1.0" encoding="utf-8"?>
 <p:sld xmlns:a="http://schemas.openxmlformats.org/drawingml/2006/main" xmlns:r="http://schemas.openxmlformats.org/officeDocument/2006/relationships" xmlns:p="http://schemas.openxmlformats.org/presentationml/2006/main">
   <p:cSld>
     <p:spTree>
@@ -11002,7 +10279,509 @@
 </p:sld>
 </file>
 
-<file path=ppt/slides/slide21.xml><?xml version="1.0" encoding="utf-8"?>
+<file path=ppt/slides/slide2.xml><?xml version="1.0" encoding="utf-8"?>
+<p:sld xmlns:a="http://schemas.openxmlformats.org/drawingml/2006/main" xmlns:r="http://schemas.openxmlformats.org/officeDocument/2006/relationships" xmlns:p="http://schemas.openxmlformats.org/presentationml/2006/main">
+  <p:cSld>
+    <p:bg>
+      <p:bgPr>
+        <a:solidFill>
+          <a:schemeClr val="bg1"/>
+        </a:solidFill>
+        <a:effectLst/>
+      </p:bgPr>
+    </p:bg>
+    <p:spTree>
+      <p:nvGrpSpPr>
+        <p:cNvPr id="1" name=""/>
+        <p:cNvGrpSpPr/>
+        <p:nvPr/>
+      </p:nvGrpSpPr>
+      <p:grpSpPr>
+        <a:xfrm>
+          <a:off x="0" y="0"/>
+          <a:ext cx="0" cy="0"/>
+          <a:chOff x="0" y="0"/>
+          <a:chExt cx="0" cy="0"/>
+        </a:xfrm>
+      </p:grpSpPr>
+      <p:sp>
+        <p:nvSpPr>
+          <p:cNvPr id="8" name="Rectangle 7">
+            <a:extLst>
+              <a:ext uri="{FF2B5EF4-FFF2-40B4-BE49-F238E27FC236}">
+                <a16:creationId xmlns:a16="http://schemas.microsoft.com/office/drawing/2014/main" id="{52C0B2E1-0268-42EC-ABD3-94F81A05BCBD}"/>
+              </a:ext>
+              <a:ext uri="{C183D7F6-B498-43B3-948B-1728B52AA6E4}">
+                <adec:decorative xmlns:adec="http://schemas.microsoft.com/office/drawing/2017/decorative" val="1"/>
+              </a:ext>
+            </a:extLst>
+          </p:cNvPr>
+          <p:cNvSpPr>
+            <a:spLocks noGrp="1" noRot="1" noChangeAspect="1" noMove="1" noResize="1" noEditPoints="1" noAdjustHandles="1" noChangeArrowheads="1" noChangeShapeType="1" noTextEdit="1"/>
+          </p:cNvSpPr>
+          <p:nvPr>
+            <p:extLst>
+              <p:ext uri="{386F3935-93C4-4BCD-93E2-E3B085C9AB24}">
+                <p16:designElem xmlns:p16="http://schemas.microsoft.com/office/powerpoint/2015/main" val="1"/>
+              </p:ext>
+            </p:extLst>
+          </p:nvPr>
+        </p:nvSpPr>
+        <p:spPr>
+          <a:xfrm>
+            <a:off x="3175" y="6400800"/>
+            <a:ext cx="12188825" cy="457200"/>
+          </a:xfrm>
+          <a:prstGeom prst="rect">
+            <a:avLst/>
+          </a:prstGeom>
+          <a:solidFill>
+            <a:schemeClr val="accent2"/>
+          </a:solidFill>
+          <a:ln>
+            <a:noFill/>
+          </a:ln>
+        </p:spPr>
+        <p:style>
+          <a:lnRef idx="2">
+            <a:schemeClr val="accent1">
+              <a:shade val="50000"/>
+            </a:schemeClr>
+          </a:lnRef>
+          <a:fillRef idx="1">
+            <a:schemeClr val="accent1"/>
+          </a:fillRef>
+          <a:effectRef idx="0">
+            <a:schemeClr val="accent1"/>
+          </a:effectRef>
+          <a:fontRef idx="minor">
+            <a:schemeClr val="lt1"/>
+          </a:fontRef>
+        </p:style>
+      </p:sp>
+      <p:sp>
+        <p:nvSpPr>
+          <p:cNvPr id="10" name="Rectangle 9">
+            <a:extLst>
+              <a:ext uri="{FF2B5EF4-FFF2-40B4-BE49-F238E27FC236}">
+                <a16:creationId xmlns:a16="http://schemas.microsoft.com/office/drawing/2014/main" id="{7D2256B4-48EA-40FC-BBC0-AA1EE6E0080C}"/>
+              </a:ext>
+              <a:ext uri="{C183D7F6-B498-43B3-948B-1728B52AA6E4}">
+                <adec:decorative xmlns:adec="http://schemas.microsoft.com/office/drawing/2017/decorative" val="1"/>
+              </a:ext>
+            </a:extLst>
+          </p:cNvPr>
+          <p:cNvSpPr>
+            <a:spLocks noGrp="1" noRot="1" noChangeAspect="1" noMove="1" noResize="1" noEditPoints="1" noAdjustHandles="1" noChangeArrowheads="1" noChangeShapeType="1" noTextEdit="1"/>
+          </p:cNvSpPr>
+          <p:nvPr>
+            <p:extLst>
+              <p:ext uri="{386F3935-93C4-4BCD-93E2-E3B085C9AB24}">
+                <p16:designElem xmlns:p16="http://schemas.microsoft.com/office/powerpoint/2015/main" val="1"/>
+              </p:ext>
+            </p:extLst>
+          </p:nvPr>
+        </p:nvSpPr>
+        <p:spPr>
+          <a:xfrm>
+            <a:off x="15" y="6334316"/>
+            <a:ext cx="12188825" cy="64008"/>
+          </a:xfrm>
+          <a:prstGeom prst="rect">
+            <a:avLst/>
+          </a:prstGeom>
+          <a:solidFill>
+            <a:schemeClr val="accent1"/>
+          </a:solidFill>
+          <a:ln>
+            <a:noFill/>
+          </a:ln>
+        </p:spPr>
+        <p:style>
+          <a:lnRef idx="2">
+            <a:schemeClr val="accent1">
+              <a:shade val="50000"/>
+            </a:schemeClr>
+          </a:lnRef>
+          <a:fillRef idx="1">
+            <a:schemeClr val="accent1"/>
+          </a:fillRef>
+          <a:effectRef idx="0">
+            <a:schemeClr val="accent1"/>
+          </a:effectRef>
+          <a:fontRef idx="minor">
+            <a:schemeClr val="lt1"/>
+          </a:fontRef>
+        </p:style>
+      </p:sp>
+      <p:cxnSp>
+        <p:nvCxnSpPr>
+          <p:cNvPr id="12" name="Straight Connector 11">
+            <a:extLst>
+              <a:ext uri="{FF2B5EF4-FFF2-40B4-BE49-F238E27FC236}">
+                <a16:creationId xmlns:a16="http://schemas.microsoft.com/office/drawing/2014/main" id="{3D44BCCA-102D-4A9D-B1E4-2450CAF0B05E}"/>
+              </a:ext>
+              <a:ext uri="{C183D7F6-B498-43B3-948B-1728B52AA6E4}">
+                <adec:decorative xmlns:adec="http://schemas.microsoft.com/office/drawing/2017/decorative" val="1"/>
+              </a:ext>
+            </a:extLst>
+          </p:cNvPr>
+          <p:cNvCxnSpPr>
+            <a:cxnSpLocks noGrp="1" noRot="1" noChangeAspect="1" noMove="1" noResize="1" noEditPoints="1" noAdjustHandles="1" noChangeArrowheads="1" noChangeShapeType="1"/>
+          </p:cNvCxnSpPr>
+          <p:nvPr>
+            <p:extLst>
+              <p:ext uri="{386F3935-93C4-4BCD-93E2-E3B085C9AB24}">
+                <p16:designElem xmlns:p16="http://schemas.microsoft.com/office/powerpoint/2015/main" val="1"/>
+              </p:ext>
+            </p:extLst>
+          </p:nvPr>
+        </p:nvCxnSpPr>
+        <p:spPr>
+          <a:xfrm>
+            <a:off x="1207658" y="4343400"/>
+            <a:ext cx="9875520" cy="0"/>
+          </a:xfrm>
+          <a:prstGeom prst="line">
+            <a:avLst/>
+          </a:prstGeom>
+          <a:ln w="6350">
+            <a:solidFill>
+              <a:schemeClr val="tx1">
+                <a:lumMod val="50000"/>
+                <a:lumOff val="50000"/>
+              </a:schemeClr>
+            </a:solidFill>
+          </a:ln>
+        </p:spPr>
+        <p:style>
+          <a:lnRef idx="1">
+            <a:schemeClr val="accent1"/>
+          </a:lnRef>
+          <a:fillRef idx="0">
+            <a:schemeClr val="accent1"/>
+          </a:fillRef>
+          <a:effectRef idx="0">
+            <a:schemeClr val="accent1"/>
+          </a:effectRef>
+          <a:fontRef idx="minor">
+            <a:schemeClr val="tx1"/>
+          </a:fontRef>
+        </p:style>
+      </p:cxnSp>
+      <p:sp useBgFill="1">
+        <p:nvSpPr>
+          <p:cNvPr id="14" name="Rectangle 13">
+            <a:extLst>
+              <a:ext uri="{FF2B5EF4-FFF2-40B4-BE49-F238E27FC236}">
+                <a16:creationId xmlns:a16="http://schemas.microsoft.com/office/drawing/2014/main" id="{FBDCECDC-EEE3-4128-AA5E-82A8C08796E8}"/>
+              </a:ext>
+              <a:ext uri="{C183D7F6-B498-43B3-948B-1728B52AA6E4}">
+                <adec:decorative xmlns:adec="http://schemas.microsoft.com/office/drawing/2017/decorative" val="1"/>
+              </a:ext>
+            </a:extLst>
+          </p:cNvPr>
+          <p:cNvSpPr>
+            <a:spLocks noGrp="1" noRot="1" noChangeAspect="1" noMove="1" noResize="1" noEditPoints="1" noAdjustHandles="1" noChangeArrowheads="1" noChangeShapeType="1" noTextEdit="1"/>
+          </p:cNvSpPr>
+          <p:nvPr>
+            <p:extLst>
+              <p:ext uri="{386F3935-93C4-4BCD-93E2-E3B085C9AB24}">
+                <p16:designElem xmlns:p16="http://schemas.microsoft.com/office/powerpoint/2015/main" val="1"/>
+              </p:ext>
+            </p:extLst>
+          </p:nvPr>
+        </p:nvSpPr>
+        <p:spPr>
+          <a:xfrm>
+            <a:off x="1507" y="0"/>
+            <a:ext cx="12192000" cy="6858000"/>
+          </a:xfrm>
+          <a:prstGeom prst="rect">
+            <a:avLst/>
+          </a:prstGeom>
+          <a:ln>
+            <a:noFill/>
+          </a:ln>
+        </p:spPr>
+        <p:style>
+          <a:lnRef idx="2">
+            <a:schemeClr val="accent1">
+              <a:shade val="50000"/>
+            </a:schemeClr>
+          </a:lnRef>
+          <a:fillRef idx="1">
+            <a:schemeClr val="accent1"/>
+          </a:fillRef>
+          <a:effectRef idx="0">
+            <a:schemeClr val="accent1"/>
+          </a:effectRef>
+          <a:fontRef idx="minor">
+            <a:schemeClr val="lt1"/>
+          </a:fontRef>
+        </p:style>
+        <p:txBody>
+          <a:bodyPr rtlCol="0" anchor="ctr"/>
+          <a:lstStyle/>
+          <a:p>
+            <a:pPr algn="ctr"/>
+            <a:endParaRPr lang="en-US"/>
+          </a:p>
+        </p:txBody>
+      </p:sp>
+      <p:sp>
+        <p:nvSpPr>
+          <p:cNvPr id="16" name="Rectangle 15">
+            <a:extLst>
+              <a:ext uri="{FF2B5EF4-FFF2-40B4-BE49-F238E27FC236}">
+                <a16:creationId xmlns:a16="http://schemas.microsoft.com/office/drawing/2014/main" id="{4260EDE0-989C-4E16-AF94-F652294D828E}"/>
+              </a:ext>
+              <a:ext uri="{C183D7F6-B498-43B3-948B-1728B52AA6E4}">
+                <adec:decorative xmlns:adec="http://schemas.microsoft.com/office/drawing/2017/decorative" val="1"/>
+              </a:ext>
+            </a:extLst>
+          </p:cNvPr>
+          <p:cNvSpPr>
+            <a:spLocks noGrp="1" noRot="1" noChangeAspect="1" noMove="1" noResize="1" noEditPoints="1" noAdjustHandles="1" noChangeArrowheads="1" noChangeShapeType="1" noTextEdit="1"/>
+          </p:cNvSpPr>
+          <p:nvPr>
+            <p:extLst>
+              <p:ext uri="{386F3935-93C4-4BCD-93E2-E3B085C9AB24}">
+                <p16:designElem xmlns:p16="http://schemas.microsoft.com/office/powerpoint/2015/main" val="1"/>
+              </p:ext>
+            </p:extLst>
+          </p:nvPr>
+        </p:nvSpPr>
+        <p:spPr bwMode="white">
+          <a:xfrm>
+            <a:off x="1507" y="4953000"/>
+            <a:ext cx="12188952" cy="1905000"/>
+          </a:xfrm>
+          <a:prstGeom prst="rect">
+            <a:avLst/>
+          </a:prstGeom>
+          <a:solidFill>
+            <a:schemeClr val="accent2"/>
+          </a:solidFill>
+          <a:ln>
+            <a:noFill/>
+          </a:ln>
+        </p:spPr>
+        <p:style>
+          <a:lnRef idx="2">
+            <a:schemeClr val="accent1">
+              <a:shade val="50000"/>
+            </a:schemeClr>
+          </a:lnRef>
+          <a:fillRef idx="1">
+            <a:schemeClr val="accent1"/>
+          </a:fillRef>
+          <a:effectRef idx="0">
+            <a:schemeClr val="accent1"/>
+          </a:effectRef>
+          <a:fontRef idx="minor">
+            <a:schemeClr val="lt1"/>
+          </a:fontRef>
+        </p:style>
+      </p:sp>
+      <p:sp>
+        <p:nvSpPr>
+          <p:cNvPr id="3" name="Text Placeholder 2">
+            <a:extLst>
+              <a:ext uri="{FF2B5EF4-FFF2-40B4-BE49-F238E27FC236}">
+                <a16:creationId xmlns:a16="http://schemas.microsoft.com/office/drawing/2014/main" id="{673510CF-65EA-2602-4D4C-5AD07F9BACF4}"/>
+              </a:ext>
+            </a:extLst>
+          </p:cNvPr>
+          <p:cNvSpPr>
+            <a:spLocks noGrp="1"/>
+          </p:cNvSpPr>
+          <p:nvPr>
+            <p:ph type="body" idx="1"/>
+          </p:nvPr>
+        </p:nvSpPr>
+        <p:spPr>
+          <a:xfrm>
+            <a:off x="1100051" y="5225240"/>
+            <a:ext cx="10058400" cy="1143000"/>
+          </a:xfrm>
+        </p:spPr>
+        <p:txBody>
+          <a:bodyPr vert="horz" lIns="91440" tIns="45720" rIns="91440" bIns="45720" rtlCol="0">
+            <a:normAutofit/>
+          </a:bodyPr>
+          <a:lstStyle/>
+          <a:p>
+            <a:pPr algn="ctr"/>
+            <a:r>
+              <a:rPr lang="en-US" sz="3600" dirty="0">
+                <a:solidFill>
+                  <a:srgbClr val="FFFFFF"/>
+                </a:solidFill>
+              </a:rPr>
+              <a:t>Schedule</a:t>
+            </a:r>
+          </a:p>
+        </p:txBody>
+      </p:sp>
+      <p:sp>
+        <p:nvSpPr>
+          <p:cNvPr id="18" name="Rectangle 17">
+            <a:extLst>
+              <a:ext uri="{FF2B5EF4-FFF2-40B4-BE49-F238E27FC236}">
+                <a16:creationId xmlns:a16="http://schemas.microsoft.com/office/drawing/2014/main" id="{1F3985C0-E548-44D2-B30E-F3E42DADE133}"/>
+              </a:ext>
+              <a:ext uri="{C183D7F6-B498-43B3-948B-1728B52AA6E4}">
+                <adec:decorative xmlns:adec="http://schemas.microsoft.com/office/drawing/2017/decorative" val="1"/>
+              </a:ext>
+            </a:extLst>
+          </p:cNvPr>
+          <p:cNvSpPr>
+            <a:spLocks noGrp="1" noRot="1" noChangeAspect="1" noMove="1" noResize="1" noEditPoints="1" noAdjustHandles="1" noChangeArrowheads="1" noChangeShapeType="1" noTextEdit="1"/>
+          </p:cNvSpPr>
+          <p:nvPr>
+            <p:extLst>
+              <p:ext uri="{386F3935-93C4-4BCD-93E2-E3B085C9AB24}">
+                <p16:designElem xmlns:p16="http://schemas.microsoft.com/office/powerpoint/2015/main" val="1"/>
+              </p:ext>
+            </p:extLst>
+          </p:nvPr>
+        </p:nvSpPr>
+        <p:spPr>
+          <a:xfrm>
+            <a:off x="1507" y="4906176"/>
+            <a:ext cx="12188952" cy="64008"/>
+          </a:xfrm>
+          <a:prstGeom prst="rect">
+            <a:avLst/>
+          </a:prstGeom>
+          <a:solidFill>
+            <a:schemeClr val="accent1"/>
+          </a:solidFill>
+          <a:ln>
+            <a:noFill/>
+          </a:ln>
+        </p:spPr>
+        <p:style>
+          <a:lnRef idx="2">
+            <a:schemeClr val="accent1">
+              <a:shade val="50000"/>
+            </a:schemeClr>
+          </a:lnRef>
+          <a:fillRef idx="1">
+            <a:schemeClr val="accent1"/>
+          </a:fillRef>
+          <a:effectRef idx="0">
+            <a:schemeClr val="accent1"/>
+          </a:effectRef>
+          <a:fontRef idx="minor">
+            <a:schemeClr val="lt1"/>
+          </a:fontRef>
+        </p:style>
+      </p:sp>
+      <p:sp>
+        <p:nvSpPr>
+          <p:cNvPr id="4" name="TextBox 3">
+            <a:extLst>
+              <a:ext uri="{FF2B5EF4-FFF2-40B4-BE49-F238E27FC236}">
+                <a16:creationId xmlns:a16="http://schemas.microsoft.com/office/drawing/2014/main" id="{8A2CD323-40DE-952A-19BF-C811AD01428D}"/>
+              </a:ext>
+            </a:extLst>
+          </p:cNvPr>
+          <p:cNvSpPr txBox="1"/>
+          <p:nvPr/>
+        </p:nvSpPr>
+        <p:spPr>
+          <a:xfrm>
+            <a:off x="482830" y="615634"/>
+            <a:ext cx="10196052" cy="2677656"/>
+          </a:xfrm>
+          <a:prstGeom prst="rect">
+            <a:avLst/>
+          </a:prstGeom>
+          <a:noFill/>
+        </p:spPr>
+        <p:txBody>
+          <a:bodyPr wrap="square" rtlCol="0">
+            <a:spAutoFit/>
+          </a:bodyPr>
+          <a:lstStyle/>
+          <a:p>
+            <a:pPr marL="285750" indent="-285750">
+              <a:buFont typeface="Arial" panose="020B0604020202020204" pitchFamily="34" charset="0"/>
+              <a:buChar char="•"/>
+            </a:pPr>
+            <a:r>
+              <a:rPr lang="en-US" sz="2800" dirty="0"/>
+              <a:t>Background information on Inference</a:t>
+            </a:r>
+          </a:p>
+          <a:p>
+            <a:pPr marL="285750" indent="-285750">
+              <a:buFont typeface="Arial" panose="020B0604020202020204" pitchFamily="34" charset="0"/>
+              <a:buChar char="•"/>
+            </a:pPr>
+            <a:r>
+              <a:rPr lang="en-US" sz="2800" dirty="0"/>
+              <a:t>What is a Confidence Interval?</a:t>
+            </a:r>
+          </a:p>
+          <a:p>
+            <a:pPr marL="285750" indent="-285750">
+              <a:buFont typeface="Arial" panose="020B0604020202020204" pitchFamily="34" charset="0"/>
+              <a:buChar char="•"/>
+            </a:pPr>
+            <a:r>
+              <a:rPr lang="en-US" sz="2800" dirty="0"/>
+              <a:t>How to calculate a Confidence Interval?</a:t>
+            </a:r>
+          </a:p>
+          <a:p>
+            <a:pPr marL="742950" lvl="1" indent="-285750">
+              <a:buFont typeface="Arial" panose="020B0604020202020204" pitchFamily="34" charset="0"/>
+              <a:buChar char="•"/>
+            </a:pPr>
+            <a:r>
+              <a:rPr lang="en-US" sz="2800" dirty="0"/>
+              <a:t>Simulation</a:t>
+            </a:r>
+          </a:p>
+          <a:p>
+            <a:pPr marL="742950" lvl="1" indent="-285750">
+              <a:buFont typeface="Arial" panose="020B0604020202020204" pitchFamily="34" charset="0"/>
+              <a:buChar char="•"/>
+            </a:pPr>
+            <a:r>
+              <a:rPr lang="en-US" sz="2800" dirty="0"/>
+              <a:t>Theory</a:t>
+            </a:r>
+          </a:p>
+          <a:p>
+            <a:pPr marL="285750" indent="-285750">
+              <a:buFont typeface="Arial" panose="020B0604020202020204" pitchFamily="34" charset="0"/>
+              <a:buChar char="•"/>
+            </a:pPr>
+            <a:r>
+              <a:rPr lang="en-US" sz="2800" dirty="0"/>
+              <a:t>Drawing Conclusions</a:t>
+            </a:r>
+          </a:p>
+        </p:txBody>
+      </p:sp>
+    </p:spTree>
+    <p:extLst>
+      <p:ext uri="{BB962C8B-B14F-4D97-AF65-F5344CB8AC3E}">
+        <p14:creationId xmlns:p14="http://schemas.microsoft.com/office/powerpoint/2010/main" val="3462525563"/>
+      </p:ext>
+    </p:extLst>
+  </p:cSld>
+  <p:clrMapOvr>
+    <a:masterClrMapping/>
+  </p:clrMapOvr>
+</p:sld>
+</file>
+
+<file path=ppt/slides/slide20.xml><?xml version="1.0" encoding="utf-8"?>
 <p:sld xmlns:a="http://schemas.openxmlformats.org/drawingml/2006/main" xmlns:r="http://schemas.openxmlformats.org/officeDocument/2006/relationships" xmlns:p="http://schemas.openxmlformats.org/presentationml/2006/main">
   <p:cSld>
     <p:spTree>
@@ -13073,7 +12852,7 @@
 </p:sld>
 </file>
 
-<file path=ppt/slides/slide22.xml><?xml version="1.0" encoding="utf-8"?>
+<file path=ppt/slides/slide21.xml><?xml version="1.0" encoding="utf-8"?>
 <p:sld xmlns:a="http://schemas.openxmlformats.org/drawingml/2006/main" xmlns:r="http://schemas.openxmlformats.org/officeDocument/2006/relationships" xmlns:p="http://schemas.openxmlformats.org/presentationml/2006/main">
   <p:cSld>
     <p:spTree>
@@ -13168,7 +12947,7 @@
 </p:sld>
 </file>
 
-<file path=ppt/slides/slide23.xml><?xml version="1.0" encoding="utf-8"?>
+<file path=ppt/slides/slide22.xml><?xml version="1.0" encoding="utf-8"?>
 <p:sld xmlns:a="http://schemas.openxmlformats.org/drawingml/2006/main" xmlns:r="http://schemas.openxmlformats.org/officeDocument/2006/relationships" xmlns:p="http://schemas.openxmlformats.org/presentationml/2006/main">
   <p:cSld>
     <p:spTree>
@@ -13198,7 +12977,7 @@
 </p:sld>
 </file>
 
-<file path=ppt/slides/slide24.xml><?xml version="1.0" encoding="utf-8"?>
+<file path=ppt/slides/slide23.xml><?xml version="1.0" encoding="utf-8"?>
 <p:sld xmlns:a="http://schemas.openxmlformats.org/drawingml/2006/main" xmlns:r="http://schemas.openxmlformats.org/officeDocument/2006/relationships" xmlns:p="http://schemas.openxmlformats.org/presentationml/2006/main">
   <p:cSld>
     <p:spTree>
@@ -13228,7 +13007,7 @@
 </p:sld>
 </file>
 
-<file path=ppt/slides/slide25.xml><?xml version="1.0" encoding="utf-8"?>
+<file path=ppt/slides/slide24.xml><?xml version="1.0" encoding="utf-8"?>
 <p:sld xmlns:a="http://schemas.openxmlformats.org/drawingml/2006/main" xmlns:r="http://schemas.openxmlformats.org/officeDocument/2006/relationships" xmlns:p="http://schemas.openxmlformats.org/presentationml/2006/main">
   <p:cSld>
     <p:spTree>
@@ -13397,7 +13176,7 @@
 </p:sld>
 </file>
 
-<file path=ppt/slides/slide26.xml><?xml version="1.0" encoding="utf-8"?>
+<file path=ppt/slides/slide25.xml><?xml version="1.0" encoding="utf-8"?>
 <p:sld xmlns:a="http://schemas.openxmlformats.org/drawingml/2006/main" xmlns:r="http://schemas.openxmlformats.org/officeDocument/2006/relationships" xmlns:p="http://schemas.openxmlformats.org/presentationml/2006/main">
   <p:cSld>
     <p:spTree>
@@ -13525,7 +13304,7 @@
 </p:sld>
 </file>
 
-<file path=ppt/slides/slide27.xml><?xml version="1.0" encoding="utf-8"?>
+<file path=ppt/slides/slide26.xml><?xml version="1.0" encoding="utf-8"?>
 <p:sld xmlns:a="http://schemas.openxmlformats.org/drawingml/2006/main" xmlns:r="http://schemas.openxmlformats.org/officeDocument/2006/relationships" xmlns:p="http://schemas.openxmlformats.org/presentationml/2006/main">
   <p:cSld>
     <p:spTree>
@@ -13841,7 +13620,7 @@
 </p:sld>
 </file>
 
-<file path=ppt/slides/slide28.xml><?xml version="1.0" encoding="utf-8"?>
+<file path=ppt/slides/slide27.xml><?xml version="1.0" encoding="utf-8"?>
 <p:sld xmlns:a="http://schemas.openxmlformats.org/drawingml/2006/main" xmlns:r="http://schemas.openxmlformats.org/officeDocument/2006/relationships" xmlns:p="http://schemas.openxmlformats.org/presentationml/2006/main">
   <p:cSld>
     <p:spTree>
@@ -14169,7 +13948,7 @@
 </p:sld>
 </file>
 
-<file path=ppt/slides/slide29.xml><?xml version="1.0" encoding="utf-8"?>
+<file path=ppt/slides/slide28.xml><?xml version="1.0" encoding="utf-8"?>
 <p:sld xmlns:a="http://schemas.openxmlformats.org/drawingml/2006/main" xmlns:r="http://schemas.openxmlformats.org/officeDocument/2006/relationships" xmlns:p="http://schemas.openxmlformats.org/presentationml/2006/main">
   <p:cSld>
     <p:spTree>

--- a/job/teaching/teaching-demonstration2.pptx
+++ b/job/teaching/teaching-demonstration2.pptx
@@ -1752,7 +1752,7 @@
           <a:p>
             <a:fld id="{B07F9D06-57BB-4FD9-9015-C449E2A2CB7A}" type="datetimeFigureOut">
               <a:rPr lang="en-US" smtClean="0"/>
-              <a:t>11/19/2022</a:t>
+              <a:t>11/20/2022</a:t>
             </a:fld>
             <a:endParaRPr lang="en-US"/>
           </a:p>
@@ -1960,7 +1960,7 @@
           <a:p>
             <a:fld id="{B07F9D06-57BB-4FD9-9015-C449E2A2CB7A}" type="datetimeFigureOut">
               <a:rPr lang="en-US" smtClean="0"/>
-              <a:t>11/19/2022</a:t>
+              <a:t>11/20/2022</a:t>
             </a:fld>
             <a:endParaRPr lang="en-US"/>
           </a:p>
@@ -2216,7 +2216,7 @@
           <a:p>
             <a:fld id="{B07F9D06-57BB-4FD9-9015-C449E2A2CB7A}" type="datetimeFigureOut">
               <a:rPr lang="en-US" smtClean="0"/>
-              <a:t>11/19/2022</a:t>
+              <a:t>11/20/2022</a:t>
             </a:fld>
             <a:endParaRPr lang="en-US"/>
           </a:p>
@@ -2390,7 +2390,7 @@
           <a:p>
             <a:fld id="{B07F9D06-57BB-4FD9-9015-C449E2A2CB7A}" type="datetimeFigureOut">
               <a:rPr lang="en-US" smtClean="0"/>
-              <a:t>11/19/2022</a:t>
+              <a:t>11/20/2022</a:t>
             </a:fld>
             <a:endParaRPr lang="en-US"/>
           </a:p>
@@ -2733,7 +2733,7 @@
           <a:p>
             <a:fld id="{B07F9D06-57BB-4FD9-9015-C449E2A2CB7A}" type="datetimeFigureOut">
               <a:rPr lang="en-US" smtClean="0"/>
-              <a:t>11/19/2022</a:t>
+              <a:t>11/20/2022</a:t>
             </a:fld>
             <a:endParaRPr lang="en-US"/>
           </a:p>
@@ -3008,7 +3008,7 @@
           <a:p>
             <a:fld id="{B07F9D06-57BB-4FD9-9015-C449E2A2CB7A}" type="datetimeFigureOut">
               <a:rPr lang="en-US" smtClean="0"/>
-              <a:t>11/19/2022</a:t>
+              <a:t>11/20/2022</a:t>
             </a:fld>
             <a:endParaRPr lang="en-US"/>
           </a:p>
@@ -3387,7 +3387,7 @@
           <a:p>
             <a:fld id="{B07F9D06-57BB-4FD9-9015-C449E2A2CB7A}" type="datetimeFigureOut">
               <a:rPr lang="en-US" smtClean="0"/>
-              <a:t>11/19/2022</a:t>
+              <a:t>11/20/2022</a:t>
             </a:fld>
             <a:endParaRPr lang="en-US"/>
           </a:p>
@@ -3505,7 +3505,7 @@
           <a:p>
             <a:fld id="{B07F9D06-57BB-4FD9-9015-C449E2A2CB7A}" type="datetimeFigureOut">
               <a:rPr lang="en-US" smtClean="0"/>
-              <a:t>11/19/2022</a:t>
+              <a:t>11/20/2022</a:t>
             </a:fld>
             <a:endParaRPr lang="en-US"/>
           </a:p>
@@ -3676,7 +3676,7 @@
           <a:p>
             <a:fld id="{B07F9D06-57BB-4FD9-9015-C449E2A2CB7A}" type="datetimeFigureOut">
               <a:rPr lang="en-US" smtClean="0"/>
-              <a:t>11/19/2022</a:t>
+              <a:t>11/20/2022</a:t>
             </a:fld>
             <a:endParaRPr lang="en-US"/>
           </a:p>
@@ -4030,7 +4030,7 @@
           <a:p>
             <a:fld id="{B07F9D06-57BB-4FD9-9015-C449E2A2CB7A}" type="datetimeFigureOut">
               <a:rPr lang="en-US" smtClean="0"/>
-              <a:t>11/19/2022</a:t>
+              <a:t>11/20/2022</a:t>
             </a:fld>
             <a:endParaRPr lang="en-US"/>
           </a:p>
@@ -4412,7 +4412,7 @@
           <a:p>
             <a:fld id="{B07F9D06-57BB-4FD9-9015-C449E2A2CB7A}" type="datetimeFigureOut">
               <a:rPr lang="en-US" smtClean="0"/>
-              <a:t>11/19/2022</a:t>
+              <a:t>11/20/2022</a:t>
             </a:fld>
             <a:endParaRPr lang="en-US"/>
           </a:p>
@@ -4699,7 +4699,7 @@
           <a:p>
             <a:fld id="{B07F9D06-57BB-4FD9-9015-C449E2A2CB7A}" type="datetimeFigureOut">
               <a:rPr lang="en-US" smtClean="0"/>
-              <a:t>11/19/2022</a:t>
+              <a:t>11/20/2022</a:t>
             </a:fld>
             <a:endParaRPr lang="en-US"/>
           </a:p>
@@ -13264,7 +13264,7 @@
             <a:pPr lvl="1"/>
             <a:r>
               <a:rPr lang="en-US" dirty="0"/>
-              <a:t>Why? The parameter value is fixed. “Change” Implies that the parameter changes.</a:t>
+              <a:t>Why? The parameter value is fixed. “Chance” Implies that the parameter changes.</a:t>
             </a:r>
           </a:p>
           <a:p>
